--- a/QSoftVietnam_SlideTemplate2014- Sonvq.pptx
+++ b/QSoftVietnam_SlideTemplate2014- Sonvq.pptx
@@ -5,10 +5,10 @@
     <p:sldMasterId id="2147485495" r:id="rId1"/>
   </p:sldMasterIdLst>
   <p:notesMasterIdLst>
-    <p:notesMasterId r:id="rId34"/>
+    <p:notesMasterId r:id="rId38"/>
   </p:notesMasterIdLst>
   <p:handoutMasterIdLst>
-    <p:handoutMasterId r:id="rId35"/>
+    <p:handoutMasterId r:id="rId39"/>
   </p:handoutMasterIdLst>
   <p:sldIdLst>
     <p:sldId id="256" r:id="rId2"/>
@@ -38,11 +38,15 @@
     <p:sldId id="360" r:id="rId26"/>
     <p:sldId id="370" r:id="rId27"/>
     <p:sldId id="371" r:id="rId28"/>
-    <p:sldId id="364" r:id="rId29"/>
-    <p:sldId id="374" r:id="rId30"/>
-    <p:sldId id="372" r:id="rId31"/>
-    <p:sldId id="375" r:id="rId32"/>
-    <p:sldId id="333" r:id="rId33"/>
+    <p:sldId id="379" r:id="rId29"/>
+    <p:sldId id="364" r:id="rId30"/>
+    <p:sldId id="374" r:id="rId31"/>
+    <p:sldId id="376" r:id="rId32"/>
+    <p:sldId id="377" r:id="rId33"/>
+    <p:sldId id="372" r:id="rId34"/>
+    <p:sldId id="375" r:id="rId35"/>
+    <p:sldId id="378" r:id="rId36"/>
+    <p:sldId id="333" r:id="rId37"/>
   </p:sldIdLst>
   <p:sldSz cx="9144000" cy="6858000" type="screen4x3"/>
   <p:notesSz cx="6858000" cy="9144000"/>
@@ -143,7 +147,7 @@
   </p:defaultTextStyle>
   <p:extLst>
     <p:ext uri="{EFAFB233-063F-42B5-8137-9DF3F51BA10A}">
-      <p15:sldGuideLst xmlns:p15="http://schemas.microsoft.com/office/powerpoint/2012/main">
+      <p15:sldGuideLst xmlns="" xmlns:p15="http://schemas.microsoft.com/office/powerpoint/2012/main">
         <p15:guide id="1" orient="horz" pos="2160">
           <p15:clr>
             <a:srgbClr val="A4A3A4"/>
@@ -243,7 +247,7 @@
             <a:fld id="{AEC239D8-9946-CA43-8D24-8F75F9EC746F}" type="datetimeFigureOut">
               <a:rPr lang="en-US" smtClean="0"/>
               <a:pPr/>
-              <a:t>25/03/2015</a:t>
+              <a:t>3/29/2015</a:t>
             </a:fld>
             <a:endParaRPr lang="en-US"/>
           </a:p>
@@ -411,7 +415,7 @@
             <a:fld id="{30D3C4F2-547F-4EAC-A4FB-1991884D518B}" type="datetimeFigureOut">
               <a:rPr lang="en-US" smtClean="0"/>
               <a:pPr/>
-              <a:t>25/03/2015</a:t>
+              <a:t>3/29/2015</a:t>
             </a:fld>
             <a:endParaRPr lang="en-US"/>
           </a:p>
@@ -1144,7 +1148,7 @@
             <a:fld id="{35845946-0CF3-4C0F-AF5C-F563F65A0652}" type="slidenum">
               <a:rPr lang="en-US" smtClean="0"/>
               <a:pPr/>
-              <a:t>28</a:t>
+              <a:t>29</a:t>
             </a:fld>
             <a:endParaRPr lang="en-US"/>
           </a:p>
@@ -1207,155 +1211,258 @@
           <a:bodyPr/>
           <a:lstStyle/>
           <a:p>
-            <a:pPr algn="l"/>
-            <a:r>
-              <a:rPr lang="en-US" dirty="0" smtClean="0">
-                <a:solidFill>
-                  <a:srgbClr val="0000FF"/>
-                </a:solidFill>
-              </a:rPr>
-              <a:t>if (</a:t>
-            </a:r>
-            <a:r>
-              <a:rPr lang="en-US" dirty="0" err="1" smtClean="0">
-                <a:solidFill>
-                  <a:srgbClr val="0000FF"/>
-                </a:solidFill>
-              </a:rPr>
-              <a:t>navigator.onLine</a:t>
-            </a:r>
-            <a:r>
-              <a:rPr lang="en-US" dirty="0" smtClean="0">
-                <a:solidFill>
-                  <a:srgbClr val="0000FF"/>
-                </a:solidFill>
-              </a:rPr>
-              <a:t>) { </a:t>
-            </a:r>
-          </a:p>
-          <a:p>
-            <a:pPr algn="l"/>
-            <a:r>
-              <a:rPr lang="en-US" dirty="0" smtClean="0">
-                <a:solidFill>
-                  <a:srgbClr val="0000FF"/>
-                </a:solidFill>
-              </a:rPr>
-              <a:t>	alert ("Browser is online"); 	</a:t>
-            </a:r>
-          </a:p>
-          <a:p>
-            <a:pPr algn="l"/>
-            <a:r>
-              <a:rPr lang="en-US" dirty="0" smtClean="0">
-                <a:solidFill>
-                  <a:srgbClr val="0000FF"/>
-                </a:solidFill>
-              </a:rPr>
-              <a:t>} else { </a:t>
-            </a:r>
-          </a:p>
-          <a:p>
-            <a:pPr algn="l"/>
-            <a:r>
-              <a:rPr lang="en-US" dirty="0" smtClean="0">
-                <a:solidFill>
-                  <a:srgbClr val="0000FF"/>
-                </a:solidFill>
-              </a:rPr>
-              <a:t>	alert("Browser is offline"); </a:t>
-            </a:r>
-          </a:p>
-          <a:p>
-            <a:pPr algn="l"/>
-            <a:r>
-              <a:rPr lang="en-US" dirty="0" smtClean="0">
-                <a:solidFill>
-                  <a:srgbClr val="0000FF"/>
-                </a:solidFill>
-              </a:rPr>
-              <a:t>}</a:t>
-            </a:r>
-          </a:p>
-          <a:p>
-            <a:pPr algn="l"/>
-            <a:endParaRPr lang="en-US" b="1" dirty="0" smtClean="0">
+            <a:r>
+              <a:rPr lang="en-US" dirty="0" err="1" smtClean="0"/>
+              <a:t>var</a:t>
+            </a:r>
+            <a:r>
+              <a:rPr lang="en-US" sz="1200" b="0" i="0" kern="1200" dirty="0" smtClean="0">
+                <a:solidFill>
+                  <a:schemeClr val="tx1"/>
+                </a:solidFill>
+                <a:effectLst/>
+                <a:latin typeface="+mn-lt"/>
+                <a:ea typeface="+mn-ea"/>
+                <a:cs typeface="+mn-cs"/>
+              </a:rPr>
+              <a:t> </a:t>
+            </a:r>
+            <a:r>
+              <a:rPr lang="en-US" dirty="0" smtClean="0"/>
+              <a:t>reader = new</a:t>
+            </a:r>
+            <a:r>
+              <a:rPr lang="en-US" sz="1200" b="0" i="0" kern="1200" dirty="0" smtClean="0">
+                <a:solidFill>
+                  <a:schemeClr val="tx1"/>
+                </a:solidFill>
+                <a:effectLst/>
+                <a:latin typeface="+mn-lt"/>
+                <a:ea typeface="+mn-ea"/>
+                <a:cs typeface="+mn-cs"/>
+              </a:rPr>
+              <a:t> </a:t>
+            </a:r>
+            <a:r>
+              <a:rPr lang="en-US" dirty="0" err="1" smtClean="0"/>
+              <a:t>FileReader</a:t>
+            </a:r>
+            <a:r>
+              <a:rPr lang="en-US" dirty="0" smtClean="0"/>
+              <a:t>();</a:t>
+            </a:r>
+          </a:p>
+          <a:p>
+            <a:pPr fontAlgn="base"/>
+            <a:r>
+              <a:rPr lang="en-US" sz="1200" b="0" i="0" kern="1200" dirty="0" smtClean="0">
+                <a:solidFill>
+                  <a:schemeClr val="tx1"/>
+                </a:solidFill>
+                <a:effectLst/>
+                <a:latin typeface="+mn-lt"/>
+                <a:ea typeface="+mn-ea"/>
+                <a:cs typeface="+mn-cs"/>
+              </a:rPr>
+              <a:t>// Read in the image file as a data URL.</a:t>
+            </a:r>
+          </a:p>
+          <a:p>
+            <a:pPr fontAlgn="base"/>
+            <a:r>
+              <a:rPr lang="en-US" sz="1200" b="0" i="0" kern="1200" dirty="0" err="1" smtClean="0">
+                <a:solidFill>
+                  <a:schemeClr val="tx1"/>
+                </a:solidFill>
+                <a:effectLst/>
+                <a:latin typeface="+mn-lt"/>
+                <a:ea typeface="+mn-ea"/>
+                <a:cs typeface="+mn-cs"/>
+              </a:rPr>
+              <a:t>reader.readAsDataURL</a:t>
+            </a:r>
+            <a:r>
+              <a:rPr lang="en-US" sz="1200" b="0" i="0" kern="1200" dirty="0" smtClean="0">
+                <a:solidFill>
+                  <a:schemeClr val="tx1"/>
+                </a:solidFill>
+                <a:effectLst/>
+                <a:latin typeface="+mn-lt"/>
+                <a:ea typeface="+mn-ea"/>
+                <a:cs typeface="+mn-cs"/>
+              </a:rPr>
+              <a:t>(f);</a:t>
+            </a:r>
+          </a:p>
+          <a:p>
+            <a:pPr fontAlgn="base"/>
+            <a:endParaRPr lang="en-US" sz="1200" b="0" i="0" kern="1200" dirty="0" smtClean="0">
               <a:solidFill>
-                <a:srgbClr val="0000FF"/>
+                <a:schemeClr val="tx1"/>
               </a:solidFill>
+              <a:effectLst/>
+              <a:latin typeface="+mn-lt"/>
+              <a:ea typeface="+mn-ea"/>
+              <a:cs typeface="+mn-cs"/>
             </a:endParaRPr>
           </a:p>
           <a:p>
-            <a:pPr algn="l"/>
-            <a:r>
-              <a:rPr lang="en-US" dirty="0" err="1" smtClean="0">
-                <a:solidFill>
-                  <a:srgbClr val="0000FF"/>
-                </a:solidFill>
-              </a:rPr>
-              <a:t>window.addEventListener</a:t>
-            </a:r>
-            <a:r>
-              <a:rPr lang="en-US" dirty="0" smtClean="0">
-                <a:solidFill>
-                  <a:srgbClr val="0000FF"/>
-                </a:solidFill>
-              </a:rPr>
-              <a:t>('online',  </a:t>
-            </a:r>
-            <a:r>
-              <a:rPr lang="en-US" dirty="0" err="1" smtClean="0">
-                <a:solidFill>
-                  <a:srgbClr val="0000FF"/>
-                </a:solidFill>
-              </a:rPr>
-              <a:t>updateOnlineStatus</a:t>
-            </a:r>
-            <a:r>
-              <a:rPr lang="en-US" dirty="0" smtClean="0">
-                <a:solidFill>
-                  <a:srgbClr val="0000FF"/>
-                </a:solidFill>
-              </a:rPr>
-              <a:t>);</a:t>
-            </a:r>
-          </a:p>
-          <a:p>
-            <a:pPr algn="l"/>
-            <a:r>
-              <a:rPr lang="en-US" dirty="0" err="1" smtClean="0">
-                <a:solidFill>
-                  <a:srgbClr val="0000FF"/>
-                </a:solidFill>
-              </a:rPr>
-              <a:t>window.addEventListener</a:t>
-            </a:r>
-            <a:r>
-              <a:rPr lang="en-US" dirty="0" smtClean="0">
-                <a:solidFill>
-                  <a:srgbClr val="0000FF"/>
-                </a:solidFill>
-              </a:rPr>
-              <a:t>('offline', </a:t>
-            </a:r>
-            <a:r>
-              <a:rPr lang="en-US" dirty="0" err="1" smtClean="0">
-                <a:solidFill>
-                  <a:srgbClr val="0000FF"/>
-                </a:solidFill>
-              </a:rPr>
-              <a:t>updateOfflineStatus</a:t>
-            </a:r>
-            <a:r>
-              <a:rPr lang="en-US" dirty="0" smtClean="0">
-                <a:solidFill>
-                  <a:srgbClr val="0000FF"/>
-                </a:solidFill>
-              </a:rPr>
-              <a:t>);</a:t>
-            </a:r>
-          </a:p>
-          <a:p>
+            <a:pPr fontAlgn="base"/>
+            <a:r>
+              <a:rPr lang="en-US" sz="1200" b="0" i="0" kern="1200" dirty="0" err="1" smtClean="0">
+                <a:solidFill>
+                  <a:schemeClr val="tx1"/>
+                </a:solidFill>
+                <a:effectLst/>
+                <a:latin typeface="+mn-lt"/>
+                <a:ea typeface="+mn-ea"/>
+                <a:cs typeface="+mn-cs"/>
+              </a:rPr>
+              <a:t>var</a:t>
+            </a:r>
+            <a:r>
+              <a:rPr lang="en-US" sz="1200" b="0" i="0" kern="1200" dirty="0" smtClean="0">
+                <a:solidFill>
+                  <a:schemeClr val="tx1"/>
+                </a:solidFill>
+                <a:effectLst/>
+                <a:latin typeface="+mn-lt"/>
+                <a:ea typeface="+mn-ea"/>
+                <a:cs typeface="+mn-cs"/>
+              </a:rPr>
+              <a:t> </a:t>
+            </a:r>
+            <a:r>
+              <a:rPr lang="en-US" sz="1200" b="0" i="0" kern="1200" dirty="0" err="1" smtClean="0">
+                <a:solidFill>
+                  <a:schemeClr val="tx1"/>
+                </a:solidFill>
+                <a:effectLst/>
+                <a:latin typeface="+mn-lt"/>
+                <a:ea typeface="+mn-ea"/>
+                <a:cs typeface="+mn-cs"/>
+              </a:rPr>
+              <a:t>imgCanvas</a:t>
+            </a:r>
+            <a:r>
+              <a:rPr lang="en-US" sz="1200" b="0" i="0" kern="1200" dirty="0" smtClean="0">
+                <a:solidFill>
+                  <a:schemeClr val="tx1"/>
+                </a:solidFill>
+                <a:effectLst/>
+                <a:latin typeface="+mn-lt"/>
+                <a:ea typeface="+mn-ea"/>
+                <a:cs typeface="+mn-cs"/>
+              </a:rPr>
+              <a:t> = </a:t>
+            </a:r>
+            <a:r>
+              <a:rPr lang="en-US" sz="1200" b="0" i="0" kern="1200" dirty="0" err="1" smtClean="0">
+                <a:solidFill>
+                  <a:schemeClr val="tx1"/>
+                </a:solidFill>
+                <a:effectLst/>
+                <a:latin typeface="+mn-lt"/>
+                <a:ea typeface="+mn-ea"/>
+                <a:cs typeface="+mn-cs"/>
+              </a:rPr>
+              <a:t>document.createElement</a:t>
+            </a:r>
+            <a:r>
+              <a:rPr lang="en-US" sz="1200" b="0" i="0" kern="1200" dirty="0" smtClean="0">
+                <a:solidFill>
+                  <a:schemeClr val="tx1"/>
+                </a:solidFill>
+                <a:effectLst/>
+                <a:latin typeface="+mn-lt"/>
+                <a:ea typeface="+mn-ea"/>
+                <a:cs typeface="+mn-cs"/>
+              </a:rPr>
+              <a:t>("canvas"),</a:t>
+            </a:r>
+          </a:p>
+          <a:p>
+            <a:pPr fontAlgn="base"/>
+            <a:r>
+              <a:rPr lang="en-US" sz="1200" b="0" i="0" kern="1200" dirty="0" err="1" smtClean="0">
+                <a:solidFill>
+                  <a:schemeClr val="tx1"/>
+                </a:solidFill>
+                <a:effectLst/>
+                <a:latin typeface="+mn-lt"/>
+                <a:ea typeface="+mn-ea"/>
+                <a:cs typeface="+mn-cs"/>
+              </a:rPr>
+              <a:t>imgContext</a:t>
+            </a:r>
+            <a:r>
+              <a:rPr lang="en-US" sz="1200" b="0" i="0" kern="1200" dirty="0" smtClean="0">
+                <a:solidFill>
+                  <a:schemeClr val="tx1"/>
+                </a:solidFill>
+                <a:effectLst/>
+                <a:latin typeface="+mn-lt"/>
+                <a:ea typeface="+mn-ea"/>
+                <a:cs typeface="+mn-cs"/>
+              </a:rPr>
+              <a:t> = </a:t>
+            </a:r>
+            <a:r>
+              <a:rPr lang="en-US" sz="1200" b="0" i="0" kern="1200" dirty="0" err="1" smtClean="0">
+                <a:solidFill>
+                  <a:schemeClr val="tx1"/>
+                </a:solidFill>
+                <a:effectLst/>
+                <a:latin typeface="+mn-lt"/>
+                <a:ea typeface="+mn-ea"/>
+                <a:cs typeface="+mn-cs"/>
+              </a:rPr>
+              <a:t>imgCanvas.getContext</a:t>
+            </a:r>
+            <a:r>
+              <a:rPr lang="en-US" sz="1200" b="0" i="0" kern="1200" dirty="0" smtClean="0">
+                <a:solidFill>
+                  <a:schemeClr val="tx1"/>
+                </a:solidFill>
+                <a:effectLst/>
+                <a:latin typeface="+mn-lt"/>
+                <a:ea typeface="+mn-ea"/>
+                <a:cs typeface="+mn-cs"/>
+              </a:rPr>
+              <a:t>("2d");</a:t>
+            </a:r>
+          </a:p>
+          <a:p>
+            <a:r>
+              <a:rPr lang="en-US" dirty="0" smtClean="0"/>
+              <a:t>// Save image as a data URL</a:t>
+            </a:r>
+          </a:p>
+          <a:p>
+            <a:r>
+              <a:rPr lang="en-US" dirty="0" err="1" smtClean="0"/>
+              <a:t>storageFiles.elephant</a:t>
+            </a:r>
+            <a:r>
+              <a:rPr lang="en-US" dirty="0" smtClean="0"/>
+              <a:t> = </a:t>
+            </a:r>
+            <a:r>
+              <a:rPr lang="en-US" dirty="0" err="1" smtClean="0"/>
+              <a:t>imgCanvas.toDataURL</a:t>
+            </a:r>
+            <a:r>
+              <a:rPr lang="en-US" dirty="0" smtClean="0"/>
+              <a:t>("image/</a:t>
+            </a:r>
+            <a:r>
+              <a:rPr lang="en-US" dirty="0" err="1" smtClean="0"/>
+              <a:t>png</a:t>
+            </a:r>
+            <a:r>
+              <a:rPr lang="en-US" dirty="0" smtClean="0"/>
+              <a:t>");</a:t>
+            </a:r>
             <a:endParaRPr lang="en-US" dirty="0"/>
           </a:p>
         </p:txBody>
@@ -1378,7 +1485,578 @@
             <a:fld id="{35845946-0CF3-4C0F-AF5C-F563F65A0652}" type="slidenum">
               <a:rPr lang="en-US" smtClean="0"/>
               <a:pPr/>
-              <a:t>30</a:t>
+              <a:t>31</a:t>
+            </a:fld>
+            <a:endParaRPr lang="en-US"/>
+          </a:p>
+        </p:txBody>
+      </p:sp>
+    </p:spTree>
+    <p:extLst>
+      <p:ext uri="{BB962C8B-B14F-4D97-AF65-F5344CB8AC3E}">
+        <p14:creationId xmlns:p14="http://schemas.microsoft.com/office/powerpoint/2010/main" val="3235932496"/>
+      </p:ext>
+    </p:extLst>
+  </p:cSld>
+  <p:clrMapOvr>
+    <a:masterClrMapping/>
+  </p:clrMapOvr>
+</p:notes>
+</file>
+
+<file path=ppt/notesSlides/notesSlide12.xml><?xml version="1.0" encoding="utf-8"?>
+<p:notes xmlns:a="http://schemas.openxmlformats.org/drawingml/2006/main" xmlns:r="http://schemas.openxmlformats.org/officeDocument/2006/relationships" xmlns:p="http://schemas.openxmlformats.org/presentationml/2006/main">
+  <p:cSld>
+    <p:spTree>
+      <p:nvGrpSpPr>
+        <p:cNvPr id="1" name=""/>
+        <p:cNvGrpSpPr/>
+        <p:nvPr/>
+      </p:nvGrpSpPr>
+      <p:grpSpPr>
+        <a:xfrm>
+          <a:off x="0" y="0"/>
+          <a:ext cx="0" cy="0"/>
+          <a:chOff x="0" y="0"/>
+          <a:chExt cx="0" cy="0"/>
+        </a:xfrm>
+      </p:grpSpPr>
+      <p:sp>
+        <p:nvSpPr>
+          <p:cNvPr id="2" name="Slide Image Placeholder 1"/>
+          <p:cNvSpPr>
+            <a:spLocks noGrp="1" noRot="1" noChangeAspect="1"/>
+          </p:cNvSpPr>
+          <p:nvPr>
+            <p:ph type="sldImg"/>
+          </p:nvPr>
+        </p:nvSpPr>
+        <p:spPr/>
+      </p:sp>
+      <p:sp>
+        <p:nvSpPr>
+          <p:cNvPr id="3" name="Notes Placeholder 2"/>
+          <p:cNvSpPr>
+            <a:spLocks noGrp="1"/>
+          </p:cNvSpPr>
+          <p:nvPr>
+            <p:ph type="body" idx="1"/>
+          </p:nvPr>
+        </p:nvSpPr>
+        <p:spPr/>
+        <p:txBody>
+          <a:bodyPr/>
+          <a:lstStyle/>
+          <a:p>
+            <a:r>
+              <a:rPr lang="en-US" dirty="0" err="1" smtClean="0"/>
+              <a:t>var</a:t>
+            </a:r>
+            <a:r>
+              <a:rPr lang="en-US" sz="1200" b="0" i="0" kern="1200" dirty="0" smtClean="0">
+                <a:solidFill>
+                  <a:schemeClr val="tx1"/>
+                </a:solidFill>
+                <a:effectLst/>
+                <a:latin typeface="+mn-lt"/>
+                <a:ea typeface="+mn-ea"/>
+                <a:cs typeface="+mn-cs"/>
+              </a:rPr>
+              <a:t> </a:t>
+            </a:r>
+            <a:r>
+              <a:rPr lang="en-US" dirty="0" smtClean="0"/>
+              <a:t>reader = new</a:t>
+            </a:r>
+            <a:r>
+              <a:rPr lang="en-US" sz="1200" b="0" i="0" kern="1200" dirty="0" smtClean="0">
+                <a:solidFill>
+                  <a:schemeClr val="tx1"/>
+                </a:solidFill>
+                <a:effectLst/>
+                <a:latin typeface="+mn-lt"/>
+                <a:ea typeface="+mn-ea"/>
+                <a:cs typeface="+mn-cs"/>
+              </a:rPr>
+              <a:t> </a:t>
+            </a:r>
+            <a:r>
+              <a:rPr lang="en-US" dirty="0" err="1" smtClean="0"/>
+              <a:t>FileReader</a:t>
+            </a:r>
+            <a:r>
+              <a:rPr lang="en-US" dirty="0" smtClean="0"/>
+              <a:t>();</a:t>
+            </a:r>
+          </a:p>
+          <a:p>
+            <a:pPr fontAlgn="base"/>
+            <a:r>
+              <a:rPr lang="en-US" sz="1200" b="0" i="0" kern="1200" dirty="0" smtClean="0">
+                <a:solidFill>
+                  <a:schemeClr val="tx1"/>
+                </a:solidFill>
+                <a:effectLst/>
+                <a:latin typeface="+mn-lt"/>
+                <a:ea typeface="+mn-ea"/>
+                <a:cs typeface="+mn-cs"/>
+              </a:rPr>
+              <a:t>// Read in the image file as a data URL.</a:t>
+            </a:r>
+          </a:p>
+          <a:p>
+            <a:pPr fontAlgn="base"/>
+            <a:r>
+              <a:rPr lang="en-US" sz="1200" b="0" i="0" kern="1200" dirty="0" err="1" smtClean="0">
+                <a:solidFill>
+                  <a:schemeClr val="tx1"/>
+                </a:solidFill>
+                <a:effectLst/>
+                <a:latin typeface="+mn-lt"/>
+                <a:ea typeface="+mn-ea"/>
+                <a:cs typeface="+mn-cs"/>
+              </a:rPr>
+              <a:t>reader.readAsDataURL</a:t>
+            </a:r>
+            <a:r>
+              <a:rPr lang="en-US" sz="1200" b="0" i="0" kern="1200" dirty="0" smtClean="0">
+                <a:solidFill>
+                  <a:schemeClr val="tx1"/>
+                </a:solidFill>
+                <a:effectLst/>
+                <a:latin typeface="+mn-lt"/>
+                <a:ea typeface="+mn-ea"/>
+                <a:cs typeface="+mn-cs"/>
+              </a:rPr>
+              <a:t>(f);</a:t>
+            </a:r>
+          </a:p>
+          <a:p>
+            <a:pPr fontAlgn="base"/>
+            <a:endParaRPr lang="en-US" sz="1200" b="0" i="0" kern="1200" dirty="0" smtClean="0">
+              <a:solidFill>
+                <a:schemeClr val="tx1"/>
+              </a:solidFill>
+              <a:effectLst/>
+              <a:latin typeface="+mn-lt"/>
+              <a:ea typeface="+mn-ea"/>
+              <a:cs typeface="+mn-cs"/>
+            </a:endParaRPr>
+          </a:p>
+          <a:p>
+            <a:pPr fontAlgn="base"/>
+            <a:r>
+              <a:rPr lang="en-US" sz="1200" b="0" i="0" kern="1200" dirty="0" err="1" smtClean="0">
+                <a:solidFill>
+                  <a:schemeClr val="tx1"/>
+                </a:solidFill>
+                <a:effectLst/>
+                <a:latin typeface="+mn-lt"/>
+                <a:ea typeface="+mn-ea"/>
+                <a:cs typeface="+mn-cs"/>
+              </a:rPr>
+              <a:t>var</a:t>
+            </a:r>
+            <a:r>
+              <a:rPr lang="en-US" sz="1200" b="0" i="0" kern="1200" dirty="0" smtClean="0">
+                <a:solidFill>
+                  <a:schemeClr val="tx1"/>
+                </a:solidFill>
+                <a:effectLst/>
+                <a:latin typeface="+mn-lt"/>
+                <a:ea typeface="+mn-ea"/>
+                <a:cs typeface="+mn-cs"/>
+              </a:rPr>
+              <a:t> </a:t>
+            </a:r>
+            <a:r>
+              <a:rPr lang="en-US" sz="1200" b="0" i="0" kern="1200" dirty="0" err="1" smtClean="0">
+                <a:solidFill>
+                  <a:schemeClr val="tx1"/>
+                </a:solidFill>
+                <a:effectLst/>
+                <a:latin typeface="+mn-lt"/>
+                <a:ea typeface="+mn-ea"/>
+                <a:cs typeface="+mn-cs"/>
+              </a:rPr>
+              <a:t>imgCanvas</a:t>
+            </a:r>
+            <a:r>
+              <a:rPr lang="en-US" sz="1200" b="0" i="0" kern="1200" dirty="0" smtClean="0">
+                <a:solidFill>
+                  <a:schemeClr val="tx1"/>
+                </a:solidFill>
+                <a:effectLst/>
+                <a:latin typeface="+mn-lt"/>
+                <a:ea typeface="+mn-ea"/>
+                <a:cs typeface="+mn-cs"/>
+              </a:rPr>
+              <a:t> = </a:t>
+            </a:r>
+            <a:r>
+              <a:rPr lang="en-US" sz="1200" b="0" i="0" kern="1200" dirty="0" err="1" smtClean="0">
+                <a:solidFill>
+                  <a:schemeClr val="tx1"/>
+                </a:solidFill>
+                <a:effectLst/>
+                <a:latin typeface="+mn-lt"/>
+                <a:ea typeface="+mn-ea"/>
+                <a:cs typeface="+mn-cs"/>
+              </a:rPr>
+              <a:t>document.createElement</a:t>
+            </a:r>
+            <a:r>
+              <a:rPr lang="en-US" sz="1200" b="0" i="0" kern="1200" dirty="0" smtClean="0">
+                <a:solidFill>
+                  <a:schemeClr val="tx1"/>
+                </a:solidFill>
+                <a:effectLst/>
+                <a:latin typeface="+mn-lt"/>
+                <a:ea typeface="+mn-ea"/>
+                <a:cs typeface="+mn-cs"/>
+              </a:rPr>
+              <a:t>("canvas"),</a:t>
+            </a:r>
+          </a:p>
+          <a:p>
+            <a:pPr fontAlgn="base"/>
+            <a:r>
+              <a:rPr lang="en-US" sz="1200" b="0" i="0" kern="1200" dirty="0" err="1" smtClean="0">
+                <a:solidFill>
+                  <a:schemeClr val="tx1"/>
+                </a:solidFill>
+                <a:effectLst/>
+                <a:latin typeface="+mn-lt"/>
+                <a:ea typeface="+mn-ea"/>
+                <a:cs typeface="+mn-cs"/>
+              </a:rPr>
+              <a:t>imgContext</a:t>
+            </a:r>
+            <a:r>
+              <a:rPr lang="en-US" sz="1200" b="0" i="0" kern="1200" dirty="0" smtClean="0">
+                <a:solidFill>
+                  <a:schemeClr val="tx1"/>
+                </a:solidFill>
+                <a:effectLst/>
+                <a:latin typeface="+mn-lt"/>
+                <a:ea typeface="+mn-ea"/>
+                <a:cs typeface="+mn-cs"/>
+              </a:rPr>
+              <a:t> = </a:t>
+            </a:r>
+            <a:r>
+              <a:rPr lang="en-US" sz="1200" b="0" i="0" kern="1200" dirty="0" err="1" smtClean="0">
+                <a:solidFill>
+                  <a:schemeClr val="tx1"/>
+                </a:solidFill>
+                <a:effectLst/>
+                <a:latin typeface="+mn-lt"/>
+                <a:ea typeface="+mn-ea"/>
+                <a:cs typeface="+mn-cs"/>
+              </a:rPr>
+              <a:t>imgCanvas.getContext</a:t>
+            </a:r>
+            <a:r>
+              <a:rPr lang="en-US" sz="1200" b="0" i="0" kern="1200" dirty="0" smtClean="0">
+                <a:solidFill>
+                  <a:schemeClr val="tx1"/>
+                </a:solidFill>
+                <a:effectLst/>
+                <a:latin typeface="+mn-lt"/>
+                <a:ea typeface="+mn-ea"/>
+                <a:cs typeface="+mn-cs"/>
+              </a:rPr>
+              <a:t>("2d");</a:t>
+            </a:r>
+          </a:p>
+          <a:p>
+            <a:r>
+              <a:rPr lang="en-US" dirty="0" smtClean="0"/>
+              <a:t>// Save image as a data URL</a:t>
+            </a:r>
+          </a:p>
+          <a:p>
+            <a:r>
+              <a:rPr lang="en-US" dirty="0" err="1" smtClean="0"/>
+              <a:t>storageFiles.elephant</a:t>
+            </a:r>
+            <a:r>
+              <a:rPr lang="en-US" dirty="0" smtClean="0"/>
+              <a:t> = </a:t>
+            </a:r>
+            <a:r>
+              <a:rPr lang="en-US" dirty="0" err="1" smtClean="0"/>
+              <a:t>imgCanvas.toDataURL</a:t>
+            </a:r>
+            <a:r>
+              <a:rPr lang="en-US" dirty="0" smtClean="0"/>
+              <a:t>("image/</a:t>
+            </a:r>
+            <a:r>
+              <a:rPr lang="en-US" dirty="0" err="1" smtClean="0"/>
+              <a:t>png</a:t>
+            </a:r>
+            <a:r>
+              <a:rPr lang="en-US" dirty="0" smtClean="0"/>
+              <a:t>");</a:t>
+            </a:r>
+            <a:endParaRPr lang="en-US" dirty="0"/>
+          </a:p>
+        </p:txBody>
+      </p:sp>
+      <p:sp>
+        <p:nvSpPr>
+          <p:cNvPr id="4" name="Slide Number Placeholder 3"/>
+          <p:cNvSpPr>
+            <a:spLocks noGrp="1"/>
+          </p:cNvSpPr>
+          <p:nvPr>
+            <p:ph type="sldNum" sz="quarter" idx="10"/>
+          </p:nvPr>
+        </p:nvSpPr>
+        <p:spPr/>
+        <p:txBody>
+          <a:bodyPr/>
+          <a:lstStyle/>
+          <a:p>
+            <a:fld id="{35845946-0CF3-4C0F-AF5C-F563F65A0652}" type="slidenum">
+              <a:rPr lang="en-US" smtClean="0"/>
+              <a:pPr/>
+              <a:t>32</a:t>
+            </a:fld>
+            <a:endParaRPr lang="en-US"/>
+          </a:p>
+        </p:txBody>
+      </p:sp>
+    </p:spTree>
+    <p:extLst>
+      <p:ext uri="{BB962C8B-B14F-4D97-AF65-F5344CB8AC3E}">
+        <p14:creationId xmlns:p14="http://schemas.microsoft.com/office/powerpoint/2010/main" val="3235932496"/>
+      </p:ext>
+    </p:extLst>
+  </p:cSld>
+  <p:clrMapOvr>
+    <a:masterClrMapping/>
+  </p:clrMapOvr>
+</p:notes>
+</file>
+
+<file path=ppt/notesSlides/notesSlide13.xml><?xml version="1.0" encoding="utf-8"?>
+<p:notes xmlns:a="http://schemas.openxmlformats.org/drawingml/2006/main" xmlns:r="http://schemas.openxmlformats.org/officeDocument/2006/relationships" xmlns:p="http://schemas.openxmlformats.org/presentationml/2006/main">
+  <p:cSld>
+    <p:spTree>
+      <p:nvGrpSpPr>
+        <p:cNvPr id="1" name=""/>
+        <p:cNvGrpSpPr/>
+        <p:nvPr/>
+      </p:nvGrpSpPr>
+      <p:grpSpPr>
+        <a:xfrm>
+          <a:off x="0" y="0"/>
+          <a:ext cx="0" cy="0"/>
+          <a:chOff x="0" y="0"/>
+          <a:chExt cx="0" cy="0"/>
+        </a:xfrm>
+      </p:grpSpPr>
+      <p:sp>
+        <p:nvSpPr>
+          <p:cNvPr id="2" name="Slide Image Placeholder 1"/>
+          <p:cNvSpPr>
+            <a:spLocks noGrp="1" noRot="1" noChangeAspect="1"/>
+          </p:cNvSpPr>
+          <p:nvPr>
+            <p:ph type="sldImg"/>
+          </p:nvPr>
+        </p:nvSpPr>
+        <p:spPr/>
+      </p:sp>
+      <p:sp>
+        <p:nvSpPr>
+          <p:cNvPr id="3" name="Notes Placeholder 2"/>
+          <p:cNvSpPr>
+            <a:spLocks noGrp="1"/>
+          </p:cNvSpPr>
+          <p:nvPr>
+            <p:ph type="body" idx="1"/>
+          </p:nvPr>
+        </p:nvSpPr>
+        <p:spPr/>
+        <p:txBody>
+          <a:bodyPr/>
+          <a:lstStyle/>
+          <a:p>
+            <a:pPr algn="l"/>
+            <a:r>
+              <a:rPr lang="en-US" dirty="0" smtClean="0">
+                <a:solidFill>
+                  <a:srgbClr val="0000FF"/>
+                </a:solidFill>
+              </a:rPr>
+              <a:t>if (</a:t>
+            </a:r>
+            <a:r>
+              <a:rPr lang="en-US" dirty="0" err="1" smtClean="0">
+                <a:solidFill>
+                  <a:srgbClr val="0000FF"/>
+                </a:solidFill>
+              </a:rPr>
+              <a:t>navigator.onLine</a:t>
+            </a:r>
+            <a:r>
+              <a:rPr lang="en-US" dirty="0" smtClean="0">
+                <a:solidFill>
+                  <a:srgbClr val="0000FF"/>
+                </a:solidFill>
+              </a:rPr>
+              <a:t>) { </a:t>
+            </a:r>
+          </a:p>
+          <a:p>
+            <a:pPr algn="l"/>
+            <a:r>
+              <a:rPr lang="en-US" dirty="0" smtClean="0">
+                <a:solidFill>
+                  <a:srgbClr val="0000FF"/>
+                </a:solidFill>
+              </a:rPr>
+              <a:t>	alert ("Browser is online"); 	</a:t>
+            </a:r>
+          </a:p>
+          <a:p>
+            <a:pPr algn="l"/>
+            <a:r>
+              <a:rPr lang="en-US" dirty="0" smtClean="0">
+                <a:solidFill>
+                  <a:srgbClr val="0000FF"/>
+                </a:solidFill>
+              </a:rPr>
+              <a:t>} else { </a:t>
+            </a:r>
+          </a:p>
+          <a:p>
+            <a:pPr algn="l"/>
+            <a:r>
+              <a:rPr lang="en-US" dirty="0" smtClean="0">
+                <a:solidFill>
+                  <a:srgbClr val="0000FF"/>
+                </a:solidFill>
+              </a:rPr>
+              <a:t>	alert("Browser is offline"); </a:t>
+            </a:r>
+          </a:p>
+          <a:p>
+            <a:pPr algn="l"/>
+            <a:r>
+              <a:rPr lang="en-US" dirty="0" smtClean="0">
+                <a:solidFill>
+                  <a:srgbClr val="0000FF"/>
+                </a:solidFill>
+              </a:rPr>
+              <a:t>}</a:t>
+            </a:r>
+          </a:p>
+          <a:p>
+            <a:pPr algn="l"/>
+            <a:endParaRPr lang="en-US" b="1" dirty="0" smtClean="0">
+              <a:solidFill>
+                <a:srgbClr val="0000FF"/>
+              </a:solidFill>
+            </a:endParaRPr>
+          </a:p>
+          <a:p>
+            <a:pPr algn="l"/>
+            <a:r>
+              <a:rPr lang="en-US" dirty="0" err="1" smtClean="0">
+                <a:solidFill>
+                  <a:srgbClr val="0000FF"/>
+                </a:solidFill>
+              </a:rPr>
+              <a:t>window.addEventListener</a:t>
+            </a:r>
+            <a:r>
+              <a:rPr lang="en-US" dirty="0" smtClean="0">
+                <a:solidFill>
+                  <a:srgbClr val="0000FF"/>
+                </a:solidFill>
+              </a:rPr>
+              <a:t>('online',  </a:t>
+            </a:r>
+            <a:r>
+              <a:rPr lang="en-US" dirty="0" err="1" smtClean="0">
+                <a:solidFill>
+                  <a:srgbClr val="0000FF"/>
+                </a:solidFill>
+              </a:rPr>
+              <a:t>updateOnlineStatus</a:t>
+            </a:r>
+            <a:r>
+              <a:rPr lang="en-US" dirty="0" smtClean="0">
+                <a:solidFill>
+                  <a:srgbClr val="0000FF"/>
+                </a:solidFill>
+              </a:rPr>
+              <a:t>);</a:t>
+            </a:r>
+          </a:p>
+          <a:p>
+            <a:pPr algn="l"/>
+            <a:r>
+              <a:rPr lang="en-US" dirty="0" err="1" smtClean="0">
+                <a:solidFill>
+                  <a:srgbClr val="0000FF"/>
+                </a:solidFill>
+              </a:rPr>
+              <a:t>window.addEventListener</a:t>
+            </a:r>
+            <a:r>
+              <a:rPr lang="en-US" dirty="0" smtClean="0">
+                <a:solidFill>
+                  <a:srgbClr val="0000FF"/>
+                </a:solidFill>
+              </a:rPr>
+              <a:t>('offline', </a:t>
+            </a:r>
+            <a:r>
+              <a:rPr lang="en-US" dirty="0" err="1" smtClean="0">
+                <a:solidFill>
+                  <a:srgbClr val="0000FF"/>
+                </a:solidFill>
+              </a:rPr>
+              <a:t>updateOfflineStatus</a:t>
+            </a:r>
+            <a:r>
+              <a:rPr lang="en-US" dirty="0" smtClean="0">
+                <a:solidFill>
+                  <a:srgbClr val="0000FF"/>
+                </a:solidFill>
+              </a:rPr>
+              <a:t>);</a:t>
+            </a:r>
+          </a:p>
+          <a:p>
+            <a:endParaRPr lang="en-US" dirty="0"/>
+          </a:p>
+        </p:txBody>
+      </p:sp>
+      <p:sp>
+        <p:nvSpPr>
+          <p:cNvPr id="4" name="Slide Number Placeholder 3"/>
+          <p:cNvSpPr>
+            <a:spLocks noGrp="1"/>
+          </p:cNvSpPr>
+          <p:nvPr>
+            <p:ph type="sldNum" sz="quarter" idx="10"/>
+          </p:nvPr>
+        </p:nvSpPr>
+        <p:spPr/>
+        <p:txBody>
+          <a:bodyPr/>
+          <a:lstStyle/>
+          <a:p>
+            <a:fld id="{35845946-0CF3-4C0F-AF5C-F563F65A0652}" type="slidenum">
+              <a:rPr lang="en-US" smtClean="0"/>
+              <a:pPr/>
+              <a:t>33</a:t>
             </a:fld>
             <a:endParaRPr lang="en-US"/>
           </a:p>
@@ -2471,7 +3149,7 @@
             <a:fld id="{BC3ED275-7153-994E-99D9-5909A673DFFD}" type="datetime2">
               <a:rPr lang="en-US" smtClean="0"/>
               <a:pPr/>
-              <a:t>Wednesday, March 25, 2015</a:t>
+              <a:t>Sunday, March 29, 2015</a:t>
             </a:fld>
             <a:endParaRPr lang="en-US"/>
           </a:p>
@@ -2666,7 +3344,7 @@
             <a:fld id="{604E6C61-ACAA-C24F-8F8A-3369455B37E6}" type="datetime2">
               <a:rPr lang="en-US" smtClean="0"/>
               <a:pPr/>
-              <a:t>Wednesday, March 25, 2015</a:t>
+              <a:t>Sunday, March 29, 2015</a:t>
             </a:fld>
             <a:endParaRPr lang="en-US"/>
           </a:p>
@@ -2871,7 +3549,7 @@
             <a:fld id="{6081A34F-7B18-5F4C-91E8-15A0B2DB6558}" type="datetime2">
               <a:rPr lang="en-US" smtClean="0"/>
               <a:pPr/>
-              <a:t>Wednesday, March 25, 2015</a:t>
+              <a:t>Sunday, March 29, 2015</a:t>
             </a:fld>
             <a:endParaRPr lang="en-US"/>
           </a:p>
@@ -3076,7 +3754,7 @@
             <a:fld id="{C5608FE6-F300-CA4F-8754-F30BE5DB2C02}" type="datetime2">
               <a:rPr lang="en-US" smtClean="0"/>
               <a:pPr/>
-              <a:t>Wednesday, March 25, 2015</a:t>
+              <a:t>Sunday, March 29, 2015</a:t>
             </a:fld>
             <a:endParaRPr lang="en-US"/>
           </a:p>
@@ -3347,7 +4025,7 @@
             <a:fld id="{35907637-DE80-574B-9387-2B6489C2DDA9}" type="datetime2">
               <a:rPr lang="en-US" smtClean="0"/>
               <a:pPr/>
-              <a:t>Wednesday, March 25, 2015</a:t>
+              <a:t>Sunday, March 29, 2015</a:t>
             </a:fld>
             <a:endParaRPr lang="en-US"/>
           </a:p>
@@ -3665,7 +4343,7 @@
             <a:fld id="{B29FAD1F-AC8E-0749-90DA-216529CFB27D}" type="datetime2">
               <a:rPr lang="en-US" smtClean="0"/>
               <a:pPr/>
-              <a:t>Wednesday, March 25, 2015</a:t>
+              <a:t>Sunday, March 29, 2015</a:t>
             </a:fld>
             <a:endParaRPr lang="en-US"/>
           </a:p>
@@ -4117,7 +4795,7 @@
             <a:fld id="{C14BE83E-0675-4D45-9588-77AC2712A327}" type="datetime2">
               <a:rPr lang="en-US" smtClean="0"/>
               <a:pPr/>
-              <a:t>Wednesday, March 25, 2015</a:t>
+              <a:t>Sunday, March 29, 2015</a:t>
             </a:fld>
             <a:endParaRPr lang="en-US"/>
           </a:p>
@@ -4265,7 +4943,7 @@
             <a:fld id="{2A00E04D-79B7-6D41-BB08-435F493F6C30}" type="datetime2">
               <a:rPr lang="en-US" smtClean="0"/>
               <a:pPr/>
-              <a:t>Wednesday, March 25, 2015</a:t>
+              <a:t>Sunday, March 29, 2015</a:t>
             </a:fld>
             <a:endParaRPr lang="en-US"/>
           </a:p>
@@ -4385,7 +5063,7 @@
             <a:fld id="{46027C3B-ABCB-0249-A4FA-2A37469F1C4E}" type="datetime2">
               <a:rPr lang="en-US" smtClean="0"/>
               <a:pPr/>
-              <a:t>Wednesday, March 25, 2015</a:t>
+              <a:t>Sunday, March 29, 2015</a:t>
             </a:fld>
             <a:endParaRPr lang="en-US"/>
           </a:p>
@@ -4687,7 +5365,7 @@
             <a:fld id="{2EF7263A-B695-E045-B371-427CE3BBD559}" type="datetime2">
               <a:rPr lang="en-US" smtClean="0"/>
               <a:pPr/>
-              <a:t>Wednesday, March 25, 2015</a:t>
+              <a:t>Sunday, March 29, 2015</a:t>
             </a:fld>
             <a:endParaRPr lang="en-US"/>
           </a:p>
@@ -4972,7 +5650,7 @@
             <a:fld id="{E88F21D5-8A27-D144-BD56-2E0DA25B6EEB}" type="datetime2">
               <a:rPr lang="en-US" smtClean="0"/>
               <a:pPr/>
-              <a:t>Wednesday, March 25, 2015</a:t>
+              <a:t>Sunday, March 29, 2015</a:t>
             </a:fld>
             <a:endParaRPr lang="en-US"/>
           </a:p>
@@ -5238,7 +5916,7 @@
             <a:fld id="{3634E6B9-A6FC-5D46-BEFB-60D025A07933}" type="datetime2">
               <a:rPr lang="en-US" smtClean="0"/>
               <a:pPr/>
-              <a:t>Wednesday, March 25, 2015</a:t>
+              <a:t>Sunday, March 29, 2015</a:t>
             </a:fld>
             <a:endParaRPr lang="en-US" dirty="0"/>
           </a:p>
@@ -5848,7 +6526,7 @@
                 </a:solidFill>
               </a:rPr>
               <a:pPr/>
-              <a:t>Wednesday, March 25, 2015</a:t>
+              <a:t>Sunday, March 29, 2015</a:t>
             </a:fld>
             <a:endParaRPr lang="en-US" dirty="0">
               <a:solidFill>
@@ -6008,7 +6686,7 @@
                 </a:solidFill>
               </a:rPr>
               <a:pPr/>
-              <a:t>Wednesday, March 25, 2015</a:t>
+              <a:t>Sunday, March 29, 2015</a:t>
             </a:fld>
             <a:endParaRPr lang="en-US" dirty="0">
               <a:solidFill>
@@ -6647,7 +7325,7 @@
                 </a:solidFill>
               </a:rPr>
               <a:pPr/>
-              <a:t>Wednesday, March 25, 2015</a:t>
+              <a:t>Sunday, March 29, 2015</a:t>
             </a:fld>
             <a:endParaRPr lang="en-US" dirty="0">
               <a:solidFill>
@@ -7343,7 +8021,7 @@
                 </a:solidFill>
               </a:rPr>
               <a:pPr/>
-              <a:t>Wednesday, March 25, 2015</a:t>
+              <a:t>Sunday, March 29, 2015</a:t>
             </a:fld>
             <a:endParaRPr lang="en-US" dirty="0">
               <a:solidFill>
@@ -7910,7 +8588,7 @@
                 </a:solidFill>
               </a:rPr>
               <a:pPr/>
-              <a:t>Wednesday, March 25, 2015</a:t>
+              <a:t>Sunday, March 29, 2015</a:t>
             </a:fld>
             <a:endParaRPr lang="en-US" dirty="0">
               <a:solidFill>
@@ -8477,7 +9155,7 @@
                 </a:solidFill>
               </a:rPr>
               <a:pPr/>
-              <a:t>Wednesday, March 25, 2015</a:t>
+              <a:t>Sunday, March 29, 2015</a:t>
             </a:fld>
             <a:endParaRPr lang="en-US" dirty="0">
               <a:solidFill>
@@ -9091,7 +9769,7 @@
                 </a:solidFill>
               </a:rPr>
               <a:pPr/>
-              <a:t>Wednesday, March 25, 2015</a:t>
+              <a:t>Sunday, March 29, 2015</a:t>
             </a:fld>
             <a:endParaRPr lang="en-US" dirty="0">
               <a:solidFill>
@@ -9684,7 +10362,7 @@
                 </a:solidFill>
               </a:rPr>
               <a:pPr/>
-              <a:t>Wednesday, March 25, 2015</a:t>
+              <a:t>Sunday, March 29, 2015</a:t>
             </a:fld>
             <a:endParaRPr lang="en-US" dirty="0">
               <a:solidFill>
@@ -10251,7 +10929,7 @@
                 </a:solidFill>
               </a:rPr>
               <a:pPr/>
-              <a:t>Wednesday, March 25, 2015</a:t>
+              <a:t>Sunday, March 29, 2015</a:t>
             </a:fld>
             <a:endParaRPr lang="en-US" dirty="0">
               <a:solidFill>
@@ -10834,7 +11512,7 @@
                 </a:solidFill>
               </a:rPr>
               <a:pPr/>
-              <a:t>Wednesday, March 25, 2015</a:t>
+              <a:t>Sunday, March 29, 2015</a:t>
             </a:fld>
             <a:endParaRPr lang="en-US" dirty="0">
               <a:solidFill>
@@ -11391,7 +12069,7 @@
                   <a:schemeClr val="tx1"/>
                 </a:solidFill>
               </a:rPr>
-              <a:t>=&gt; slowing down </a:t>
+              <a:t>=&gt; </a:t>
             </a:r>
             <a:r>
               <a:rPr lang="en-US" dirty="0" smtClean="0">
@@ -11399,24 +12077,13 @@
                   <a:schemeClr val="tx1"/>
                 </a:solidFill>
               </a:rPr>
-              <a:t>app’s </a:t>
-            </a:r>
-            <a:r>
-              <a:rPr lang="en-US" dirty="0">
-                <a:solidFill>
-                  <a:schemeClr val="tx1"/>
-                </a:solidFill>
-              </a:rPr>
-              <a:t>performance</a:t>
-            </a:r>
-            <a:r>
-              <a:rPr lang="en-US" dirty="0" smtClean="0">
-                <a:solidFill>
-                  <a:schemeClr val="tx1"/>
-                </a:solidFill>
-              </a:rPr>
-              <a:t>.</a:t>
-            </a:r>
+              <a:t>higher bandwidth usage &amp; slower request times</a:t>
+            </a:r>
+            <a:endParaRPr lang="en-US" dirty="0" smtClean="0">
+              <a:solidFill>
+                <a:schemeClr val="tx1"/>
+              </a:solidFill>
+            </a:endParaRPr>
           </a:p>
           <a:p>
             <a:pPr marL="285750" indent="-285750" algn="l">
@@ -11532,7 +12199,7 @@
                 </a:solidFill>
               </a:rPr>
               <a:pPr/>
-              <a:t>Wednesday, March 25, 2015</a:t>
+              <a:t>Sunday, March 29, 2015</a:t>
             </a:fld>
             <a:endParaRPr lang="en-US" dirty="0">
               <a:solidFill>
@@ -12209,7 +12876,7 @@
                 </a:solidFill>
               </a:rPr>
               <a:pPr/>
-              <a:t>Wednesday, March 25, 2015</a:t>
+              <a:t>Sunday, March 29, 2015</a:t>
             </a:fld>
             <a:endParaRPr lang="en-US" dirty="0">
               <a:solidFill>
@@ -12804,7 +13471,7 @@
                 </a:solidFill>
               </a:rPr>
               <a:pPr/>
-              <a:t>Thursday, March 26, 2015</a:t>
+              <a:t>Sunday, March 29, 2015</a:t>
             </a:fld>
             <a:endParaRPr lang="en-US" dirty="0">
               <a:solidFill>
@@ -13328,11 +13995,6 @@
               </a:rPr>
               <a:t>data </a:t>
             </a:r>
-            <a:endParaRPr lang="en-US" dirty="0" smtClean="0">
-              <a:solidFill>
-                <a:schemeClr val="tx1"/>
-              </a:solidFill>
-            </a:endParaRPr>
           </a:p>
           <a:p>
             <a:pPr marL="342900" indent="-342900" algn="l">
@@ -13456,7 +14118,7 @@
                 </a:solidFill>
               </a:rPr>
               <a:pPr/>
-              <a:t>Wednesday, March 25, 2015</a:t>
+              <a:t>Sunday, March 29, 2015</a:t>
             </a:fld>
             <a:endParaRPr lang="en-US" dirty="0">
               <a:solidFill>
@@ -14919,7 +15581,7 @@
                 </a:solidFill>
               </a:rPr>
               <a:pPr/>
-              <a:t>Wednesday, March 25, 2015</a:t>
+              <a:t>Sunday, March 29, 2015</a:t>
             </a:fld>
             <a:endParaRPr lang="en-US" dirty="0">
               <a:solidFill>
@@ -15479,8 +16141,13 @@
                   <a:schemeClr val="tx1"/>
                 </a:solidFill>
               </a:rPr>
-              <a:t>required</a:t>
-            </a:r>
+              <a:t>required, no database queries needed</a:t>
+            </a:r>
+            <a:endParaRPr lang="en-US" dirty="0" smtClean="0">
+              <a:solidFill>
+                <a:schemeClr val="tx1"/>
+              </a:solidFill>
+            </a:endParaRPr>
           </a:p>
           <a:p>
             <a:pPr marL="342900" indent="-342900" algn="l">
@@ -15585,7 +16252,7 @@
                 </a:solidFill>
               </a:rPr>
               <a:pPr/>
-              <a:t>Wednesday, March 25, 2015</a:t>
+              <a:t>Sunday, March 29, 2015</a:t>
             </a:fld>
             <a:endParaRPr lang="en-US" dirty="0">
               <a:solidFill>
@@ -15679,7 +16346,7 @@
         </p:nvSpPr>
         <p:spPr bwMode="auto">
           <a:xfrm>
-            <a:off x="267344" y="1018034"/>
+            <a:off x="267344" y="846578"/>
             <a:ext cx="8720218" cy="1143000"/>
           </a:xfrm>
           <a:prstGeom prst="rect">
@@ -15862,8 +16529,8 @@
         </p:nvSpPr>
         <p:spPr bwMode="auto">
           <a:xfrm>
-            <a:off x="457200" y="2161034"/>
-            <a:ext cx="8229600" cy="4369962"/>
+            <a:off x="457200" y="1814513"/>
+            <a:ext cx="8229600" cy="4716483"/>
           </a:xfrm>
           <a:prstGeom prst="rect">
             <a:avLst/>
@@ -16063,7 +16730,7 @@
                   <a:schemeClr val="tx1"/>
                 </a:solidFill>
               </a:rPr>
-              <a:t>Security: more </a:t>
+              <a:t>Security: more vulnerable </a:t>
             </a:r>
             <a:r>
               <a:rPr lang="en-US" dirty="0" smtClean="0">
@@ -16071,7 +16738,7 @@
                   <a:schemeClr val="tx1"/>
                 </a:solidFill>
               </a:rPr>
-              <a:t>vulnerable =&gt; </a:t>
+              <a:t>=&gt; </a:t>
             </a:r>
             <a:r>
               <a:rPr lang="en-US" dirty="0" smtClean="0">
@@ -16081,6 +16748,28 @@
               </a:rPr>
               <a:t>use for non-critical data only</a:t>
             </a:r>
+          </a:p>
+          <a:p>
+            <a:pPr marL="342900" indent="-342900" algn="l">
+              <a:buFont typeface="Arial"/>
+              <a:buChar char="•"/>
+            </a:pPr>
+            <a:endParaRPr lang="en-US" dirty="0" smtClean="0">
+              <a:solidFill>
+                <a:schemeClr val="tx1"/>
+              </a:solidFill>
+            </a:endParaRPr>
+          </a:p>
+          <a:p>
+            <a:pPr marL="342900" indent="-342900" algn="l">
+              <a:buFont typeface="Arial"/>
+              <a:buChar char="•"/>
+            </a:pPr>
+            <a:endParaRPr lang="en-US" dirty="0" smtClean="0">
+              <a:solidFill>
+                <a:schemeClr val="tx1"/>
+              </a:solidFill>
+            </a:endParaRPr>
           </a:p>
           <a:p>
             <a:pPr marL="342900" indent="-342900" algn="l">
@@ -16188,12 +16877,53 @@
         </p:blipFill>
         <p:spPr>
           <a:xfrm>
-            <a:off x="457199" y="4939645"/>
+            <a:off x="457199" y="5068237"/>
             <a:ext cx="8229601" cy="1342431"/>
           </a:xfrm>
           <a:prstGeom prst="rect">
             <a:avLst/>
           </a:prstGeom>
+        </p:spPr>
+      </p:pic>
+      <p:pic>
+        <p:nvPicPr>
+          <p:cNvPr id="3074" name="Picture 2" descr="C:\Users\quangson\Desktop\Untitled.png"/>
+          <p:cNvPicPr>
+            <a:picLocks noChangeAspect="1" noChangeArrowheads="1"/>
+          </p:cNvPicPr>
+          <p:nvPr/>
+        </p:nvPicPr>
+        <p:blipFill>
+          <a:blip r:embed="rId4">
+            <a:extLst>
+              <a:ext uri="{28A0092B-C50C-407E-A947-70E740481C1C}">
+                <a14:useLocalDpi xmlns:a14="http://schemas.microsoft.com/office/drawing/2010/main" val="0"/>
+              </a:ext>
+            </a:extLst>
+          </a:blip>
+          <a:srcRect/>
+          <a:stretch>
+            <a:fillRect/>
+          </a:stretch>
+        </p:blipFill>
+        <p:spPr bwMode="auto">
+          <a:xfrm>
+            <a:off x="1638300" y="2269565"/>
+            <a:ext cx="5091114" cy="1288657"/>
+          </a:xfrm>
+          <a:prstGeom prst="rect">
+            <a:avLst/>
+          </a:prstGeom>
+          <a:noFill/>
+          <a:extLst>
+            <a:ext uri="{909E8E84-426E-40DD-AFC4-6F175D3DCCD1}">
+              <a14:hiddenFill xmlns:a14="http://schemas.microsoft.com/office/drawing/2010/main">
+                <a:solidFill>
+                  <a:srgbClr val="FFFFFF"/>
+                </a:solidFill>
+              </a14:hiddenFill>
+            </a:ext>
+          </a:extLst>
         </p:spPr>
       </p:pic>
     </p:spTree>
@@ -16272,7 +17002,7 @@
                 </a:solidFill>
               </a:rPr>
               <a:pPr/>
-              <a:t>Wednesday, March 25, 2015</a:t>
+              <a:t>Sunday, March 29, 2015</a:t>
             </a:fld>
             <a:endParaRPr lang="en-US" dirty="0">
               <a:solidFill>
@@ -16767,23 +17497,7 @@
                   <a:schemeClr val="tx1"/>
                 </a:solidFill>
               </a:rPr>
-              <a:t>Bandwidth</a:t>
-            </a:r>
-            <a:r>
-              <a:rPr lang="en-US" dirty="0" smtClean="0">
-                <a:solidFill>
-                  <a:schemeClr val="tx1"/>
-                </a:solidFill>
-              </a:rPr>
-              <a:t>, throughput, </a:t>
-            </a:r>
-            <a:r>
-              <a:rPr lang="en-US" dirty="0" smtClean="0">
-                <a:solidFill>
-                  <a:schemeClr val="tx1"/>
-                </a:solidFill>
-              </a:rPr>
-              <a:t>latency are important (Video apps)</a:t>
+              <a:t>Bandwidth, throughput, latency are important (Video apps)</a:t>
             </a:r>
           </a:p>
           <a:p>
@@ -16871,7 +17585,7 @@
                 </a:solidFill>
               </a:rPr>
               <a:pPr/>
-              <a:t>Wednesday, March 25, 2015</a:t>
+              <a:t>Sunday, March 29, 2015</a:t>
             </a:fld>
             <a:endParaRPr lang="en-US" dirty="0">
               <a:solidFill>
@@ -18156,7 +18870,7 @@
                 </a:solidFill>
               </a:rPr>
               <a:pPr/>
-              <a:t>Wednesday, March 25, 2015</a:t>
+              <a:t>Sunday, March 29, 2015</a:t>
             </a:fld>
             <a:endParaRPr lang="en-US" dirty="0">
               <a:solidFill>
@@ -18802,7 +19516,7 @@
                 </a:solidFill>
               </a:rPr>
               <a:pPr/>
-              <a:t>Wednesday, March 25, 2015</a:t>
+              <a:t>Sunday, March 29, 2015</a:t>
             </a:fld>
             <a:endParaRPr lang="en-US" dirty="0">
               <a:solidFill>
@@ -19306,11 +20020,6 @@
               </a:rPr>
               <a:t>	</a:t>
             </a:r>
-            <a:endParaRPr lang="en-US" dirty="0" smtClean="0">
-              <a:solidFill>
-                <a:schemeClr val="tx1"/>
-              </a:solidFill>
-            </a:endParaRPr>
           </a:p>
           <a:p>
             <a:pPr marL="342900" lvl="0" indent="-342900" algn="l">
@@ -19353,7 +20062,6 @@
               <a:rPr lang="en-US" dirty="0" smtClean="0"/>
               <a:t>	</a:t>
             </a:r>
-            <a:endParaRPr lang="en-US" dirty="0" smtClean="0"/>
           </a:p>
           <a:p>
             <a:pPr marL="342900" indent="-342900" algn="l">
@@ -19414,15 +20122,7 @@
                   <a:schemeClr val="tx1"/>
                 </a:solidFill>
               </a:rPr>
-              <a:t>CLEAR </a:t>
-            </a:r>
-            <a:r>
-              <a:rPr lang="en-US" dirty="0" smtClean="0">
-                <a:solidFill>
-                  <a:schemeClr val="tx1"/>
-                </a:solidFill>
-              </a:rPr>
-              <a:t>ALL</a:t>
+              <a:t>CLEAR ALL</a:t>
             </a:r>
           </a:p>
           <a:p>
@@ -19635,7 +20335,7 @@
                 </a:solidFill>
               </a:rPr>
               <a:pPr/>
-              <a:t>Thursday, March 26, 2015</a:t>
+              <a:t>Sunday, March 29, 2015</a:t>
             </a:fld>
             <a:endParaRPr lang="en-US" dirty="0">
               <a:solidFill>
@@ -19710,6 +20410,382 @@
               </a:rPr>
               <a:pPr/>
               <a:t>28</a:t>
+            </a:fld>
+            <a:endParaRPr lang="en-US" dirty="0">
+              <a:solidFill>
+                <a:srgbClr val="FFFFFF"/>
+              </a:solidFill>
+            </a:endParaRPr>
+          </a:p>
+        </p:txBody>
+      </p:sp>
+      <p:sp>
+        <p:nvSpPr>
+          <p:cNvPr id="7" name="Title 1"/>
+          <p:cNvSpPr txBox="1">
+            <a:spLocks/>
+          </p:cNvSpPr>
+          <p:nvPr/>
+        </p:nvSpPr>
+        <p:spPr bwMode="auto">
+          <a:xfrm>
+            <a:off x="267344" y="970903"/>
+            <a:ext cx="8720218" cy="1143000"/>
+          </a:xfrm>
+          <a:prstGeom prst="rect">
+            <a:avLst/>
+          </a:prstGeom>
+          <a:noFill/>
+          <a:ln w="9525">
+            <a:noFill/>
+            <a:miter lim="800000"/>
+            <a:headEnd/>
+            <a:tailEnd/>
+          </a:ln>
+        </p:spPr>
+        <p:txBody>
+          <a:bodyPr vert="horz" wrap="square" lIns="91440" tIns="45720" rIns="91440" bIns="45720" numCol="1" anchor="ctr" anchorCtr="0" compatLnSpc="1">
+            <a:prstTxWarp prst="textNoShape">
+              <a:avLst/>
+            </a:prstTxWarp>
+          </a:bodyPr>
+          <a:lstStyle>
+            <a:lvl1pPr algn="ctr" rtl="0" eaLnBrk="1" fontAlgn="base" hangingPunct="1">
+              <a:spcBef>
+                <a:spcPct val="0"/>
+              </a:spcBef>
+              <a:spcAft>
+                <a:spcPct val="0"/>
+              </a:spcAft>
+              <a:defRPr sz="4400" kern="1200">
+                <a:solidFill>
+                  <a:schemeClr val="tx1"/>
+                </a:solidFill>
+                <a:latin typeface="+mj-lt"/>
+                <a:ea typeface="+mj-ea"/>
+                <a:cs typeface="+mj-cs"/>
+              </a:defRPr>
+            </a:lvl1pPr>
+            <a:lvl2pPr algn="ctr" rtl="0" eaLnBrk="1" fontAlgn="base" hangingPunct="1">
+              <a:spcBef>
+                <a:spcPct val="0"/>
+              </a:spcBef>
+              <a:spcAft>
+                <a:spcPct val="0"/>
+              </a:spcAft>
+              <a:defRPr sz="4400">
+                <a:solidFill>
+                  <a:schemeClr val="tx1"/>
+                </a:solidFill>
+                <a:latin typeface="Arial" charset="0"/>
+              </a:defRPr>
+            </a:lvl2pPr>
+            <a:lvl3pPr algn="ctr" rtl="0" eaLnBrk="1" fontAlgn="base" hangingPunct="1">
+              <a:spcBef>
+                <a:spcPct val="0"/>
+              </a:spcBef>
+              <a:spcAft>
+                <a:spcPct val="0"/>
+              </a:spcAft>
+              <a:defRPr sz="4400">
+                <a:solidFill>
+                  <a:schemeClr val="tx1"/>
+                </a:solidFill>
+                <a:latin typeface="Arial" charset="0"/>
+              </a:defRPr>
+            </a:lvl3pPr>
+            <a:lvl4pPr algn="ctr" rtl="0" eaLnBrk="1" fontAlgn="base" hangingPunct="1">
+              <a:spcBef>
+                <a:spcPct val="0"/>
+              </a:spcBef>
+              <a:spcAft>
+                <a:spcPct val="0"/>
+              </a:spcAft>
+              <a:defRPr sz="4400">
+                <a:solidFill>
+                  <a:schemeClr val="tx1"/>
+                </a:solidFill>
+                <a:latin typeface="Arial" charset="0"/>
+              </a:defRPr>
+            </a:lvl4pPr>
+            <a:lvl5pPr algn="ctr" rtl="0" eaLnBrk="1" fontAlgn="base" hangingPunct="1">
+              <a:spcBef>
+                <a:spcPct val="0"/>
+              </a:spcBef>
+              <a:spcAft>
+                <a:spcPct val="0"/>
+              </a:spcAft>
+              <a:defRPr sz="4400">
+                <a:solidFill>
+                  <a:schemeClr val="tx1"/>
+                </a:solidFill>
+                <a:latin typeface="Arial" charset="0"/>
+              </a:defRPr>
+            </a:lvl5pPr>
+            <a:lvl6pPr marL="457200" algn="ctr" rtl="0" eaLnBrk="1" fontAlgn="base" hangingPunct="1">
+              <a:spcBef>
+                <a:spcPct val="0"/>
+              </a:spcBef>
+              <a:spcAft>
+                <a:spcPct val="0"/>
+              </a:spcAft>
+              <a:defRPr sz="4400">
+                <a:solidFill>
+                  <a:schemeClr val="tx1"/>
+                </a:solidFill>
+                <a:latin typeface="Lucida Sans" pitchFamily="34" charset="0"/>
+              </a:defRPr>
+            </a:lvl6pPr>
+            <a:lvl7pPr marL="914400" algn="ctr" rtl="0" eaLnBrk="1" fontAlgn="base" hangingPunct="1">
+              <a:spcBef>
+                <a:spcPct val="0"/>
+              </a:spcBef>
+              <a:spcAft>
+                <a:spcPct val="0"/>
+              </a:spcAft>
+              <a:defRPr sz="4400">
+                <a:solidFill>
+                  <a:schemeClr val="tx1"/>
+                </a:solidFill>
+                <a:latin typeface="Lucida Sans" pitchFamily="34" charset="0"/>
+              </a:defRPr>
+            </a:lvl7pPr>
+            <a:lvl8pPr marL="1371600" algn="ctr" rtl="0" eaLnBrk="1" fontAlgn="base" hangingPunct="1">
+              <a:spcBef>
+                <a:spcPct val="0"/>
+              </a:spcBef>
+              <a:spcAft>
+                <a:spcPct val="0"/>
+              </a:spcAft>
+              <a:defRPr sz="4400">
+                <a:solidFill>
+                  <a:schemeClr val="tx1"/>
+                </a:solidFill>
+                <a:latin typeface="Lucida Sans" pitchFamily="34" charset="0"/>
+              </a:defRPr>
+            </a:lvl8pPr>
+            <a:lvl9pPr marL="1828800" algn="ctr" rtl="0" eaLnBrk="1" fontAlgn="base" hangingPunct="1">
+              <a:spcBef>
+                <a:spcPct val="0"/>
+              </a:spcBef>
+              <a:spcAft>
+                <a:spcPct val="0"/>
+              </a:spcAft>
+              <a:defRPr sz="4400">
+                <a:solidFill>
+                  <a:schemeClr val="tx1"/>
+                </a:solidFill>
+                <a:latin typeface="Lucida Sans" pitchFamily="34" charset="0"/>
+              </a:defRPr>
+            </a:lvl9pPr>
+          </a:lstStyle>
+          <a:p>
+            <a:r>
+              <a:rPr lang="en-US" sz="4000" dirty="0" smtClean="0">
+                <a:latin typeface="Constantia"/>
+                <a:cs typeface="Constantia"/>
+              </a:rPr>
+              <a:t>How to use</a:t>
+            </a:r>
+            <a:endParaRPr lang="en-US" sz="4000" dirty="0">
+              <a:latin typeface="Constantia"/>
+              <a:cs typeface="Constantia"/>
+            </a:endParaRPr>
+          </a:p>
+        </p:txBody>
+      </p:sp>
+      <p:pic>
+        <p:nvPicPr>
+          <p:cNvPr id="4098" name="Picture 2" descr="C:\Users\quangson\Desktop\Capture5.PNG"/>
+          <p:cNvPicPr>
+            <a:picLocks noChangeAspect="1" noChangeArrowheads="1"/>
+          </p:cNvPicPr>
+          <p:nvPr/>
+        </p:nvPicPr>
+        <p:blipFill>
+          <a:blip r:embed="rId2">
+            <a:extLst>
+              <a:ext uri="{28A0092B-C50C-407E-A947-70E740481C1C}">
+                <a14:useLocalDpi xmlns:a14="http://schemas.microsoft.com/office/drawing/2010/main" val="0"/>
+              </a:ext>
+            </a:extLst>
+          </a:blip>
+          <a:srcRect/>
+          <a:stretch>
+            <a:fillRect/>
+          </a:stretch>
+        </p:blipFill>
+        <p:spPr bwMode="auto">
+          <a:xfrm>
+            <a:off x="250825" y="2024063"/>
+            <a:ext cx="8640763" cy="3062287"/>
+          </a:xfrm>
+          <a:prstGeom prst="rect">
+            <a:avLst/>
+          </a:prstGeom>
+          <a:noFill/>
+          <a:extLst>
+            <a:ext uri="{909E8E84-426E-40DD-AFC4-6F175D3DCCD1}">
+              <a14:hiddenFill xmlns:a14="http://schemas.microsoft.com/office/drawing/2010/main">
+                <a:solidFill>
+                  <a:srgbClr val="FFFFFF"/>
+                </a:solidFill>
+              </a14:hiddenFill>
+            </a:ext>
+          </a:extLst>
+        </p:spPr>
+      </p:pic>
+    </p:spTree>
+    <p:extLst>
+      <p:ext uri="{BB962C8B-B14F-4D97-AF65-F5344CB8AC3E}">
+        <p14:creationId xmlns:p14="http://schemas.microsoft.com/office/powerpoint/2010/main" val="2103528241"/>
+      </p:ext>
+    </p:extLst>
+  </p:cSld>
+  <p:clrMapOvr>
+    <a:masterClrMapping/>
+  </p:clrMapOvr>
+  <mc:AlternateContent xmlns:mc="http://schemas.openxmlformats.org/markup-compatibility/2006" xmlns:p14="http://schemas.microsoft.com/office/powerpoint/2010/main">
+    <mc:Choice Requires="p14">
+      <p:transition p14:dur="100">
+        <p:cut/>
+      </p:transition>
+    </mc:Choice>
+    <mc:Fallback xmlns="">
+      <p:transition>
+        <p:cut/>
+      </p:transition>
+    </mc:Fallback>
+  </mc:AlternateContent>
+  <p:timing>
+    <p:tnLst>
+      <p:par>
+        <p:cTn id="1" dur="indefinite" restart="never" nodeType="tmRoot"/>
+      </p:par>
+    </p:tnLst>
+  </p:timing>
+</p:sld>
+</file>
+
+<file path=ppt/slides/slide29.xml><?xml version="1.0" encoding="utf-8"?>
+<p:sld xmlns:a="http://schemas.openxmlformats.org/drawingml/2006/main" xmlns:r="http://schemas.openxmlformats.org/officeDocument/2006/relationships" xmlns:p="http://schemas.openxmlformats.org/presentationml/2006/main">
+  <p:cSld>
+    <p:spTree>
+      <p:nvGrpSpPr>
+        <p:cNvPr id="1" name=""/>
+        <p:cNvGrpSpPr/>
+        <p:nvPr/>
+      </p:nvGrpSpPr>
+      <p:grpSpPr>
+        <a:xfrm>
+          <a:off x="0" y="0"/>
+          <a:ext cx="0" cy="0"/>
+          <a:chOff x="0" y="0"/>
+          <a:chExt cx="0" cy="0"/>
+        </a:xfrm>
+      </p:grpSpPr>
+      <p:sp>
+        <p:nvSpPr>
+          <p:cNvPr id="3" name="Date Placeholder 2"/>
+          <p:cNvSpPr>
+            <a:spLocks noGrp="1"/>
+          </p:cNvSpPr>
+          <p:nvPr>
+            <p:ph type="dt" sz="half" idx="10"/>
+          </p:nvPr>
+        </p:nvSpPr>
+        <p:spPr>
+          <a:xfrm>
+            <a:off x="0" y="6530996"/>
+            <a:ext cx="2133600" cy="365125"/>
+          </a:xfrm>
+        </p:spPr>
+        <p:txBody>
+          <a:bodyPr/>
+          <a:lstStyle/>
+          <a:p>
+            <a:fld id="{945310C2-C0B2-5241-BEC0-6819B2B3C035}" type="datetime2">
+              <a:rPr lang="en-US" smtClean="0">
+                <a:solidFill>
+                  <a:srgbClr val="FFFFFF"/>
+                </a:solidFill>
+              </a:rPr>
+              <a:pPr/>
+              <a:t>Sunday, March 29, 2015</a:t>
+            </a:fld>
+            <a:endParaRPr lang="en-US" dirty="0">
+              <a:solidFill>
+                <a:srgbClr val="FFFFFF"/>
+              </a:solidFill>
+            </a:endParaRPr>
+          </a:p>
+        </p:txBody>
+      </p:sp>
+      <p:sp>
+        <p:nvSpPr>
+          <p:cNvPr id="4" name="Footer Placeholder 3"/>
+          <p:cNvSpPr>
+            <a:spLocks noGrp="1"/>
+          </p:cNvSpPr>
+          <p:nvPr>
+            <p:ph type="ftr" sz="quarter" idx="11"/>
+          </p:nvPr>
+        </p:nvSpPr>
+        <p:spPr>
+          <a:xfrm>
+            <a:off x="3124200" y="6530996"/>
+            <a:ext cx="2895600" cy="365125"/>
+          </a:xfrm>
+        </p:spPr>
+        <p:txBody>
+          <a:bodyPr/>
+          <a:lstStyle/>
+          <a:p>
+            <a:pPr algn="l"/>
+            <a:r>
+              <a:rPr lang="en-US" smtClean="0">
+                <a:solidFill>
+                  <a:schemeClr val="bg1"/>
+                </a:solidFill>
+              </a:rPr>
+              <a:t>www.qsoftvietnam.com</a:t>
+            </a:r>
+            <a:endParaRPr lang="en-US" dirty="0">
+              <a:solidFill>
+                <a:schemeClr val="bg1"/>
+              </a:solidFill>
+            </a:endParaRPr>
+          </a:p>
+        </p:txBody>
+      </p:sp>
+      <p:sp>
+        <p:nvSpPr>
+          <p:cNvPr id="5" name="Slide Number Placeholder 4"/>
+          <p:cNvSpPr>
+            <a:spLocks noGrp="1"/>
+          </p:cNvSpPr>
+          <p:nvPr>
+            <p:ph type="sldNum" sz="quarter" idx="12"/>
+          </p:nvPr>
+        </p:nvSpPr>
+        <p:spPr>
+          <a:xfrm>
+            <a:off x="6853962" y="6530996"/>
+            <a:ext cx="2133600" cy="365125"/>
+          </a:xfrm>
+        </p:spPr>
+        <p:txBody>
+          <a:bodyPr/>
+          <a:lstStyle/>
+          <a:p>
+            <a:fld id="{FA84A37A-AFC2-4A01-80A1-FC20F2C0D5BB}" type="slidenum">
+              <a:rPr lang="en-US" smtClean="0">
+                <a:solidFill>
+                  <a:srgbClr val="FFFFFF"/>
+                </a:solidFill>
+              </a:rPr>
+              <a:pPr/>
+              <a:t>29</a:t>
             </a:fld>
             <a:endParaRPr lang="en-US" dirty="0">
               <a:solidFill>
@@ -20253,7 +21329,7 @@
 </p:sld>
 </file>
 
-<file path=ppt/slides/slide29.xml><?xml version="1.0" encoding="utf-8"?>
+<file path=ppt/slides/slide3.xml><?xml version="1.0" encoding="utf-8"?>
 <p:sld xmlns:a="http://schemas.openxmlformats.org/drawingml/2006/main" xmlns:r="http://schemas.openxmlformats.org/officeDocument/2006/relationships" xmlns:p="http://schemas.openxmlformats.org/presentationml/2006/main">
   <p:cSld>
     <p:spTree>
@@ -20297,7 +21373,7 @@
                 </a:solidFill>
               </a:rPr>
               <a:pPr/>
-              <a:t>Wednesday, March 25, 2015</a:t>
+              <a:t>Sunday, March 29, 2015</a:t>
             </a:fld>
             <a:endParaRPr lang="en-US" dirty="0">
               <a:solidFill>
@@ -20329,7 +21405,7 @@
           <a:p>
             <a:pPr algn="l"/>
             <a:r>
-              <a:rPr lang="en-US" smtClean="0">
+              <a:rPr lang="en-US" dirty="0" smtClean="0">
                 <a:solidFill>
                   <a:schemeClr val="bg1"/>
                 </a:solidFill>
@@ -20371,7 +21447,617 @@
                 </a:solidFill>
               </a:rPr>
               <a:pPr/>
-              <a:t>29</a:t>
+              <a:t>3</a:t>
+            </a:fld>
+            <a:endParaRPr lang="en-US" dirty="0">
+              <a:solidFill>
+                <a:srgbClr val="FFFFFF"/>
+              </a:solidFill>
+            </a:endParaRPr>
+          </a:p>
+        </p:txBody>
+      </p:sp>
+      <p:sp>
+        <p:nvSpPr>
+          <p:cNvPr id="7" name="Title 1"/>
+          <p:cNvSpPr txBox="1">
+            <a:spLocks/>
+          </p:cNvSpPr>
+          <p:nvPr/>
+        </p:nvSpPr>
+        <p:spPr bwMode="auto">
+          <a:xfrm>
+            <a:off x="267344" y="1018034"/>
+            <a:ext cx="8720218" cy="1143000"/>
+          </a:xfrm>
+          <a:prstGeom prst="rect">
+            <a:avLst/>
+          </a:prstGeom>
+          <a:noFill/>
+          <a:ln w="9525">
+            <a:noFill/>
+            <a:miter lim="800000"/>
+            <a:headEnd/>
+            <a:tailEnd/>
+          </a:ln>
+        </p:spPr>
+        <p:txBody>
+          <a:bodyPr vert="horz" wrap="square" lIns="91440" tIns="45720" rIns="91440" bIns="45720" numCol="1" anchor="ctr" anchorCtr="0" compatLnSpc="1">
+            <a:prstTxWarp prst="textNoShape">
+              <a:avLst/>
+            </a:prstTxWarp>
+          </a:bodyPr>
+          <a:lstStyle>
+            <a:lvl1pPr algn="ctr" rtl="0" eaLnBrk="1" fontAlgn="base" hangingPunct="1">
+              <a:spcBef>
+                <a:spcPct val="0"/>
+              </a:spcBef>
+              <a:spcAft>
+                <a:spcPct val="0"/>
+              </a:spcAft>
+              <a:defRPr sz="4400" kern="1200">
+                <a:solidFill>
+                  <a:schemeClr val="tx1"/>
+                </a:solidFill>
+                <a:latin typeface="+mj-lt"/>
+                <a:ea typeface="+mj-ea"/>
+                <a:cs typeface="+mj-cs"/>
+              </a:defRPr>
+            </a:lvl1pPr>
+            <a:lvl2pPr algn="ctr" rtl="0" eaLnBrk="1" fontAlgn="base" hangingPunct="1">
+              <a:spcBef>
+                <a:spcPct val="0"/>
+              </a:spcBef>
+              <a:spcAft>
+                <a:spcPct val="0"/>
+              </a:spcAft>
+              <a:defRPr sz="4400">
+                <a:solidFill>
+                  <a:schemeClr val="tx1"/>
+                </a:solidFill>
+                <a:latin typeface="Arial" charset="0"/>
+              </a:defRPr>
+            </a:lvl2pPr>
+            <a:lvl3pPr algn="ctr" rtl="0" eaLnBrk="1" fontAlgn="base" hangingPunct="1">
+              <a:spcBef>
+                <a:spcPct val="0"/>
+              </a:spcBef>
+              <a:spcAft>
+                <a:spcPct val="0"/>
+              </a:spcAft>
+              <a:defRPr sz="4400">
+                <a:solidFill>
+                  <a:schemeClr val="tx1"/>
+                </a:solidFill>
+                <a:latin typeface="Arial" charset="0"/>
+              </a:defRPr>
+            </a:lvl3pPr>
+            <a:lvl4pPr algn="ctr" rtl="0" eaLnBrk="1" fontAlgn="base" hangingPunct="1">
+              <a:spcBef>
+                <a:spcPct val="0"/>
+              </a:spcBef>
+              <a:spcAft>
+                <a:spcPct val="0"/>
+              </a:spcAft>
+              <a:defRPr sz="4400">
+                <a:solidFill>
+                  <a:schemeClr val="tx1"/>
+                </a:solidFill>
+                <a:latin typeface="Arial" charset="0"/>
+              </a:defRPr>
+            </a:lvl4pPr>
+            <a:lvl5pPr algn="ctr" rtl="0" eaLnBrk="1" fontAlgn="base" hangingPunct="1">
+              <a:spcBef>
+                <a:spcPct val="0"/>
+              </a:spcBef>
+              <a:spcAft>
+                <a:spcPct val="0"/>
+              </a:spcAft>
+              <a:defRPr sz="4400">
+                <a:solidFill>
+                  <a:schemeClr val="tx1"/>
+                </a:solidFill>
+                <a:latin typeface="Arial" charset="0"/>
+              </a:defRPr>
+            </a:lvl5pPr>
+            <a:lvl6pPr marL="457200" algn="ctr" rtl="0" eaLnBrk="1" fontAlgn="base" hangingPunct="1">
+              <a:spcBef>
+                <a:spcPct val="0"/>
+              </a:spcBef>
+              <a:spcAft>
+                <a:spcPct val="0"/>
+              </a:spcAft>
+              <a:defRPr sz="4400">
+                <a:solidFill>
+                  <a:schemeClr val="tx1"/>
+                </a:solidFill>
+                <a:latin typeface="Lucida Sans" pitchFamily="34" charset="0"/>
+              </a:defRPr>
+            </a:lvl6pPr>
+            <a:lvl7pPr marL="914400" algn="ctr" rtl="0" eaLnBrk="1" fontAlgn="base" hangingPunct="1">
+              <a:spcBef>
+                <a:spcPct val="0"/>
+              </a:spcBef>
+              <a:spcAft>
+                <a:spcPct val="0"/>
+              </a:spcAft>
+              <a:defRPr sz="4400">
+                <a:solidFill>
+                  <a:schemeClr val="tx1"/>
+                </a:solidFill>
+                <a:latin typeface="Lucida Sans" pitchFamily="34" charset="0"/>
+              </a:defRPr>
+            </a:lvl7pPr>
+            <a:lvl8pPr marL="1371600" algn="ctr" rtl="0" eaLnBrk="1" fontAlgn="base" hangingPunct="1">
+              <a:spcBef>
+                <a:spcPct val="0"/>
+              </a:spcBef>
+              <a:spcAft>
+                <a:spcPct val="0"/>
+              </a:spcAft>
+              <a:defRPr sz="4400">
+                <a:solidFill>
+                  <a:schemeClr val="tx1"/>
+                </a:solidFill>
+                <a:latin typeface="Lucida Sans" pitchFamily="34" charset="0"/>
+              </a:defRPr>
+            </a:lvl8pPr>
+            <a:lvl9pPr marL="1828800" algn="ctr" rtl="0" eaLnBrk="1" fontAlgn="base" hangingPunct="1">
+              <a:spcBef>
+                <a:spcPct val="0"/>
+              </a:spcBef>
+              <a:spcAft>
+                <a:spcPct val="0"/>
+              </a:spcAft>
+              <a:defRPr sz="4400">
+                <a:solidFill>
+                  <a:schemeClr val="tx1"/>
+                </a:solidFill>
+                <a:latin typeface="Lucida Sans" pitchFamily="34" charset="0"/>
+              </a:defRPr>
+            </a:lvl9pPr>
+          </a:lstStyle>
+          <a:p>
+            <a:r>
+              <a:rPr lang="en-US" sz="4000" dirty="0" smtClean="0">
+                <a:latin typeface="Constantia"/>
+                <a:cs typeface="Constantia"/>
+              </a:rPr>
+              <a:t>Out line</a:t>
+            </a:r>
+            <a:endParaRPr lang="en-US" sz="4000" dirty="0">
+              <a:latin typeface="Constantia"/>
+              <a:cs typeface="Constantia"/>
+            </a:endParaRPr>
+          </a:p>
+        </p:txBody>
+      </p:sp>
+      <p:sp>
+        <p:nvSpPr>
+          <p:cNvPr id="9" name="Content Placeholder 2"/>
+          <p:cNvSpPr txBox="1">
+            <a:spLocks/>
+          </p:cNvSpPr>
+          <p:nvPr/>
+        </p:nvSpPr>
+        <p:spPr bwMode="auto">
+          <a:xfrm>
+            <a:off x="457200" y="2161034"/>
+            <a:ext cx="8229600" cy="3361133"/>
+          </a:xfrm>
+          <a:prstGeom prst="rect">
+            <a:avLst/>
+          </a:prstGeom>
+          <a:noFill/>
+          <a:ln w="9525">
+            <a:noFill/>
+            <a:miter lim="800000"/>
+            <a:headEnd/>
+            <a:tailEnd/>
+          </a:ln>
+        </p:spPr>
+        <p:txBody>
+          <a:bodyPr vert="horz" wrap="square" lIns="91440" tIns="45720" rIns="91440" bIns="45720" numCol="1" anchor="t" anchorCtr="0" compatLnSpc="1">
+            <a:prstTxWarp prst="textNoShape">
+              <a:avLst/>
+            </a:prstTxWarp>
+          </a:bodyPr>
+          <a:lstStyle>
+            <a:lvl1pPr marL="0" indent="0" algn="ctr" rtl="0" eaLnBrk="1" fontAlgn="base" hangingPunct="1">
+              <a:spcBef>
+                <a:spcPct val="20000"/>
+              </a:spcBef>
+              <a:spcAft>
+                <a:spcPct val="0"/>
+              </a:spcAft>
+              <a:buFont typeface="Arial" charset="0"/>
+              <a:buNone/>
+              <a:defRPr sz="2400" kern="1200">
+                <a:solidFill>
+                  <a:schemeClr val="tx1">
+                    <a:tint val="75000"/>
+                  </a:schemeClr>
+                </a:solidFill>
+                <a:latin typeface="+mn-lt"/>
+                <a:ea typeface="+mn-ea"/>
+                <a:cs typeface="+mn-cs"/>
+              </a:defRPr>
+            </a:lvl1pPr>
+            <a:lvl2pPr marL="457200" indent="0" algn="ctr" rtl="0" eaLnBrk="1" fontAlgn="base" hangingPunct="1">
+              <a:spcBef>
+                <a:spcPct val="20000"/>
+              </a:spcBef>
+              <a:spcAft>
+                <a:spcPct val="0"/>
+              </a:spcAft>
+              <a:buFont typeface="Arial" charset="0"/>
+              <a:buNone/>
+              <a:defRPr sz="2000" kern="1200">
+                <a:solidFill>
+                  <a:schemeClr val="tx1">
+                    <a:tint val="75000"/>
+                  </a:schemeClr>
+                </a:solidFill>
+                <a:latin typeface="+mn-lt"/>
+                <a:ea typeface="+mn-ea"/>
+                <a:cs typeface="+mn-cs"/>
+              </a:defRPr>
+            </a:lvl2pPr>
+            <a:lvl3pPr marL="914400" indent="0" algn="ctr" rtl="0" eaLnBrk="1" fontAlgn="base" hangingPunct="1">
+              <a:spcBef>
+                <a:spcPct val="20000"/>
+              </a:spcBef>
+              <a:spcAft>
+                <a:spcPct val="0"/>
+              </a:spcAft>
+              <a:buFont typeface="Arial" charset="0"/>
+              <a:buNone/>
+              <a:defRPr kern="1200">
+                <a:solidFill>
+                  <a:schemeClr val="tx1">
+                    <a:tint val="75000"/>
+                  </a:schemeClr>
+                </a:solidFill>
+                <a:latin typeface="+mn-lt"/>
+                <a:ea typeface="+mn-ea"/>
+                <a:cs typeface="+mn-cs"/>
+              </a:defRPr>
+            </a:lvl3pPr>
+            <a:lvl4pPr marL="1371600" indent="0" algn="ctr" rtl="0" eaLnBrk="1" fontAlgn="base" hangingPunct="1">
+              <a:spcBef>
+                <a:spcPct val="20000"/>
+              </a:spcBef>
+              <a:spcAft>
+                <a:spcPct val="0"/>
+              </a:spcAft>
+              <a:buFont typeface="Arial" charset="0"/>
+              <a:buNone/>
+              <a:defRPr sz="1600" kern="1200">
+                <a:solidFill>
+                  <a:schemeClr val="tx1">
+                    <a:tint val="75000"/>
+                  </a:schemeClr>
+                </a:solidFill>
+                <a:latin typeface="+mn-lt"/>
+                <a:ea typeface="+mn-ea"/>
+                <a:cs typeface="+mn-cs"/>
+              </a:defRPr>
+            </a:lvl4pPr>
+            <a:lvl5pPr marL="1828800" indent="0" algn="ctr" rtl="0" eaLnBrk="1" fontAlgn="base" hangingPunct="1">
+              <a:spcBef>
+                <a:spcPct val="20000"/>
+              </a:spcBef>
+              <a:spcAft>
+                <a:spcPct val="0"/>
+              </a:spcAft>
+              <a:buFont typeface="Arial" charset="0"/>
+              <a:buNone/>
+              <a:defRPr sz="1600" kern="1200">
+                <a:solidFill>
+                  <a:schemeClr val="tx1">
+                    <a:tint val="75000"/>
+                  </a:schemeClr>
+                </a:solidFill>
+                <a:latin typeface="+mn-lt"/>
+                <a:ea typeface="+mn-ea"/>
+                <a:cs typeface="+mn-cs"/>
+              </a:defRPr>
+            </a:lvl5pPr>
+            <a:lvl6pPr marL="2286000" indent="0" algn="ctr" defTabSz="914400" rtl="0" eaLnBrk="1" latinLnBrk="0" hangingPunct="1">
+              <a:spcBef>
+                <a:spcPct val="20000"/>
+              </a:spcBef>
+              <a:buFont typeface="Arial" pitchFamily="34" charset="0"/>
+              <a:buNone/>
+              <a:defRPr sz="2000" kern="1200">
+                <a:solidFill>
+                  <a:schemeClr val="tx1">
+                    <a:tint val="75000"/>
+                  </a:schemeClr>
+                </a:solidFill>
+                <a:latin typeface="+mn-lt"/>
+                <a:ea typeface="+mn-ea"/>
+                <a:cs typeface="+mn-cs"/>
+              </a:defRPr>
+            </a:lvl6pPr>
+            <a:lvl7pPr marL="2743200" indent="0" algn="ctr" defTabSz="914400" rtl="0" eaLnBrk="1" latinLnBrk="0" hangingPunct="1">
+              <a:spcBef>
+                <a:spcPct val="20000"/>
+              </a:spcBef>
+              <a:buFont typeface="Arial" pitchFamily="34" charset="0"/>
+              <a:buNone/>
+              <a:defRPr sz="2000" kern="1200">
+                <a:solidFill>
+                  <a:schemeClr val="tx1">
+                    <a:tint val="75000"/>
+                  </a:schemeClr>
+                </a:solidFill>
+                <a:latin typeface="+mn-lt"/>
+                <a:ea typeface="+mn-ea"/>
+                <a:cs typeface="+mn-cs"/>
+              </a:defRPr>
+            </a:lvl7pPr>
+            <a:lvl8pPr marL="3200400" indent="0" algn="ctr" defTabSz="914400" rtl="0" eaLnBrk="1" latinLnBrk="0" hangingPunct="1">
+              <a:spcBef>
+                <a:spcPct val="20000"/>
+              </a:spcBef>
+              <a:buFont typeface="Arial" pitchFamily="34" charset="0"/>
+              <a:buNone/>
+              <a:defRPr sz="2000" kern="1200">
+                <a:solidFill>
+                  <a:schemeClr val="tx1">
+                    <a:tint val="75000"/>
+                  </a:schemeClr>
+                </a:solidFill>
+                <a:latin typeface="+mn-lt"/>
+                <a:ea typeface="+mn-ea"/>
+                <a:cs typeface="+mn-cs"/>
+              </a:defRPr>
+            </a:lvl8pPr>
+            <a:lvl9pPr marL="3657600" indent="0" algn="ctr" defTabSz="914400" rtl="0" eaLnBrk="1" latinLnBrk="0" hangingPunct="1">
+              <a:spcBef>
+                <a:spcPct val="20000"/>
+              </a:spcBef>
+              <a:buFont typeface="Arial" pitchFamily="34" charset="0"/>
+              <a:buNone/>
+              <a:defRPr sz="2000" kern="1200">
+                <a:solidFill>
+                  <a:schemeClr val="tx1">
+                    <a:tint val="75000"/>
+                  </a:schemeClr>
+                </a:solidFill>
+                <a:latin typeface="+mn-lt"/>
+                <a:ea typeface="+mn-ea"/>
+                <a:cs typeface="+mn-cs"/>
+              </a:defRPr>
+            </a:lvl9pPr>
+          </a:lstStyle>
+          <a:p>
+            <a:pPr marL="1257300" lvl="2" indent="-342900" algn="l">
+              <a:buAutoNum type="arabicPeriod"/>
+            </a:pPr>
+            <a:r>
+              <a:rPr lang="en-US" dirty="0" smtClean="0">
+                <a:solidFill>
+                  <a:srgbClr val="000000"/>
+                </a:solidFill>
+              </a:rPr>
+              <a:t>Head up</a:t>
+            </a:r>
+          </a:p>
+          <a:p>
+            <a:pPr marL="1257300" lvl="2" indent="-342900" algn="l">
+              <a:buAutoNum type="arabicPeriod"/>
+            </a:pPr>
+            <a:r>
+              <a:rPr lang="en-US" dirty="0" smtClean="0">
+                <a:solidFill>
+                  <a:srgbClr val="000000"/>
+                </a:solidFill>
+              </a:rPr>
+              <a:t>Local Storage</a:t>
+            </a:r>
+          </a:p>
+          <a:p>
+            <a:pPr marL="1257300" lvl="2" indent="-342900" algn="l">
+              <a:buAutoNum type="arabicPeriod"/>
+            </a:pPr>
+            <a:r>
+              <a:rPr lang="en-US" dirty="0" smtClean="0">
+                <a:solidFill>
+                  <a:srgbClr val="000000"/>
+                </a:solidFill>
+              </a:rPr>
+              <a:t>Session Storage</a:t>
+            </a:r>
+          </a:p>
+          <a:p>
+            <a:pPr marL="1257300" lvl="2" indent="-342900" algn="l">
+              <a:buAutoNum type="arabicPeriod"/>
+            </a:pPr>
+            <a:r>
+              <a:rPr lang="en-US" dirty="0" smtClean="0">
+                <a:solidFill>
+                  <a:srgbClr val="000000"/>
+                </a:solidFill>
+              </a:rPr>
+              <a:t>Indexed DB</a:t>
+            </a:r>
+          </a:p>
+          <a:p>
+            <a:pPr marL="1257300" lvl="2" indent="-342900" algn="l">
+              <a:buAutoNum type="arabicPeriod"/>
+            </a:pPr>
+            <a:r>
+              <a:rPr lang="en-US" dirty="0" smtClean="0">
+                <a:solidFill>
+                  <a:srgbClr val="000000"/>
+                </a:solidFill>
+              </a:rPr>
+              <a:t>References</a:t>
+            </a:r>
+          </a:p>
+          <a:p>
+            <a:pPr marL="1257300" lvl="2" indent="-342900" algn="l"/>
+            <a:endParaRPr lang="en-US" dirty="0">
+              <a:solidFill>
+                <a:srgbClr val="000000"/>
+              </a:solidFill>
+            </a:endParaRPr>
+          </a:p>
+        </p:txBody>
+      </p:sp>
+    </p:spTree>
+    <p:extLst>
+      <p:ext uri="{BB962C8B-B14F-4D97-AF65-F5344CB8AC3E}">
+        <p14:creationId xmlns:p14="http://schemas.microsoft.com/office/powerpoint/2010/main" val="3241635465"/>
+      </p:ext>
+    </p:extLst>
+  </p:cSld>
+  <p:clrMapOvr>
+    <a:overrideClrMapping bg1="lt1" tx1="dk1" bg2="lt2" tx2="dk2" accent1="accent1" accent2="accent2" accent3="accent3" accent4="accent4" accent5="accent5" accent6="accent6" hlink="hlink" folHlink="folHlink"/>
+  </p:clrMapOvr>
+  <mc:AlternateContent xmlns:mc="http://schemas.openxmlformats.org/markup-compatibility/2006" xmlns:p14="http://schemas.microsoft.com/office/powerpoint/2010/main">
+    <mc:Choice Requires="p14">
+      <p:transition p14:dur="100">
+        <p:cut/>
+      </p:transition>
+    </mc:Choice>
+    <mc:Fallback xmlns="">
+      <p:transition>
+        <p:cut/>
+      </p:transition>
+    </mc:Fallback>
+  </mc:AlternateContent>
+  <p:timing>
+    <p:tnLst>
+      <p:par>
+        <p:cTn id="1" dur="indefinite" restart="never" nodeType="tmRoot"/>
+      </p:par>
+    </p:tnLst>
+  </p:timing>
+</p:sld>
+</file>
+
+<file path=ppt/slides/slide30.xml><?xml version="1.0" encoding="utf-8"?>
+<p:sld xmlns:a="http://schemas.openxmlformats.org/drawingml/2006/main" xmlns:r="http://schemas.openxmlformats.org/officeDocument/2006/relationships" xmlns:p="http://schemas.openxmlformats.org/presentationml/2006/main">
+  <p:cSld>
+    <p:spTree>
+      <p:nvGrpSpPr>
+        <p:cNvPr id="1" name=""/>
+        <p:cNvGrpSpPr/>
+        <p:nvPr/>
+      </p:nvGrpSpPr>
+      <p:grpSpPr>
+        <a:xfrm>
+          <a:off x="0" y="0"/>
+          <a:ext cx="0" cy="0"/>
+          <a:chOff x="0" y="0"/>
+          <a:chExt cx="0" cy="0"/>
+        </a:xfrm>
+      </p:grpSpPr>
+      <p:sp>
+        <p:nvSpPr>
+          <p:cNvPr id="3" name="Date Placeholder 2"/>
+          <p:cNvSpPr>
+            <a:spLocks noGrp="1"/>
+          </p:cNvSpPr>
+          <p:nvPr>
+            <p:ph type="dt" sz="half" idx="10"/>
+          </p:nvPr>
+        </p:nvSpPr>
+        <p:spPr>
+          <a:xfrm>
+            <a:off x="0" y="6530996"/>
+            <a:ext cx="2133600" cy="365125"/>
+          </a:xfrm>
+        </p:spPr>
+        <p:txBody>
+          <a:bodyPr/>
+          <a:lstStyle/>
+          <a:p>
+            <a:fld id="{945310C2-C0B2-5241-BEC0-6819B2B3C035}" type="datetime2">
+              <a:rPr lang="en-US" smtClean="0">
+                <a:solidFill>
+                  <a:srgbClr val="FFFFFF"/>
+                </a:solidFill>
+              </a:rPr>
+              <a:pPr/>
+              <a:t>Sunday, March 29, 2015</a:t>
+            </a:fld>
+            <a:endParaRPr lang="en-US" dirty="0">
+              <a:solidFill>
+                <a:srgbClr val="FFFFFF"/>
+              </a:solidFill>
+            </a:endParaRPr>
+          </a:p>
+        </p:txBody>
+      </p:sp>
+      <p:sp>
+        <p:nvSpPr>
+          <p:cNvPr id="4" name="Footer Placeholder 3"/>
+          <p:cNvSpPr>
+            <a:spLocks noGrp="1"/>
+          </p:cNvSpPr>
+          <p:nvPr>
+            <p:ph type="ftr" sz="quarter" idx="11"/>
+          </p:nvPr>
+        </p:nvSpPr>
+        <p:spPr>
+          <a:xfrm>
+            <a:off x="3124200" y="6530996"/>
+            <a:ext cx="2895600" cy="365125"/>
+          </a:xfrm>
+        </p:spPr>
+        <p:txBody>
+          <a:bodyPr/>
+          <a:lstStyle/>
+          <a:p>
+            <a:pPr algn="l"/>
+            <a:r>
+              <a:rPr lang="en-US" smtClean="0">
+                <a:solidFill>
+                  <a:schemeClr val="bg1"/>
+                </a:solidFill>
+              </a:rPr>
+              <a:t>www.qsoftvietnam.com</a:t>
+            </a:r>
+            <a:endParaRPr lang="en-US" dirty="0">
+              <a:solidFill>
+                <a:schemeClr val="bg1"/>
+              </a:solidFill>
+            </a:endParaRPr>
+          </a:p>
+        </p:txBody>
+      </p:sp>
+      <p:sp>
+        <p:nvSpPr>
+          <p:cNvPr id="5" name="Slide Number Placeholder 4"/>
+          <p:cNvSpPr>
+            <a:spLocks noGrp="1"/>
+          </p:cNvSpPr>
+          <p:nvPr>
+            <p:ph type="sldNum" sz="quarter" idx="12"/>
+          </p:nvPr>
+        </p:nvSpPr>
+        <p:spPr>
+          <a:xfrm>
+            <a:off x="6853962" y="6530996"/>
+            <a:ext cx="2133600" cy="365125"/>
+          </a:xfrm>
+        </p:spPr>
+        <p:txBody>
+          <a:bodyPr/>
+          <a:lstStyle/>
+          <a:p>
+            <a:fld id="{FA84A37A-AFC2-4A01-80A1-FC20F2C0D5BB}" type="slidenum">
+              <a:rPr lang="en-US" smtClean="0">
+                <a:solidFill>
+                  <a:srgbClr val="FFFFFF"/>
+                </a:solidFill>
+              </a:rPr>
+              <a:pPr/>
+              <a:t>30</a:t>
             </a:fld>
             <a:endParaRPr lang="en-US" dirty="0">
               <a:solidFill>
@@ -20473,7 +22159,7 @@
 </p:sld>
 </file>
 
-<file path=ppt/slides/slide3.xml><?xml version="1.0" encoding="utf-8"?>
+<file path=ppt/slides/slide31.xml><?xml version="1.0" encoding="utf-8"?>
 <p:sld xmlns:a="http://schemas.openxmlformats.org/drawingml/2006/main" xmlns:r="http://schemas.openxmlformats.org/officeDocument/2006/relationships" xmlns:p="http://schemas.openxmlformats.org/presentationml/2006/main">
   <p:cSld>
     <p:spTree>
@@ -20517,7 +22203,7 @@
                 </a:solidFill>
               </a:rPr>
               <a:pPr/>
-              <a:t>Wednesday, March 25, 2015</a:t>
+              <a:t>Sunday, March 29, 2015</a:t>
             </a:fld>
             <a:endParaRPr lang="en-US" dirty="0">
               <a:solidFill>
@@ -20549,7 +22235,7 @@
           <a:p>
             <a:pPr algn="l"/>
             <a:r>
-              <a:rPr lang="en-US" dirty="0" smtClean="0">
+              <a:rPr lang="en-US" smtClean="0">
                 <a:solidFill>
                   <a:schemeClr val="bg1"/>
                 </a:solidFill>
@@ -20591,7 +22277,7 @@
                 </a:solidFill>
               </a:rPr>
               <a:pPr/>
-              <a:t>3</a:t>
+              <a:t>31</a:t>
             </a:fld>
             <a:endParaRPr lang="en-US" dirty="0">
               <a:solidFill>
@@ -20767,7 +22453,7 @@
                 <a:latin typeface="Constantia"/>
                 <a:cs typeface="Constantia"/>
               </a:rPr>
-              <a:t>Out line</a:t>
+              <a:t>How to use</a:t>
             </a:r>
             <a:endParaRPr lang="en-US" sz="4000" dirty="0">
               <a:latin typeface="Constantia"/>
@@ -20787,7 +22473,7 @@
         <p:spPr bwMode="auto">
           <a:xfrm>
             <a:off x="457200" y="2161034"/>
-            <a:ext cx="8229600" cy="3361133"/>
+            <a:ext cx="8229600" cy="4369962"/>
           </a:xfrm>
           <a:prstGeom prst="rect">
             <a:avLst/>
@@ -20977,89 +22663,173 @@
             </a:lvl9pPr>
           </a:lstStyle>
           <a:p>
-            <a:pPr marL="1257300" lvl="2" indent="-342900" algn="l">
-              <a:buAutoNum type="arabicPeriod"/>
+            <a:pPr marL="342900" indent="-342900" algn="l">
+              <a:buFont typeface="Arial" panose="020B0604020202020204" pitchFamily="34" charset="0"/>
+              <a:buChar char="•"/>
             </a:pPr>
             <a:r>
+              <a:rPr lang="en-US" dirty="0">
+                <a:solidFill>
+                  <a:schemeClr val="tx1"/>
+                </a:solidFill>
+              </a:rPr>
+              <a:t>Deal with </a:t>
+            </a:r>
+            <a:r>
               <a:rPr lang="en-US" dirty="0" smtClean="0">
                 <a:solidFill>
-                  <a:srgbClr val="000000"/>
-                </a:solidFill>
-              </a:rPr>
-              <a:t>Head up</a:t>
-            </a:r>
-          </a:p>
-          <a:p>
-            <a:pPr marL="1257300" lvl="2" indent="-342900" algn="l">
-              <a:buAutoNum type="arabicPeriod"/>
-            </a:pPr>
-            <a:r>
-              <a:rPr lang="en-US" dirty="0" smtClean="0">
-                <a:solidFill>
-                  <a:srgbClr val="000000"/>
-                </a:solidFill>
-              </a:rPr>
-              <a:t>Local Storage</a:t>
-            </a:r>
-          </a:p>
-          <a:p>
-            <a:pPr marL="1257300" lvl="2" indent="-342900" algn="l">
-              <a:buAutoNum type="arabicPeriod"/>
-            </a:pPr>
-            <a:r>
-              <a:rPr lang="en-US" dirty="0" smtClean="0">
-                <a:solidFill>
-                  <a:srgbClr val="000000"/>
-                </a:solidFill>
-              </a:rPr>
-              <a:t>Session Storage</a:t>
-            </a:r>
-          </a:p>
-          <a:p>
-            <a:pPr marL="1257300" lvl="2" indent="-342900" algn="l">
-              <a:buAutoNum type="arabicPeriod"/>
-            </a:pPr>
-            <a:r>
-              <a:rPr lang="en-US" dirty="0" smtClean="0">
-                <a:solidFill>
-                  <a:srgbClr val="000000"/>
-                </a:solidFill>
-              </a:rPr>
-              <a:t>Indexed DB</a:t>
-            </a:r>
-          </a:p>
-          <a:p>
-            <a:pPr marL="1257300" lvl="2" indent="-342900" algn="l">
-              <a:buAutoNum type="arabicPeriod"/>
-            </a:pPr>
-            <a:r>
-              <a:rPr lang="en-US" dirty="0" smtClean="0">
-                <a:solidFill>
-                  <a:srgbClr val="000000"/>
-                </a:solidFill>
-              </a:rPr>
-              <a:t>References</a:t>
-            </a:r>
-          </a:p>
-          <a:p>
-            <a:pPr marL="1257300" lvl="2" indent="-342900" algn="l"/>
-            <a:endParaRPr lang="en-US" dirty="0">
+                  <a:schemeClr val="tx1"/>
+                </a:solidFill>
+              </a:rPr>
+              <a:t>image &amp; file: </a:t>
+            </a:r>
+            <a:r>
+              <a:rPr lang="en-US" dirty="0">
+                <a:solidFill>
+                  <a:schemeClr val="tx1"/>
+                </a:solidFill>
+              </a:rPr>
+              <a:t>use </a:t>
+            </a:r>
+            <a:r>
+              <a:rPr lang="en-US" b="1" dirty="0" err="1" smtClean="0">
+                <a:solidFill>
+                  <a:srgbClr val="0000FF"/>
+                </a:solidFill>
+              </a:rPr>
+              <a:t>dataURL</a:t>
+            </a:r>
+            <a:r>
+              <a:rPr lang="en-US" b="1" dirty="0" smtClean="0">
+                <a:solidFill>
+                  <a:schemeClr val="tx1"/>
+                </a:solidFill>
+              </a:rPr>
+              <a:t> =&gt; </a:t>
+            </a:r>
+            <a:r>
+              <a:rPr lang="en-US" b="1" dirty="0">
+                <a:solidFill>
+                  <a:srgbClr val="0000FF"/>
+                </a:solidFill>
+              </a:rPr>
+              <a:t>base64</a:t>
+            </a:r>
+            <a:endParaRPr lang="en-US" b="1" dirty="0">
               <a:solidFill>
-                <a:srgbClr val="000000"/>
+                <a:srgbClr val="0000FF"/>
               </a:solidFill>
             </a:endParaRPr>
           </a:p>
+          <a:p>
+            <a:pPr algn="l"/>
+            <a:r>
+              <a:rPr lang="en-US" dirty="0" smtClean="0">
+                <a:solidFill>
+                  <a:schemeClr val="tx1"/>
+                </a:solidFill>
+              </a:rPr>
+              <a:t>	</a:t>
+            </a:r>
+            <a:endParaRPr lang="en-US" dirty="0" smtClean="0">
+              <a:solidFill>
+                <a:srgbClr val="0000FF"/>
+              </a:solidFill>
+            </a:endParaRPr>
+          </a:p>
         </p:txBody>
       </p:sp>
+      <p:pic>
+        <p:nvPicPr>
+          <p:cNvPr id="1026" name="Picture 2" descr="C:\Users\quangson\Desktop\Capture.PNG"/>
+          <p:cNvPicPr>
+            <a:picLocks noChangeAspect="1" noChangeArrowheads="1"/>
+          </p:cNvPicPr>
+          <p:nvPr/>
+        </p:nvPicPr>
+        <p:blipFill>
+          <a:blip r:embed="rId3">
+            <a:extLst>
+              <a:ext uri="{28A0092B-C50C-407E-A947-70E740481C1C}">
+                <a14:useLocalDpi xmlns:a14="http://schemas.microsoft.com/office/drawing/2010/main" val="0"/>
+              </a:ext>
+            </a:extLst>
+          </a:blip>
+          <a:srcRect/>
+          <a:stretch>
+            <a:fillRect/>
+          </a:stretch>
+        </p:blipFill>
+        <p:spPr bwMode="auto">
+          <a:xfrm>
+            <a:off x="457200" y="2738433"/>
+            <a:ext cx="8415338" cy="1197689"/>
+          </a:xfrm>
+          <a:prstGeom prst="rect">
+            <a:avLst/>
+          </a:prstGeom>
+          <a:noFill/>
+          <a:extLst>
+            <a:ext uri="{909E8E84-426E-40DD-AFC4-6F175D3DCCD1}">
+              <a14:hiddenFill xmlns:a14="http://schemas.microsoft.com/office/drawing/2010/main">
+                <a:solidFill>
+                  <a:srgbClr val="FFFFFF"/>
+                </a:solidFill>
+              </a14:hiddenFill>
+            </a:ext>
+          </a:extLst>
+        </p:spPr>
+      </p:pic>
+      <p:pic>
+        <p:nvPicPr>
+          <p:cNvPr id="1027" name="Picture 3" descr="C:\Users\quangson\Desktop\Capture1.PNG"/>
+          <p:cNvPicPr>
+            <a:picLocks noChangeAspect="1" noChangeArrowheads="1"/>
+          </p:cNvPicPr>
+          <p:nvPr/>
+        </p:nvPicPr>
+        <p:blipFill>
+          <a:blip r:embed="rId4">
+            <a:extLst>
+              <a:ext uri="{28A0092B-C50C-407E-A947-70E740481C1C}">
+                <a14:useLocalDpi xmlns:a14="http://schemas.microsoft.com/office/drawing/2010/main" val="0"/>
+              </a:ext>
+            </a:extLst>
+          </a:blip>
+          <a:srcRect/>
+          <a:stretch>
+            <a:fillRect/>
+          </a:stretch>
+        </p:blipFill>
+        <p:spPr bwMode="auto">
+          <a:xfrm>
+            <a:off x="457200" y="4133849"/>
+            <a:ext cx="8415338" cy="2038351"/>
+          </a:xfrm>
+          <a:prstGeom prst="rect">
+            <a:avLst/>
+          </a:prstGeom>
+          <a:noFill/>
+          <a:extLst>
+            <a:ext uri="{909E8E84-426E-40DD-AFC4-6F175D3DCCD1}">
+              <a14:hiddenFill xmlns:a14="http://schemas.microsoft.com/office/drawing/2010/main">
+                <a:solidFill>
+                  <a:srgbClr val="FFFFFF"/>
+                </a:solidFill>
+              </a14:hiddenFill>
+            </a:ext>
+          </a:extLst>
+        </p:spPr>
+      </p:pic>
     </p:spTree>
     <p:extLst>
       <p:ext uri="{BB962C8B-B14F-4D97-AF65-F5344CB8AC3E}">
-        <p14:creationId xmlns:p14="http://schemas.microsoft.com/office/powerpoint/2010/main" val="3241635465"/>
+        <p14:creationId xmlns:p14="http://schemas.microsoft.com/office/powerpoint/2010/main" val="3130661078"/>
       </p:ext>
     </p:extLst>
   </p:cSld>
   <p:clrMapOvr>
-    <a:overrideClrMapping bg1="lt1" tx1="dk1" bg2="lt2" tx2="dk2" accent1="accent1" accent2="accent2" accent3="accent3" accent4="accent4" accent5="accent5" accent6="accent6" hlink="hlink" folHlink="folHlink"/>
+    <a:masterClrMapping/>
   </p:clrMapOvr>
   <mc:AlternateContent xmlns:mc="http://schemas.openxmlformats.org/markup-compatibility/2006" xmlns:p14="http://schemas.microsoft.com/office/powerpoint/2010/main">
     <mc:Choice Requires="p14">
@@ -21083,7 +22853,7 @@
 </p:sld>
 </file>
 
-<file path=ppt/slides/slide30.xml><?xml version="1.0" encoding="utf-8"?>
+<file path=ppt/slides/slide32.xml><?xml version="1.0" encoding="utf-8"?>
 <p:sld xmlns:a="http://schemas.openxmlformats.org/drawingml/2006/main" xmlns:r="http://schemas.openxmlformats.org/officeDocument/2006/relationships" xmlns:p="http://schemas.openxmlformats.org/presentationml/2006/main">
   <p:cSld>
     <p:spTree>
@@ -21127,7 +22897,7 @@
                 </a:solidFill>
               </a:rPr>
               <a:pPr/>
-              <a:t>Thursday, March 26, 2015</a:t>
+              <a:t>Sunday, March 29, 2015</a:t>
             </a:fld>
             <a:endParaRPr lang="en-US" dirty="0">
               <a:solidFill>
@@ -21201,7 +22971,7 @@
                 </a:solidFill>
               </a:rPr>
               <a:pPr/>
-              <a:t>30</a:t>
+              <a:t>32</a:t>
             </a:fld>
             <a:endParaRPr lang="en-US" dirty="0">
               <a:solidFill>
@@ -21386,6 +23156,382 @@
           </a:p>
         </p:txBody>
       </p:sp>
+      <p:pic>
+        <p:nvPicPr>
+          <p:cNvPr id="2052" name="Picture 4" descr="C:\Users\quangson\Desktop\Capture4.PNG"/>
+          <p:cNvPicPr>
+            <a:picLocks noChangeAspect="1" noChangeArrowheads="1"/>
+          </p:cNvPicPr>
+          <p:nvPr/>
+        </p:nvPicPr>
+        <p:blipFill>
+          <a:blip r:embed="rId3">
+            <a:extLst>
+              <a:ext uri="{28A0092B-C50C-407E-A947-70E740481C1C}">
+                <a14:useLocalDpi xmlns:a14="http://schemas.microsoft.com/office/drawing/2010/main" val="0"/>
+              </a:ext>
+            </a:extLst>
+          </a:blip>
+          <a:srcRect/>
+          <a:stretch>
+            <a:fillRect/>
+          </a:stretch>
+        </p:blipFill>
+        <p:spPr bwMode="auto">
+          <a:xfrm>
+            <a:off x="267344" y="2852738"/>
+            <a:ext cx="8602432" cy="2562225"/>
+          </a:xfrm>
+          <a:prstGeom prst="rect">
+            <a:avLst/>
+          </a:prstGeom>
+          <a:noFill/>
+          <a:extLst>
+            <a:ext uri="{909E8E84-426E-40DD-AFC4-6F175D3DCCD1}">
+              <a14:hiddenFill xmlns:a14="http://schemas.microsoft.com/office/drawing/2010/main">
+                <a:solidFill>
+                  <a:srgbClr val="FFFFFF"/>
+                </a:solidFill>
+              </a14:hiddenFill>
+            </a:ext>
+          </a:extLst>
+        </p:spPr>
+      </p:pic>
+    </p:spTree>
+    <p:extLst>
+      <p:ext uri="{BB962C8B-B14F-4D97-AF65-F5344CB8AC3E}">
+        <p14:creationId xmlns:p14="http://schemas.microsoft.com/office/powerpoint/2010/main" val="2030311597"/>
+      </p:ext>
+    </p:extLst>
+  </p:cSld>
+  <p:clrMapOvr>
+    <a:masterClrMapping/>
+  </p:clrMapOvr>
+  <mc:AlternateContent xmlns:mc="http://schemas.openxmlformats.org/markup-compatibility/2006" xmlns:p14="http://schemas.microsoft.com/office/powerpoint/2010/main">
+    <mc:Choice Requires="p14">
+      <p:transition p14:dur="100">
+        <p:cut/>
+      </p:transition>
+    </mc:Choice>
+    <mc:Fallback xmlns="">
+      <p:transition>
+        <p:cut/>
+      </p:transition>
+    </mc:Fallback>
+  </mc:AlternateContent>
+  <p:timing>
+    <p:tnLst>
+      <p:par>
+        <p:cTn id="1" dur="indefinite" restart="never" nodeType="tmRoot"/>
+      </p:par>
+    </p:tnLst>
+  </p:timing>
+</p:sld>
+</file>
+
+<file path=ppt/slides/slide33.xml><?xml version="1.0" encoding="utf-8"?>
+<p:sld xmlns:a="http://schemas.openxmlformats.org/drawingml/2006/main" xmlns:r="http://schemas.openxmlformats.org/officeDocument/2006/relationships" xmlns:p="http://schemas.openxmlformats.org/presentationml/2006/main">
+  <p:cSld>
+    <p:spTree>
+      <p:nvGrpSpPr>
+        <p:cNvPr id="1" name=""/>
+        <p:cNvGrpSpPr/>
+        <p:nvPr/>
+      </p:nvGrpSpPr>
+      <p:grpSpPr>
+        <a:xfrm>
+          <a:off x="0" y="0"/>
+          <a:ext cx="0" cy="0"/>
+          <a:chOff x="0" y="0"/>
+          <a:chExt cx="0" cy="0"/>
+        </a:xfrm>
+      </p:grpSpPr>
+      <p:sp>
+        <p:nvSpPr>
+          <p:cNvPr id="3" name="Date Placeholder 2"/>
+          <p:cNvSpPr>
+            <a:spLocks noGrp="1"/>
+          </p:cNvSpPr>
+          <p:nvPr>
+            <p:ph type="dt" sz="half" idx="10"/>
+          </p:nvPr>
+        </p:nvSpPr>
+        <p:spPr>
+          <a:xfrm>
+            <a:off x="0" y="6530996"/>
+            <a:ext cx="2133600" cy="365125"/>
+          </a:xfrm>
+        </p:spPr>
+        <p:txBody>
+          <a:bodyPr/>
+          <a:lstStyle/>
+          <a:p>
+            <a:fld id="{945310C2-C0B2-5241-BEC0-6819B2B3C035}" type="datetime2">
+              <a:rPr lang="en-US" smtClean="0">
+                <a:solidFill>
+                  <a:srgbClr val="FFFFFF"/>
+                </a:solidFill>
+              </a:rPr>
+              <a:pPr/>
+              <a:t>Sunday, March 29, 2015</a:t>
+            </a:fld>
+            <a:endParaRPr lang="en-US" dirty="0">
+              <a:solidFill>
+                <a:srgbClr val="FFFFFF"/>
+              </a:solidFill>
+            </a:endParaRPr>
+          </a:p>
+        </p:txBody>
+      </p:sp>
+      <p:sp>
+        <p:nvSpPr>
+          <p:cNvPr id="4" name="Footer Placeholder 3"/>
+          <p:cNvSpPr>
+            <a:spLocks noGrp="1"/>
+          </p:cNvSpPr>
+          <p:nvPr>
+            <p:ph type="ftr" sz="quarter" idx="11"/>
+          </p:nvPr>
+        </p:nvSpPr>
+        <p:spPr>
+          <a:xfrm>
+            <a:off x="3124200" y="6530996"/>
+            <a:ext cx="2895600" cy="365125"/>
+          </a:xfrm>
+        </p:spPr>
+        <p:txBody>
+          <a:bodyPr/>
+          <a:lstStyle/>
+          <a:p>
+            <a:pPr algn="l"/>
+            <a:r>
+              <a:rPr lang="en-US" smtClean="0">
+                <a:solidFill>
+                  <a:schemeClr val="bg1"/>
+                </a:solidFill>
+              </a:rPr>
+              <a:t>www.qsoftvietnam.com</a:t>
+            </a:r>
+            <a:endParaRPr lang="en-US" dirty="0">
+              <a:solidFill>
+                <a:schemeClr val="bg1"/>
+              </a:solidFill>
+            </a:endParaRPr>
+          </a:p>
+        </p:txBody>
+      </p:sp>
+      <p:sp>
+        <p:nvSpPr>
+          <p:cNvPr id="5" name="Slide Number Placeholder 4"/>
+          <p:cNvSpPr>
+            <a:spLocks noGrp="1"/>
+          </p:cNvSpPr>
+          <p:nvPr>
+            <p:ph type="sldNum" sz="quarter" idx="12"/>
+          </p:nvPr>
+        </p:nvSpPr>
+        <p:spPr>
+          <a:xfrm>
+            <a:off x="6853962" y="6530996"/>
+            <a:ext cx="2133600" cy="365125"/>
+          </a:xfrm>
+        </p:spPr>
+        <p:txBody>
+          <a:bodyPr/>
+          <a:lstStyle/>
+          <a:p>
+            <a:fld id="{FA84A37A-AFC2-4A01-80A1-FC20F2C0D5BB}" type="slidenum">
+              <a:rPr lang="en-US" smtClean="0">
+                <a:solidFill>
+                  <a:srgbClr val="FFFFFF"/>
+                </a:solidFill>
+              </a:rPr>
+              <a:pPr/>
+              <a:t>33</a:t>
+            </a:fld>
+            <a:endParaRPr lang="en-US" dirty="0">
+              <a:solidFill>
+                <a:srgbClr val="FFFFFF"/>
+              </a:solidFill>
+            </a:endParaRPr>
+          </a:p>
+        </p:txBody>
+      </p:sp>
+      <p:sp>
+        <p:nvSpPr>
+          <p:cNvPr id="7" name="Title 1"/>
+          <p:cNvSpPr txBox="1">
+            <a:spLocks/>
+          </p:cNvSpPr>
+          <p:nvPr/>
+        </p:nvSpPr>
+        <p:spPr bwMode="auto">
+          <a:xfrm>
+            <a:off x="267344" y="1018034"/>
+            <a:ext cx="8720218" cy="1143000"/>
+          </a:xfrm>
+          <a:prstGeom prst="rect">
+            <a:avLst/>
+          </a:prstGeom>
+          <a:noFill/>
+          <a:ln w="9525">
+            <a:noFill/>
+            <a:miter lim="800000"/>
+            <a:headEnd/>
+            <a:tailEnd/>
+          </a:ln>
+        </p:spPr>
+        <p:txBody>
+          <a:bodyPr vert="horz" wrap="square" lIns="91440" tIns="45720" rIns="91440" bIns="45720" numCol="1" anchor="ctr" anchorCtr="0" compatLnSpc="1">
+            <a:prstTxWarp prst="textNoShape">
+              <a:avLst/>
+            </a:prstTxWarp>
+          </a:bodyPr>
+          <a:lstStyle>
+            <a:lvl1pPr algn="ctr" rtl="0" eaLnBrk="1" fontAlgn="base" hangingPunct="1">
+              <a:spcBef>
+                <a:spcPct val="0"/>
+              </a:spcBef>
+              <a:spcAft>
+                <a:spcPct val="0"/>
+              </a:spcAft>
+              <a:defRPr sz="4400" kern="1200">
+                <a:solidFill>
+                  <a:schemeClr val="tx1"/>
+                </a:solidFill>
+                <a:latin typeface="+mj-lt"/>
+                <a:ea typeface="+mj-ea"/>
+                <a:cs typeface="+mj-cs"/>
+              </a:defRPr>
+            </a:lvl1pPr>
+            <a:lvl2pPr algn="ctr" rtl="0" eaLnBrk="1" fontAlgn="base" hangingPunct="1">
+              <a:spcBef>
+                <a:spcPct val="0"/>
+              </a:spcBef>
+              <a:spcAft>
+                <a:spcPct val="0"/>
+              </a:spcAft>
+              <a:defRPr sz="4400">
+                <a:solidFill>
+                  <a:schemeClr val="tx1"/>
+                </a:solidFill>
+                <a:latin typeface="Arial" charset="0"/>
+              </a:defRPr>
+            </a:lvl2pPr>
+            <a:lvl3pPr algn="ctr" rtl="0" eaLnBrk="1" fontAlgn="base" hangingPunct="1">
+              <a:spcBef>
+                <a:spcPct val="0"/>
+              </a:spcBef>
+              <a:spcAft>
+                <a:spcPct val="0"/>
+              </a:spcAft>
+              <a:defRPr sz="4400">
+                <a:solidFill>
+                  <a:schemeClr val="tx1"/>
+                </a:solidFill>
+                <a:latin typeface="Arial" charset="0"/>
+              </a:defRPr>
+            </a:lvl3pPr>
+            <a:lvl4pPr algn="ctr" rtl="0" eaLnBrk="1" fontAlgn="base" hangingPunct="1">
+              <a:spcBef>
+                <a:spcPct val="0"/>
+              </a:spcBef>
+              <a:spcAft>
+                <a:spcPct val="0"/>
+              </a:spcAft>
+              <a:defRPr sz="4400">
+                <a:solidFill>
+                  <a:schemeClr val="tx1"/>
+                </a:solidFill>
+                <a:latin typeface="Arial" charset="0"/>
+              </a:defRPr>
+            </a:lvl4pPr>
+            <a:lvl5pPr algn="ctr" rtl="0" eaLnBrk="1" fontAlgn="base" hangingPunct="1">
+              <a:spcBef>
+                <a:spcPct val="0"/>
+              </a:spcBef>
+              <a:spcAft>
+                <a:spcPct val="0"/>
+              </a:spcAft>
+              <a:defRPr sz="4400">
+                <a:solidFill>
+                  <a:schemeClr val="tx1"/>
+                </a:solidFill>
+                <a:latin typeface="Arial" charset="0"/>
+              </a:defRPr>
+            </a:lvl5pPr>
+            <a:lvl6pPr marL="457200" algn="ctr" rtl="0" eaLnBrk="1" fontAlgn="base" hangingPunct="1">
+              <a:spcBef>
+                <a:spcPct val="0"/>
+              </a:spcBef>
+              <a:spcAft>
+                <a:spcPct val="0"/>
+              </a:spcAft>
+              <a:defRPr sz="4400">
+                <a:solidFill>
+                  <a:schemeClr val="tx1"/>
+                </a:solidFill>
+                <a:latin typeface="Lucida Sans" pitchFamily="34" charset="0"/>
+              </a:defRPr>
+            </a:lvl6pPr>
+            <a:lvl7pPr marL="914400" algn="ctr" rtl="0" eaLnBrk="1" fontAlgn="base" hangingPunct="1">
+              <a:spcBef>
+                <a:spcPct val="0"/>
+              </a:spcBef>
+              <a:spcAft>
+                <a:spcPct val="0"/>
+              </a:spcAft>
+              <a:defRPr sz="4400">
+                <a:solidFill>
+                  <a:schemeClr val="tx1"/>
+                </a:solidFill>
+                <a:latin typeface="Lucida Sans" pitchFamily="34" charset="0"/>
+              </a:defRPr>
+            </a:lvl7pPr>
+            <a:lvl8pPr marL="1371600" algn="ctr" rtl="0" eaLnBrk="1" fontAlgn="base" hangingPunct="1">
+              <a:spcBef>
+                <a:spcPct val="0"/>
+              </a:spcBef>
+              <a:spcAft>
+                <a:spcPct val="0"/>
+              </a:spcAft>
+              <a:defRPr sz="4400">
+                <a:solidFill>
+                  <a:schemeClr val="tx1"/>
+                </a:solidFill>
+                <a:latin typeface="Lucida Sans" pitchFamily="34" charset="0"/>
+              </a:defRPr>
+            </a:lvl8pPr>
+            <a:lvl9pPr marL="1828800" algn="ctr" rtl="0" eaLnBrk="1" fontAlgn="base" hangingPunct="1">
+              <a:spcBef>
+                <a:spcPct val="0"/>
+              </a:spcBef>
+              <a:spcAft>
+                <a:spcPct val="0"/>
+              </a:spcAft>
+              <a:defRPr sz="4400">
+                <a:solidFill>
+                  <a:schemeClr val="tx1"/>
+                </a:solidFill>
+                <a:latin typeface="Lucida Sans" pitchFamily="34" charset="0"/>
+              </a:defRPr>
+            </a:lvl9pPr>
+          </a:lstStyle>
+          <a:p>
+            <a:r>
+              <a:rPr lang="en-US" sz="4000" dirty="0" smtClean="0">
+                <a:latin typeface="Constantia"/>
+                <a:cs typeface="Constantia"/>
+              </a:rPr>
+              <a:t>How to use</a:t>
+            </a:r>
+            <a:endParaRPr lang="en-US" sz="4000" dirty="0">
+              <a:latin typeface="Constantia"/>
+              <a:cs typeface="Constantia"/>
+            </a:endParaRPr>
+          </a:p>
+        </p:txBody>
+      </p:sp>
       <p:sp>
         <p:nvSpPr>
           <p:cNvPr id="9" name="Content Placeholder 2"/>
@@ -21599,11 +23745,6 @@
               </a:rPr>
               <a:t>Check browser is online/offline</a:t>
             </a:r>
-            <a:endParaRPr lang="en-US" dirty="0" smtClean="0">
-              <a:solidFill>
-                <a:schemeClr val="tx1"/>
-              </a:solidFill>
-            </a:endParaRPr>
           </a:p>
           <a:p>
             <a:pPr algn="l"/>
@@ -21685,7 +23826,7 @@
 </p:sld>
 </file>
 
-<file path=ppt/slides/slide31.xml><?xml version="1.0" encoding="utf-8"?>
+<file path=ppt/slides/slide34.xml><?xml version="1.0" encoding="utf-8"?>
 <p:sld xmlns:a="http://schemas.openxmlformats.org/drawingml/2006/main" xmlns:r="http://schemas.openxmlformats.org/officeDocument/2006/relationships" xmlns:p="http://schemas.openxmlformats.org/presentationml/2006/main">
   <p:cSld>
     <p:spTree>
@@ -21729,7 +23870,7 @@
                 </a:solidFill>
               </a:rPr>
               <a:pPr/>
-              <a:t>Thursday, March 26, 2015</a:t>
+              <a:t>Sunday, March 29, 2015</a:t>
             </a:fld>
             <a:endParaRPr lang="en-US" dirty="0">
               <a:solidFill>
@@ -21803,7 +23944,7 @@
                 </a:solidFill>
               </a:rPr>
               <a:pPr/>
-              <a:t>31</a:t>
+              <a:t>34</a:t>
             </a:fld>
             <a:endParaRPr lang="en-US" dirty="0">
               <a:solidFill>
@@ -22547,7 +24688,613 @@
 </p:sld>
 </file>
 
-<file path=ppt/slides/slide32.xml><?xml version="1.0" encoding="utf-8"?>
+<file path=ppt/slides/slide35.xml><?xml version="1.0" encoding="utf-8"?>
+<p:sld xmlns:a="http://schemas.openxmlformats.org/drawingml/2006/main" xmlns:r="http://schemas.openxmlformats.org/officeDocument/2006/relationships" xmlns:p="http://schemas.openxmlformats.org/presentationml/2006/main">
+  <p:cSld>
+    <p:spTree>
+      <p:nvGrpSpPr>
+        <p:cNvPr id="1" name=""/>
+        <p:cNvGrpSpPr/>
+        <p:nvPr/>
+      </p:nvGrpSpPr>
+      <p:grpSpPr>
+        <a:xfrm>
+          <a:off x="0" y="0"/>
+          <a:ext cx="0" cy="0"/>
+          <a:chOff x="0" y="0"/>
+          <a:chExt cx="0" cy="0"/>
+        </a:xfrm>
+      </p:grpSpPr>
+      <p:sp>
+        <p:nvSpPr>
+          <p:cNvPr id="3" name="Date Placeholder 2"/>
+          <p:cNvSpPr>
+            <a:spLocks noGrp="1"/>
+          </p:cNvSpPr>
+          <p:nvPr>
+            <p:ph type="dt" sz="half" idx="10"/>
+          </p:nvPr>
+        </p:nvSpPr>
+        <p:spPr>
+          <a:xfrm>
+            <a:off x="0" y="6530996"/>
+            <a:ext cx="2133600" cy="365125"/>
+          </a:xfrm>
+        </p:spPr>
+        <p:txBody>
+          <a:bodyPr/>
+          <a:lstStyle/>
+          <a:p>
+            <a:fld id="{945310C2-C0B2-5241-BEC0-6819B2B3C035}" type="datetime2">
+              <a:rPr lang="en-US" smtClean="0">
+                <a:solidFill>
+                  <a:srgbClr val="FFFFFF"/>
+                </a:solidFill>
+              </a:rPr>
+              <a:pPr/>
+              <a:t>Sunday, March 29, 2015</a:t>
+            </a:fld>
+            <a:endParaRPr lang="en-US" dirty="0">
+              <a:solidFill>
+                <a:srgbClr val="FFFFFF"/>
+              </a:solidFill>
+            </a:endParaRPr>
+          </a:p>
+        </p:txBody>
+      </p:sp>
+      <p:sp>
+        <p:nvSpPr>
+          <p:cNvPr id="4" name="Footer Placeholder 3"/>
+          <p:cNvSpPr>
+            <a:spLocks noGrp="1"/>
+          </p:cNvSpPr>
+          <p:nvPr>
+            <p:ph type="ftr" sz="quarter" idx="11"/>
+          </p:nvPr>
+        </p:nvSpPr>
+        <p:spPr>
+          <a:xfrm>
+            <a:off x="3124200" y="6530996"/>
+            <a:ext cx="2895600" cy="365125"/>
+          </a:xfrm>
+        </p:spPr>
+        <p:txBody>
+          <a:bodyPr/>
+          <a:lstStyle/>
+          <a:p>
+            <a:pPr algn="l"/>
+            <a:r>
+              <a:rPr lang="en-US" smtClean="0">
+                <a:solidFill>
+                  <a:schemeClr val="bg1"/>
+                </a:solidFill>
+              </a:rPr>
+              <a:t>www.qsoftvietnam.com</a:t>
+            </a:r>
+            <a:endParaRPr lang="en-US" dirty="0">
+              <a:solidFill>
+                <a:schemeClr val="bg1"/>
+              </a:solidFill>
+            </a:endParaRPr>
+          </a:p>
+        </p:txBody>
+      </p:sp>
+      <p:sp>
+        <p:nvSpPr>
+          <p:cNvPr id="5" name="Slide Number Placeholder 4"/>
+          <p:cNvSpPr>
+            <a:spLocks noGrp="1"/>
+          </p:cNvSpPr>
+          <p:nvPr>
+            <p:ph type="sldNum" sz="quarter" idx="12"/>
+          </p:nvPr>
+        </p:nvSpPr>
+        <p:spPr>
+          <a:xfrm>
+            <a:off x="6853962" y="6530996"/>
+            <a:ext cx="2133600" cy="365125"/>
+          </a:xfrm>
+        </p:spPr>
+        <p:txBody>
+          <a:bodyPr/>
+          <a:lstStyle/>
+          <a:p>
+            <a:fld id="{FA84A37A-AFC2-4A01-80A1-FC20F2C0D5BB}" type="slidenum">
+              <a:rPr lang="en-US" smtClean="0">
+                <a:solidFill>
+                  <a:srgbClr val="FFFFFF"/>
+                </a:solidFill>
+              </a:rPr>
+              <a:pPr/>
+              <a:t>35</a:t>
+            </a:fld>
+            <a:endParaRPr lang="en-US" dirty="0">
+              <a:solidFill>
+                <a:srgbClr val="FFFFFF"/>
+              </a:solidFill>
+            </a:endParaRPr>
+          </a:p>
+        </p:txBody>
+      </p:sp>
+      <p:sp>
+        <p:nvSpPr>
+          <p:cNvPr id="7" name="Title 1"/>
+          <p:cNvSpPr txBox="1">
+            <a:spLocks/>
+          </p:cNvSpPr>
+          <p:nvPr/>
+        </p:nvSpPr>
+        <p:spPr bwMode="auto">
+          <a:xfrm>
+            <a:off x="267344" y="1018034"/>
+            <a:ext cx="8720218" cy="1143000"/>
+          </a:xfrm>
+          <a:prstGeom prst="rect">
+            <a:avLst/>
+          </a:prstGeom>
+          <a:noFill/>
+          <a:ln w="9525">
+            <a:noFill/>
+            <a:miter lim="800000"/>
+            <a:headEnd/>
+            <a:tailEnd/>
+          </a:ln>
+        </p:spPr>
+        <p:txBody>
+          <a:bodyPr vert="horz" wrap="square" lIns="91440" tIns="45720" rIns="91440" bIns="45720" numCol="1" anchor="ctr" anchorCtr="0" compatLnSpc="1">
+            <a:prstTxWarp prst="textNoShape">
+              <a:avLst/>
+            </a:prstTxWarp>
+          </a:bodyPr>
+          <a:lstStyle>
+            <a:lvl1pPr algn="ctr" rtl="0" eaLnBrk="1" fontAlgn="base" hangingPunct="1">
+              <a:spcBef>
+                <a:spcPct val="0"/>
+              </a:spcBef>
+              <a:spcAft>
+                <a:spcPct val="0"/>
+              </a:spcAft>
+              <a:defRPr sz="4400" kern="1200">
+                <a:solidFill>
+                  <a:schemeClr val="tx1"/>
+                </a:solidFill>
+                <a:latin typeface="+mj-lt"/>
+                <a:ea typeface="+mj-ea"/>
+                <a:cs typeface="+mj-cs"/>
+              </a:defRPr>
+            </a:lvl1pPr>
+            <a:lvl2pPr algn="ctr" rtl="0" eaLnBrk="1" fontAlgn="base" hangingPunct="1">
+              <a:spcBef>
+                <a:spcPct val="0"/>
+              </a:spcBef>
+              <a:spcAft>
+                <a:spcPct val="0"/>
+              </a:spcAft>
+              <a:defRPr sz="4400">
+                <a:solidFill>
+                  <a:schemeClr val="tx1"/>
+                </a:solidFill>
+                <a:latin typeface="Arial" charset="0"/>
+              </a:defRPr>
+            </a:lvl2pPr>
+            <a:lvl3pPr algn="ctr" rtl="0" eaLnBrk="1" fontAlgn="base" hangingPunct="1">
+              <a:spcBef>
+                <a:spcPct val="0"/>
+              </a:spcBef>
+              <a:spcAft>
+                <a:spcPct val="0"/>
+              </a:spcAft>
+              <a:defRPr sz="4400">
+                <a:solidFill>
+                  <a:schemeClr val="tx1"/>
+                </a:solidFill>
+                <a:latin typeface="Arial" charset="0"/>
+              </a:defRPr>
+            </a:lvl3pPr>
+            <a:lvl4pPr algn="ctr" rtl="0" eaLnBrk="1" fontAlgn="base" hangingPunct="1">
+              <a:spcBef>
+                <a:spcPct val="0"/>
+              </a:spcBef>
+              <a:spcAft>
+                <a:spcPct val="0"/>
+              </a:spcAft>
+              <a:defRPr sz="4400">
+                <a:solidFill>
+                  <a:schemeClr val="tx1"/>
+                </a:solidFill>
+                <a:latin typeface="Arial" charset="0"/>
+              </a:defRPr>
+            </a:lvl4pPr>
+            <a:lvl5pPr algn="ctr" rtl="0" eaLnBrk="1" fontAlgn="base" hangingPunct="1">
+              <a:spcBef>
+                <a:spcPct val="0"/>
+              </a:spcBef>
+              <a:spcAft>
+                <a:spcPct val="0"/>
+              </a:spcAft>
+              <a:defRPr sz="4400">
+                <a:solidFill>
+                  <a:schemeClr val="tx1"/>
+                </a:solidFill>
+                <a:latin typeface="Arial" charset="0"/>
+              </a:defRPr>
+            </a:lvl5pPr>
+            <a:lvl6pPr marL="457200" algn="ctr" rtl="0" eaLnBrk="1" fontAlgn="base" hangingPunct="1">
+              <a:spcBef>
+                <a:spcPct val="0"/>
+              </a:spcBef>
+              <a:spcAft>
+                <a:spcPct val="0"/>
+              </a:spcAft>
+              <a:defRPr sz="4400">
+                <a:solidFill>
+                  <a:schemeClr val="tx1"/>
+                </a:solidFill>
+                <a:latin typeface="Lucida Sans" pitchFamily="34" charset="0"/>
+              </a:defRPr>
+            </a:lvl6pPr>
+            <a:lvl7pPr marL="914400" algn="ctr" rtl="0" eaLnBrk="1" fontAlgn="base" hangingPunct="1">
+              <a:spcBef>
+                <a:spcPct val="0"/>
+              </a:spcBef>
+              <a:spcAft>
+                <a:spcPct val="0"/>
+              </a:spcAft>
+              <a:defRPr sz="4400">
+                <a:solidFill>
+                  <a:schemeClr val="tx1"/>
+                </a:solidFill>
+                <a:latin typeface="Lucida Sans" pitchFamily="34" charset="0"/>
+              </a:defRPr>
+            </a:lvl7pPr>
+            <a:lvl8pPr marL="1371600" algn="ctr" rtl="0" eaLnBrk="1" fontAlgn="base" hangingPunct="1">
+              <a:spcBef>
+                <a:spcPct val="0"/>
+              </a:spcBef>
+              <a:spcAft>
+                <a:spcPct val="0"/>
+              </a:spcAft>
+              <a:defRPr sz="4400">
+                <a:solidFill>
+                  <a:schemeClr val="tx1"/>
+                </a:solidFill>
+                <a:latin typeface="Lucida Sans" pitchFamily="34" charset="0"/>
+              </a:defRPr>
+            </a:lvl8pPr>
+            <a:lvl9pPr marL="1828800" algn="ctr" rtl="0" eaLnBrk="1" fontAlgn="base" hangingPunct="1">
+              <a:spcBef>
+                <a:spcPct val="0"/>
+              </a:spcBef>
+              <a:spcAft>
+                <a:spcPct val="0"/>
+              </a:spcAft>
+              <a:defRPr sz="4400">
+                <a:solidFill>
+                  <a:schemeClr val="tx1"/>
+                </a:solidFill>
+                <a:latin typeface="Lucida Sans" pitchFamily="34" charset="0"/>
+              </a:defRPr>
+            </a:lvl9pPr>
+          </a:lstStyle>
+          <a:p>
+            <a:r>
+              <a:rPr lang="en-US" sz="4000" dirty="0" smtClean="0">
+                <a:latin typeface="Constantia"/>
+                <a:cs typeface="Constantia"/>
+              </a:rPr>
+              <a:t>Demo</a:t>
+            </a:r>
+            <a:endParaRPr lang="en-US" sz="4000" dirty="0">
+              <a:latin typeface="Constantia"/>
+              <a:cs typeface="Constantia"/>
+            </a:endParaRPr>
+          </a:p>
+        </p:txBody>
+      </p:sp>
+      <p:sp>
+        <p:nvSpPr>
+          <p:cNvPr id="9" name="Content Placeholder 2"/>
+          <p:cNvSpPr txBox="1">
+            <a:spLocks/>
+          </p:cNvSpPr>
+          <p:nvPr/>
+        </p:nvSpPr>
+        <p:spPr bwMode="auto">
+          <a:xfrm>
+            <a:off x="457200" y="2161034"/>
+            <a:ext cx="8229600" cy="4369962"/>
+          </a:xfrm>
+          <a:prstGeom prst="rect">
+            <a:avLst/>
+          </a:prstGeom>
+          <a:noFill/>
+          <a:ln w="9525">
+            <a:noFill/>
+            <a:miter lim="800000"/>
+            <a:headEnd/>
+            <a:tailEnd/>
+          </a:ln>
+        </p:spPr>
+        <p:txBody>
+          <a:bodyPr vert="horz" wrap="square" lIns="91440" tIns="45720" rIns="91440" bIns="45720" numCol="1" anchor="t" anchorCtr="0" compatLnSpc="1">
+            <a:prstTxWarp prst="textNoShape">
+              <a:avLst/>
+            </a:prstTxWarp>
+          </a:bodyPr>
+          <a:lstStyle>
+            <a:lvl1pPr marL="0" indent="0" algn="ctr" rtl="0" eaLnBrk="1" fontAlgn="base" hangingPunct="1">
+              <a:spcBef>
+                <a:spcPct val="20000"/>
+              </a:spcBef>
+              <a:spcAft>
+                <a:spcPct val="0"/>
+              </a:spcAft>
+              <a:buFont typeface="Arial" charset="0"/>
+              <a:buNone/>
+              <a:defRPr sz="2400" kern="1200">
+                <a:solidFill>
+                  <a:schemeClr val="tx1">
+                    <a:tint val="75000"/>
+                  </a:schemeClr>
+                </a:solidFill>
+                <a:latin typeface="+mn-lt"/>
+                <a:ea typeface="+mn-ea"/>
+                <a:cs typeface="+mn-cs"/>
+              </a:defRPr>
+            </a:lvl1pPr>
+            <a:lvl2pPr marL="457200" indent="0" algn="ctr" rtl="0" eaLnBrk="1" fontAlgn="base" hangingPunct="1">
+              <a:spcBef>
+                <a:spcPct val="20000"/>
+              </a:spcBef>
+              <a:spcAft>
+                <a:spcPct val="0"/>
+              </a:spcAft>
+              <a:buFont typeface="Arial" charset="0"/>
+              <a:buNone/>
+              <a:defRPr sz="2000" kern="1200">
+                <a:solidFill>
+                  <a:schemeClr val="tx1">
+                    <a:tint val="75000"/>
+                  </a:schemeClr>
+                </a:solidFill>
+                <a:latin typeface="+mn-lt"/>
+                <a:ea typeface="+mn-ea"/>
+                <a:cs typeface="+mn-cs"/>
+              </a:defRPr>
+            </a:lvl2pPr>
+            <a:lvl3pPr marL="914400" indent="0" algn="ctr" rtl="0" eaLnBrk="1" fontAlgn="base" hangingPunct="1">
+              <a:spcBef>
+                <a:spcPct val="20000"/>
+              </a:spcBef>
+              <a:spcAft>
+                <a:spcPct val="0"/>
+              </a:spcAft>
+              <a:buFont typeface="Arial" charset="0"/>
+              <a:buNone/>
+              <a:defRPr kern="1200">
+                <a:solidFill>
+                  <a:schemeClr val="tx1">
+                    <a:tint val="75000"/>
+                  </a:schemeClr>
+                </a:solidFill>
+                <a:latin typeface="+mn-lt"/>
+                <a:ea typeface="+mn-ea"/>
+                <a:cs typeface="+mn-cs"/>
+              </a:defRPr>
+            </a:lvl3pPr>
+            <a:lvl4pPr marL="1371600" indent="0" algn="ctr" rtl="0" eaLnBrk="1" fontAlgn="base" hangingPunct="1">
+              <a:spcBef>
+                <a:spcPct val="20000"/>
+              </a:spcBef>
+              <a:spcAft>
+                <a:spcPct val="0"/>
+              </a:spcAft>
+              <a:buFont typeface="Arial" charset="0"/>
+              <a:buNone/>
+              <a:defRPr sz="1600" kern="1200">
+                <a:solidFill>
+                  <a:schemeClr val="tx1">
+                    <a:tint val="75000"/>
+                  </a:schemeClr>
+                </a:solidFill>
+                <a:latin typeface="+mn-lt"/>
+                <a:ea typeface="+mn-ea"/>
+                <a:cs typeface="+mn-cs"/>
+              </a:defRPr>
+            </a:lvl4pPr>
+            <a:lvl5pPr marL="1828800" indent="0" algn="ctr" rtl="0" eaLnBrk="1" fontAlgn="base" hangingPunct="1">
+              <a:spcBef>
+                <a:spcPct val="20000"/>
+              </a:spcBef>
+              <a:spcAft>
+                <a:spcPct val="0"/>
+              </a:spcAft>
+              <a:buFont typeface="Arial" charset="0"/>
+              <a:buNone/>
+              <a:defRPr sz="1600" kern="1200">
+                <a:solidFill>
+                  <a:schemeClr val="tx1">
+                    <a:tint val="75000"/>
+                  </a:schemeClr>
+                </a:solidFill>
+                <a:latin typeface="+mn-lt"/>
+                <a:ea typeface="+mn-ea"/>
+                <a:cs typeface="+mn-cs"/>
+              </a:defRPr>
+            </a:lvl5pPr>
+            <a:lvl6pPr marL="2286000" indent="0" algn="ctr" defTabSz="914400" rtl="0" eaLnBrk="1" latinLnBrk="0" hangingPunct="1">
+              <a:spcBef>
+                <a:spcPct val="20000"/>
+              </a:spcBef>
+              <a:buFont typeface="Arial" pitchFamily="34" charset="0"/>
+              <a:buNone/>
+              <a:defRPr sz="2000" kern="1200">
+                <a:solidFill>
+                  <a:schemeClr val="tx1">
+                    <a:tint val="75000"/>
+                  </a:schemeClr>
+                </a:solidFill>
+                <a:latin typeface="+mn-lt"/>
+                <a:ea typeface="+mn-ea"/>
+                <a:cs typeface="+mn-cs"/>
+              </a:defRPr>
+            </a:lvl6pPr>
+            <a:lvl7pPr marL="2743200" indent="0" algn="ctr" defTabSz="914400" rtl="0" eaLnBrk="1" latinLnBrk="0" hangingPunct="1">
+              <a:spcBef>
+                <a:spcPct val="20000"/>
+              </a:spcBef>
+              <a:buFont typeface="Arial" pitchFamily="34" charset="0"/>
+              <a:buNone/>
+              <a:defRPr sz="2000" kern="1200">
+                <a:solidFill>
+                  <a:schemeClr val="tx1">
+                    <a:tint val="75000"/>
+                  </a:schemeClr>
+                </a:solidFill>
+                <a:latin typeface="+mn-lt"/>
+                <a:ea typeface="+mn-ea"/>
+                <a:cs typeface="+mn-cs"/>
+              </a:defRPr>
+            </a:lvl7pPr>
+            <a:lvl8pPr marL="3200400" indent="0" algn="ctr" defTabSz="914400" rtl="0" eaLnBrk="1" latinLnBrk="0" hangingPunct="1">
+              <a:spcBef>
+                <a:spcPct val="20000"/>
+              </a:spcBef>
+              <a:buFont typeface="Arial" pitchFamily="34" charset="0"/>
+              <a:buNone/>
+              <a:defRPr sz="2000" kern="1200">
+                <a:solidFill>
+                  <a:schemeClr val="tx1">
+                    <a:tint val="75000"/>
+                  </a:schemeClr>
+                </a:solidFill>
+                <a:latin typeface="+mn-lt"/>
+                <a:ea typeface="+mn-ea"/>
+                <a:cs typeface="+mn-cs"/>
+              </a:defRPr>
+            </a:lvl8pPr>
+            <a:lvl9pPr marL="3657600" indent="0" algn="ctr" defTabSz="914400" rtl="0" eaLnBrk="1" latinLnBrk="0" hangingPunct="1">
+              <a:spcBef>
+                <a:spcPct val="20000"/>
+              </a:spcBef>
+              <a:buFont typeface="Arial" pitchFamily="34" charset="0"/>
+              <a:buNone/>
+              <a:defRPr sz="2000" kern="1200">
+                <a:solidFill>
+                  <a:schemeClr val="tx1">
+                    <a:tint val="75000"/>
+                  </a:schemeClr>
+                </a:solidFill>
+                <a:latin typeface="+mn-lt"/>
+                <a:ea typeface="+mn-ea"/>
+                <a:cs typeface="+mn-cs"/>
+              </a:defRPr>
+            </a:lvl9pPr>
+          </a:lstStyle>
+          <a:p>
+            <a:pPr marL="342900" indent="-342900" algn="l">
+              <a:buFont typeface="Arial" panose="020B0604020202020204" pitchFamily="34" charset="0"/>
+              <a:buChar char="•"/>
+            </a:pPr>
+            <a:r>
+              <a:rPr lang="en-US" dirty="0" smtClean="0">
+                <a:solidFill>
+                  <a:schemeClr val="tx1"/>
+                </a:solidFill>
+              </a:rPr>
+              <a:t>s</a:t>
+            </a:r>
+            <a:r>
+              <a:rPr lang="en-US" dirty="0" smtClean="0">
+                <a:solidFill>
+                  <a:schemeClr val="tx1"/>
+                </a:solidFill>
+              </a:rPr>
+              <a:t>ave-storage.html</a:t>
+            </a:r>
+          </a:p>
+          <a:p>
+            <a:pPr marL="342900" indent="-342900" algn="l">
+              <a:buFont typeface="Arial" panose="020B0604020202020204" pitchFamily="34" charset="0"/>
+              <a:buChar char="•"/>
+            </a:pPr>
+            <a:r>
+              <a:rPr lang="en-US" dirty="0" smtClean="0">
+                <a:solidFill>
+                  <a:schemeClr val="tx1"/>
+                </a:solidFill>
+              </a:rPr>
+              <a:t>save-image.html</a:t>
+            </a:r>
+          </a:p>
+          <a:p>
+            <a:pPr marL="342900" indent="-342900" algn="l">
+              <a:buFont typeface="Arial" panose="020B0604020202020204" pitchFamily="34" charset="0"/>
+              <a:buChar char="•"/>
+            </a:pPr>
+            <a:r>
+              <a:rPr lang="en-US" dirty="0" smtClean="0">
+                <a:solidFill>
+                  <a:schemeClr val="tx1"/>
+                </a:solidFill>
+              </a:rPr>
+              <a:t>online-offline.html</a:t>
+            </a:r>
+          </a:p>
+          <a:p>
+            <a:pPr marL="342900" indent="-342900" algn="l">
+              <a:buFont typeface="Arial" panose="020B0604020202020204" pitchFamily="34" charset="0"/>
+              <a:buChar char="•"/>
+            </a:pPr>
+            <a:r>
+              <a:rPr lang="en-US" dirty="0" smtClean="0">
+                <a:solidFill>
+                  <a:schemeClr val="tx1"/>
+                </a:solidFill>
+              </a:rPr>
+              <a:t>online-offline-status.html</a:t>
+            </a:r>
+            <a:endParaRPr lang="en-US" dirty="0" smtClean="0">
+              <a:solidFill>
+                <a:schemeClr val="tx1"/>
+              </a:solidFill>
+            </a:endParaRPr>
+          </a:p>
+        </p:txBody>
+      </p:sp>
+    </p:spTree>
+    <p:extLst>
+      <p:ext uri="{BB962C8B-B14F-4D97-AF65-F5344CB8AC3E}">
+        <p14:creationId xmlns:p14="http://schemas.microsoft.com/office/powerpoint/2010/main" val="2753179042"/>
+      </p:ext>
+    </p:extLst>
+  </p:cSld>
+  <p:clrMapOvr>
+    <a:masterClrMapping/>
+  </p:clrMapOvr>
+  <mc:AlternateContent xmlns:mc="http://schemas.openxmlformats.org/markup-compatibility/2006" xmlns:p14="http://schemas.microsoft.com/office/powerpoint/2010/main">
+    <mc:Choice Requires="p14">
+      <p:transition p14:dur="100">
+        <p:cut/>
+      </p:transition>
+    </mc:Choice>
+    <mc:Fallback xmlns="">
+      <p:transition>
+        <p:cut/>
+      </p:transition>
+    </mc:Fallback>
+  </mc:AlternateContent>
+  <p:timing>
+    <p:tnLst>
+      <p:par>
+        <p:cTn id="1" dur="indefinite" restart="never" nodeType="tmRoot"/>
+      </p:par>
+    </p:tnLst>
+  </p:timing>
+</p:sld>
+</file>
+
+<file path=ppt/slides/slide36.xml><?xml version="1.0" encoding="utf-8"?>
 <p:sld xmlns:a="http://schemas.openxmlformats.org/drawingml/2006/main" xmlns:r="http://schemas.openxmlformats.org/officeDocument/2006/relationships" xmlns:p="http://schemas.openxmlformats.org/presentationml/2006/main">
   <p:cSld>
     <p:spTree>
@@ -22633,7 +25380,7 @@
                 </a:solidFill>
               </a:rPr>
               <a:pPr/>
-              <a:t>Wednesday, March 25, 2015</a:t>
+              <a:t>Sunday, March 29, 2015</a:t>
             </a:fld>
             <a:endParaRPr lang="en-US" dirty="0">
               <a:solidFill>
@@ -22707,7 +25454,7 @@
                 </a:solidFill>
               </a:rPr>
               <a:pPr/>
-              <a:t>32</a:t>
+              <a:t>36</a:t>
             </a:fld>
             <a:endParaRPr lang="en-US" dirty="0">
               <a:solidFill>
@@ -22793,7 +25540,7 @@
                 </a:solidFill>
               </a:rPr>
               <a:pPr/>
-              <a:t>Wednesday, March 25, 2015</a:t>
+              <a:t>Sunday, March 29, 2015</a:t>
             </a:fld>
             <a:endParaRPr lang="en-US" dirty="0">
               <a:solidFill>
@@ -23436,7 +26183,7 @@
                 </a:solidFill>
               </a:rPr>
               <a:pPr/>
-              <a:t>Wednesday, March 25, 2015</a:t>
+              <a:t>Sunday, March 29, 2015</a:t>
             </a:fld>
             <a:endParaRPr lang="en-US" dirty="0">
               <a:solidFill>
@@ -24051,7 +26798,7 @@
                 </a:solidFill>
               </a:rPr>
               <a:pPr/>
-              <a:t>Wednesday, March 25, 2015</a:t>
+              <a:t>Sunday, March 29, 2015</a:t>
             </a:fld>
             <a:endParaRPr lang="en-US" dirty="0">
               <a:solidFill>
@@ -24624,7 +27371,7 @@
                 </a:solidFill>
               </a:rPr>
               <a:pPr/>
-              <a:t>Wednesday, March 25, 2015</a:t>
+              <a:t>Sunday, March 29, 2015</a:t>
             </a:fld>
             <a:endParaRPr lang="en-US" dirty="0">
               <a:solidFill>
@@ -25225,7 +27972,7 @@
                 </a:solidFill>
               </a:rPr>
               <a:pPr/>
-              <a:t>Wednesday, March 25, 2015</a:t>
+              <a:t>Sunday, March 29, 2015</a:t>
             </a:fld>
             <a:endParaRPr lang="en-US" dirty="0">
               <a:solidFill>
@@ -25825,7 +28572,7 @@
                 </a:solidFill>
               </a:rPr>
               <a:pPr/>
-              <a:t>Wednesday, March 25, 2015</a:t>
+              <a:t>Sunday, March 29, 2015</a:t>
             </a:fld>
             <a:endParaRPr lang="en-US" dirty="0">
               <a:solidFill>

--- a/QSoftVietnam_SlideTemplate2014- Sonvq.pptx
+++ b/QSoftVietnam_SlideTemplate2014- Sonvq.pptx
@@ -5,10 +5,10 @@
     <p:sldMasterId id="2147485495" r:id="rId1"/>
   </p:sldMasterIdLst>
   <p:notesMasterIdLst>
-    <p:notesMasterId r:id="rId26"/>
+    <p:notesMasterId r:id="rId27"/>
   </p:notesMasterIdLst>
   <p:handoutMasterIdLst>
-    <p:handoutMasterId r:id="rId27"/>
+    <p:handoutMasterId r:id="rId28"/>
   </p:handoutMasterIdLst>
   <p:sldIdLst>
     <p:sldId id="256" r:id="rId2"/>
@@ -31,10 +31,11 @@
     <p:sldId id="377" r:id="rId19"/>
     <p:sldId id="372" r:id="rId20"/>
     <p:sldId id="375" r:id="rId21"/>
-    <p:sldId id="381" r:id="rId22"/>
+    <p:sldId id="383" r:id="rId22"/>
     <p:sldId id="382" r:id="rId23"/>
-    <p:sldId id="378" r:id="rId24"/>
-    <p:sldId id="333" r:id="rId25"/>
+    <p:sldId id="381" r:id="rId24"/>
+    <p:sldId id="378" r:id="rId25"/>
+    <p:sldId id="333" r:id="rId26"/>
   </p:sldIdLst>
   <p:sldSz cx="9144000" cy="6858000" type="screen4x3"/>
   <p:notesSz cx="6858000" cy="9144000"/>
@@ -135,7 +136,7 @@
   </p:defaultTextStyle>
   <p:extLst>
     <p:ext uri="{EFAFB233-063F-42B5-8137-9DF3F51BA10A}">
-      <p15:sldGuideLst xmlns:p15="http://schemas.microsoft.com/office/powerpoint/2012/main">
+      <p15:sldGuideLst xmlns:p15="http://schemas.microsoft.com/office/powerpoint/2012/main" xmlns="">
         <p15:guide id="1" orient="horz" pos="2160">
           <p15:clr>
             <a:srgbClr val="A4A3A4"/>
@@ -201,7 +202,7 @@
             </a:lvl1pPr>
           </a:lstStyle>
           <a:p>
-            <a:endParaRPr lang="en-US"/>
+            <a:endParaRPr lang="en-US" dirty="0"/>
           </a:p>
         </p:txBody>
       </p:sp>
@@ -235,9 +236,9 @@
             <a:fld id="{AEC239D8-9946-CA43-8D24-8F75F9EC746F}" type="datetimeFigureOut">
               <a:rPr lang="en-US" smtClean="0"/>
               <a:pPr/>
-              <a:t>30/03/2015</a:t>
+              <a:t>3/31/2015</a:t>
             </a:fld>
-            <a:endParaRPr lang="en-US"/>
+            <a:endParaRPr lang="en-US" dirty="0"/>
           </a:p>
         </p:txBody>
       </p:sp>
@@ -268,7 +269,7 @@
             </a:lvl1pPr>
           </a:lstStyle>
           <a:p>
-            <a:endParaRPr lang="en-US"/>
+            <a:endParaRPr lang="en-US" dirty="0"/>
           </a:p>
         </p:txBody>
       </p:sp>
@@ -304,7 +305,7 @@
               <a:pPr/>
               <a:t>‹#›</a:t>
             </a:fld>
-            <a:endParaRPr lang="en-US"/>
+            <a:endParaRPr lang="en-US" dirty="0"/>
           </a:p>
         </p:txBody>
       </p:sp>
@@ -369,7 +370,7 @@
             </a:lvl1pPr>
           </a:lstStyle>
           <a:p>
-            <a:endParaRPr lang="en-US"/>
+            <a:endParaRPr lang="en-US" dirty="0"/>
           </a:p>
         </p:txBody>
       </p:sp>
@@ -403,9 +404,9 @@
             <a:fld id="{30D3C4F2-547F-4EAC-A4FB-1991884D518B}" type="datetimeFigureOut">
               <a:rPr lang="en-US" smtClean="0"/>
               <a:pPr/>
-              <a:t>30/03/2015</a:t>
+              <a:t>3/31/2015</a:t>
             </a:fld>
-            <a:endParaRPr lang="en-US"/>
+            <a:endParaRPr lang="en-US" dirty="0"/>
           </a:p>
         </p:txBody>
       </p:sp>
@@ -438,7 +439,7 @@
           <a:bodyPr vert="horz" lIns="91440" tIns="45720" rIns="91440" bIns="45720" rtlCol="0" anchor="ctr"/>
           <a:lstStyle/>
           <a:p>
-            <a:endParaRPr lang="en-US"/>
+            <a:endParaRPr lang="en-US" dirty="0"/>
           </a:p>
         </p:txBody>
       </p:sp>
@@ -531,7 +532,7 @@
             </a:lvl1pPr>
           </a:lstStyle>
           <a:p>
-            <a:endParaRPr lang="en-US"/>
+            <a:endParaRPr lang="en-US" dirty="0"/>
           </a:p>
         </p:txBody>
       </p:sp>
@@ -567,7 +568,7 @@
               <a:pPr/>
               <a:t>‹#›</a:t>
             </a:fld>
-            <a:endParaRPr lang="en-US"/>
+            <a:endParaRPr lang="en-US" dirty="0"/>
           </a:p>
         </p:txBody>
       </p:sp>
@@ -771,7 +772,7 @@
               <a:pPr/>
               <a:t>2</a:t>
             </a:fld>
-            <a:endParaRPr lang="en-US"/>
+            <a:endParaRPr lang="en-US" dirty="0"/>
           </a:p>
         </p:txBody>
       </p:sp>
@@ -2289,7 +2290,7 @@
               <a:pPr/>
               <a:t>3</a:t>
             </a:fld>
-            <a:endParaRPr lang="en-US"/>
+            <a:endParaRPr lang="en-US" dirty="0"/>
           </a:p>
         </p:txBody>
       </p:sp>
@@ -2374,7 +2375,7 @@
               <a:pPr/>
               <a:t>4</a:t>
             </a:fld>
-            <a:endParaRPr lang="en-US"/>
+            <a:endParaRPr lang="en-US" dirty="0"/>
           </a:p>
         </p:txBody>
       </p:sp>
@@ -2459,7 +2460,7 @@
               <a:pPr/>
               <a:t>5</a:t>
             </a:fld>
-            <a:endParaRPr lang="en-US"/>
+            <a:endParaRPr lang="en-US" dirty="0"/>
           </a:p>
         </p:txBody>
       </p:sp>
@@ -2548,7 +2549,7 @@
               <a:pPr/>
               <a:t>6</a:t>
             </a:fld>
-            <a:endParaRPr lang="en-US"/>
+            <a:endParaRPr lang="en-US" dirty="0"/>
           </a:p>
         </p:txBody>
       </p:sp>
@@ -2742,7 +2743,7 @@
               <a:pPr/>
               <a:t>7</a:t>
             </a:fld>
-            <a:endParaRPr lang="en-US"/>
+            <a:endParaRPr lang="en-US" dirty="0"/>
           </a:p>
         </p:txBody>
       </p:sp>
@@ -2831,7 +2832,7 @@
               <a:pPr/>
               <a:t>8</a:t>
             </a:fld>
-            <a:endParaRPr lang="en-US"/>
+            <a:endParaRPr lang="en-US" dirty="0"/>
           </a:p>
         </p:txBody>
       </p:sp>
@@ -2934,7 +2935,7 @@
               <a:pPr/>
               <a:t>9</a:t>
             </a:fld>
-            <a:endParaRPr lang="en-US"/>
+            <a:endParaRPr lang="en-US" dirty="0"/>
           </a:p>
         </p:txBody>
       </p:sp>
@@ -3037,7 +3038,7 @@
               <a:pPr/>
               <a:t>10</a:t>
             </a:fld>
-            <a:endParaRPr lang="en-US"/>
+            <a:endParaRPr lang="en-US" dirty="0"/>
           </a:p>
         </p:txBody>
       </p:sp>
@@ -3240,9 +3241,9 @@
             <a:fld id="{BC3ED275-7153-994E-99D9-5909A673DFFD}" type="datetime2">
               <a:rPr lang="en-US" smtClean="0"/>
               <a:pPr/>
-              <a:t>Monday, March 30, 2015</a:t>
+              <a:t>Tuesday, March 31, 2015</a:t>
             </a:fld>
-            <a:endParaRPr lang="en-US"/>
+            <a:endParaRPr lang="en-US" dirty="0"/>
           </a:p>
         </p:txBody>
       </p:sp>
@@ -3266,10 +3267,10 @@
           </a:lstStyle>
           <a:p>
             <a:r>
-              <a:rPr lang="en-US" smtClean="0"/>
+              <a:rPr lang="en-US" dirty="0" smtClean="0"/>
               <a:t>www.qsoftvietnam.com</a:t>
             </a:r>
-            <a:endParaRPr lang="en-US"/>
+            <a:endParaRPr lang="en-US" dirty="0"/>
           </a:p>
         </p:txBody>
       </p:sp>
@@ -3435,9 +3436,9 @@
             <a:fld id="{604E6C61-ACAA-C24F-8F8A-3369455B37E6}" type="datetime2">
               <a:rPr lang="en-US" smtClean="0"/>
               <a:pPr/>
-              <a:t>Monday, March 30, 2015</a:t>
+              <a:t>Tuesday, March 31, 2015</a:t>
             </a:fld>
-            <a:endParaRPr lang="en-US"/>
+            <a:endParaRPr lang="en-US" dirty="0"/>
           </a:p>
         </p:txBody>
       </p:sp>
@@ -3461,10 +3462,10 @@
           </a:lstStyle>
           <a:p>
             <a:r>
-              <a:rPr lang="en-US" smtClean="0"/>
+              <a:rPr lang="en-US" dirty="0" smtClean="0"/>
               <a:t>www.qsoftvietnam.com</a:t>
             </a:r>
-            <a:endParaRPr lang="en-US"/>
+            <a:endParaRPr lang="en-US" dirty="0"/>
           </a:p>
         </p:txBody>
       </p:sp>
@@ -3492,7 +3493,7 @@
               <a:pPr/>
               <a:t>‹#›</a:t>
             </a:fld>
-            <a:endParaRPr lang="en-US"/>
+            <a:endParaRPr lang="en-US" dirty="0"/>
           </a:p>
         </p:txBody>
       </p:sp>
@@ -3640,9 +3641,9 @@
             <a:fld id="{6081A34F-7B18-5F4C-91E8-15A0B2DB6558}" type="datetime2">
               <a:rPr lang="en-US" smtClean="0"/>
               <a:pPr/>
-              <a:t>Monday, March 30, 2015</a:t>
+              <a:t>Tuesday, March 31, 2015</a:t>
             </a:fld>
-            <a:endParaRPr lang="en-US"/>
+            <a:endParaRPr lang="en-US" dirty="0"/>
           </a:p>
         </p:txBody>
       </p:sp>
@@ -3666,10 +3667,10 @@
           </a:lstStyle>
           <a:p>
             <a:r>
-              <a:rPr lang="en-US" smtClean="0"/>
+              <a:rPr lang="en-US" dirty="0" smtClean="0"/>
               <a:t>www.qsoftvietnam.com</a:t>
             </a:r>
-            <a:endParaRPr lang="en-US"/>
+            <a:endParaRPr lang="en-US" dirty="0"/>
           </a:p>
         </p:txBody>
       </p:sp>
@@ -3697,7 +3698,7 @@
               <a:pPr/>
               <a:t>‹#›</a:t>
             </a:fld>
-            <a:endParaRPr lang="en-US"/>
+            <a:endParaRPr lang="en-US" dirty="0"/>
           </a:p>
         </p:txBody>
       </p:sp>
@@ -3845,9 +3846,9 @@
             <a:fld id="{C5608FE6-F300-CA4F-8754-F30BE5DB2C02}" type="datetime2">
               <a:rPr lang="en-US" smtClean="0"/>
               <a:pPr/>
-              <a:t>Monday, March 30, 2015</a:t>
+              <a:t>Tuesday, March 31, 2015</a:t>
             </a:fld>
-            <a:endParaRPr lang="en-US"/>
+            <a:endParaRPr lang="en-US" dirty="0"/>
           </a:p>
         </p:txBody>
       </p:sp>
@@ -3871,10 +3872,10 @@
           </a:lstStyle>
           <a:p>
             <a:r>
-              <a:rPr lang="en-US" smtClean="0"/>
+              <a:rPr lang="en-US" dirty="0" smtClean="0"/>
               <a:t>www.qsoftvietnam.com</a:t>
             </a:r>
-            <a:endParaRPr lang="en-US"/>
+            <a:endParaRPr lang="en-US" dirty="0"/>
           </a:p>
         </p:txBody>
       </p:sp>
@@ -3902,7 +3903,7 @@
               <a:pPr/>
               <a:t>‹#›</a:t>
             </a:fld>
-            <a:endParaRPr lang="en-US"/>
+            <a:endParaRPr lang="en-US" dirty="0"/>
           </a:p>
         </p:txBody>
       </p:sp>
@@ -4116,9 +4117,9 @@
             <a:fld id="{35907637-DE80-574B-9387-2B6489C2DDA9}" type="datetime2">
               <a:rPr lang="en-US" smtClean="0"/>
               <a:pPr/>
-              <a:t>Monday, March 30, 2015</a:t>
+              <a:t>Tuesday, March 31, 2015</a:t>
             </a:fld>
-            <a:endParaRPr lang="en-US"/>
+            <a:endParaRPr lang="en-US" dirty="0"/>
           </a:p>
         </p:txBody>
       </p:sp>
@@ -4142,10 +4143,10 @@
           </a:lstStyle>
           <a:p>
             <a:r>
-              <a:rPr lang="en-US" smtClean="0"/>
+              <a:rPr lang="en-US" dirty="0" smtClean="0"/>
               <a:t>www.qsoftvietnam.com</a:t>
             </a:r>
-            <a:endParaRPr lang="en-US"/>
+            <a:endParaRPr lang="en-US" dirty="0"/>
           </a:p>
         </p:txBody>
       </p:sp>
@@ -4173,7 +4174,7 @@
               <a:pPr/>
               <a:t>‹#›</a:t>
             </a:fld>
-            <a:endParaRPr lang="en-US"/>
+            <a:endParaRPr lang="en-US" dirty="0"/>
           </a:p>
         </p:txBody>
       </p:sp>
@@ -4434,9 +4435,9 @@
             <a:fld id="{B29FAD1F-AC8E-0749-90DA-216529CFB27D}" type="datetime2">
               <a:rPr lang="en-US" smtClean="0"/>
               <a:pPr/>
-              <a:t>Monday, March 30, 2015</a:t>
+              <a:t>Tuesday, March 31, 2015</a:t>
             </a:fld>
-            <a:endParaRPr lang="en-US"/>
+            <a:endParaRPr lang="en-US" dirty="0"/>
           </a:p>
         </p:txBody>
       </p:sp>
@@ -4460,10 +4461,10 @@
           </a:lstStyle>
           <a:p>
             <a:r>
-              <a:rPr lang="en-US" smtClean="0"/>
+              <a:rPr lang="en-US" dirty="0" smtClean="0"/>
               <a:t>www.qsoftvietnam.com</a:t>
             </a:r>
-            <a:endParaRPr lang="en-US"/>
+            <a:endParaRPr lang="en-US" dirty="0"/>
           </a:p>
         </p:txBody>
       </p:sp>
@@ -4491,7 +4492,7 @@
               <a:pPr/>
               <a:t>‹#›</a:t>
             </a:fld>
-            <a:endParaRPr lang="en-US"/>
+            <a:endParaRPr lang="en-US" dirty="0"/>
           </a:p>
         </p:txBody>
       </p:sp>
@@ -4886,9 +4887,9 @@
             <a:fld id="{C14BE83E-0675-4D45-9588-77AC2712A327}" type="datetime2">
               <a:rPr lang="en-US" smtClean="0"/>
               <a:pPr/>
-              <a:t>Monday, March 30, 2015</a:t>
+              <a:t>Tuesday, March 31, 2015</a:t>
             </a:fld>
-            <a:endParaRPr lang="en-US"/>
+            <a:endParaRPr lang="en-US" dirty="0"/>
           </a:p>
         </p:txBody>
       </p:sp>
@@ -4912,10 +4913,10 @@
           </a:lstStyle>
           <a:p>
             <a:r>
-              <a:rPr lang="en-US" smtClean="0"/>
+              <a:rPr lang="en-US" dirty="0" smtClean="0"/>
               <a:t>www.qsoftvietnam.com</a:t>
             </a:r>
-            <a:endParaRPr lang="en-US"/>
+            <a:endParaRPr lang="en-US" dirty="0"/>
           </a:p>
         </p:txBody>
       </p:sp>
@@ -4943,7 +4944,7 @@
               <a:pPr/>
               <a:t>‹#›</a:t>
             </a:fld>
-            <a:endParaRPr lang="en-US"/>
+            <a:endParaRPr lang="en-US" dirty="0"/>
           </a:p>
         </p:txBody>
       </p:sp>
@@ -5034,9 +5035,9 @@
             <a:fld id="{2A00E04D-79B7-6D41-BB08-435F493F6C30}" type="datetime2">
               <a:rPr lang="en-US" smtClean="0"/>
               <a:pPr/>
-              <a:t>Monday, March 30, 2015</a:t>
+              <a:t>Tuesday, March 31, 2015</a:t>
             </a:fld>
-            <a:endParaRPr lang="en-US"/>
+            <a:endParaRPr lang="en-US" dirty="0"/>
           </a:p>
         </p:txBody>
       </p:sp>
@@ -5060,10 +5061,10 @@
           </a:lstStyle>
           <a:p>
             <a:r>
-              <a:rPr lang="en-US" smtClean="0"/>
+              <a:rPr lang="en-US" dirty="0" smtClean="0"/>
               <a:t>www.qsoftvietnam.com</a:t>
             </a:r>
-            <a:endParaRPr lang="en-US"/>
+            <a:endParaRPr lang="en-US" dirty="0"/>
           </a:p>
         </p:txBody>
       </p:sp>
@@ -5091,7 +5092,7 @@
               <a:pPr/>
               <a:t>‹#›</a:t>
             </a:fld>
-            <a:endParaRPr lang="en-US"/>
+            <a:endParaRPr lang="en-US" dirty="0"/>
           </a:p>
         </p:txBody>
       </p:sp>
@@ -5154,9 +5155,9 @@
             <a:fld id="{46027C3B-ABCB-0249-A4FA-2A37469F1C4E}" type="datetime2">
               <a:rPr lang="en-US" smtClean="0"/>
               <a:pPr/>
-              <a:t>Monday, March 30, 2015</a:t>
+              <a:t>Tuesday, March 31, 2015</a:t>
             </a:fld>
-            <a:endParaRPr lang="en-US"/>
+            <a:endParaRPr lang="en-US" dirty="0"/>
           </a:p>
         </p:txBody>
       </p:sp>
@@ -5180,10 +5181,10 @@
           </a:lstStyle>
           <a:p>
             <a:r>
-              <a:rPr lang="en-US" smtClean="0"/>
+              <a:rPr lang="en-US" dirty="0" smtClean="0"/>
               <a:t>www.qsoftvietnam.com</a:t>
             </a:r>
-            <a:endParaRPr lang="en-US"/>
+            <a:endParaRPr lang="en-US" dirty="0"/>
           </a:p>
         </p:txBody>
       </p:sp>
@@ -5211,7 +5212,7 @@
               <a:pPr/>
               <a:t>‹#›</a:t>
             </a:fld>
-            <a:endParaRPr lang="en-US"/>
+            <a:endParaRPr lang="en-US" dirty="0"/>
           </a:p>
         </p:txBody>
       </p:sp>
@@ -5456,9 +5457,9 @@
             <a:fld id="{2EF7263A-B695-E045-B371-427CE3BBD559}" type="datetime2">
               <a:rPr lang="en-US" smtClean="0"/>
               <a:pPr/>
-              <a:t>Monday, March 30, 2015</a:t>
+              <a:t>Tuesday, March 31, 2015</a:t>
             </a:fld>
-            <a:endParaRPr lang="en-US"/>
+            <a:endParaRPr lang="en-US" dirty="0"/>
           </a:p>
         </p:txBody>
       </p:sp>
@@ -5482,10 +5483,10 @@
           </a:lstStyle>
           <a:p>
             <a:r>
-              <a:rPr lang="en-US" smtClean="0"/>
+              <a:rPr lang="en-US" dirty="0" smtClean="0"/>
               <a:t>www.qsoftvietnam.com</a:t>
             </a:r>
-            <a:endParaRPr lang="en-US"/>
+            <a:endParaRPr lang="en-US" dirty="0"/>
           </a:p>
         </p:txBody>
       </p:sp>
@@ -5513,7 +5514,7 @@
               <a:pPr/>
               <a:t>‹#›</a:t>
             </a:fld>
-            <a:endParaRPr lang="en-US"/>
+            <a:endParaRPr lang="en-US" dirty="0"/>
           </a:p>
         </p:txBody>
       </p:sp>
@@ -5647,10 +5648,9 @@
           <a:p>
             <a:pPr lvl="0"/>
             <a:r>
-              <a:rPr lang="en-US" noProof="0" smtClean="0"/>
+              <a:rPr lang="en-US" noProof="0" dirty="0" smtClean="0"/>
               <a:t>Drag picture to placeholder or click icon to add</a:t>
             </a:r>
-            <a:endParaRPr lang="en-US" noProof="0" dirty="0" smtClean="0"/>
           </a:p>
         </p:txBody>
       </p:sp>
@@ -5741,9 +5741,9 @@
             <a:fld id="{E88F21D5-8A27-D144-BD56-2E0DA25B6EEB}" type="datetime2">
               <a:rPr lang="en-US" smtClean="0"/>
               <a:pPr/>
-              <a:t>Monday, March 30, 2015</a:t>
+              <a:t>Tuesday, March 31, 2015</a:t>
             </a:fld>
-            <a:endParaRPr lang="en-US"/>
+            <a:endParaRPr lang="en-US" dirty="0"/>
           </a:p>
         </p:txBody>
       </p:sp>
@@ -5767,10 +5767,10 @@
           </a:lstStyle>
           <a:p>
             <a:r>
-              <a:rPr lang="en-US" smtClean="0"/>
+              <a:rPr lang="en-US" dirty="0" smtClean="0"/>
               <a:t>www.qsoftvietnam.com</a:t>
             </a:r>
-            <a:endParaRPr lang="en-US"/>
+            <a:endParaRPr lang="en-US" dirty="0"/>
           </a:p>
         </p:txBody>
       </p:sp>
@@ -5798,7 +5798,7 @@
               <a:pPr/>
               <a:t>‹#›</a:t>
             </a:fld>
-            <a:endParaRPr lang="en-US"/>
+            <a:endParaRPr lang="en-US" dirty="0"/>
           </a:p>
         </p:txBody>
       </p:sp>
@@ -6007,7 +6007,7 @@
             <a:fld id="{3634E6B9-A6FC-5D46-BEFB-60D025A07933}" type="datetime2">
               <a:rPr lang="en-US" smtClean="0"/>
               <a:pPr/>
-              <a:t>Monday, March 30, 2015</a:t>
+              <a:t>Tuesday, March 31, 2015</a:t>
             </a:fld>
             <a:endParaRPr lang="en-US" dirty="0"/>
           </a:p>
@@ -6055,10 +6055,10 @@
           </a:lstStyle>
           <a:p>
             <a:r>
-              <a:rPr lang="en-US" smtClean="0"/>
+              <a:rPr lang="en-US" dirty="0" smtClean="0"/>
               <a:t>www.qsoftvietnam.com</a:t>
             </a:r>
-            <a:endParaRPr lang="en-US"/>
+            <a:endParaRPr lang="en-US" dirty="0"/>
           </a:p>
         </p:txBody>
       </p:sp>
@@ -6617,7 +6617,7 @@
                 </a:solidFill>
               </a:rPr>
               <a:pPr/>
-              <a:t>Monday, March 30, 2015</a:t>
+              <a:t>Tuesday, March 31, 2015</a:t>
             </a:fld>
             <a:endParaRPr lang="en-US" dirty="0">
               <a:solidFill>
@@ -6777,7 +6777,7 @@
                 </a:solidFill>
               </a:rPr>
               <a:pPr/>
-              <a:t>Monday, March 30, 2015</a:t>
+              <a:t>Tuesday, March 31, 2015</a:t>
             </a:fld>
             <a:endParaRPr lang="en-US" dirty="0">
               <a:solidFill>
@@ -6809,7 +6809,7 @@
           <a:p>
             <a:pPr algn="l"/>
             <a:r>
-              <a:rPr lang="en-US" smtClean="0">
+              <a:rPr lang="en-US" dirty="0" smtClean="0">
                 <a:solidFill>
                   <a:schemeClr val="bg1"/>
                 </a:solidFill>
@@ -7265,11 +7265,6 @@
               </a:rPr>
               <a:t>drafts/posts/comments</a:t>
             </a:r>
-            <a:endParaRPr lang="en-US" dirty="0" smtClean="0">
-              <a:solidFill>
-                <a:schemeClr val="tx1"/>
-              </a:solidFill>
-            </a:endParaRPr>
           </a:p>
           <a:p>
             <a:pPr marL="342900" indent="-342900" algn="l">
@@ -7293,15 +7288,7 @@
                   <a:schemeClr val="tx1"/>
                 </a:solidFill>
               </a:rPr>
-              <a:t>User profile</a:t>
-            </a:r>
-            <a:r>
-              <a:rPr lang="en-US" dirty="0" smtClean="0">
-                <a:solidFill>
-                  <a:schemeClr val="tx1"/>
-                </a:solidFill>
-              </a:rPr>
-              <a:t>, </a:t>
+              <a:t>User profile, </a:t>
             </a:r>
             <a:r>
               <a:rPr lang="en-US" dirty="0">
@@ -7355,15 +7342,7 @@
                   <a:schemeClr val="tx1"/>
                 </a:solidFill>
               </a:rPr>
-              <a:t>Remember expanded/collapsed </a:t>
-            </a:r>
-            <a:r>
-              <a:rPr lang="en-US" dirty="0" smtClean="0">
-                <a:solidFill>
-                  <a:schemeClr val="tx1"/>
-                </a:solidFill>
-              </a:rPr>
-              <a:t>sections, layout options</a:t>
+              <a:t>Remember expanded/collapsed sections, layout options</a:t>
             </a:r>
             <a:r>
               <a:rPr lang="en-US" dirty="0">
@@ -7406,11 +7385,6 @@
               </a:rPr>
               <a:t>Thing that’s often the same</a:t>
             </a:r>
-            <a:endParaRPr lang="en-US" dirty="0" smtClean="0">
-              <a:solidFill>
-                <a:schemeClr val="tx1"/>
-              </a:solidFill>
-            </a:endParaRPr>
           </a:p>
           <a:p>
             <a:pPr marL="342900" indent="-342900" algn="l">
@@ -7497,7 +7471,7 @@
                 </a:solidFill>
               </a:rPr>
               <a:pPr/>
-              <a:t>Monday, March 30, 2015</a:t>
+              <a:t>Tuesday, March 31, 2015</a:t>
             </a:fld>
             <a:endParaRPr lang="en-US" dirty="0">
               <a:solidFill>
@@ -7529,7 +7503,7 @@
           <a:p>
             <a:pPr algn="l"/>
             <a:r>
-              <a:rPr lang="en-US" smtClean="0">
+              <a:rPr lang="en-US" dirty="0" smtClean="0">
                 <a:solidFill>
                   <a:schemeClr val="bg1"/>
                 </a:solidFill>
@@ -8782,7 +8756,7 @@
                 </a:solidFill>
               </a:rPr>
               <a:pPr/>
-              <a:t>Monday, March 30, 2015</a:t>
+              <a:t>Tuesday, March 31, 2015</a:t>
             </a:fld>
             <a:endParaRPr lang="en-US" dirty="0">
               <a:solidFill>
@@ -9428,7 +9402,7 @@
                 </a:solidFill>
               </a:rPr>
               <a:pPr/>
-              <a:t>Monday, March 30, 2015</a:t>
+              <a:t>Tuesday, March 31, 2015</a:t>
             </a:fld>
             <a:endParaRPr lang="en-US" dirty="0">
               <a:solidFill>
@@ -10247,7 +10221,7 @@
                 </a:solidFill>
               </a:rPr>
               <a:pPr/>
-              <a:t>Monday, March 30, 2015</a:t>
+              <a:t>Tuesday, March 31, 2015</a:t>
             </a:fld>
             <a:endParaRPr lang="en-US" dirty="0">
               <a:solidFill>
@@ -10623,7 +10597,7 @@
                 </a:solidFill>
               </a:rPr>
               <a:pPr/>
-              <a:t>Monday, March 30, 2015</a:t>
+              <a:t>Tuesday, March 31, 2015</a:t>
             </a:fld>
             <a:endParaRPr lang="en-US" dirty="0">
               <a:solidFill>
@@ -11285,7 +11259,7 @@
                 </a:solidFill>
               </a:rPr>
               <a:pPr/>
-              <a:t>Monday, March 30, 2015</a:t>
+              <a:t>Tuesday, March 31, 2015</a:t>
             </a:fld>
             <a:endParaRPr lang="en-US" dirty="0">
               <a:solidFill>
@@ -11505,7 +11479,7 @@
                 </a:solidFill>
               </a:rPr>
               <a:pPr/>
-              <a:t>Monday, March 30, 2015</a:t>
+              <a:t>Tuesday, March 31, 2015</a:t>
             </a:fld>
             <a:endParaRPr lang="en-US" dirty="0">
               <a:solidFill>
@@ -12194,7 +12168,7 @@
                 </a:solidFill>
               </a:rPr>
               <a:pPr/>
-              <a:t>Monday, March 30, 2015</a:t>
+              <a:t>Tuesday, March 31, 2015</a:t>
             </a:fld>
             <a:endParaRPr lang="en-US" dirty="0">
               <a:solidFill>
@@ -12570,7 +12544,7 @@
                 </a:solidFill>
               </a:rPr>
               <a:pPr/>
-              <a:t>Monday, March 30, 2015</a:t>
+              <a:t>Tuesday, March 31, 2015</a:t>
             </a:fld>
             <a:endParaRPr lang="en-US" dirty="0">
               <a:solidFill>
@@ -13167,7 +13141,7 @@
                 </a:solidFill>
               </a:rPr>
               <a:pPr/>
-              <a:t>Monday, March 30, 2015</a:t>
+              <a:t>Tuesday, March 31, 2015</a:t>
             </a:fld>
             <a:endParaRPr lang="en-US" dirty="0">
               <a:solidFill>
@@ -13199,7 +13173,7 @@
           <a:p>
             <a:pPr algn="l"/>
             <a:r>
-              <a:rPr lang="en-US" smtClean="0">
+              <a:rPr lang="en-US" dirty="0" smtClean="0">
                 <a:solidFill>
                   <a:schemeClr val="bg1"/>
                 </a:solidFill>
@@ -13750,7 +13724,7 @@
                 </a:solidFill>
               </a:rPr>
               <a:pPr/>
-              <a:t>Monday, March 30, 2015</a:t>
+              <a:t>Tuesday, March 31, 2015</a:t>
             </a:fld>
             <a:endParaRPr lang="en-US" dirty="0">
               <a:solidFill>
@@ -14644,7 +14618,7 @@
           <a:p>
             <a:pPr algn="l"/>
             <a:r>
-              <a:rPr lang="en-US" smtClean="0">
+              <a:rPr lang="en-US" dirty="0" smtClean="0">
                 <a:solidFill>
                   <a:schemeClr val="bg1"/>
                 </a:solidFill>
@@ -14862,7 +14836,21 @@
                 <a:latin typeface="Constantia"/>
                 <a:cs typeface="Constantia"/>
               </a:rPr>
-              <a:t>Old browser?</a:t>
+              <a:t>Full of </a:t>
+            </a:r>
+            <a:r>
+              <a:rPr lang="en-US" sz="4000" dirty="0" smtClean="0">
+                <a:latin typeface="Constantia"/>
+                <a:cs typeface="Constantia"/>
+              </a:rPr>
+              <a:t>Storage</a:t>
+            </a:r>
+            <a:r>
+              <a:rPr lang="en-US" sz="4000" dirty="0" smtClean="0">
+                <a:latin typeface="Constantia"/>
+                <a:cs typeface="Constantia"/>
+              </a:rPr>
+              <a:t>?</a:t>
             </a:r>
             <a:endParaRPr lang="en-US" sz="4000" dirty="0">
               <a:latin typeface="Constantia"/>
@@ -14881,8 +14869,8 @@
         </p:nvSpPr>
         <p:spPr bwMode="auto">
           <a:xfrm>
-            <a:off x="457200" y="2161034"/>
-            <a:ext cx="8229600" cy="4369962"/>
+            <a:off x="267345" y="2161034"/>
+            <a:ext cx="8720218" cy="4369962"/>
           </a:xfrm>
           <a:prstGeom prst="rect">
             <a:avLst/>
@@ -15076,9 +15064,142 @@
               <a:buFont typeface="Arial" panose="020B0604020202020204" pitchFamily="34" charset="0"/>
               <a:buChar char="•"/>
             </a:pPr>
-            <a:endParaRPr lang="en-US" dirty="0" smtClean="0">
+            <a:r>
+              <a:rPr lang="en-US" dirty="0" smtClean="0">
+                <a:solidFill>
+                  <a:schemeClr val="tx1"/>
+                </a:solidFill>
+              </a:rPr>
+              <a:t>Browser checks remaining space for current domain?</a:t>
+            </a:r>
+          </a:p>
+          <a:p>
+            <a:pPr marL="342900" indent="-342900" algn="l">
+              <a:buFont typeface="Arial" panose="020B0604020202020204" pitchFamily="34" charset="0"/>
+              <a:buChar char="•"/>
+            </a:pPr>
+            <a:r>
+              <a:rPr lang="en-US" dirty="0" smtClean="0">
+                <a:solidFill>
+                  <a:srgbClr val="0000FF"/>
+                </a:solidFill>
+              </a:rPr>
+              <a:t>If yes</a:t>
+            </a:r>
+          </a:p>
+          <a:p>
+            <a:pPr marL="800100" lvl="1" indent="-342900" algn="l">
+              <a:buFont typeface="Arial" panose="020B0604020202020204" pitchFamily="34" charset="0"/>
+              <a:buChar char="•"/>
+            </a:pPr>
+            <a:r>
+              <a:rPr lang="en-US" sz="2400" dirty="0" smtClean="0">
+                <a:solidFill>
+                  <a:schemeClr val="tx1"/>
+                </a:solidFill>
+              </a:rPr>
+              <a:t>Data is stored, overwrite if the same key exists</a:t>
+            </a:r>
+          </a:p>
+          <a:p>
+            <a:pPr marL="342900" indent="-342900" algn="l">
+              <a:buFont typeface="Arial" panose="020B0604020202020204" pitchFamily="34" charset="0"/>
+              <a:buChar char="•"/>
+            </a:pPr>
+            <a:r>
+              <a:rPr lang="en-US" dirty="0" smtClean="0">
+                <a:solidFill>
+                  <a:srgbClr val="0000FF"/>
+                </a:solidFill>
+              </a:rPr>
+              <a:t>If no</a:t>
+            </a:r>
+          </a:p>
+          <a:p>
+            <a:pPr marL="800100" lvl="1" indent="-342900" algn="l">
+              <a:buFont typeface="Arial" panose="020B0604020202020204" pitchFamily="34" charset="0"/>
+              <a:buChar char="•"/>
+            </a:pPr>
+            <a:r>
+              <a:rPr lang="en-US" sz="2400" dirty="0" smtClean="0">
+                <a:solidFill>
+                  <a:schemeClr val="tx1"/>
+                </a:solidFill>
+              </a:rPr>
+              <a:t>Data is not stored, no existing data is overwritten</a:t>
+            </a:r>
+          </a:p>
+          <a:p>
+            <a:pPr marL="800100" lvl="1" indent="-342900" algn="l">
+              <a:buFont typeface="Arial" panose="020B0604020202020204" pitchFamily="34" charset="0"/>
+              <a:buChar char="•"/>
+            </a:pPr>
+            <a:r>
+              <a:rPr lang="en-US" sz="2400" dirty="0" smtClean="0">
+                <a:solidFill>
+                  <a:schemeClr val="tx1"/>
+                </a:solidFill>
+              </a:rPr>
+              <a:t>A </a:t>
+            </a:r>
+            <a:r>
+              <a:rPr lang="en-US" sz="2400" dirty="0" smtClean="0">
+                <a:solidFill>
+                  <a:srgbClr val="FF0000"/>
+                </a:solidFill>
+              </a:rPr>
+              <a:t>QUOTA_EXCEEDED_ERR</a:t>
+            </a:r>
+            <a:r>
+              <a:rPr lang="en-US" sz="2400" dirty="0" smtClean="0">
+                <a:solidFill>
+                  <a:schemeClr val="tx1"/>
+                </a:solidFill>
+              </a:rPr>
+              <a:t> exception is thrown</a:t>
+            </a:r>
+          </a:p>
+          <a:p>
+            <a:pPr marL="800100" lvl="1" indent="-342900" algn="l">
+              <a:buFont typeface="Arial" panose="020B0604020202020204" pitchFamily="34" charset="0"/>
+              <a:buChar char="•"/>
+            </a:pPr>
+            <a:endParaRPr lang="en-US" sz="2400" dirty="0">
               <a:solidFill>
-                <a:srgbClr val="0000FF"/>
+                <a:schemeClr val="tx1"/>
+              </a:solidFill>
+            </a:endParaRPr>
+          </a:p>
+          <a:p>
+            <a:pPr marL="342900" indent="-342900" algn="l">
+              <a:buFont typeface="Arial" panose="020B0604020202020204" pitchFamily="34" charset="0"/>
+              <a:buChar char="•"/>
+            </a:pPr>
+            <a:r>
+              <a:rPr lang="en-US" dirty="0" smtClean="0">
+                <a:solidFill>
+                  <a:srgbClr val="0000FF"/>
+                </a:solidFill>
+              </a:rPr>
+              <a:t>Notice</a:t>
+            </a:r>
+          </a:p>
+          <a:p>
+            <a:pPr marL="800100" lvl="1" indent="-342900" algn="l">
+              <a:buFont typeface="Arial" panose="020B0604020202020204" pitchFamily="34" charset="0"/>
+              <a:buChar char="•"/>
+            </a:pPr>
+            <a:r>
+              <a:rPr lang="en-US" sz="2400" dirty="0" smtClean="0">
+                <a:solidFill>
+                  <a:schemeClr val="tx1"/>
+                </a:solidFill>
+              </a:rPr>
+              <a:t>Opera displays a dialog giving choice to increase storage space</a:t>
+            </a:r>
+            <a:endParaRPr lang="en-US" sz="2400" dirty="0" smtClean="0">
+              <a:solidFill>
+                <a:schemeClr val="tx1"/>
               </a:solidFill>
             </a:endParaRPr>
           </a:p>
@@ -15087,7 +15208,7 @@
     </p:spTree>
     <p:extLst>
       <p:ext uri="{BB962C8B-B14F-4D97-AF65-F5344CB8AC3E}">
-        <p14:creationId xmlns:p14="http://schemas.microsoft.com/office/powerpoint/2010/main" val="4200300855"/>
+        <p14:creationId xmlns:p14="http://schemas.microsoft.com/office/powerpoint/2010/main" val="2097829247"/>
       </p:ext>
     </p:extLst>
   </p:cSld>
@@ -15192,7 +15313,7 @@
           <a:p>
             <a:pPr algn="l"/>
             <a:r>
-              <a:rPr lang="en-US" smtClean="0">
+              <a:rPr lang="en-US" dirty="0" smtClean="0">
                 <a:solidFill>
                   <a:schemeClr val="bg1"/>
                 </a:solidFill>
@@ -15632,6 +15753,47 @@
           </a:p>
         </p:txBody>
       </p:sp>
+      <p:pic>
+        <p:nvPicPr>
+          <p:cNvPr id="1026" name="Picture 2" descr="C:\Users\quangson\Desktop\test-storage-limit.png"/>
+          <p:cNvPicPr>
+            <a:picLocks noChangeAspect="1" noChangeArrowheads="1"/>
+          </p:cNvPicPr>
+          <p:nvPr/>
+        </p:nvPicPr>
+        <p:blipFill>
+          <a:blip r:embed="rId2">
+            <a:extLst>
+              <a:ext uri="{28A0092B-C50C-407E-A947-70E740481C1C}">
+                <a14:useLocalDpi xmlns:a14="http://schemas.microsoft.com/office/drawing/2010/main" val="0"/>
+              </a:ext>
+            </a:extLst>
+          </a:blip>
+          <a:srcRect/>
+          <a:stretch>
+            <a:fillRect/>
+          </a:stretch>
+        </p:blipFill>
+        <p:spPr bwMode="auto">
+          <a:xfrm>
+            <a:off x="267344" y="1914524"/>
+            <a:ext cx="8594890" cy="4286251"/>
+          </a:xfrm>
+          <a:prstGeom prst="rect">
+            <a:avLst/>
+          </a:prstGeom>
+          <a:noFill/>
+          <a:extLst>
+            <a:ext uri="{909E8E84-426E-40DD-AFC4-6F175D3DCCD1}">
+              <a14:hiddenFill xmlns:a14="http://schemas.microsoft.com/office/drawing/2010/main">
+                <a:solidFill>
+                  <a:srgbClr val="FFFFFF"/>
+                </a:solidFill>
+              </a14:hiddenFill>
+            </a:ext>
+          </a:extLst>
+        </p:spPr>
+      </p:pic>
     </p:spTree>
     <p:extLst>
       <p:ext uri="{BB962C8B-B14F-4D97-AF65-F5344CB8AC3E}">
@@ -15708,7 +15870,7 @@
                 </a:solidFill>
               </a:rPr>
               <a:pPr/>
-              <a:t>Monday, March 30, 2015</a:t>
+              <a:t>Tuesday, March 31, 2015</a:t>
             </a:fld>
             <a:endParaRPr lang="en-US" dirty="0">
               <a:solidFill>
@@ -15958,7 +16120,7 @@
                 <a:latin typeface="Constantia"/>
                 <a:cs typeface="Constantia"/>
               </a:rPr>
-              <a:t>Demo</a:t>
+              <a:t>Old browser?</a:t>
             </a:r>
             <a:endParaRPr lang="en-US" sz="4000" dirty="0">
               <a:latin typeface="Constantia"/>
@@ -16179,7 +16341,7 @@
                 </a:solidFill>
                 <a:hlinkClick r:id="rId2"/>
               </a:rPr>
-              <a:t>save-storage.html</a:t>
+              <a:t>amplify.store</a:t>
             </a:r>
             <a:endParaRPr lang="en-US" dirty="0" smtClean="0">
               <a:solidFill>
@@ -16199,7 +16361,7 @@
                 </a:solidFill>
                 <a:hlinkClick r:id="rId3"/>
               </a:rPr>
-              <a:t>save-image.html</a:t>
+              <a:t>store.js</a:t>
             </a:r>
             <a:endParaRPr lang="en-US" dirty="0" smtClean="0">
               <a:solidFill>
@@ -16219,7 +16381,7 @@
                 </a:solidFill>
                 <a:hlinkClick r:id="rId4"/>
               </a:rPr>
-              <a:t>online-offline.html</a:t>
+              <a:t>lawnchair</a:t>
             </a:r>
             <a:endParaRPr lang="en-US" dirty="0" smtClean="0">
               <a:solidFill>
@@ -16239,20 +16401,31 @@
                 </a:solidFill>
                 <a:hlinkClick r:id="rId5"/>
               </a:rPr>
-              <a:t>online-offline-status.html</a:t>
-            </a:r>
-            <a:endParaRPr lang="en-US" dirty="0" smtClean="0">
+              <a:t>locache</a:t>
+            </a:r>
+            <a:endParaRPr lang="en-US" dirty="0">
               <a:solidFill>
                 <a:schemeClr val="tx1"/>
               </a:solidFill>
             </a:endParaRPr>
           </a:p>
+          <a:p>
+            <a:pPr marL="342900" indent="-342900" algn="l">
+              <a:buFont typeface="Arial" panose="020B0604020202020204" pitchFamily="34" charset="0"/>
+              <a:buChar char="•"/>
+            </a:pPr>
+            <a:endParaRPr lang="en-US" dirty="0" smtClean="0">
+              <a:solidFill>
+                <a:srgbClr val="0000FF"/>
+              </a:solidFill>
+            </a:endParaRPr>
+          </a:p>
         </p:txBody>
       </p:sp>
     </p:spTree>
     <p:extLst>
       <p:ext uri="{BB962C8B-B14F-4D97-AF65-F5344CB8AC3E}">
-        <p14:creationId xmlns:p14="http://schemas.microsoft.com/office/powerpoint/2010/main" val="2753179042"/>
+        <p14:creationId xmlns:p14="http://schemas.microsoft.com/office/powerpoint/2010/main" val="4200300855"/>
       </p:ext>
     </p:extLst>
   </p:cSld>
@@ -16300,6 +16473,623 @@
       </p:grpSpPr>
       <p:sp>
         <p:nvSpPr>
+          <p:cNvPr id="3" name="Date Placeholder 2"/>
+          <p:cNvSpPr>
+            <a:spLocks noGrp="1"/>
+          </p:cNvSpPr>
+          <p:nvPr>
+            <p:ph type="dt" sz="half" idx="10"/>
+          </p:nvPr>
+        </p:nvSpPr>
+        <p:spPr>
+          <a:xfrm>
+            <a:off x="0" y="6530996"/>
+            <a:ext cx="2133600" cy="365125"/>
+          </a:xfrm>
+        </p:spPr>
+        <p:txBody>
+          <a:bodyPr/>
+          <a:lstStyle/>
+          <a:p>
+            <a:fld id="{945310C2-C0B2-5241-BEC0-6819B2B3C035}" type="datetime2">
+              <a:rPr lang="en-US" smtClean="0">
+                <a:solidFill>
+                  <a:srgbClr val="FFFFFF"/>
+                </a:solidFill>
+              </a:rPr>
+              <a:pPr/>
+              <a:t>Tuesday, March 31, 2015</a:t>
+            </a:fld>
+            <a:endParaRPr lang="en-US" dirty="0">
+              <a:solidFill>
+                <a:srgbClr val="FFFFFF"/>
+              </a:solidFill>
+            </a:endParaRPr>
+          </a:p>
+        </p:txBody>
+      </p:sp>
+      <p:sp>
+        <p:nvSpPr>
+          <p:cNvPr id="4" name="Footer Placeholder 3"/>
+          <p:cNvSpPr>
+            <a:spLocks noGrp="1"/>
+          </p:cNvSpPr>
+          <p:nvPr>
+            <p:ph type="ftr" sz="quarter" idx="11"/>
+          </p:nvPr>
+        </p:nvSpPr>
+        <p:spPr>
+          <a:xfrm>
+            <a:off x="3124200" y="6530996"/>
+            <a:ext cx="2895600" cy="365125"/>
+          </a:xfrm>
+        </p:spPr>
+        <p:txBody>
+          <a:bodyPr/>
+          <a:lstStyle/>
+          <a:p>
+            <a:pPr algn="l"/>
+            <a:r>
+              <a:rPr lang="en-US" dirty="0" smtClean="0">
+                <a:solidFill>
+                  <a:schemeClr val="bg1"/>
+                </a:solidFill>
+              </a:rPr>
+              <a:t>www.qsoftvietnam.com</a:t>
+            </a:r>
+            <a:endParaRPr lang="en-US" dirty="0">
+              <a:solidFill>
+                <a:schemeClr val="bg1"/>
+              </a:solidFill>
+            </a:endParaRPr>
+          </a:p>
+        </p:txBody>
+      </p:sp>
+      <p:sp>
+        <p:nvSpPr>
+          <p:cNvPr id="5" name="Slide Number Placeholder 4"/>
+          <p:cNvSpPr>
+            <a:spLocks noGrp="1"/>
+          </p:cNvSpPr>
+          <p:nvPr>
+            <p:ph type="sldNum" sz="quarter" idx="12"/>
+          </p:nvPr>
+        </p:nvSpPr>
+        <p:spPr>
+          <a:xfrm>
+            <a:off x="6853962" y="6530996"/>
+            <a:ext cx="2133600" cy="365125"/>
+          </a:xfrm>
+        </p:spPr>
+        <p:txBody>
+          <a:bodyPr/>
+          <a:lstStyle/>
+          <a:p>
+            <a:fld id="{FA84A37A-AFC2-4A01-80A1-FC20F2C0D5BB}" type="slidenum">
+              <a:rPr lang="en-US" smtClean="0">
+                <a:solidFill>
+                  <a:srgbClr val="FFFFFF"/>
+                </a:solidFill>
+              </a:rPr>
+              <a:pPr/>
+              <a:t>24</a:t>
+            </a:fld>
+            <a:endParaRPr lang="en-US" dirty="0">
+              <a:solidFill>
+                <a:srgbClr val="FFFFFF"/>
+              </a:solidFill>
+            </a:endParaRPr>
+          </a:p>
+        </p:txBody>
+      </p:sp>
+      <p:sp>
+        <p:nvSpPr>
+          <p:cNvPr id="7" name="Title 1"/>
+          <p:cNvSpPr txBox="1">
+            <a:spLocks/>
+          </p:cNvSpPr>
+          <p:nvPr/>
+        </p:nvSpPr>
+        <p:spPr bwMode="auto">
+          <a:xfrm>
+            <a:off x="267344" y="1018034"/>
+            <a:ext cx="8720218" cy="1143000"/>
+          </a:xfrm>
+          <a:prstGeom prst="rect">
+            <a:avLst/>
+          </a:prstGeom>
+          <a:noFill/>
+          <a:ln w="9525">
+            <a:noFill/>
+            <a:miter lim="800000"/>
+            <a:headEnd/>
+            <a:tailEnd/>
+          </a:ln>
+        </p:spPr>
+        <p:txBody>
+          <a:bodyPr vert="horz" wrap="square" lIns="91440" tIns="45720" rIns="91440" bIns="45720" numCol="1" anchor="ctr" anchorCtr="0" compatLnSpc="1">
+            <a:prstTxWarp prst="textNoShape">
+              <a:avLst/>
+            </a:prstTxWarp>
+          </a:bodyPr>
+          <a:lstStyle>
+            <a:lvl1pPr algn="ctr" rtl="0" eaLnBrk="1" fontAlgn="base" hangingPunct="1">
+              <a:spcBef>
+                <a:spcPct val="0"/>
+              </a:spcBef>
+              <a:spcAft>
+                <a:spcPct val="0"/>
+              </a:spcAft>
+              <a:defRPr sz="4400" kern="1200">
+                <a:solidFill>
+                  <a:schemeClr val="tx1"/>
+                </a:solidFill>
+                <a:latin typeface="+mj-lt"/>
+                <a:ea typeface="+mj-ea"/>
+                <a:cs typeface="+mj-cs"/>
+              </a:defRPr>
+            </a:lvl1pPr>
+            <a:lvl2pPr algn="ctr" rtl="0" eaLnBrk="1" fontAlgn="base" hangingPunct="1">
+              <a:spcBef>
+                <a:spcPct val="0"/>
+              </a:spcBef>
+              <a:spcAft>
+                <a:spcPct val="0"/>
+              </a:spcAft>
+              <a:defRPr sz="4400">
+                <a:solidFill>
+                  <a:schemeClr val="tx1"/>
+                </a:solidFill>
+                <a:latin typeface="Arial" charset="0"/>
+              </a:defRPr>
+            </a:lvl2pPr>
+            <a:lvl3pPr algn="ctr" rtl="0" eaLnBrk="1" fontAlgn="base" hangingPunct="1">
+              <a:spcBef>
+                <a:spcPct val="0"/>
+              </a:spcBef>
+              <a:spcAft>
+                <a:spcPct val="0"/>
+              </a:spcAft>
+              <a:defRPr sz="4400">
+                <a:solidFill>
+                  <a:schemeClr val="tx1"/>
+                </a:solidFill>
+                <a:latin typeface="Arial" charset="0"/>
+              </a:defRPr>
+            </a:lvl3pPr>
+            <a:lvl4pPr algn="ctr" rtl="0" eaLnBrk="1" fontAlgn="base" hangingPunct="1">
+              <a:spcBef>
+                <a:spcPct val="0"/>
+              </a:spcBef>
+              <a:spcAft>
+                <a:spcPct val="0"/>
+              </a:spcAft>
+              <a:defRPr sz="4400">
+                <a:solidFill>
+                  <a:schemeClr val="tx1"/>
+                </a:solidFill>
+                <a:latin typeface="Arial" charset="0"/>
+              </a:defRPr>
+            </a:lvl4pPr>
+            <a:lvl5pPr algn="ctr" rtl="0" eaLnBrk="1" fontAlgn="base" hangingPunct="1">
+              <a:spcBef>
+                <a:spcPct val="0"/>
+              </a:spcBef>
+              <a:spcAft>
+                <a:spcPct val="0"/>
+              </a:spcAft>
+              <a:defRPr sz="4400">
+                <a:solidFill>
+                  <a:schemeClr val="tx1"/>
+                </a:solidFill>
+                <a:latin typeface="Arial" charset="0"/>
+              </a:defRPr>
+            </a:lvl5pPr>
+            <a:lvl6pPr marL="457200" algn="ctr" rtl="0" eaLnBrk="1" fontAlgn="base" hangingPunct="1">
+              <a:spcBef>
+                <a:spcPct val="0"/>
+              </a:spcBef>
+              <a:spcAft>
+                <a:spcPct val="0"/>
+              </a:spcAft>
+              <a:defRPr sz="4400">
+                <a:solidFill>
+                  <a:schemeClr val="tx1"/>
+                </a:solidFill>
+                <a:latin typeface="Lucida Sans" pitchFamily="34" charset="0"/>
+              </a:defRPr>
+            </a:lvl6pPr>
+            <a:lvl7pPr marL="914400" algn="ctr" rtl="0" eaLnBrk="1" fontAlgn="base" hangingPunct="1">
+              <a:spcBef>
+                <a:spcPct val="0"/>
+              </a:spcBef>
+              <a:spcAft>
+                <a:spcPct val="0"/>
+              </a:spcAft>
+              <a:defRPr sz="4400">
+                <a:solidFill>
+                  <a:schemeClr val="tx1"/>
+                </a:solidFill>
+                <a:latin typeface="Lucida Sans" pitchFamily="34" charset="0"/>
+              </a:defRPr>
+            </a:lvl7pPr>
+            <a:lvl8pPr marL="1371600" algn="ctr" rtl="0" eaLnBrk="1" fontAlgn="base" hangingPunct="1">
+              <a:spcBef>
+                <a:spcPct val="0"/>
+              </a:spcBef>
+              <a:spcAft>
+                <a:spcPct val="0"/>
+              </a:spcAft>
+              <a:defRPr sz="4400">
+                <a:solidFill>
+                  <a:schemeClr val="tx1"/>
+                </a:solidFill>
+                <a:latin typeface="Lucida Sans" pitchFamily="34" charset="0"/>
+              </a:defRPr>
+            </a:lvl8pPr>
+            <a:lvl9pPr marL="1828800" algn="ctr" rtl="0" eaLnBrk="1" fontAlgn="base" hangingPunct="1">
+              <a:spcBef>
+                <a:spcPct val="0"/>
+              </a:spcBef>
+              <a:spcAft>
+                <a:spcPct val="0"/>
+              </a:spcAft>
+              <a:defRPr sz="4400">
+                <a:solidFill>
+                  <a:schemeClr val="tx1"/>
+                </a:solidFill>
+                <a:latin typeface="Lucida Sans" pitchFamily="34" charset="0"/>
+              </a:defRPr>
+            </a:lvl9pPr>
+          </a:lstStyle>
+          <a:p>
+            <a:r>
+              <a:rPr lang="en-US" sz="4000" dirty="0" smtClean="0">
+                <a:latin typeface="Constantia"/>
+                <a:cs typeface="Constantia"/>
+              </a:rPr>
+              <a:t>Demo</a:t>
+            </a:r>
+            <a:endParaRPr lang="en-US" sz="4000" dirty="0">
+              <a:latin typeface="Constantia"/>
+              <a:cs typeface="Constantia"/>
+            </a:endParaRPr>
+          </a:p>
+        </p:txBody>
+      </p:sp>
+      <p:sp>
+        <p:nvSpPr>
+          <p:cNvPr id="9" name="Content Placeholder 2"/>
+          <p:cNvSpPr txBox="1">
+            <a:spLocks/>
+          </p:cNvSpPr>
+          <p:nvPr/>
+        </p:nvSpPr>
+        <p:spPr bwMode="auto">
+          <a:xfrm>
+            <a:off x="457200" y="2161034"/>
+            <a:ext cx="8229600" cy="4369962"/>
+          </a:xfrm>
+          <a:prstGeom prst="rect">
+            <a:avLst/>
+          </a:prstGeom>
+          <a:noFill/>
+          <a:ln w="9525">
+            <a:noFill/>
+            <a:miter lim="800000"/>
+            <a:headEnd/>
+            <a:tailEnd/>
+          </a:ln>
+        </p:spPr>
+        <p:txBody>
+          <a:bodyPr vert="horz" wrap="square" lIns="91440" tIns="45720" rIns="91440" bIns="45720" numCol="1" anchor="t" anchorCtr="0" compatLnSpc="1">
+            <a:prstTxWarp prst="textNoShape">
+              <a:avLst/>
+            </a:prstTxWarp>
+          </a:bodyPr>
+          <a:lstStyle>
+            <a:lvl1pPr marL="0" indent="0" algn="ctr" rtl="0" eaLnBrk="1" fontAlgn="base" hangingPunct="1">
+              <a:spcBef>
+                <a:spcPct val="20000"/>
+              </a:spcBef>
+              <a:spcAft>
+                <a:spcPct val="0"/>
+              </a:spcAft>
+              <a:buFont typeface="Arial" charset="0"/>
+              <a:buNone/>
+              <a:defRPr sz="2400" kern="1200">
+                <a:solidFill>
+                  <a:schemeClr val="tx1">
+                    <a:tint val="75000"/>
+                  </a:schemeClr>
+                </a:solidFill>
+                <a:latin typeface="+mn-lt"/>
+                <a:ea typeface="+mn-ea"/>
+                <a:cs typeface="+mn-cs"/>
+              </a:defRPr>
+            </a:lvl1pPr>
+            <a:lvl2pPr marL="457200" indent="0" algn="ctr" rtl="0" eaLnBrk="1" fontAlgn="base" hangingPunct="1">
+              <a:spcBef>
+                <a:spcPct val="20000"/>
+              </a:spcBef>
+              <a:spcAft>
+                <a:spcPct val="0"/>
+              </a:spcAft>
+              <a:buFont typeface="Arial" charset="0"/>
+              <a:buNone/>
+              <a:defRPr sz="2000" kern="1200">
+                <a:solidFill>
+                  <a:schemeClr val="tx1">
+                    <a:tint val="75000"/>
+                  </a:schemeClr>
+                </a:solidFill>
+                <a:latin typeface="+mn-lt"/>
+                <a:ea typeface="+mn-ea"/>
+                <a:cs typeface="+mn-cs"/>
+              </a:defRPr>
+            </a:lvl2pPr>
+            <a:lvl3pPr marL="914400" indent="0" algn="ctr" rtl="0" eaLnBrk="1" fontAlgn="base" hangingPunct="1">
+              <a:spcBef>
+                <a:spcPct val="20000"/>
+              </a:spcBef>
+              <a:spcAft>
+                <a:spcPct val="0"/>
+              </a:spcAft>
+              <a:buFont typeface="Arial" charset="0"/>
+              <a:buNone/>
+              <a:defRPr kern="1200">
+                <a:solidFill>
+                  <a:schemeClr val="tx1">
+                    <a:tint val="75000"/>
+                  </a:schemeClr>
+                </a:solidFill>
+                <a:latin typeface="+mn-lt"/>
+                <a:ea typeface="+mn-ea"/>
+                <a:cs typeface="+mn-cs"/>
+              </a:defRPr>
+            </a:lvl3pPr>
+            <a:lvl4pPr marL="1371600" indent="0" algn="ctr" rtl="0" eaLnBrk="1" fontAlgn="base" hangingPunct="1">
+              <a:spcBef>
+                <a:spcPct val="20000"/>
+              </a:spcBef>
+              <a:spcAft>
+                <a:spcPct val="0"/>
+              </a:spcAft>
+              <a:buFont typeface="Arial" charset="0"/>
+              <a:buNone/>
+              <a:defRPr sz="1600" kern="1200">
+                <a:solidFill>
+                  <a:schemeClr val="tx1">
+                    <a:tint val="75000"/>
+                  </a:schemeClr>
+                </a:solidFill>
+                <a:latin typeface="+mn-lt"/>
+                <a:ea typeface="+mn-ea"/>
+                <a:cs typeface="+mn-cs"/>
+              </a:defRPr>
+            </a:lvl4pPr>
+            <a:lvl5pPr marL="1828800" indent="0" algn="ctr" rtl="0" eaLnBrk="1" fontAlgn="base" hangingPunct="1">
+              <a:spcBef>
+                <a:spcPct val="20000"/>
+              </a:spcBef>
+              <a:spcAft>
+                <a:spcPct val="0"/>
+              </a:spcAft>
+              <a:buFont typeface="Arial" charset="0"/>
+              <a:buNone/>
+              <a:defRPr sz="1600" kern="1200">
+                <a:solidFill>
+                  <a:schemeClr val="tx1">
+                    <a:tint val="75000"/>
+                  </a:schemeClr>
+                </a:solidFill>
+                <a:latin typeface="+mn-lt"/>
+                <a:ea typeface="+mn-ea"/>
+                <a:cs typeface="+mn-cs"/>
+              </a:defRPr>
+            </a:lvl5pPr>
+            <a:lvl6pPr marL="2286000" indent="0" algn="ctr" defTabSz="914400" rtl="0" eaLnBrk="1" latinLnBrk="0" hangingPunct="1">
+              <a:spcBef>
+                <a:spcPct val="20000"/>
+              </a:spcBef>
+              <a:buFont typeface="Arial" pitchFamily="34" charset="0"/>
+              <a:buNone/>
+              <a:defRPr sz="2000" kern="1200">
+                <a:solidFill>
+                  <a:schemeClr val="tx1">
+                    <a:tint val="75000"/>
+                  </a:schemeClr>
+                </a:solidFill>
+                <a:latin typeface="+mn-lt"/>
+                <a:ea typeface="+mn-ea"/>
+                <a:cs typeface="+mn-cs"/>
+              </a:defRPr>
+            </a:lvl6pPr>
+            <a:lvl7pPr marL="2743200" indent="0" algn="ctr" defTabSz="914400" rtl="0" eaLnBrk="1" latinLnBrk="0" hangingPunct="1">
+              <a:spcBef>
+                <a:spcPct val="20000"/>
+              </a:spcBef>
+              <a:buFont typeface="Arial" pitchFamily="34" charset="0"/>
+              <a:buNone/>
+              <a:defRPr sz="2000" kern="1200">
+                <a:solidFill>
+                  <a:schemeClr val="tx1">
+                    <a:tint val="75000"/>
+                  </a:schemeClr>
+                </a:solidFill>
+                <a:latin typeface="+mn-lt"/>
+                <a:ea typeface="+mn-ea"/>
+                <a:cs typeface="+mn-cs"/>
+              </a:defRPr>
+            </a:lvl7pPr>
+            <a:lvl8pPr marL="3200400" indent="0" algn="ctr" defTabSz="914400" rtl="0" eaLnBrk="1" latinLnBrk="0" hangingPunct="1">
+              <a:spcBef>
+                <a:spcPct val="20000"/>
+              </a:spcBef>
+              <a:buFont typeface="Arial" pitchFamily="34" charset="0"/>
+              <a:buNone/>
+              <a:defRPr sz="2000" kern="1200">
+                <a:solidFill>
+                  <a:schemeClr val="tx1">
+                    <a:tint val="75000"/>
+                  </a:schemeClr>
+                </a:solidFill>
+                <a:latin typeface="+mn-lt"/>
+                <a:ea typeface="+mn-ea"/>
+                <a:cs typeface="+mn-cs"/>
+              </a:defRPr>
+            </a:lvl8pPr>
+            <a:lvl9pPr marL="3657600" indent="0" algn="ctr" defTabSz="914400" rtl="0" eaLnBrk="1" latinLnBrk="0" hangingPunct="1">
+              <a:spcBef>
+                <a:spcPct val="20000"/>
+              </a:spcBef>
+              <a:buFont typeface="Arial" pitchFamily="34" charset="0"/>
+              <a:buNone/>
+              <a:defRPr sz="2000" kern="1200">
+                <a:solidFill>
+                  <a:schemeClr val="tx1">
+                    <a:tint val="75000"/>
+                  </a:schemeClr>
+                </a:solidFill>
+                <a:latin typeface="+mn-lt"/>
+                <a:ea typeface="+mn-ea"/>
+                <a:cs typeface="+mn-cs"/>
+              </a:defRPr>
+            </a:lvl9pPr>
+          </a:lstStyle>
+          <a:p>
+            <a:pPr marL="342900" indent="-342900" algn="l">
+              <a:buFont typeface="Arial" panose="020B0604020202020204" pitchFamily="34" charset="0"/>
+              <a:buChar char="•"/>
+            </a:pPr>
+            <a:r>
+              <a:rPr lang="en-US" dirty="0" smtClean="0">
+                <a:solidFill>
+                  <a:schemeClr val="tx1"/>
+                </a:solidFill>
+                <a:hlinkClick r:id="rId2"/>
+              </a:rPr>
+              <a:t>save-storage.html</a:t>
+            </a:r>
+            <a:endParaRPr lang="en-US" dirty="0" smtClean="0">
+              <a:solidFill>
+                <a:schemeClr val="tx1"/>
+              </a:solidFill>
+            </a:endParaRPr>
+          </a:p>
+          <a:p>
+            <a:pPr marL="342900" indent="-342900" algn="l">
+              <a:buFont typeface="Arial" panose="020B0604020202020204" pitchFamily="34" charset="0"/>
+              <a:buChar char="•"/>
+            </a:pPr>
+            <a:r>
+              <a:rPr lang="en-US" dirty="0" smtClean="0">
+                <a:solidFill>
+                  <a:schemeClr val="tx1"/>
+                </a:solidFill>
+                <a:hlinkClick r:id="rId3"/>
+              </a:rPr>
+              <a:t>save-image.html</a:t>
+            </a:r>
+            <a:endParaRPr lang="en-US" dirty="0" smtClean="0">
+              <a:solidFill>
+                <a:schemeClr val="tx1"/>
+              </a:solidFill>
+            </a:endParaRPr>
+          </a:p>
+          <a:p>
+            <a:pPr marL="342900" indent="-342900" algn="l">
+              <a:buFont typeface="Arial" panose="020B0604020202020204" pitchFamily="34" charset="0"/>
+              <a:buChar char="•"/>
+            </a:pPr>
+            <a:r>
+              <a:rPr lang="en-US" dirty="0" smtClean="0">
+                <a:solidFill>
+                  <a:schemeClr val="tx1"/>
+                </a:solidFill>
+                <a:hlinkClick r:id="rId4"/>
+              </a:rPr>
+              <a:t>online-offline.html</a:t>
+            </a:r>
+            <a:endParaRPr lang="en-US" dirty="0" smtClean="0">
+              <a:solidFill>
+                <a:schemeClr val="tx1"/>
+              </a:solidFill>
+            </a:endParaRPr>
+          </a:p>
+          <a:p>
+            <a:pPr marL="342900" indent="-342900" algn="l">
+              <a:buFont typeface="Arial" panose="020B0604020202020204" pitchFamily="34" charset="0"/>
+              <a:buChar char="•"/>
+            </a:pPr>
+            <a:r>
+              <a:rPr lang="en-US" dirty="0" smtClean="0">
+                <a:solidFill>
+                  <a:schemeClr val="tx1"/>
+                </a:solidFill>
+                <a:hlinkClick r:id="rId5"/>
+              </a:rPr>
+              <a:t>online-offline-status.html</a:t>
+            </a:r>
+            <a:endParaRPr lang="en-US" dirty="0" smtClean="0">
+              <a:solidFill>
+                <a:schemeClr val="tx1"/>
+              </a:solidFill>
+            </a:endParaRPr>
+          </a:p>
+        </p:txBody>
+      </p:sp>
+    </p:spTree>
+    <p:extLst>
+      <p:ext uri="{BB962C8B-B14F-4D97-AF65-F5344CB8AC3E}">
+        <p14:creationId xmlns:p14="http://schemas.microsoft.com/office/powerpoint/2010/main" val="2753179042"/>
+      </p:ext>
+    </p:extLst>
+  </p:cSld>
+  <p:clrMapOvr>
+    <a:masterClrMapping/>
+  </p:clrMapOvr>
+  <mc:AlternateContent xmlns:mc="http://schemas.openxmlformats.org/markup-compatibility/2006" xmlns:p14="http://schemas.microsoft.com/office/powerpoint/2010/main">
+    <mc:Choice Requires="p14">
+      <p:transition p14:dur="100">
+        <p:cut/>
+      </p:transition>
+    </mc:Choice>
+    <mc:Fallback xmlns="">
+      <p:transition>
+        <p:cut/>
+      </p:transition>
+    </mc:Fallback>
+  </mc:AlternateContent>
+  <p:timing>
+    <p:tnLst>
+      <p:par>
+        <p:cTn id="1" dur="indefinite" restart="never" nodeType="tmRoot"/>
+      </p:par>
+    </p:tnLst>
+  </p:timing>
+</p:sld>
+</file>
+
+<file path=ppt/slides/slide25.xml><?xml version="1.0" encoding="utf-8"?>
+<p:sld xmlns:a="http://schemas.openxmlformats.org/drawingml/2006/main" xmlns:r="http://schemas.openxmlformats.org/officeDocument/2006/relationships" xmlns:p="http://schemas.openxmlformats.org/presentationml/2006/main">
+  <p:cSld>
+    <p:spTree>
+      <p:nvGrpSpPr>
+        <p:cNvPr id="1" name=""/>
+        <p:cNvGrpSpPr/>
+        <p:nvPr/>
+      </p:nvGrpSpPr>
+      <p:grpSpPr>
+        <a:xfrm>
+          <a:off x="0" y="0"/>
+          <a:ext cx="0" cy="0"/>
+          <a:chOff x="0" y="0"/>
+          <a:chExt cx="0" cy="0"/>
+        </a:xfrm>
+      </p:grpSpPr>
+      <p:sp>
+        <p:nvSpPr>
           <p:cNvPr id="2" name="Title 1"/>
           <p:cNvSpPr>
             <a:spLocks noGrp="1"/>
@@ -16367,7 +17157,7 @@
                 </a:solidFill>
               </a:rPr>
               <a:pPr/>
-              <a:t>Monday, March 30, 2015</a:t>
+              <a:t>Tuesday, March 31, 2015</a:t>
             </a:fld>
             <a:endParaRPr lang="en-US" dirty="0">
               <a:solidFill>
@@ -16399,7 +17189,7 @@
           <a:p>
             <a:pPr algn="l"/>
             <a:r>
-              <a:rPr lang="en-US" smtClean="0">
+              <a:rPr lang="en-US" dirty="0" smtClean="0">
                 <a:solidFill>
                   <a:schemeClr val="bg1"/>
                 </a:solidFill>
@@ -16441,7 +17231,7 @@
                 </a:solidFill>
               </a:rPr>
               <a:pPr/>
-              <a:t>24</a:t>
+              <a:t>25</a:t>
             </a:fld>
             <a:endParaRPr lang="en-US" dirty="0">
               <a:solidFill>
@@ -16527,7 +17317,7 @@
                 </a:solidFill>
               </a:rPr>
               <a:pPr/>
-              <a:t>Monday, March 30, 2015</a:t>
+              <a:t>Tuesday, March 31, 2015</a:t>
             </a:fld>
             <a:endParaRPr lang="en-US" dirty="0">
               <a:solidFill>
@@ -16559,7 +17349,7 @@
           <a:p>
             <a:pPr algn="l"/>
             <a:r>
-              <a:rPr lang="en-US" smtClean="0">
+              <a:rPr lang="en-US" dirty="0" smtClean="0">
                 <a:solidFill>
                   <a:schemeClr val="bg1"/>
                 </a:solidFill>
@@ -17209,7 +17999,7 @@
                 </a:solidFill>
               </a:rPr>
               <a:pPr/>
-              <a:t>Monday, March 30, 2015</a:t>
+              <a:t>Tuesday, March 31, 2015</a:t>
             </a:fld>
             <a:endParaRPr lang="en-US" dirty="0">
               <a:solidFill>
@@ -17241,7 +18031,7 @@
           <a:p>
             <a:pPr algn="l"/>
             <a:r>
-              <a:rPr lang="en-US" smtClean="0">
+              <a:rPr lang="en-US" dirty="0" smtClean="0">
                 <a:solidFill>
                   <a:schemeClr val="bg1"/>
                 </a:solidFill>
@@ -17886,7 +18676,7 @@
                 </a:solidFill>
               </a:rPr>
               <a:pPr/>
-              <a:t>Monday, March 30, 2015</a:t>
+              <a:t>Tuesday, March 31, 2015</a:t>
             </a:fld>
             <a:endParaRPr lang="en-US" dirty="0">
               <a:solidFill>
@@ -17918,7 +18708,7 @@
           <a:p>
             <a:pPr algn="l"/>
             <a:r>
-              <a:rPr lang="en-US" smtClean="0">
+              <a:rPr lang="en-US" dirty="0" smtClean="0">
                 <a:solidFill>
                   <a:schemeClr val="bg1"/>
                 </a:solidFill>
@@ -18533,7 +19323,7 @@
                 </a:solidFill>
               </a:rPr>
               <a:pPr/>
-              <a:t>Monday, March 30, 2015</a:t>
+              <a:t>Tuesday, March 31, 2015</a:t>
             </a:fld>
             <a:endParaRPr lang="en-US" dirty="0">
               <a:solidFill>
@@ -18565,7 +19355,7 @@
           <a:p>
             <a:pPr algn="l"/>
             <a:r>
-              <a:rPr lang="en-US" smtClean="0">
+              <a:rPr lang="en-US" dirty="0" smtClean="0">
                 <a:solidFill>
                   <a:schemeClr val="bg1"/>
                 </a:solidFill>
@@ -19996,7 +20786,7 @@
                 </a:solidFill>
               </a:rPr>
               <a:pPr/>
-              <a:t>Monday, March 30, 2015</a:t>
+              <a:t>Tuesday, March 31, 2015</a:t>
             </a:fld>
             <a:endParaRPr lang="en-US" dirty="0">
               <a:solidFill>
@@ -20028,7 +20818,7 @@
           <a:p>
             <a:pPr algn="l"/>
             <a:r>
-              <a:rPr lang="en-US" smtClean="0">
+              <a:rPr lang="en-US" dirty="0" smtClean="0">
                 <a:solidFill>
                   <a:schemeClr val="bg1"/>
                 </a:solidFill>
@@ -20662,7 +21452,7 @@
                 </a:solidFill>
               </a:rPr>
               <a:pPr/>
-              <a:t>Monday, March 30, 2015</a:t>
+              <a:t>Tuesday, March 31, 2015</a:t>
             </a:fld>
             <a:endParaRPr lang="en-US" dirty="0">
               <a:solidFill>
@@ -20694,7 +21484,7 @@
           <a:p>
             <a:pPr algn="l"/>
             <a:r>
-              <a:rPr lang="en-US" smtClean="0">
+              <a:rPr lang="en-US" dirty="0" smtClean="0">
                 <a:solidFill>
                   <a:schemeClr val="bg1"/>
                 </a:solidFill>
@@ -21140,7 +21930,23 @@
                   <a:schemeClr val="tx1"/>
                 </a:solidFill>
               </a:rPr>
-              <a:t>Security: more vulnerable =&gt; use for non-critical data only</a:t>
+              <a:t>Security: </a:t>
+            </a:r>
+            <a:r>
+              <a:rPr lang="en-US" dirty="0" smtClean="0">
+                <a:solidFill>
+                  <a:schemeClr val="tx1"/>
+                </a:solidFill>
+              </a:rPr>
+              <a:t>lack of encrypted </a:t>
+            </a:r>
+            <a:r>
+              <a:rPr lang="en-US" dirty="0" smtClean="0">
+                <a:solidFill>
+                  <a:schemeClr val="tx1"/>
+                </a:solidFill>
+              </a:rPr>
+              <a:t>=&gt; use for non-critical data only</a:t>
             </a:r>
           </a:p>
           <a:p>
@@ -21227,6 +22033,14 @@
               <a:buFont typeface="Arial"/>
               <a:buChar char="•"/>
             </a:pPr>
+            <a:r>
+              <a:rPr lang="en-US" dirty="0" smtClean="0">
+                <a:solidFill>
+                  <a:schemeClr val="tx1"/>
+                </a:solidFill>
+              </a:rPr>
+              <a:t>Lack of automatically expiring storage</a:t>
+            </a:r>
             <a:endParaRPr lang="en-US" dirty="0" smtClean="0">
               <a:solidFill>
                 <a:schemeClr val="tx1"/>
@@ -21396,7 +22210,7 @@
                 </a:solidFill>
               </a:rPr>
               <a:pPr/>
-              <a:t>Monday, March 30, 2015</a:t>
+              <a:t>Tuesday, March 31, 2015</a:t>
             </a:fld>
             <a:endParaRPr lang="en-US" dirty="0">
               <a:solidFill>
@@ -21428,7 +22242,7 @@
           <a:p>
             <a:pPr algn="l"/>
             <a:r>
-              <a:rPr lang="en-US" smtClean="0">
+              <a:rPr lang="en-US" dirty="0" smtClean="0">
                 <a:solidFill>
                   <a:schemeClr val="bg1"/>
                 </a:solidFill>
@@ -21891,15 +22705,7 @@
                   <a:schemeClr val="tx1"/>
                 </a:solidFill>
               </a:rPr>
-              <a:t>Bandwidth, throughput, latency are important (Video apps</a:t>
-            </a:r>
-            <a:r>
-              <a:rPr lang="en-US" dirty="0" smtClean="0">
-                <a:solidFill>
-                  <a:schemeClr val="tx1"/>
-                </a:solidFill>
-              </a:rPr>
-              <a:t>)</a:t>
+              <a:t>Bandwidth, throughput, latency are important (Video apps)</a:t>
             </a:r>
           </a:p>
           <a:p>
@@ -21926,11 +22732,6 @@
               </a:rPr>
               <a:t>Apps don’t have server-side or don’t want to force user login </a:t>
             </a:r>
-            <a:endParaRPr lang="en-US" dirty="0" smtClean="0">
-              <a:solidFill>
-                <a:schemeClr val="tx1"/>
-              </a:solidFill>
-            </a:endParaRPr>
           </a:p>
           <a:p>
             <a:pPr marL="342900" indent="-342900" algn="l">

--- a/QSoftVietnam_SlideTemplate2014- Sonvq.pptx
+++ b/QSoftVietnam_SlideTemplate2014- Sonvq.pptx
@@ -136,7 +136,7 @@
   </p:defaultTextStyle>
   <p:extLst>
     <p:ext uri="{EFAFB233-063F-42B5-8137-9DF3F51BA10A}">
-      <p15:sldGuideLst xmlns:p15="http://schemas.microsoft.com/office/powerpoint/2012/main" xmlns="">
+      <p15:sldGuideLst xmlns:p15="http://schemas.microsoft.com/office/powerpoint/2012/main">
         <p15:guide id="1" orient="horz" pos="2160">
           <p15:clr>
             <a:srgbClr val="A4A3A4"/>
@@ -236,7 +236,7 @@
             <a:fld id="{AEC239D8-9946-CA43-8D24-8F75F9EC746F}" type="datetimeFigureOut">
               <a:rPr lang="en-US" smtClean="0"/>
               <a:pPr/>
-              <a:t>3/31/2015</a:t>
+              <a:t>01/04/2015</a:t>
             </a:fld>
             <a:endParaRPr lang="en-US" dirty="0"/>
           </a:p>
@@ -404,7 +404,7 @@
             <a:fld id="{30D3C4F2-547F-4EAC-A4FB-1991884D518B}" type="datetimeFigureOut">
               <a:rPr lang="en-US" smtClean="0"/>
               <a:pPr/>
-              <a:t>3/31/2015</a:t>
+              <a:t>01/04/2015</a:t>
             </a:fld>
             <a:endParaRPr lang="en-US" dirty="0"/>
           </a:p>
@@ -2251,8 +2251,75 @@
               <a:defRPr/>
             </a:pPr>
             <a:r>
+              <a:rPr lang="en-US" sz="1200" b="0" i="0" kern="1200" dirty="0" smtClean="0">
+                <a:solidFill>
+                  <a:schemeClr val="tx1"/>
+                </a:solidFill>
+                <a:effectLst/>
+                <a:latin typeface="+mn-lt"/>
+                <a:ea typeface="+mn-ea"/>
+                <a:cs typeface="+mn-cs"/>
+              </a:rPr>
+              <a:t>Cookies often store your settings for a website, such as your preferred language or location</a:t>
+            </a:r>
+          </a:p>
+          <a:p>
+            <a:pPr marL="0" marR="0" indent="0" algn="l" defTabSz="914400" rtl="0" eaLnBrk="1" fontAlgn="auto" latinLnBrk="0" hangingPunct="1">
+              <a:lnSpc>
+                <a:spcPct val="100000"/>
+              </a:lnSpc>
+              <a:spcBef>
+                <a:spcPts val="0"/>
+              </a:spcBef>
+              <a:spcAft>
+                <a:spcPts val="0"/>
+              </a:spcAft>
+              <a:buClrTx/>
+              <a:buSzTx/>
+              <a:buFontTx/>
+              <a:buNone/>
+              <a:tabLst/>
+              <a:defRPr/>
+            </a:pPr>
+            <a:r>
+              <a:rPr lang="en-US" sz="1200" b="0" i="0" kern="1200" dirty="0" smtClean="0">
+                <a:solidFill>
+                  <a:schemeClr val="tx1"/>
+                </a:solidFill>
+                <a:effectLst/>
+                <a:latin typeface="+mn-lt"/>
+                <a:ea typeface="+mn-ea"/>
+                <a:cs typeface="+mn-cs"/>
+              </a:rPr>
+              <a:t>Cookies can store a wide range of information, including personally identifiable information (such as your name, home address, email address, or telephone number)</a:t>
+            </a:r>
+            <a:endParaRPr lang="en-US" sz="1200" dirty="0" smtClean="0"/>
+          </a:p>
+          <a:p>
+            <a:pPr marL="0" marR="0" indent="0" algn="l" defTabSz="914400" rtl="0" eaLnBrk="1" fontAlgn="auto" latinLnBrk="0" hangingPunct="1">
+              <a:lnSpc>
+                <a:spcPct val="100000"/>
+              </a:lnSpc>
+              <a:spcBef>
+                <a:spcPts val="0"/>
+              </a:spcBef>
+              <a:spcAft>
+                <a:spcPts val="0"/>
+              </a:spcAft>
+              <a:buClrTx/>
+              <a:buSzTx/>
+              <a:buFontTx/>
+              <a:buNone/>
+              <a:tabLst/>
+              <a:defRPr/>
+            </a:pPr>
+            <a:r>
               <a:rPr lang="en-US" sz="1200" dirty="0" smtClean="0"/>
-              <a:t>Cookies have been around since the early days of the web. They were originally intended to associate a little data with the user, though these days, most applications only store identifying information, and store the rest of the user's data on the server. Still, the fact that cookies can store some data does put them in the category of offline storage. However, the data capacity is extremely limited, as low as 20 cookies limited to 4KB each according to </a:t>
+              <a:t>Cookies </a:t>
+            </a:r>
+            <a:r>
+              <a:rPr lang="en-US" sz="1200" dirty="0" smtClean="0"/>
+              <a:t>have been around since the early days of the web. They were originally intended to associate a little data with the user, though these days, most applications only store identifying information, and store the rest of the user's data on the server. Still, the fact that cookies can store some data does put them in the category of offline storage. However, the data capacity is extremely limited, as low as 20 cookies limited to 4KB each according to </a:t>
             </a:r>
             <a:r>
               <a:rPr lang="en-US" sz="1200" u="sng" dirty="0" smtClean="0">
@@ -3241,7 +3308,7 @@
             <a:fld id="{BC3ED275-7153-994E-99D9-5909A673DFFD}" type="datetime2">
               <a:rPr lang="en-US" smtClean="0"/>
               <a:pPr/>
-              <a:t>Tuesday, March 31, 2015</a:t>
+              <a:t>Wednesday, April 01, 2015</a:t>
             </a:fld>
             <a:endParaRPr lang="en-US" dirty="0"/>
           </a:p>
@@ -3436,7 +3503,7 @@
             <a:fld id="{604E6C61-ACAA-C24F-8F8A-3369455B37E6}" type="datetime2">
               <a:rPr lang="en-US" smtClean="0"/>
               <a:pPr/>
-              <a:t>Tuesday, March 31, 2015</a:t>
+              <a:t>Wednesday, April 01, 2015</a:t>
             </a:fld>
             <a:endParaRPr lang="en-US" dirty="0"/>
           </a:p>
@@ -3641,7 +3708,7 @@
             <a:fld id="{6081A34F-7B18-5F4C-91E8-15A0B2DB6558}" type="datetime2">
               <a:rPr lang="en-US" smtClean="0"/>
               <a:pPr/>
-              <a:t>Tuesday, March 31, 2015</a:t>
+              <a:t>Wednesday, April 01, 2015</a:t>
             </a:fld>
             <a:endParaRPr lang="en-US" dirty="0"/>
           </a:p>
@@ -3846,7 +3913,7 @@
             <a:fld id="{C5608FE6-F300-CA4F-8754-F30BE5DB2C02}" type="datetime2">
               <a:rPr lang="en-US" smtClean="0"/>
               <a:pPr/>
-              <a:t>Tuesday, March 31, 2015</a:t>
+              <a:t>Wednesday, April 01, 2015</a:t>
             </a:fld>
             <a:endParaRPr lang="en-US" dirty="0"/>
           </a:p>
@@ -4117,7 +4184,7 @@
             <a:fld id="{35907637-DE80-574B-9387-2B6489C2DDA9}" type="datetime2">
               <a:rPr lang="en-US" smtClean="0"/>
               <a:pPr/>
-              <a:t>Tuesday, March 31, 2015</a:t>
+              <a:t>Wednesday, April 01, 2015</a:t>
             </a:fld>
             <a:endParaRPr lang="en-US" dirty="0"/>
           </a:p>
@@ -4435,7 +4502,7 @@
             <a:fld id="{B29FAD1F-AC8E-0749-90DA-216529CFB27D}" type="datetime2">
               <a:rPr lang="en-US" smtClean="0"/>
               <a:pPr/>
-              <a:t>Tuesday, March 31, 2015</a:t>
+              <a:t>Wednesday, April 01, 2015</a:t>
             </a:fld>
             <a:endParaRPr lang="en-US" dirty="0"/>
           </a:p>
@@ -4887,7 +4954,7 @@
             <a:fld id="{C14BE83E-0675-4D45-9588-77AC2712A327}" type="datetime2">
               <a:rPr lang="en-US" smtClean="0"/>
               <a:pPr/>
-              <a:t>Tuesday, March 31, 2015</a:t>
+              <a:t>Wednesday, April 01, 2015</a:t>
             </a:fld>
             <a:endParaRPr lang="en-US" dirty="0"/>
           </a:p>
@@ -5035,7 +5102,7 @@
             <a:fld id="{2A00E04D-79B7-6D41-BB08-435F493F6C30}" type="datetime2">
               <a:rPr lang="en-US" smtClean="0"/>
               <a:pPr/>
-              <a:t>Tuesday, March 31, 2015</a:t>
+              <a:t>Wednesday, April 01, 2015</a:t>
             </a:fld>
             <a:endParaRPr lang="en-US" dirty="0"/>
           </a:p>
@@ -5155,7 +5222,7 @@
             <a:fld id="{46027C3B-ABCB-0249-A4FA-2A37469F1C4E}" type="datetime2">
               <a:rPr lang="en-US" smtClean="0"/>
               <a:pPr/>
-              <a:t>Tuesday, March 31, 2015</a:t>
+              <a:t>Wednesday, April 01, 2015</a:t>
             </a:fld>
             <a:endParaRPr lang="en-US" dirty="0"/>
           </a:p>
@@ -5457,7 +5524,7 @@
             <a:fld id="{2EF7263A-B695-E045-B371-427CE3BBD559}" type="datetime2">
               <a:rPr lang="en-US" smtClean="0"/>
               <a:pPr/>
-              <a:t>Tuesday, March 31, 2015</a:t>
+              <a:t>Wednesday, April 01, 2015</a:t>
             </a:fld>
             <a:endParaRPr lang="en-US" dirty="0"/>
           </a:p>
@@ -5741,7 +5808,7 @@
             <a:fld id="{E88F21D5-8A27-D144-BD56-2E0DA25B6EEB}" type="datetime2">
               <a:rPr lang="en-US" smtClean="0"/>
               <a:pPr/>
-              <a:t>Tuesday, March 31, 2015</a:t>
+              <a:t>Wednesday, April 01, 2015</a:t>
             </a:fld>
             <a:endParaRPr lang="en-US" dirty="0"/>
           </a:p>
@@ -6007,7 +6074,7 @@
             <a:fld id="{3634E6B9-A6FC-5D46-BEFB-60D025A07933}" type="datetime2">
               <a:rPr lang="en-US" smtClean="0"/>
               <a:pPr/>
-              <a:t>Tuesday, March 31, 2015</a:t>
+              <a:t>Wednesday, April 01, 2015</a:t>
             </a:fld>
             <a:endParaRPr lang="en-US" dirty="0"/>
           </a:p>
@@ -6617,7 +6684,7 @@
                 </a:solidFill>
               </a:rPr>
               <a:pPr/>
-              <a:t>Tuesday, March 31, 2015</a:t>
+              <a:t>Wednesday, April 01, 2015</a:t>
             </a:fld>
             <a:endParaRPr lang="en-US" dirty="0">
               <a:solidFill>
@@ -6777,7 +6844,7 @@
                 </a:solidFill>
               </a:rPr>
               <a:pPr/>
-              <a:t>Tuesday, March 31, 2015</a:t>
+              <a:t>Wednesday, April 01, 2015</a:t>
             </a:fld>
             <a:endParaRPr lang="en-US" dirty="0">
               <a:solidFill>
@@ -7471,7 +7538,7 @@
                 </a:solidFill>
               </a:rPr>
               <a:pPr/>
-              <a:t>Tuesday, March 31, 2015</a:t>
+              <a:t>Wednesday, April 01, 2015</a:t>
             </a:fld>
             <a:endParaRPr lang="en-US" dirty="0">
               <a:solidFill>
@@ -8756,7 +8823,7 @@
                 </a:solidFill>
               </a:rPr>
               <a:pPr/>
-              <a:t>Tuesday, March 31, 2015</a:t>
+              <a:t>Wednesday, April 01, 2015</a:t>
             </a:fld>
             <a:endParaRPr lang="en-US" dirty="0">
               <a:solidFill>
@@ -9402,7 +9469,7 @@
                 </a:solidFill>
               </a:rPr>
               <a:pPr/>
-              <a:t>Tuesday, March 31, 2015</a:t>
+              <a:t>Wednesday, April 01, 2015</a:t>
             </a:fld>
             <a:endParaRPr lang="en-US" dirty="0">
               <a:solidFill>
@@ -10221,7 +10288,7 @@
                 </a:solidFill>
               </a:rPr>
               <a:pPr/>
-              <a:t>Tuesday, March 31, 2015</a:t>
+              <a:t>Wednesday, April 01, 2015</a:t>
             </a:fld>
             <a:endParaRPr lang="en-US" dirty="0">
               <a:solidFill>
@@ -10597,7 +10664,7 @@
                 </a:solidFill>
               </a:rPr>
               <a:pPr/>
-              <a:t>Tuesday, March 31, 2015</a:t>
+              <a:t>Wednesday, April 01, 2015</a:t>
             </a:fld>
             <a:endParaRPr lang="en-US" dirty="0">
               <a:solidFill>
@@ -11259,7 +11326,7 @@
                 </a:solidFill>
               </a:rPr>
               <a:pPr/>
-              <a:t>Tuesday, March 31, 2015</a:t>
+              <a:t>Wednesday, April 01, 2015</a:t>
             </a:fld>
             <a:endParaRPr lang="en-US" dirty="0">
               <a:solidFill>
@@ -11479,7 +11546,7 @@
                 </a:solidFill>
               </a:rPr>
               <a:pPr/>
-              <a:t>Tuesday, March 31, 2015</a:t>
+              <a:t>Wednesday, April 01, 2015</a:t>
             </a:fld>
             <a:endParaRPr lang="en-US" dirty="0">
               <a:solidFill>
@@ -12168,7 +12235,7 @@
                 </a:solidFill>
               </a:rPr>
               <a:pPr/>
-              <a:t>Tuesday, March 31, 2015</a:t>
+              <a:t>Wednesday, April 01, 2015</a:t>
             </a:fld>
             <a:endParaRPr lang="en-US" dirty="0">
               <a:solidFill>
@@ -12544,7 +12611,7 @@
                 </a:solidFill>
               </a:rPr>
               <a:pPr/>
-              <a:t>Tuesday, March 31, 2015</a:t>
+              <a:t>Wednesday, April 01, 2015</a:t>
             </a:fld>
             <a:endParaRPr lang="en-US" dirty="0">
               <a:solidFill>
@@ -13141,7 +13208,7 @@
                 </a:solidFill>
               </a:rPr>
               <a:pPr/>
-              <a:t>Tuesday, March 31, 2015</a:t>
+              <a:t>Wednesday, April 01, 2015</a:t>
             </a:fld>
             <a:endParaRPr lang="en-US" dirty="0">
               <a:solidFill>
@@ -13724,7 +13791,7 @@
                 </a:solidFill>
               </a:rPr>
               <a:pPr/>
-              <a:t>Tuesday, March 31, 2015</a:t>
+              <a:t>Wednesday, April 01, 2015</a:t>
             </a:fld>
             <a:endParaRPr lang="en-US" dirty="0">
               <a:solidFill>
@@ -14586,7 +14653,7 @@
                 </a:solidFill>
               </a:rPr>
               <a:pPr/>
-              <a:t>Tuesday, March 31, 2015</a:t>
+              <a:t>Wednesday, April 01, 2015</a:t>
             </a:fld>
             <a:endParaRPr lang="en-US" dirty="0">
               <a:solidFill>
@@ -14836,21 +14903,7 @@
                 <a:latin typeface="Constantia"/>
                 <a:cs typeface="Constantia"/>
               </a:rPr>
-              <a:t>Full of </a:t>
-            </a:r>
-            <a:r>
-              <a:rPr lang="en-US" sz="4000" dirty="0" smtClean="0">
-                <a:latin typeface="Constantia"/>
-                <a:cs typeface="Constantia"/>
-              </a:rPr>
-              <a:t>Storage</a:t>
-            </a:r>
-            <a:r>
-              <a:rPr lang="en-US" sz="4000" dirty="0" smtClean="0">
-                <a:latin typeface="Constantia"/>
-                <a:cs typeface="Constantia"/>
-              </a:rPr>
-              <a:t>?</a:t>
+              <a:t>Full of Storage?</a:t>
             </a:r>
             <a:endParaRPr lang="en-US" sz="4000" dirty="0">
               <a:latin typeface="Constantia"/>
@@ -15197,11 +15250,6 @@
               </a:rPr>
               <a:t>Opera displays a dialog giving choice to increase storage space</a:t>
             </a:r>
-            <a:endParaRPr lang="en-US" sz="2400" dirty="0" smtClean="0">
-              <a:solidFill>
-                <a:schemeClr val="tx1"/>
-              </a:solidFill>
-            </a:endParaRPr>
           </a:p>
         </p:txBody>
       </p:sp>
@@ -15281,7 +15329,7 @@
                 </a:solidFill>
               </a:rPr>
               <a:pPr/>
-              <a:t>Tuesday, March 31, 2015</a:t>
+              <a:t>Wednesday, April 01, 2015</a:t>
             </a:fld>
             <a:endParaRPr lang="en-US" dirty="0">
               <a:solidFill>
@@ -15540,6 +15588,47 @@
           </a:p>
         </p:txBody>
       </p:sp>
+      <p:pic>
+        <p:nvPicPr>
+          <p:cNvPr id="1026" name="Picture 2" descr="C:\Users\quangson\Desktop\test-storage-limit.png"/>
+          <p:cNvPicPr>
+            <a:picLocks noChangeAspect="1" noChangeArrowheads="1"/>
+          </p:cNvPicPr>
+          <p:nvPr/>
+        </p:nvPicPr>
+        <p:blipFill>
+          <a:blip r:embed="rId2">
+            <a:extLst>
+              <a:ext uri="{28A0092B-C50C-407E-A947-70E740481C1C}">
+                <a14:useLocalDpi xmlns:a14="http://schemas.microsoft.com/office/drawing/2010/main" val="0"/>
+              </a:ext>
+            </a:extLst>
+          </a:blip>
+          <a:srcRect/>
+          <a:stretch>
+            <a:fillRect/>
+          </a:stretch>
+        </p:blipFill>
+        <p:spPr bwMode="auto">
+          <a:xfrm>
+            <a:off x="267344" y="1914525"/>
+            <a:ext cx="8594890" cy="4184618"/>
+          </a:xfrm>
+          <a:prstGeom prst="rect">
+            <a:avLst/>
+          </a:prstGeom>
+          <a:noFill/>
+          <a:extLst>
+            <a:ext uri="{909E8E84-426E-40DD-AFC4-6F175D3DCCD1}">
+              <a14:hiddenFill xmlns:a14="http://schemas.microsoft.com/office/drawing/2010/main">
+                <a:solidFill>
+                  <a:srgbClr val="FFFFFF"/>
+                </a:solidFill>
+              </a14:hiddenFill>
+            </a:ext>
+          </a:extLst>
+        </p:spPr>
+      </p:pic>
       <p:sp>
         <p:nvSpPr>
           <p:cNvPr id="9" name="Content Placeholder 2"/>
@@ -15751,49 +15840,154 @@
               </a:solidFill>
             </a:endParaRPr>
           </a:p>
+          <a:p>
+            <a:pPr marL="342900" indent="-342900" algn="l">
+              <a:buFont typeface="Arial" panose="020B0604020202020204" pitchFamily="34" charset="0"/>
+              <a:buChar char="•"/>
+            </a:pPr>
+            <a:endParaRPr lang="en-US" dirty="0">
+              <a:solidFill>
+                <a:srgbClr val="0000FF"/>
+              </a:solidFill>
+            </a:endParaRPr>
+          </a:p>
+          <a:p>
+            <a:pPr marL="342900" indent="-342900" algn="l">
+              <a:buFont typeface="Arial" panose="020B0604020202020204" pitchFamily="34" charset="0"/>
+              <a:buChar char="•"/>
+            </a:pPr>
+            <a:endParaRPr lang="en-US" dirty="0" smtClean="0">
+              <a:solidFill>
+                <a:srgbClr val="0000FF"/>
+              </a:solidFill>
+            </a:endParaRPr>
+          </a:p>
+          <a:p>
+            <a:pPr marL="342900" indent="-342900" algn="l">
+              <a:buFont typeface="Arial" panose="020B0604020202020204" pitchFamily="34" charset="0"/>
+              <a:buChar char="•"/>
+            </a:pPr>
+            <a:endParaRPr lang="en-US" dirty="0">
+              <a:solidFill>
+                <a:srgbClr val="0000FF"/>
+              </a:solidFill>
+            </a:endParaRPr>
+          </a:p>
+          <a:p>
+            <a:pPr marL="342900" indent="-342900" algn="l">
+              <a:buFont typeface="Arial" panose="020B0604020202020204" pitchFamily="34" charset="0"/>
+              <a:buChar char="•"/>
+            </a:pPr>
+            <a:endParaRPr lang="en-US" dirty="0" smtClean="0">
+              <a:solidFill>
+                <a:srgbClr val="0000FF"/>
+              </a:solidFill>
+            </a:endParaRPr>
+          </a:p>
+          <a:p>
+            <a:pPr marL="342900" indent="-342900" algn="l">
+              <a:buFont typeface="Arial" panose="020B0604020202020204" pitchFamily="34" charset="0"/>
+              <a:buChar char="•"/>
+            </a:pPr>
+            <a:endParaRPr lang="en-US" dirty="0">
+              <a:solidFill>
+                <a:srgbClr val="0000FF"/>
+              </a:solidFill>
+            </a:endParaRPr>
+          </a:p>
+          <a:p>
+            <a:pPr marL="342900" indent="-342900" algn="l">
+              <a:buFont typeface="Arial" panose="020B0604020202020204" pitchFamily="34" charset="0"/>
+              <a:buChar char="•"/>
+            </a:pPr>
+            <a:endParaRPr lang="en-US" dirty="0" smtClean="0">
+              <a:solidFill>
+                <a:srgbClr val="0000FF"/>
+              </a:solidFill>
+            </a:endParaRPr>
+          </a:p>
+          <a:p>
+            <a:pPr marL="342900" indent="-342900" algn="l">
+              <a:buFont typeface="Arial" panose="020B0604020202020204" pitchFamily="34" charset="0"/>
+              <a:buChar char="•"/>
+            </a:pPr>
+            <a:endParaRPr lang="en-US" dirty="0">
+              <a:solidFill>
+                <a:srgbClr val="0000FF"/>
+              </a:solidFill>
+            </a:endParaRPr>
+          </a:p>
+          <a:p>
+            <a:pPr marL="342900" indent="-342900" algn="l">
+              <a:buFont typeface="Arial" panose="020B0604020202020204" pitchFamily="34" charset="0"/>
+              <a:buChar char="•"/>
+            </a:pPr>
+            <a:endParaRPr lang="en-US" dirty="0" smtClean="0">
+              <a:solidFill>
+                <a:srgbClr val="0000FF"/>
+              </a:solidFill>
+            </a:endParaRPr>
+          </a:p>
+          <a:p>
+            <a:pPr marL="342900" indent="-342900" algn="l">
+              <a:buFont typeface="Arial" panose="020B0604020202020204" pitchFamily="34" charset="0"/>
+              <a:buChar char="•"/>
+            </a:pPr>
+            <a:r>
+              <a:rPr lang="en-US" dirty="0" smtClean="0">
+                <a:solidFill>
+                  <a:srgbClr val="0000FF"/>
+                </a:solidFill>
+                <a:hlinkClick r:id="rId3"/>
+              </a:rPr>
+              <a:t>http</a:t>
+            </a:r>
+            <a:r>
+              <a:rPr lang="en-US" dirty="0">
+                <a:solidFill>
+                  <a:srgbClr val="0000FF"/>
+                </a:solidFill>
+                <a:hlinkClick r:id="rId3"/>
+              </a:rPr>
+              <a:t>://</a:t>
+            </a:r>
+            <a:r>
+              <a:rPr lang="en-US">
+                <a:solidFill>
+                  <a:srgbClr val="0000FF"/>
+                </a:solidFill>
+                <a:hlinkClick r:id="rId3"/>
+              </a:rPr>
+              <a:t>dev-test.nemikor.com/web-storage/support-test</a:t>
+            </a:r>
+            <a:r>
+              <a:rPr lang="en-US" smtClean="0">
+                <a:solidFill>
+                  <a:srgbClr val="0000FF"/>
+                </a:solidFill>
+                <a:hlinkClick r:id="rId3"/>
+              </a:rPr>
+              <a:t>/</a:t>
+            </a:r>
+            <a:endParaRPr lang="en-US" smtClean="0">
+              <a:solidFill>
+                <a:srgbClr val="0000FF"/>
+              </a:solidFill>
+            </a:endParaRPr>
+          </a:p>
+          <a:p>
+            <a:pPr marL="342900" indent="-342900" algn="l">
+              <a:buFont typeface="Arial" panose="020B0604020202020204" pitchFamily="34" charset="0"/>
+              <a:buChar char="•"/>
+            </a:pPr>
+            <a:endParaRPr lang="en-US" dirty="0" smtClean="0">
+              <a:solidFill>
+                <a:srgbClr val="0000FF"/>
+              </a:solidFill>
+            </a:endParaRPr>
+          </a:p>
         </p:txBody>
       </p:sp>
-      <p:pic>
-        <p:nvPicPr>
-          <p:cNvPr id="1026" name="Picture 2" descr="C:\Users\quangson\Desktop\test-storage-limit.png"/>
-          <p:cNvPicPr>
-            <a:picLocks noChangeAspect="1" noChangeArrowheads="1"/>
-          </p:cNvPicPr>
-          <p:nvPr/>
-        </p:nvPicPr>
-        <p:blipFill>
-          <a:blip r:embed="rId2">
-            <a:extLst>
-              <a:ext uri="{28A0092B-C50C-407E-A947-70E740481C1C}">
-                <a14:useLocalDpi xmlns:a14="http://schemas.microsoft.com/office/drawing/2010/main" val="0"/>
-              </a:ext>
-            </a:extLst>
-          </a:blip>
-          <a:srcRect/>
-          <a:stretch>
-            <a:fillRect/>
-          </a:stretch>
-        </p:blipFill>
-        <p:spPr bwMode="auto">
-          <a:xfrm>
-            <a:off x="267344" y="1914524"/>
-            <a:ext cx="8594890" cy="4286251"/>
-          </a:xfrm>
-          <a:prstGeom prst="rect">
-            <a:avLst/>
-          </a:prstGeom>
-          <a:noFill/>
-          <a:extLst>
-            <a:ext uri="{909E8E84-426E-40DD-AFC4-6F175D3DCCD1}">
-              <a14:hiddenFill xmlns:a14="http://schemas.microsoft.com/office/drawing/2010/main">
-                <a:solidFill>
-                  <a:srgbClr val="FFFFFF"/>
-                </a:solidFill>
-              </a14:hiddenFill>
-            </a:ext>
-          </a:extLst>
-        </p:spPr>
-      </p:pic>
     </p:spTree>
     <p:extLst>
       <p:ext uri="{BB962C8B-B14F-4D97-AF65-F5344CB8AC3E}">
@@ -15870,7 +16064,7 @@
                 </a:solidFill>
               </a:rPr>
               <a:pPr/>
-              <a:t>Tuesday, March 31, 2015</a:t>
+              <a:t>Wednesday, April 01, 2015</a:t>
             </a:fld>
             <a:endParaRPr lang="en-US" dirty="0">
               <a:solidFill>
@@ -16498,7 +16692,7 @@
                 </a:solidFill>
               </a:rPr>
               <a:pPr/>
-              <a:t>Tuesday, March 31, 2015</a:t>
+              <a:t>Wednesday, April 01, 2015</a:t>
             </a:fld>
             <a:endParaRPr lang="en-US" dirty="0">
               <a:solidFill>
@@ -17157,7 +17351,7 @@
                 </a:solidFill>
               </a:rPr>
               <a:pPr/>
-              <a:t>Tuesday, March 31, 2015</a:t>
+              <a:t>Wednesday, April 01, 2015</a:t>
             </a:fld>
             <a:endParaRPr lang="en-US" dirty="0">
               <a:solidFill>
@@ -17317,7 +17511,7 @@
                 </a:solidFill>
               </a:rPr>
               <a:pPr/>
-              <a:t>Tuesday, March 31, 2015</a:t>
+              <a:t>Wednesday, April 01, 2015</a:t>
             </a:fld>
             <a:endParaRPr lang="en-US" dirty="0">
               <a:solidFill>
@@ -17787,7 +17981,31 @@
                   <a:schemeClr val="tx1"/>
                 </a:solidFill>
               </a:rPr>
-              <a:t>Store identifying information</a:t>
+              <a:t>Store </a:t>
+            </a:r>
+            <a:r>
+              <a:rPr lang="en-US" dirty="0" smtClean="0">
+                <a:solidFill>
+                  <a:schemeClr val="tx1"/>
+                </a:solidFill>
+              </a:rPr>
+              <a:t>settings &amp; </a:t>
+            </a:r>
+            <a:r>
+              <a:rPr lang="en-US" dirty="0" smtClean="0">
+                <a:solidFill>
+                  <a:schemeClr val="tx1"/>
+                </a:solidFill>
+              </a:rPr>
+              <a:t>identifying </a:t>
+            </a:r>
+            <a:r>
+              <a:rPr lang="en-US" dirty="0" smtClean="0">
+                <a:solidFill>
+                  <a:schemeClr val="tx1"/>
+                </a:solidFill>
+              </a:rPr>
+              <a:t>information</a:t>
             </a:r>
             <a:endParaRPr lang="en-US" dirty="0">
               <a:solidFill>
@@ -17999,7 +18217,7 @@
                 </a:solidFill>
               </a:rPr>
               <a:pPr/>
-              <a:t>Tuesday, March 31, 2015</a:t>
+              <a:t>Wednesday, April 01, 2015</a:t>
             </a:fld>
             <a:endParaRPr lang="en-US" dirty="0">
               <a:solidFill>
@@ -18676,7 +18894,7 @@
                 </a:solidFill>
               </a:rPr>
               <a:pPr/>
-              <a:t>Tuesday, March 31, 2015</a:t>
+              <a:t>Wednesday, April 01, 2015</a:t>
             </a:fld>
             <a:endParaRPr lang="en-US" dirty="0">
               <a:solidFill>
@@ -19323,7 +19541,7 @@
                 </a:solidFill>
               </a:rPr>
               <a:pPr/>
-              <a:t>Tuesday, March 31, 2015</a:t>
+              <a:t>Wednesday, April 01, 2015</a:t>
             </a:fld>
             <a:endParaRPr lang="en-US" dirty="0">
               <a:solidFill>
@@ -20786,7 +21004,7 @@
                 </a:solidFill>
               </a:rPr>
               <a:pPr/>
-              <a:t>Tuesday, March 31, 2015</a:t>
+              <a:t>Wednesday, April 01, 2015</a:t>
             </a:fld>
             <a:endParaRPr lang="en-US" dirty="0">
               <a:solidFill>
@@ -21452,7 +21670,7 @@
                 </a:solidFill>
               </a:rPr>
               <a:pPr/>
-              <a:t>Tuesday, March 31, 2015</a:t>
+              <a:t>Wednesday, April 01, 2015</a:t>
             </a:fld>
             <a:endParaRPr lang="en-US" dirty="0">
               <a:solidFill>
@@ -21930,23 +22148,7 @@
                   <a:schemeClr val="tx1"/>
                 </a:solidFill>
               </a:rPr>
-              <a:t>Security: </a:t>
-            </a:r>
-            <a:r>
-              <a:rPr lang="en-US" dirty="0" smtClean="0">
-                <a:solidFill>
-                  <a:schemeClr val="tx1"/>
-                </a:solidFill>
-              </a:rPr>
-              <a:t>lack of encrypted </a:t>
-            </a:r>
-            <a:r>
-              <a:rPr lang="en-US" dirty="0" smtClean="0">
-                <a:solidFill>
-                  <a:schemeClr val="tx1"/>
-                </a:solidFill>
-              </a:rPr>
-              <a:t>=&gt; use for non-critical data only</a:t>
+              <a:t>Security: lack of encrypted =&gt; use for non-critical data only</a:t>
             </a:r>
           </a:p>
           <a:p>
@@ -22041,11 +22243,6 @@
               </a:rPr>
               <a:t>Lack of automatically expiring storage</a:t>
             </a:r>
-            <a:endParaRPr lang="en-US" dirty="0" smtClean="0">
-              <a:solidFill>
-                <a:schemeClr val="tx1"/>
-              </a:solidFill>
-            </a:endParaRPr>
           </a:p>
           <a:p>
             <a:pPr marL="342900" indent="-342900" algn="l">
@@ -22210,7 +22407,7 @@
                 </a:solidFill>
               </a:rPr>
               <a:pPr/>
-              <a:t>Tuesday, March 31, 2015</a:t>
+              <a:t>Wednesday, April 01, 2015</a:t>
             </a:fld>
             <a:endParaRPr lang="en-US" dirty="0">
               <a:solidFill>

--- a/QSoftVietnam_SlideTemplate2014- Sonvq.pptx
+++ b/QSoftVietnam_SlideTemplate2014- Sonvq.pptx
@@ -5,10 +5,10 @@
     <p:sldMasterId id="2147485495" r:id="rId1"/>
   </p:sldMasterIdLst>
   <p:notesMasterIdLst>
-    <p:notesMasterId r:id="rId27"/>
+    <p:notesMasterId r:id="rId28"/>
   </p:notesMasterIdLst>
   <p:handoutMasterIdLst>
-    <p:handoutMasterId r:id="rId28"/>
+    <p:handoutMasterId r:id="rId29"/>
   </p:handoutMasterIdLst>
   <p:sldIdLst>
     <p:sldId id="256" r:id="rId2"/>
@@ -33,9 +33,10 @@
     <p:sldId id="375" r:id="rId21"/>
     <p:sldId id="383" r:id="rId22"/>
     <p:sldId id="382" r:id="rId23"/>
-    <p:sldId id="381" r:id="rId24"/>
-    <p:sldId id="378" r:id="rId25"/>
-    <p:sldId id="333" r:id="rId26"/>
+    <p:sldId id="384" r:id="rId24"/>
+    <p:sldId id="381" r:id="rId25"/>
+    <p:sldId id="378" r:id="rId26"/>
+    <p:sldId id="333" r:id="rId27"/>
   </p:sldIdLst>
   <p:sldSz cx="9144000" cy="6858000" type="screen4x3"/>
   <p:notesSz cx="6858000" cy="9144000"/>
@@ -15590,9 +15591,9 @@
       </p:sp>
       <p:pic>
         <p:nvPicPr>
-          <p:cNvPr id="1026" name="Picture 2" descr="C:\Users\quangson\Desktop\test-storage-limit.png"/>
+          <p:cNvPr id="2" name="Picture 1"/>
           <p:cNvPicPr>
-            <a:picLocks noChangeAspect="1" noChangeArrowheads="1"/>
+            <a:picLocks noChangeAspect="1"/>
           </p:cNvPicPr>
           <p:nvPr/>
         </p:nvPicPr>
@@ -15604,34 +15605,23 @@
               </a:ext>
             </a:extLst>
           </a:blip>
-          <a:srcRect/>
           <a:stretch>
             <a:fillRect/>
           </a:stretch>
         </p:blipFill>
-        <p:spPr bwMode="auto">
+        <p:spPr>
           <a:xfrm>
-            <a:off x="267344" y="1914525"/>
-            <a:ext cx="8594890" cy="4184618"/>
+            <a:off x="187901" y="3009445"/>
+            <a:ext cx="8711001" cy="3042883"/>
           </a:xfrm>
           <a:prstGeom prst="rect">
             <a:avLst/>
           </a:prstGeom>
-          <a:noFill/>
-          <a:extLst>
-            <a:ext uri="{909E8E84-426E-40DD-AFC4-6F175D3DCCD1}">
-              <a14:hiddenFill xmlns:a14="http://schemas.microsoft.com/office/drawing/2010/main">
-                <a:solidFill>
-                  <a:srgbClr val="FFFFFF"/>
-                </a:solidFill>
-              </a14:hiddenFill>
-            </a:ext>
-          </a:extLst>
         </p:spPr>
       </p:pic>
       <p:sp>
         <p:nvSpPr>
-          <p:cNvPr id="9" name="Content Placeholder 2"/>
+          <p:cNvPr id="10" name="Content Placeholder 2"/>
           <p:cNvSpPr txBox="1">
             <a:spLocks/>
           </p:cNvSpPr>
@@ -15834,155 +15824,49 @@
               <a:buFont typeface="Arial" panose="020B0604020202020204" pitchFamily="34" charset="0"/>
               <a:buChar char="•"/>
             </a:pPr>
+            <a:r>
+              <a:rPr lang="en-US" dirty="0" smtClean="0">
+                <a:solidFill>
+                  <a:schemeClr val="tx1"/>
+                </a:solidFill>
+              </a:rPr>
+              <a:t>Test </a:t>
+            </a:r>
+            <a:r>
+              <a:rPr lang="en-US" dirty="0" err="1" smtClean="0">
+                <a:solidFill>
+                  <a:schemeClr val="tx1"/>
+                </a:solidFill>
+              </a:rPr>
+              <a:t>LocalStorage</a:t>
+            </a:r>
+            <a:r>
+              <a:rPr lang="en-US" dirty="0" smtClean="0">
+                <a:solidFill>
+                  <a:schemeClr val="tx1"/>
+                </a:solidFill>
+              </a:rPr>
+              <a:t> and </a:t>
+            </a:r>
+            <a:r>
+              <a:rPr lang="en-US" dirty="0" err="1" smtClean="0">
+                <a:solidFill>
+                  <a:schemeClr val="tx1"/>
+                </a:solidFill>
+              </a:rPr>
+              <a:t>SessionStorage</a:t>
+            </a:r>
+            <a:r>
+              <a:rPr lang="en-US" dirty="0" smtClean="0">
+                <a:solidFill>
+                  <a:schemeClr val="tx1"/>
+                </a:solidFill>
+              </a:rPr>
+              <a:t> in Chrome 41</a:t>
+            </a:r>
             <a:endParaRPr lang="en-US" dirty="0" smtClean="0">
               <a:solidFill>
-                <a:srgbClr val="0000FF"/>
-              </a:solidFill>
-            </a:endParaRPr>
-          </a:p>
-          <a:p>
-            <a:pPr marL="342900" indent="-342900" algn="l">
-              <a:buFont typeface="Arial" panose="020B0604020202020204" pitchFamily="34" charset="0"/>
-              <a:buChar char="•"/>
-            </a:pPr>
-            <a:endParaRPr lang="en-US" dirty="0">
-              <a:solidFill>
-                <a:srgbClr val="0000FF"/>
-              </a:solidFill>
-            </a:endParaRPr>
-          </a:p>
-          <a:p>
-            <a:pPr marL="342900" indent="-342900" algn="l">
-              <a:buFont typeface="Arial" panose="020B0604020202020204" pitchFamily="34" charset="0"/>
-              <a:buChar char="•"/>
-            </a:pPr>
-            <a:endParaRPr lang="en-US" dirty="0" smtClean="0">
-              <a:solidFill>
-                <a:srgbClr val="0000FF"/>
-              </a:solidFill>
-            </a:endParaRPr>
-          </a:p>
-          <a:p>
-            <a:pPr marL="342900" indent="-342900" algn="l">
-              <a:buFont typeface="Arial" panose="020B0604020202020204" pitchFamily="34" charset="0"/>
-              <a:buChar char="•"/>
-            </a:pPr>
-            <a:endParaRPr lang="en-US" dirty="0">
-              <a:solidFill>
-                <a:srgbClr val="0000FF"/>
-              </a:solidFill>
-            </a:endParaRPr>
-          </a:p>
-          <a:p>
-            <a:pPr marL="342900" indent="-342900" algn="l">
-              <a:buFont typeface="Arial" panose="020B0604020202020204" pitchFamily="34" charset="0"/>
-              <a:buChar char="•"/>
-            </a:pPr>
-            <a:endParaRPr lang="en-US" dirty="0" smtClean="0">
-              <a:solidFill>
-                <a:srgbClr val="0000FF"/>
-              </a:solidFill>
-            </a:endParaRPr>
-          </a:p>
-          <a:p>
-            <a:pPr marL="342900" indent="-342900" algn="l">
-              <a:buFont typeface="Arial" panose="020B0604020202020204" pitchFamily="34" charset="0"/>
-              <a:buChar char="•"/>
-            </a:pPr>
-            <a:endParaRPr lang="en-US" dirty="0">
-              <a:solidFill>
-                <a:srgbClr val="0000FF"/>
-              </a:solidFill>
-            </a:endParaRPr>
-          </a:p>
-          <a:p>
-            <a:pPr marL="342900" indent="-342900" algn="l">
-              <a:buFont typeface="Arial" panose="020B0604020202020204" pitchFamily="34" charset="0"/>
-              <a:buChar char="•"/>
-            </a:pPr>
-            <a:endParaRPr lang="en-US" dirty="0" smtClean="0">
-              <a:solidFill>
-                <a:srgbClr val="0000FF"/>
-              </a:solidFill>
-            </a:endParaRPr>
-          </a:p>
-          <a:p>
-            <a:pPr marL="342900" indent="-342900" algn="l">
-              <a:buFont typeface="Arial" panose="020B0604020202020204" pitchFamily="34" charset="0"/>
-              <a:buChar char="•"/>
-            </a:pPr>
-            <a:endParaRPr lang="en-US" dirty="0">
-              <a:solidFill>
-                <a:srgbClr val="0000FF"/>
-              </a:solidFill>
-            </a:endParaRPr>
-          </a:p>
-          <a:p>
-            <a:pPr marL="342900" indent="-342900" algn="l">
-              <a:buFont typeface="Arial" panose="020B0604020202020204" pitchFamily="34" charset="0"/>
-              <a:buChar char="•"/>
-            </a:pPr>
-            <a:endParaRPr lang="en-US" dirty="0" smtClean="0">
-              <a:solidFill>
-                <a:srgbClr val="0000FF"/>
-              </a:solidFill>
-            </a:endParaRPr>
-          </a:p>
-          <a:p>
-            <a:pPr marL="342900" indent="-342900" algn="l">
-              <a:buFont typeface="Arial" panose="020B0604020202020204" pitchFamily="34" charset="0"/>
-              <a:buChar char="•"/>
-            </a:pPr>
-            <a:r>
-              <a:rPr lang="en-US" dirty="0" smtClean="0">
-                <a:solidFill>
-                  <a:srgbClr val="0000FF"/>
-                </a:solidFill>
-                <a:hlinkClick r:id="rId3"/>
-              </a:rPr>
-              <a:t>http</a:t>
-            </a:r>
-            <a:r>
-              <a:rPr lang="en-US" dirty="0">
-                <a:solidFill>
-                  <a:srgbClr val="0000FF"/>
-                </a:solidFill>
-                <a:hlinkClick r:id="rId3"/>
-              </a:rPr>
-              <a:t>://</a:t>
-            </a:r>
-            <a:r>
-              <a:rPr lang="en-US">
-                <a:solidFill>
-                  <a:srgbClr val="0000FF"/>
-                </a:solidFill>
-                <a:hlinkClick r:id="rId3"/>
-              </a:rPr>
-              <a:t>dev-test.nemikor.com/web-storage/support-test</a:t>
-            </a:r>
-            <a:r>
-              <a:rPr lang="en-US" smtClean="0">
-                <a:solidFill>
-                  <a:srgbClr val="0000FF"/>
-                </a:solidFill>
-                <a:hlinkClick r:id="rId3"/>
-              </a:rPr>
-              <a:t>/</a:t>
-            </a:r>
-            <a:endParaRPr lang="en-US" smtClean="0">
-              <a:solidFill>
-                <a:srgbClr val="0000FF"/>
-              </a:solidFill>
-            </a:endParaRPr>
-          </a:p>
-          <a:p>
-            <a:pPr marL="342900" indent="-342900" algn="l">
-              <a:buFont typeface="Arial" panose="020B0604020202020204" pitchFamily="34" charset="0"/>
-              <a:buChar char="•"/>
-            </a:pPr>
-            <a:endParaRPr lang="en-US" dirty="0" smtClean="0">
-              <a:solidFill>
-                <a:srgbClr val="0000FF"/>
+                <a:schemeClr val="tx1"/>
               </a:solidFill>
             </a:endParaRPr>
           </a:p>
@@ -16096,7 +15980,7 @@
           <a:p>
             <a:pPr algn="l"/>
             <a:r>
-              <a:rPr lang="en-US" smtClean="0">
+              <a:rPr lang="en-US" dirty="0" smtClean="0">
                 <a:solidFill>
                   <a:schemeClr val="bg1"/>
                 </a:solidFill>
@@ -16314,7 +16198,7 @@
                 <a:latin typeface="Constantia"/>
                 <a:cs typeface="Constantia"/>
               </a:rPr>
-              <a:t>Old browser?</a:t>
+              <a:t>Full of Storage?</a:t>
             </a:r>
             <a:endParaRPr lang="en-US" sz="4000" dirty="0">
               <a:latin typeface="Constantia"/>
@@ -16323,9 +16207,39 @@
           </a:p>
         </p:txBody>
       </p:sp>
-      <p:sp>
-        <p:nvSpPr>
-          <p:cNvPr id="9" name="Content Placeholder 2"/>
+      <p:pic>
+        <p:nvPicPr>
+          <p:cNvPr id="6" name="Picture 5"/>
+          <p:cNvPicPr>
+            <a:picLocks noChangeAspect="1"/>
+          </p:cNvPicPr>
+          <p:nvPr/>
+        </p:nvPicPr>
+        <p:blipFill>
+          <a:blip r:embed="rId2" cstate="email">
+            <a:extLst>
+              <a:ext uri="{28A0092B-C50C-407E-A947-70E740481C1C}">
+                <a14:useLocalDpi xmlns:a14="http://schemas.microsoft.com/office/drawing/2010/main" val="0"/>
+              </a:ext>
+            </a:extLst>
+          </a:blip>
+          <a:stretch>
+            <a:fillRect/>
+          </a:stretch>
+        </p:blipFill>
+        <p:spPr>
+          <a:xfrm>
+            <a:off x="248490" y="2980296"/>
+            <a:ext cx="8637289" cy="3109424"/>
+          </a:xfrm>
+          <a:prstGeom prst="rect">
+            <a:avLst/>
+          </a:prstGeom>
+        </p:spPr>
+      </p:pic>
+      <p:sp>
+        <p:nvSpPr>
+          <p:cNvPr id="8" name="Content Placeholder 2"/>
           <p:cNvSpPr txBox="1">
             <a:spLocks/>
           </p:cNvSpPr>
@@ -16533,9 +16447,40 @@
                 <a:solidFill>
                   <a:schemeClr val="tx1"/>
                 </a:solidFill>
-                <a:hlinkClick r:id="rId2"/>
-              </a:rPr>
-              <a:t>amplify.store</a:t>
+              </a:rPr>
+              <a:t>Test </a:t>
+            </a:r>
+            <a:r>
+              <a:rPr lang="en-US" dirty="0" err="1" smtClean="0">
+                <a:solidFill>
+                  <a:schemeClr val="tx1"/>
+                </a:solidFill>
+              </a:rPr>
+              <a:t>LocalStorage</a:t>
+            </a:r>
+            <a:r>
+              <a:rPr lang="en-US" dirty="0" smtClean="0">
+                <a:solidFill>
+                  <a:schemeClr val="tx1"/>
+                </a:solidFill>
+              </a:rPr>
+              <a:t> and </a:t>
+            </a:r>
+            <a:r>
+              <a:rPr lang="en-US" dirty="0" err="1" smtClean="0">
+                <a:solidFill>
+                  <a:schemeClr val="tx1"/>
+                </a:solidFill>
+              </a:rPr>
+              <a:t>SessionStorage</a:t>
+            </a:r>
+            <a:r>
+              <a:rPr lang="en-US" dirty="0" smtClean="0">
+                <a:solidFill>
+                  <a:schemeClr val="tx1"/>
+                </a:solidFill>
+              </a:rPr>
+              <a:t> in Firefox 34</a:t>
             </a:r>
             <a:endParaRPr lang="en-US" dirty="0" smtClean="0">
               <a:solidFill>
@@ -16543,83 +16488,12 @@
               </a:solidFill>
             </a:endParaRPr>
           </a:p>
-          <a:p>
-            <a:pPr marL="342900" indent="-342900" algn="l">
-              <a:buFont typeface="Arial" panose="020B0604020202020204" pitchFamily="34" charset="0"/>
-              <a:buChar char="•"/>
-            </a:pPr>
-            <a:r>
-              <a:rPr lang="en-US" dirty="0" smtClean="0">
-                <a:solidFill>
-                  <a:schemeClr val="tx1"/>
-                </a:solidFill>
-                <a:hlinkClick r:id="rId3"/>
-              </a:rPr>
-              <a:t>store.js</a:t>
-            </a:r>
-            <a:endParaRPr lang="en-US" dirty="0" smtClean="0">
-              <a:solidFill>
-                <a:schemeClr val="tx1"/>
-              </a:solidFill>
-            </a:endParaRPr>
-          </a:p>
-          <a:p>
-            <a:pPr marL="342900" indent="-342900" algn="l">
-              <a:buFont typeface="Arial" panose="020B0604020202020204" pitchFamily="34" charset="0"/>
-              <a:buChar char="•"/>
-            </a:pPr>
-            <a:r>
-              <a:rPr lang="en-US" dirty="0" smtClean="0">
-                <a:solidFill>
-                  <a:schemeClr val="tx1"/>
-                </a:solidFill>
-                <a:hlinkClick r:id="rId4"/>
-              </a:rPr>
-              <a:t>lawnchair</a:t>
-            </a:r>
-            <a:endParaRPr lang="en-US" dirty="0" smtClean="0">
-              <a:solidFill>
-                <a:schemeClr val="tx1"/>
-              </a:solidFill>
-            </a:endParaRPr>
-          </a:p>
-          <a:p>
-            <a:pPr marL="342900" indent="-342900" algn="l">
-              <a:buFont typeface="Arial" panose="020B0604020202020204" pitchFamily="34" charset="0"/>
-              <a:buChar char="•"/>
-            </a:pPr>
-            <a:r>
-              <a:rPr lang="en-US" dirty="0" smtClean="0">
-                <a:solidFill>
-                  <a:schemeClr val="tx1"/>
-                </a:solidFill>
-                <a:hlinkClick r:id="rId5"/>
-              </a:rPr>
-              <a:t>locache</a:t>
-            </a:r>
-            <a:endParaRPr lang="en-US" dirty="0">
-              <a:solidFill>
-                <a:schemeClr val="tx1"/>
-              </a:solidFill>
-            </a:endParaRPr>
-          </a:p>
-          <a:p>
-            <a:pPr marL="342900" indent="-342900" algn="l">
-              <a:buFont typeface="Arial" panose="020B0604020202020204" pitchFamily="34" charset="0"/>
-              <a:buChar char="•"/>
-            </a:pPr>
-            <a:endParaRPr lang="en-US" dirty="0" smtClean="0">
-              <a:solidFill>
-                <a:srgbClr val="0000FF"/>
-              </a:solidFill>
-            </a:endParaRPr>
-          </a:p>
         </p:txBody>
       </p:sp>
     </p:spTree>
     <p:extLst>
       <p:ext uri="{BB962C8B-B14F-4D97-AF65-F5344CB8AC3E}">
-        <p14:creationId xmlns:p14="http://schemas.microsoft.com/office/powerpoint/2010/main" val="4200300855"/>
+        <p14:creationId xmlns:p14="http://schemas.microsoft.com/office/powerpoint/2010/main" val="3785978835"/>
       </p:ext>
     </p:extLst>
   </p:cSld>
@@ -16724,7 +16598,7 @@
           <a:p>
             <a:pPr algn="l"/>
             <a:r>
-              <a:rPr lang="en-US" dirty="0" smtClean="0">
+              <a:rPr lang="en-US" smtClean="0">
                 <a:solidFill>
                   <a:schemeClr val="bg1"/>
                 </a:solidFill>
@@ -16942,7 +16816,7 @@
                 <a:latin typeface="Constantia"/>
                 <a:cs typeface="Constantia"/>
               </a:rPr>
-              <a:t>Demo</a:t>
+              <a:t>Old browser?</a:t>
             </a:r>
             <a:endParaRPr lang="en-US" sz="4000" dirty="0">
               <a:latin typeface="Constantia"/>
@@ -17163,7 +17037,7 @@
                 </a:solidFill>
                 <a:hlinkClick r:id="rId2"/>
               </a:rPr>
-              <a:t>save-storage.html</a:t>
+              <a:t>amplify.store</a:t>
             </a:r>
             <a:endParaRPr lang="en-US" dirty="0" smtClean="0">
               <a:solidFill>
@@ -17183,7 +17057,7 @@
                 </a:solidFill>
                 <a:hlinkClick r:id="rId3"/>
               </a:rPr>
-              <a:t>save-image.html</a:t>
+              <a:t>store.js</a:t>
             </a:r>
             <a:endParaRPr lang="en-US" dirty="0" smtClean="0">
               <a:solidFill>
@@ -17203,7 +17077,7 @@
                 </a:solidFill>
                 <a:hlinkClick r:id="rId4"/>
               </a:rPr>
-              <a:t>online-offline.html</a:t>
+              <a:t>lawnchair</a:t>
             </a:r>
             <a:endParaRPr lang="en-US" dirty="0" smtClean="0">
               <a:solidFill>
@@ -17223,20 +17097,31 @@
                 </a:solidFill>
                 <a:hlinkClick r:id="rId5"/>
               </a:rPr>
-              <a:t>online-offline-status.html</a:t>
-            </a:r>
-            <a:endParaRPr lang="en-US" dirty="0" smtClean="0">
+              <a:t>locache</a:t>
+            </a:r>
+            <a:endParaRPr lang="en-US" dirty="0">
               <a:solidFill>
                 <a:schemeClr val="tx1"/>
               </a:solidFill>
             </a:endParaRPr>
           </a:p>
+          <a:p>
+            <a:pPr marL="342900" indent="-342900" algn="l">
+              <a:buFont typeface="Arial" panose="020B0604020202020204" pitchFamily="34" charset="0"/>
+              <a:buChar char="•"/>
+            </a:pPr>
+            <a:endParaRPr lang="en-US" dirty="0" smtClean="0">
+              <a:solidFill>
+                <a:srgbClr val="0000FF"/>
+              </a:solidFill>
+            </a:endParaRPr>
+          </a:p>
         </p:txBody>
       </p:sp>
     </p:spTree>
     <p:extLst>
       <p:ext uri="{BB962C8B-B14F-4D97-AF65-F5344CB8AC3E}">
-        <p14:creationId xmlns:p14="http://schemas.microsoft.com/office/powerpoint/2010/main" val="2753179042"/>
+        <p14:creationId xmlns:p14="http://schemas.microsoft.com/office/powerpoint/2010/main" val="4200300855"/>
       </p:ext>
     </p:extLst>
   </p:cSld>
@@ -17284,6 +17169,623 @@
       </p:grpSpPr>
       <p:sp>
         <p:nvSpPr>
+          <p:cNvPr id="3" name="Date Placeholder 2"/>
+          <p:cNvSpPr>
+            <a:spLocks noGrp="1"/>
+          </p:cNvSpPr>
+          <p:nvPr>
+            <p:ph type="dt" sz="half" idx="10"/>
+          </p:nvPr>
+        </p:nvSpPr>
+        <p:spPr>
+          <a:xfrm>
+            <a:off x="0" y="6530996"/>
+            <a:ext cx="2133600" cy="365125"/>
+          </a:xfrm>
+        </p:spPr>
+        <p:txBody>
+          <a:bodyPr/>
+          <a:lstStyle/>
+          <a:p>
+            <a:fld id="{945310C2-C0B2-5241-BEC0-6819B2B3C035}" type="datetime2">
+              <a:rPr lang="en-US" smtClean="0">
+                <a:solidFill>
+                  <a:srgbClr val="FFFFFF"/>
+                </a:solidFill>
+              </a:rPr>
+              <a:pPr/>
+              <a:t>Wednesday, April 01, 2015</a:t>
+            </a:fld>
+            <a:endParaRPr lang="en-US" dirty="0">
+              <a:solidFill>
+                <a:srgbClr val="FFFFFF"/>
+              </a:solidFill>
+            </a:endParaRPr>
+          </a:p>
+        </p:txBody>
+      </p:sp>
+      <p:sp>
+        <p:nvSpPr>
+          <p:cNvPr id="4" name="Footer Placeholder 3"/>
+          <p:cNvSpPr>
+            <a:spLocks noGrp="1"/>
+          </p:cNvSpPr>
+          <p:nvPr>
+            <p:ph type="ftr" sz="quarter" idx="11"/>
+          </p:nvPr>
+        </p:nvSpPr>
+        <p:spPr>
+          <a:xfrm>
+            <a:off x="3124200" y="6530996"/>
+            <a:ext cx="2895600" cy="365125"/>
+          </a:xfrm>
+        </p:spPr>
+        <p:txBody>
+          <a:bodyPr/>
+          <a:lstStyle/>
+          <a:p>
+            <a:pPr algn="l"/>
+            <a:r>
+              <a:rPr lang="en-US" dirty="0" smtClean="0">
+                <a:solidFill>
+                  <a:schemeClr val="bg1"/>
+                </a:solidFill>
+              </a:rPr>
+              <a:t>www.qsoftvietnam.com</a:t>
+            </a:r>
+            <a:endParaRPr lang="en-US" dirty="0">
+              <a:solidFill>
+                <a:schemeClr val="bg1"/>
+              </a:solidFill>
+            </a:endParaRPr>
+          </a:p>
+        </p:txBody>
+      </p:sp>
+      <p:sp>
+        <p:nvSpPr>
+          <p:cNvPr id="5" name="Slide Number Placeholder 4"/>
+          <p:cNvSpPr>
+            <a:spLocks noGrp="1"/>
+          </p:cNvSpPr>
+          <p:nvPr>
+            <p:ph type="sldNum" sz="quarter" idx="12"/>
+          </p:nvPr>
+        </p:nvSpPr>
+        <p:spPr>
+          <a:xfrm>
+            <a:off x="6853962" y="6530996"/>
+            <a:ext cx="2133600" cy="365125"/>
+          </a:xfrm>
+        </p:spPr>
+        <p:txBody>
+          <a:bodyPr/>
+          <a:lstStyle/>
+          <a:p>
+            <a:fld id="{FA84A37A-AFC2-4A01-80A1-FC20F2C0D5BB}" type="slidenum">
+              <a:rPr lang="en-US" smtClean="0">
+                <a:solidFill>
+                  <a:srgbClr val="FFFFFF"/>
+                </a:solidFill>
+              </a:rPr>
+              <a:pPr/>
+              <a:t>25</a:t>
+            </a:fld>
+            <a:endParaRPr lang="en-US" dirty="0">
+              <a:solidFill>
+                <a:srgbClr val="FFFFFF"/>
+              </a:solidFill>
+            </a:endParaRPr>
+          </a:p>
+        </p:txBody>
+      </p:sp>
+      <p:sp>
+        <p:nvSpPr>
+          <p:cNvPr id="7" name="Title 1"/>
+          <p:cNvSpPr txBox="1">
+            <a:spLocks/>
+          </p:cNvSpPr>
+          <p:nvPr/>
+        </p:nvSpPr>
+        <p:spPr bwMode="auto">
+          <a:xfrm>
+            <a:off x="267344" y="1018034"/>
+            <a:ext cx="8720218" cy="1143000"/>
+          </a:xfrm>
+          <a:prstGeom prst="rect">
+            <a:avLst/>
+          </a:prstGeom>
+          <a:noFill/>
+          <a:ln w="9525">
+            <a:noFill/>
+            <a:miter lim="800000"/>
+            <a:headEnd/>
+            <a:tailEnd/>
+          </a:ln>
+        </p:spPr>
+        <p:txBody>
+          <a:bodyPr vert="horz" wrap="square" lIns="91440" tIns="45720" rIns="91440" bIns="45720" numCol="1" anchor="ctr" anchorCtr="0" compatLnSpc="1">
+            <a:prstTxWarp prst="textNoShape">
+              <a:avLst/>
+            </a:prstTxWarp>
+          </a:bodyPr>
+          <a:lstStyle>
+            <a:lvl1pPr algn="ctr" rtl="0" eaLnBrk="1" fontAlgn="base" hangingPunct="1">
+              <a:spcBef>
+                <a:spcPct val="0"/>
+              </a:spcBef>
+              <a:spcAft>
+                <a:spcPct val="0"/>
+              </a:spcAft>
+              <a:defRPr sz="4400" kern="1200">
+                <a:solidFill>
+                  <a:schemeClr val="tx1"/>
+                </a:solidFill>
+                <a:latin typeface="+mj-lt"/>
+                <a:ea typeface="+mj-ea"/>
+                <a:cs typeface="+mj-cs"/>
+              </a:defRPr>
+            </a:lvl1pPr>
+            <a:lvl2pPr algn="ctr" rtl="0" eaLnBrk="1" fontAlgn="base" hangingPunct="1">
+              <a:spcBef>
+                <a:spcPct val="0"/>
+              </a:spcBef>
+              <a:spcAft>
+                <a:spcPct val="0"/>
+              </a:spcAft>
+              <a:defRPr sz="4400">
+                <a:solidFill>
+                  <a:schemeClr val="tx1"/>
+                </a:solidFill>
+                <a:latin typeface="Arial" charset="0"/>
+              </a:defRPr>
+            </a:lvl2pPr>
+            <a:lvl3pPr algn="ctr" rtl="0" eaLnBrk="1" fontAlgn="base" hangingPunct="1">
+              <a:spcBef>
+                <a:spcPct val="0"/>
+              </a:spcBef>
+              <a:spcAft>
+                <a:spcPct val="0"/>
+              </a:spcAft>
+              <a:defRPr sz="4400">
+                <a:solidFill>
+                  <a:schemeClr val="tx1"/>
+                </a:solidFill>
+                <a:latin typeface="Arial" charset="0"/>
+              </a:defRPr>
+            </a:lvl3pPr>
+            <a:lvl4pPr algn="ctr" rtl="0" eaLnBrk="1" fontAlgn="base" hangingPunct="1">
+              <a:spcBef>
+                <a:spcPct val="0"/>
+              </a:spcBef>
+              <a:spcAft>
+                <a:spcPct val="0"/>
+              </a:spcAft>
+              <a:defRPr sz="4400">
+                <a:solidFill>
+                  <a:schemeClr val="tx1"/>
+                </a:solidFill>
+                <a:latin typeface="Arial" charset="0"/>
+              </a:defRPr>
+            </a:lvl4pPr>
+            <a:lvl5pPr algn="ctr" rtl="0" eaLnBrk="1" fontAlgn="base" hangingPunct="1">
+              <a:spcBef>
+                <a:spcPct val="0"/>
+              </a:spcBef>
+              <a:spcAft>
+                <a:spcPct val="0"/>
+              </a:spcAft>
+              <a:defRPr sz="4400">
+                <a:solidFill>
+                  <a:schemeClr val="tx1"/>
+                </a:solidFill>
+                <a:latin typeface="Arial" charset="0"/>
+              </a:defRPr>
+            </a:lvl5pPr>
+            <a:lvl6pPr marL="457200" algn="ctr" rtl="0" eaLnBrk="1" fontAlgn="base" hangingPunct="1">
+              <a:spcBef>
+                <a:spcPct val="0"/>
+              </a:spcBef>
+              <a:spcAft>
+                <a:spcPct val="0"/>
+              </a:spcAft>
+              <a:defRPr sz="4400">
+                <a:solidFill>
+                  <a:schemeClr val="tx1"/>
+                </a:solidFill>
+                <a:latin typeface="Lucida Sans" pitchFamily="34" charset="0"/>
+              </a:defRPr>
+            </a:lvl6pPr>
+            <a:lvl7pPr marL="914400" algn="ctr" rtl="0" eaLnBrk="1" fontAlgn="base" hangingPunct="1">
+              <a:spcBef>
+                <a:spcPct val="0"/>
+              </a:spcBef>
+              <a:spcAft>
+                <a:spcPct val="0"/>
+              </a:spcAft>
+              <a:defRPr sz="4400">
+                <a:solidFill>
+                  <a:schemeClr val="tx1"/>
+                </a:solidFill>
+                <a:latin typeface="Lucida Sans" pitchFamily="34" charset="0"/>
+              </a:defRPr>
+            </a:lvl7pPr>
+            <a:lvl8pPr marL="1371600" algn="ctr" rtl="0" eaLnBrk="1" fontAlgn="base" hangingPunct="1">
+              <a:spcBef>
+                <a:spcPct val="0"/>
+              </a:spcBef>
+              <a:spcAft>
+                <a:spcPct val="0"/>
+              </a:spcAft>
+              <a:defRPr sz="4400">
+                <a:solidFill>
+                  <a:schemeClr val="tx1"/>
+                </a:solidFill>
+                <a:latin typeface="Lucida Sans" pitchFamily="34" charset="0"/>
+              </a:defRPr>
+            </a:lvl8pPr>
+            <a:lvl9pPr marL="1828800" algn="ctr" rtl="0" eaLnBrk="1" fontAlgn="base" hangingPunct="1">
+              <a:spcBef>
+                <a:spcPct val="0"/>
+              </a:spcBef>
+              <a:spcAft>
+                <a:spcPct val="0"/>
+              </a:spcAft>
+              <a:defRPr sz="4400">
+                <a:solidFill>
+                  <a:schemeClr val="tx1"/>
+                </a:solidFill>
+                <a:latin typeface="Lucida Sans" pitchFamily="34" charset="0"/>
+              </a:defRPr>
+            </a:lvl9pPr>
+          </a:lstStyle>
+          <a:p>
+            <a:r>
+              <a:rPr lang="en-US" sz="4000" dirty="0" smtClean="0">
+                <a:latin typeface="Constantia"/>
+                <a:cs typeface="Constantia"/>
+              </a:rPr>
+              <a:t>Demo</a:t>
+            </a:r>
+            <a:endParaRPr lang="en-US" sz="4000" dirty="0">
+              <a:latin typeface="Constantia"/>
+              <a:cs typeface="Constantia"/>
+            </a:endParaRPr>
+          </a:p>
+        </p:txBody>
+      </p:sp>
+      <p:sp>
+        <p:nvSpPr>
+          <p:cNvPr id="9" name="Content Placeholder 2"/>
+          <p:cNvSpPr txBox="1">
+            <a:spLocks/>
+          </p:cNvSpPr>
+          <p:nvPr/>
+        </p:nvSpPr>
+        <p:spPr bwMode="auto">
+          <a:xfrm>
+            <a:off x="457200" y="2161034"/>
+            <a:ext cx="8229600" cy="4369962"/>
+          </a:xfrm>
+          <a:prstGeom prst="rect">
+            <a:avLst/>
+          </a:prstGeom>
+          <a:noFill/>
+          <a:ln w="9525">
+            <a:noFill/>
+            <a:miter lim="800000"/>
+            <a:headEnd/>
+            <a:tailEnd/>
+          </a:ln>
+        </p:spPr>
+        <p:txBody>
+          <a:bodyPr vert="horz" wrap="square" lIns="91440" tIns="45720" rIns="91440" bIns="45720" numCol="1" anchor="t" anchorCtr="0" compatLnSpc="1">
+            <a:prstTxWarp prst="textNoShape">
+              <a:avLst/>
+            </a:prstTxWarp>
+          </a:bodyPr>
+          <a:lstStyle>
+            <a:lvl1pPr marL="0" indent="0" algn="ctr" rtl="0" eaLnBrk="1" fontAlgn="base" hangingPunct="1">
+              <a:spcBef>
+                <a:spcPct val="20000"/>
+              </a:spcBef>
+              <a:spcAft>
+                <a:spcPct val="0"/>
+              </a:spcAft>
+              <a:buFont typeface="Arial" charset="0"/>
+              <a:buNone/>
+              <a:defRPr sz="2400" kern="1200">
+                <a:solidFill>
+                  <a:schemeClr val="tx1">
+                    <a:tint val="75000"/>
+                  </a:schemeClr>
+                </a:solidFill>
+                <a:latin typeface="+mn-lt"/>
+                <a:ea typeface="+mn-ea"/>
+                <a:cs typeface="+mn-cs"/>
+              </a:defRPr>
+            </a:lvl1pPr>
+            <a:lvl2pPr marL="457200" indent="0" algn="ctr" rtl="0" eaLnBrk="1" fontAlgn="base" hangingPunct="1">
+              <a:spcBef>
+                <a:spcPct val="20000"/>
+              </a:spcBef>
+              <a:spcAft>
+                <a:spcPct val="0"/>
+              </a:spcAft>
+              <a:buFont typeface="Arial" charset="0"/>
+              <a:buNone/>
+              <a:defRPr sz="2000" kern="1200">
+                <a:solidFill>
+                  <a:schemeClr val="tx1">
+                    <a:tint val="75000"/>
+                  </a:schemeClr>
+                </a:solidFill>
+                <a:latin typeface="+mn-lt"/>
+                <a:ea typeface="+mn-ea"/>
+                <a:cs typeface="+mn-cs"/>
+              </a:defRPr>
+            </a:lvl2pPr>
+            <a:lvl3pPr marL="914400" indent="0" algn="ctr" rtl="0" eaLnBrk="1" fontAlgn="base" hangingPunct="1">
+              <a:spcBef>
+                <a:spcPct val="20000"/>
+              </a:spcBef>
+              <a:spcAft>
+                <a:spcPct val="0"/>
+              </a:spcAft>
+              <a:buFont typeface="Arial" charset="0"/>
+              <a:buNone/>
+              <a:defRPr kern="1200">
+                <a:solidFill>
+                  <a:schemeClr val="tx1">
+                    <a:tint val="75000"/>
+                  </a:schemeClr>
+                </a:solidFill>
+                <a:latin typeface="+mn-lt"/>
+                <a:ea typeface="+mn-ea"/>
+                <a:cs typeface="+mn-cs"/>
+              </a:defRPr>
+            </a:lvl3pPr>
+            <a:lvl4pPr marL="1371600" indent="0" algn="ctr" rtl="0" eaLnBrk="1" fontAlgn="base" hangingPunct="1">
+              <a:spcBef>
+                <a:spcPct val="20000"/>
+              </a:spcBef>
+              <a:spcAft>
+                <a:spcPct val="0"/>
+              </a:spcAft>
+              <a:buFont typeface="Arial" charset="0"/>
+              <a:buNone/>
+              <a:defRPr sz="1600" kern="1200">
+                <a:solidFill>
+                  <a:schemeClr val="tx1">
+                    <a:tint val="75000"/>
+                  </a:schemeClr>
+                </a:solidFill>
+                <a:latin typeface="+mn-lt"/>
+                <a:ea typeface="+mn-ea"/>
+                <a:cs typeface="+mn-cs"/>
+              </a:defRPr>
+            </a:lvl4pPr>
+            <a:lvl5pPr marL="1828800" indent="0" algn="ctr" rtl="0" eaLnBrk="1" fontAlgn="base" hangingPunct="1">
+              <a:spcBef>
+                <a:spcPct val="20000"/>
+              </a:spcBef>
+              <a:spcAft>
+                <a:spcPct val="0"/>
+              </a:spcAft>
+              <a:buFont typeface="Arial" charset="0"/>
+              <a:buNone/>
+              <a:defRPr sz="1600" kern="1200">
+                <a:solidFill>
+                  <a:schemeClr val="tx1">
+                    <a:tint val="75000"/>
+                  </a:schemeClr>
+                </a:solidFill>
+                <a:latin typeface="+mn-lt"/>
+                <a:ea typeface="+mn-ea"/>
+                <a:cs typeface="+mn-cs"/>
+              </a:defRPr>
+            </a:lvl5pPr>
+            <a:lvl6pPr marL="2286000" indent="0" algn="ctr" defTabSz="914400" rtl="0" eaLnBrk="1" latinLnBrk="0" hangingPunct="1">
+              <a:spcBef>
+                <a:spcPct val="20000"/>
+              </a:spcBef>
+              <a:buFont typeface="Arial" pitchFamily="34" charset="0"/>
+              <a:buNone/>
+              <a:defRPr sz="2000" kern="1200">
+                <a:solidFill>
+                  <a:schemeClr val="tx1">
+                    <a:tint val="75000"/>
+                  </a:schemeClr>
+                </a:solidFill>
+                <a:latin typeface="+mn-lt"/>
+                <a:ea typeface="+mn-ea"/>
+                <a:cs typeface="+mn-cs"/>
+              </a:defRPr>
+            </a:lvl6pPr>
+            <a:lvl7pPr marL="2743200" indent="0" algn="ctr" defTabSz="914400" rtl="0" eaLnBrk="1" latinLnBrk="0" hangingPunct="1">
+              <a:spcBef>
+                <a:spcPct val="20000"/>
+              </a:spcBef>
+              <a:buFont typeface="Arial" pitchFamily="34" charset="0"/>
+              <a:buNone/>
+              <a:defRPr sz="2000" kern="1200">
+                <a:solidFill>
+                  <a:schemeClr val="tx1">
+                    <a:tint val="75000"/>
+                  </a:schemeClr>
+                </a:solidFill>
+                <a:latin typeface="+mn-lt"/>
+                <a:ea typeface="+mn-ea"/>
+                <a:cs typeface="+mn-cs"/>
+              </a:defRPr>
+            </a:lvl7pPr>
+            <a:lvl8pPr marL="3200400" indent="0" algn="ctr" defTabSz="914400" rtl="0" eaLnBrk="1" latinLnBrk="0" hangingPunct="1">
+              <a:spcBef>
+                <a:spcPct val="20000"/>
+              </a:spcBef>
+              <a:buFont typeface="Arial" pitchFamily="34" charset="0"/>
+              <a:buNone/>
+              <a:defRPr sz="2000" kern="1200">
+                <a:solidFill>
+                  <a:schemeClr val="tx1">
+                    <a:tint val="75000"/>
+                  </a:schemeClr>
+                </a:solidFill>
+                <a:latin typeface="+mn-lt"/>
+                <a:ea typeface="+mn-ea"/>
+                <a:cs typeface="+mn-cs"/>
+              </a:defRPr>
+            </a:lvl8pPr>
+            <a:lvl9pPr marL="3657600" indent="0" algn="ctr" defTabSz="914400" rtl="0" eaLnBrk="1" latinLnBrk="0" hangingPunct="1">
+              <a:spcBef>
+                <a:spcPct val="20000"/>
+              </a:spcBef>
+              <a:buFont typeface="Arial" pitchFamily="34" charset="0"/>
+              <a:buNone/>
+              <a:defRPr sz="2000" kern="1200">
+                <a:solidFill>
+                  <a:schemeClr val="tx1">
+                    <a:tint val="75000"/>
+                  </a:schemeClr>
+                </a:solidFill>
+                <a:latin typeface="+mn-lt"/>
+                <a:ea typeface="+mn-ea"/>
+                <a:cs typeface="+mn-cs"/>
+              </a:defRPr>
+            </a:lvl9pPr>
+          </a:lstStyle>
+          <a:p>
+            <a:pPr marL="342900" indent="-342900" algn="l">
+              <a:buFont typeface="Arial" panose="020B0604020202020204" pitchFamily="34" charset="0"/>
+              <a:buChar char="•"/>
+            </a:pPr>
+            <a:r>
+              <a:rPr lang="en-US" dirty="0" smtClean="0">
+                <a:solidFill>
+                  <a:schemeClr val="tx1"/>
+                </a:solidFill>
+                <a:hlinkClick r:id="rId2"/>
+              </a:rPr>
+              <a:t>save-storage.html</a:t>
+            </a:r>
+            <a:endParaRPr lang="en-US" dirty="0" smtClean="0">
+              <a:solidFill>
+                <a:schemeClr val="tx1"/>
+              </a:solidFill>
+            </a:endParaRPr>
+          </a:p>
+          <a:p>
+            <a:pPr marL="342900" indent="-342900" algn="l">
+              <a:buFont typeface="Arial" panose="020B0604020202020204" pitchFamily="34" charset="0"/>
+              <a:buChar char="•"/>
+            </a:pPr>
+            <a:r>
+              <a:rPr lang="en-US" dirty="0" smtClean="0">
+                <a:solidFill>
+                  <a:schemeClr val="tx1"/>
+                </a:solidFill>
+                <a:hlinkClick r:id="rId3"/>
+              </a:rPr>
+              <a:t>save-image.html</a:t>
+            </a:r>
+            <a:endParaRPr lang="en-US" dirty="0" smtClean="0">
+              <a:solidFill>
+                <a:schemeClr val="tx1"/>
+              </a:solidFill>
+            </a:endParaRPr>
+          </a:p>
+          <a:p>
+            <a:pPr marL="342900" indent="-342900" algn="l">
+              <a:buFont typeface="Arial" panose="020B0604020202020204" pitchFamily="34" charset="0"/>
+              <a:buChar char="•"/>
+            </a:pPr>
+            <a:r>
+              <a:rPr lang="en-US" dirty="0" smtClean="0">
+                <a:solidFill>
+                  <a:schemeClr val="tx1"/>
+                </a:solidFill>
+                <a:hlinkClick r:id="rId4"/>
+              </a:rPr>
+              <a:t>online-offline.html</a:t>
+            </a:r>
+            <a:endParaRPr lang="en-US" dirty="0" smtClean="0">
+              <a:solidFill>
+                <a:schemeClr val="tx1"/>
+              </a:solidFill>
+            </a:endParaRPr>
+          </a:p>
+          <a:p>
+            <a:pPr marL="342900" indent="-342900" algn="l">
+              <a:buFont typeface="Arial" panose="020B0604020202020204" pitchFamily="34" charset="0"/>
+              <a:buChar char="•"/>
+            </a:pPr>
+            <a:r>
+              <a:rPr lang="en-US" dirty="0" smtClean="0">
+                <a:solidFill>
+                  <a:schemeClr val="tx1"/>
+                </a:solidFill>
+                <a:hlinkClick r:id="rId5"/>
+              </a:rPr>
+              <a:t>online-offline-status.html</a:t>
+            </a:r>
+            <a:endParaRPr lang="en-US" dirty="0" smtClean="0">
+              <a:solidFill>
+                <a:schemeClr val="tx1"/>
+              </a:solidFill>
+            </a:endParaRPr>
+          </a:p>
+        </p:txBody>
+      </p:sp>
+    </p:spTree>
+    <p:extLst>
+      <p:ext uri="{BB962C8B-B14F-4D97-AF65-F5344CB8AC3E}">
+        <p14:creationId xmlns:p14="http://schemas.microsoft.com/office/powerpoint/2010/main" val="2753179042"/>
+      </p:ext>
+    </p:extLst>
+  </p:cSld>
+  <p:clrMapOvr>
+    <a:masterClrMapping/>
+  </p:clrMapOvr>
+  <mc:AlternateContent xmlns:mc="http://schemas.openxmlformats.org/markup-compatibility/2006" xmlns:p14="http://schemas.microsoft.com/office/powerpoint/2010/main">
+    <mc:Choice Requires="p14">
+      <p:transition p14:dur="100">
+        <p:cut/>
+      </p:transition>
+    </mc:Choice>
+    <mc:Fallback xmlns="">
+      <p:transition>
+        <p:cut/>
+      </p:transition>
+    </mc:Fallback>
+  </mc:AlternateContent>
+  <p:timing>
+    <p:tnLst>
+      <p:par>
+        <p:cTn id="1" dur="indefinite" restart="never" nodeType="tmRoot"/>
+      </p:par>
+    </p:tnLst>
+  </p:timing>
+</p:sld>
+</file>
+
+<file path=ppt/slides/slide26.xml><?xml version="1.0" encoding="utf-8"?>
+<p:sld xmlns:a="http://schemas.openxmlformats.org/drawingml/2006/main" xmlns:r="http://schemas.openxmlformats.org/officeDocument/2006/relationships" xmlns:p="http://schemas.openxmlformats.org/presentationml/2006/main">
+  <p:cSld>
+    <p:spTree>
+      <p:nvGrpSpPr>
+        <p:cNvPr id="1" name=""/>
+        <p:cNvGrpSpPr/>
+        <p:nvPr/>
+      </p:nvGrpSpPr>
+      <p:grpSpPr>
+        <a:xfrm>
+          <a:off x="0" y="0"/>
+          <a:ext cx="0" cy="0"/>
+          <a:chOff x="0" y="0"/>
+          <a:chExt cx="0" cy="0"/>
+        </a:xfrm>
+      </p:grpSpPr>
+      <p:sp>
+        <p:nvSpPr>
           <p:cNvPr id="2" name="Title 1"/>
           <p:cNvSpPr>
             <a:spLocks noGrp="1"/>
@@ -17425,7 +17927,7 @@
                 </a:solidFill>
               </a:rPr>
               <a:pPr/>
-              <a:t>25</a:t>
+              <a:t>26</a:t>
             </a:fld>
             <a:endParaRPr lang="en-US" dirty="0">
               <a:solidFill>

--- a/QSoftVietnam_SlideTemplate2014- Sonvq.pptx
+++ b/QSoftVietnam_SlideTemplate2014- Sonvq.pptx
@@ -5,10 +5,10 @@
     <p:sldMasterId id="2147485495" r:id="rId1"/>
   </p:sldMasterIdLst>
   <p:notesMasterIdLst>
-    <p:notesMasterId r:id="rId28"/>
+    <p:notesMasterId r:id="rId30"/>
   </p:notesMasterIdLst>
   <p:handoutMasterIdLst>
-    <p:handoutMasterId r:id="rId29"/>
+    <p:handoutMasterId r:id="rId31"/>
   </p:handoutMasterIdLst>
   <p:sldIdLst>
     <p:sldId id="256" r:id="rId2"/>
@@ -34,9 +34,11 @@
     <p:sldId id="383" r:id="rId22"/>
     <p:sldId id="382" r:id="rId23"/>
     <p:sldId id="384" r:id="rId24"/>
-    <p:sldId id="381" r:id="rId25"/>
-    <p:sldId id="378" r:id="rId26"/>
-    <p:sldId id="333" r:id="rId27"/>
+    <p:sldId id="386" r:id="rId25"/>
+    <p:sldId id="381" r:id="rId26"/>
+    <p:sldId id="385" r:id="rId27"/>
+    <p:sldId id="378" r:id="rId28"/>
+    <p:sldId id="333" r:id="rId29"/>
   </p:sldIdLst>
   <p:sldSz cx="9144000" cy="6858000" type="screen4x3"/>
   <p:notesSz cx="6858000" cy="9144000"/>
@@ -2181,6 +2183,180 @@
     <p:extLst>
       <p:ext uri="{BB962C8B-B14F-4D97-AF65-F5344CB8AC3E}">
         <p14:creationId xmlns:p14="http://schemas.microsoft.com/office/powerpoint/2010/main" val="3235932496"/>
+      </p:ext>
+    </p:extLst>
+  </p:cSld>
+  <p:clrMapOvr>
+    <a:masterClrMapping/>
+  </p:clrMapOvr>
+</p:notes>
+</file>
+
+<file path=ppt/notesSlides/notesSlide15.xml><?xml version="1.0" encoding="utf-8"?>
+<p:notes xmlns:a="http://schemas.openxmlformats.org/drawingml/2006/main" xmlns:r="http://schemas.openxmlformats.org/officeDocument/2006/relationships" xmlns:p="http://schemas.openxmlformats.org/presentationml/2006/main">
+  <p:cSld>
+    <p:spTree>
+      <p:nvGrpSpPr>
+        <p:cNvPr id="1" name=""/>
+        <p:cNvGrpSpPr/>
+        <p:nvPr/>
+      </p:nvGrpSpPr>
+      <p:grpSpPr>
+        <a:xfrm>
+          <a:off x="0" y="0"/>
+          <a:ext cx="0" cy="0"/>
+          <a:chOff x="0" y="0"/>
+          <a:chExt cx="0" cy="0"/>
+        </a:xfrm>
+      </p:grpSpPr>
+      <p:sp>
+        <p:nvSpPr>
+          <p:cNvPr id="2" name="Slide Image Placeholder 1"/>
+          <p:cNvSpPr>
+            <a:spLocks noGrp="1" noRot="1" noChangeAspect="1"/>
+          </p:cNvSpPr>
+          <p:nvPr>
+            <p:ph type="sldImg"/>
+          </p:nvPr>
+        </p:nvSpPr>
+        <p:spPr/>
+      </p:sp>
+      <p:sp>
+        <p:nvSpPr>
+          <p:cNvPr id="3" name="Notes Placeholder 2"/>
+          <p:cNvSpPr>
+            <a:spLocks noGrp="1"/>
+          </p:cNvSpPr>
+          <p:nvPr>
+            <p:ph type="body" idx="1"/>
+          </p:nvPr>
+        </p:nvSpPr>
+        <p:spPr/>
+        <p:txBody>
+          <a:bodyPr/>
+          <a:lstStyle/>
+          <a:p>
+            <a:endParaRPr lang="en-US" dirty="0"/>
+          </a:p>
+        </p:txBody>
+      </p:sp>
+      <p:sp>
+        <p:nvSpPr>
+          <p:cNvPr id="4" name="Slide Number Placeholder 3"/>
+          <p:cNvSpPr>
+            <a:spLocks noGrp="1"/>
+          </p:cNvSpPr>
+          <p:nvPr>
+            <p:ph type="sldNum" sz="quarter" idx="10"/>
+          </p:nvPr>
+        </p:nvSpPr>
+        <p:spPr/>
+        <p:txBody>
+          <a:bodyPr/>
+          <a:lstStyle/>
+          <a:p>
+            <a:fld id="{35845946-0CF3-4C0F-AF5C-F563F65A0652}" type="slidenum">
+              <a:rPr lang="en-US" smtClean="0"/>
+              <a:pPr/>
+              <a:t>20</a:t>
+            </a:fld>
+            <a:endParaRPr lang="en-US" dirty="0"/>
+          </a:p>
+        </p:txBody>
+      </p:sp>
+    </p:spTree>
+    <p:extLst>
+      <p:ext uri="{BB962C8B-B14F-4D97-AF65-F5344CB8AC3E}">
+        <p14:creationId xmlns:p14="http://schemas.microsoft.com/office/powerpoint/2010/main" val="564611239"/>
+      </p:ext>
+    </p:extLst>
+  </p:cSld>
+  <p:clrMapOvr>
+    <a:masterClrMapping/>
+  </p:clrMapOvr>
+</p:notes>
+</file>
+
+<file path=ppt/notesSlides/notesSlide16.xml><?xml version="1.0" encoding="utf-8"?>
+<p:notes xmlns:a="http://schemas.openxmlformats.org/drawingml/2006/main" xmlns:r="http://schemas.openxmlformats.org/officeDocument/2006/relationships" xmlns:p="http://schemas.openxmlformats.org/presentationml/2006/main">
+  <p:cSld>
+    <p:spTree>
+      <p:nvGrpSpPr>
+        <p:cNvPr id="1" name=""/>
+        <p:cNvGrpSpPr/>
+        <p:nvPr/>
+      </p:nvGrpSpPr>
+      <p:grpSpPr>
+        <a:xfrm>
+          <a:off x="0" y="0"/>
+          <a:ext cx="0" cy="0"/>
+          <a:chOff x="0" y="0"/>
+          <a:chExt cx="0" cy="0"/>
+        </a:xfrm>
+      </p:grpSpPr>
+      <p:sp>
+        <p:nvSpPr>
+          <p:cNvPr id="2" name="Slide Image Placeholder 1"/>
+          <p:cNvSpPr>
+            <a:spLocks noGrp="1" noRot="1" noChangeAspect="1"/>
+          </p:cNvSpPr>
+          <p:nvPr>
+            <p:ph type="sldImg"/>
+          </p:nvPr>
+        </p:nvSpPr>
+        <p:spPr/>
+      </p:sp>
+      <p:sp>
+        <p:nvSpPr>
+          <p:cNvPr id="3" name="Notes Placeholder 2"/>
+          <p:cNvSpPr>
+            <a:spLocks noGrp="1"/>
+          </p:cNvSpPr>
+          <p:nvPr>
+            <p:ph type="body" idx="1"/>
+          </p:nvPr>
+        </p:nvSpPr>
+        <p:spPr/>
+        <p:txBody>
+          <a:bodyPr/>
+          <a:lstStyle/>
+          <a:p>
+            <a:r>
+              <a:rPr lang="en-US" dirty="0" smtClean="0"/>
+              <a:t>http://128.199.89.119/demo/ls/save-storage.html</a:t>
+            </a:r>
+            <a:endParaRPr lang="en-US" dirty="0"/>
+          </a:p>
+        </p:txBody>
+      </p:sp>
+      <p:sp>
+        <p:nvSpPr>
+          <p:cNvPr id="4" name="Slide Number Placeholder 3"/>
+          <p:cNvSpPr>
+            <a:spLocks noGrp="1"/>
+          </p:cNvSpPr>
+          <p:nvPr>
+            <p:ph type="sldNum" sz="quarter" idx="10"/>
+          </p:nvPr>
+        </p:nvSpPr>
+        <p:spPr/>
+        <p:txBody>
+          <a:bodyPr/>
+          <a:lstStyle/>
+          <a:p>
+            <a:fld id="{35845946-0CF3-4C0F-AF5C-F563F65A0652}" type="slidenum">
+              <a:rPr lang="en-US" smtClean="0"/>
+              <a:pPr/>
+              <a:t>27</a:t>
+            </a:fld>
+            <a:endParaRPr lang="en-US" dirty="0"/>
+          </a:p>
+        </p:txBody>
+      </p:sp>
+    </p:spTree>
+    <p:extLst>
+      <p:ext uri="{BB962C8B-B14F-4D97-AF65-F5344CB8AC3E}">
+        <p14:creationId xmlns:p14="http://schemas.microsoft.com/office/powerpoint/2010/main" val="3393351420"/>
       </p:ext>
     </p:extLst>
   </p:cSld>
@@ -13716,6 +13892,36 @@
           </a:p>
         </p:txBody>
       </p:sp>
+      <p:pic>
+        <p:nvPicPr>
+          <p:cNvPr id="2" name="Picture 1"/>
+          <p:cNvPicPr>
+            <a:picLocks noChangeAspect="1"/>
+          </p:cNvPicPr>
+          <p:nvPr/>
+        </p:nvPicPr>
+        <p:blipFill>
+          <a:blip r:embed="rId3">
+            <a:extLst>
+              <a:ext uri="{28A0092B-C50C-407E-A947-70E740481C1C}">
+                <a14:useLocalDpi xmlns:a14="http://schemas.microsoft.com/office/drawing/2010/main" val="0"/>
+              </a:ext>
+            </a:extLst>
+          </a:blip>
+          <a:stretch>
+            <a:fillRect/>
+          </a:stretch>
+        </p:blipFill>
+        <p:spPr>
+          <a:xfrm>
+            <a:off x="267343" y="3669049"/>
+            <a:ext cx="8650414" cy="799255"/>
+          </a:xfrm>
+          <a:prstGeom prst="rect">
+            <a:avLst/>
+          </a:prstGeom>
+        </p:spPr>
+      </p:pic>
     </p:spTree>
     <p:extLst>
       <p:ext uri="{BB962C8B-B14F-4D97-AF65-F5344CB8AC3E}">
@@ -14262,8 +14468,21 @@
                   <a:schemeClr val="tx1"/>
                 </a:solidFill>
               </a:rPr>
-              <a:t>Check browser is online/offline</a:t>
-            </a:r>
+              <a:t>Check browser </a:t>
+            </a:r>
+            <a:r>
+              <a:rPr lang="en-US" dirty="0" smtClean="0">
+                <a:solidFill>
+                  <a:schemeClr val="tx1"/>
+                </a:solidFill>
+              </a:rPr>
+              <a:t>online/offline</a:t>
+            </a:r>
+            <a:endParaRPr lang="en-US" dirty="0" smtClean="0">
+              <a:solidFill>
+                <a:schemeClr val="tx1"/>
+              </a:solidFill>
+            </a:endParaRPr>
           </a:p>
           <a:p>
             <a:pPr marL="342900" indent="-342900" algn="l">
@@ -16566,7 +16785,7 @@
                 </a:solidFill>
               </a:rPr>
               <a:pPr/>
-              <a:t>Wednesday, April 01, 2015</a:t>
+              <a:t>Friday, April 03, 2015</a:t>
             </a:fld>
             <a:endParaRPr lang="en-US" dirty="0">
               <a:solidFill>
@@ -17030,15 +17249,6 @@
               <a:buFont typeface="Arial" panose="020B0604020202020204" pitchFamily="34" charset="0"/>
               <a:buChar char="•"/>
             </a:pPr>
-            <a:r>
-              <a:rPr lang="en-US" dirty="0" smtClean="0">
-                <a:solidFill>
-                  <a:schemeClr val="tx1"/>
-                </a:solidFill>
-                <a:hlinkClick r:id="rId2"/>
-              </a:rPr>
-              <a:t>amplify.store</a:t>
-            </a:r>
             <a:endParaRPr lang="en-US" dirty="0" smtClean="0">
               <a:solidFill>
                 <a:schemeClr val="tx1"/>
@@ -17050,55 +17260,6 @@
               <a:buFont typeface="Arial" panose="020B0604020202020204" pitchFamily="34" charset="0"/>
               <a:buChar char="•"/>
             </a:pPr>
-            <a:r>
-              <a:rPr lang="en-US" dirty="0" smtClean="0">
-                <a:solidFill>
-                  <a:schemeClr val="tx1"/>
-                </a:solidFill>
-                <a:hlinkClick r:id="rId3"/>
-              </a:rPr>
-              <a:t>store.js</a:t>
-            </a:r>
-            <a:endParaRPr lang="en-US" dirty="0" smtClean="0">
-              <a:solidFill>
-                <a:schemeClr val="tx1"/>
-              </a:solidFill>
-            </a:endParaRPr>
-          </a:p>
-          <a:p>
-            <a:pPr marL="342900" indent="-342900" algn="l">
-              <a:buFont typeface="Arial" panose="020B0604020202020204" pitchFamily="34" charset="0"/>
-              <a:buChar char="•"/>
-            </a:pPr>
-            <a:r>
-              <a:rPr lang="en-US" dirty="0" smtClean="0">
-                <a:solidFill>
-                  <a:schemeClr val="tx1"/>
-                </a:solidFill>
-                <a:hlinkClick r:id="rId4"/>
-              </a:rPr>
-              <a:t>lawnchair</a:t>
-            </a:r>
-            <a:endParaRPr lang="en-US" dirty="0" smtClean="0">
-              <a:solidFill>
-                <a:schemeClr val="tx1"/>
-              </a:solidFill>
-            </a:endParaRPr>
-          </a:p>
-          <a:p>
-            <a:pPr marL="342900" indent="-342900" algn="l">
-              <a:buFont typeface="Arial" panose="020B0604020202020204" pitchFamily="34" charset="0"/>
-              <a:buChar char="•"/>
-            </a:pPr>
-            <a:r>
-              <a:rPr lang="en-US" dirty="0" smtClean="0">
-                <a:solidFill>
-                  <a:schemeClr val="tx1"/>
-                </a:solidFill>
-                <a:hlinkClick r:id="rId5"/>
-              </a:rPr>
-              <a:t>locache</a:t>
-            </a:r>
             <a:endParaRPr lang="en-US" dirty="0">
               <a:solidFill>
                 <a:schemeClr val="tx1"/>
@@ -17112,16 +17273,90 @@
             </a:pPr>
             <a:endParaRPr lang="en-US" dirty="0" smtClean="0">
               <a:solidFill>
-                <a:srgbClr val="0000FF"/>
+                <a:schemeClr val="tx1"/>
               </a:solidFill>
             </a:endParaRPr>
           </a:p>
+          <a:p>
+            <a:pPr marL="342900" indent="-342900" algn="l">
+              <a:buFont typeface="Arial" panose="020B0604020202020204" pitchFamily="34" charset="0"/>
+              <a:buChar char="•"/>
+            </a:pPr>
+            <a:endParaRPr lang="en-US" dirty="0">
+              <a:solidFill>
+                <a:schemeClr val="tx1"/>
+              </a:solidFill>
+            </a:endParaRPr>
+          </a:p>
+          <a:p>
+            <a:pPr marL="342900" indent="-342900" algn="l">
+              <a:buFont typeface="Arial" panose="020B0604020202020204" pitchFamily="34" charset="0"/>
+              <a:buChar char="•"/>
+            </a:pPr>
+            <a:endParaRPr lang="en-US" dirty="0" smtClean="0">
+              <a:solidFill>
+                <a:schemeClr val="tx1"/>
+              </a:solidFill>
+            </a:endParaRPr>
+          </a:p>
+          <a:p>
+            <a:pPr marL="342900" indent="-342900" algn="l">
+              <a:buFont typeface="Arial" panose="020B0604020202020204" pitchFamily="34" charset="0"/>
+              <a:buChar char="•"/>
+            </a:pPr>
+            <a:endParaRPr lang="en-US" dirty="0">
+              <a:solidFill>
+                <a:schemeClr val="tx1"/>
+              </a:solidFill>
+            </a:endParaRPr>
+          </a:p>
+          <a:p>
+            <a:pPr marL="342900" indent="-342900" algn="l">
+              <a:buFont typeface="Arial" panose="020B0604020202020204" pitchFamily="34" charset="0"/>
+              <a:buChar char="•"/>
+            </a:pPr>
+            <a:endParaRPr lang="en-US" dirty="0">
+              <a:solidFill>
+                <a:schemeClr val="tx1"/>
+              </a:solidFill>
+            </a:endParaRPr>
+          </a:p>
         </p:txBody>
       </p:sp>
+      <p:pic>
+        <p:nvPicPr>
+          <p:cNvPr id="2" name="Picture 1"/>
+          <p:cNvPicPr>
+            <a:picLocks noChangeAspect="1"/>
+          </p:cNvPicPr>
+          <p:nvPr/>
+        </p:nvPicPr>
+        <p:blipFill>
+          <a:blip r:embed="rId2">
+            <a:extLst>
+              <a:ext uri="{28A0092B-C50C-407E-A947-70E740481C1C}">
+                <a14:useLocalDpi xmlns:a14="http://schemas.microsoft.com/office/drawing/2010/main" val="0"/>
+              </a:ext>
+            </a:extLst>
+          </a:blip>
+          <a:stretch>
+            <a:fillRect/>
+          </a:stretch>
+        </p:blipFill>
+        <p:spPr>
+          <a:xfrm>
+            <a:off x="216367" y="2273456"/>
+            <a:ext cx="8760972" cy="3514602"/>
+          </a:xfrm>
+          <a:prstGeom prst="rect">
+            <a:avLst/>
+          </a:prstGeom>
+        </p:spPr>
+      </p:pic>
     </p:spTree>
     <p:extLst>
       <p:ext uri="{BB962C8B-B14F-4D97-AF65-F5344CB8AC3E}">
-        <p14:creationId xmlns:p14="http://schemas.microsoft.com/office/powerpoint/2010/main" val="4200300855"/>
+        <p14:creationId xmlns:p14="http://schemas.microsoft.com/office/powerpoint/2010/main" val="2642584428"/>
       </p:ext>
     </p:extLst>
   </p:cSld>
@@ -17226,7 +17461,7 @@
           <a:p>
             <a:pPr algn="l"/>
             <a:r>
-              <a:rPr lang="en-US" dirty="0" smtClean="0">
+              <a:rPr lang="en-US" smtClean="0">
                 <a:solidFill>
                   <a:schemeClr val="bg1"/>
                 </a:solidFill>
@@ -17444,7 +17679,7 @@
                 <a:latin typeface="Constantia"/>
                 <a:cs typeface="Constantia"/>
               </a:rPr>
-              <a:t>Demo</a:t>
+              <a:t>Old browser?</a:t>
             </a:r>
             <a:endParaRPr lang="en-US" sz="4000" dirty="0">
               <a:latin typeface="Constantia"/>
@@ -17665,7 +17900,7 @@
                 </a:solidFill>
                 <a:hlinkClick r:id="rId2"/>
               </a:rPr>
-              <a:t>save-storage.html</a:t>
+              <a:t>amplify.store</a:t>
             </a:r>
             <a:endParaRPr lang="en-US" dirty="0" smtClean="0">
               <a:solidFill>
@@ -17685,7 +17920,7 @@
                 </a:solidFill>
                 <a:hlinkClick r:id="rId3"/>
               </a:rPr>
-              <a:t>save-image.html</a:t>
+              <a:t>store.js</a:t>
             </a:r>
             <a:endParaRPr lang="en-US" dirty="0" smtClean="0">
               <a:solidFill>
@@ -17705,7 +17940,7 @@
                 </a:solidFill>
                 <a:hlinkClick r:id="rId4"/>
               </a:rPr>
-              <a:t>online-offline.html</a:t>
+              <a:t>lawnchair</a:t>
             </a:r>
             <a:endParaRPr lang="en-US" dirty="0" smtClean="0">
               <a:solidFill>
@@ -17719,13 +17954,22 @@
               <a:buChar char="•"/>
             </a:pPr>
             <a:r>
-              <a:rPr lang="en-US" dirty="0" smtClean="0">
+              <a:rPr lang="en-US" dirty="0" err="1">
                 <a:solidFill>
                   <a:schemeClr val="tx1"/>
                 </a:solidFill>
                 <a:hlinkClick r:id="rId5"/>
               </a:rPr>
-              <a:t>online-offline-status.html</a:t>
+              <a:t>l</a:t>
+            </a:r>
+            <a:r>
+              <a:rPr lang="en-US" dirty="0" err="1" smtClean="0">
+                <a:solidFill>
+                  <a:schemeClr val="tx1"/>
+                </a:solidFill>
+                <a:hlinkClick r:id="rId5"/>
+              </a:rPr>
+              <a:t>ocache</a:t>
             </a:r>
             <a:endParaRPr lang="en-US" dirty="0" smtClean="0">
               <a:solidFill>
@@ -17733,12 +17977,147 @@
               </a:solidFill>
             </a:endParaRPr>
           </a:p>
+          <a:p>
+            <a:pPr marL="342900" indent="-342900" algn="l">
+              <a:buFont typeface="Arial" panose="020B0604020202020204" pitchFamily="34" charset="0"/>
+              <a:buChar char="•"/>
+            </a:pPr>
+            <a:r>
+              <a:rPr lang="en-US" dirty="0">
+                <a:solidFill>
+                  <a:schemeClr val="tx1"/>
+                </a:solidFill>
+                <a:hlinkClick r:id="rId6"/>
+              </a:rPr>
+              <a:t>j</a:t>
+            </a:r>
+            <a:r>
+              <a:rPr lang="en-US" dirty="0" smtClean="0">
+                <a:solidFill>
+                  <a:schemeClr val="tx1"/>
+                </a:solidFill>
+                <a:hlinkClick r:id="rId6"/>
+              </a:rPr>
+              <a:t>storage</a:t>
+            </a:r>
+            <a:endParaRPr lang="en-US" dirty="0" smtClean="0">
+              <a:solidFill>
+                <a:schemeClr val="tx1"/>
+              </a:solidFill>
+            </a:endParaRPr>
+          </a:p>
+          <a:p>
+            <a:pPr marL="342900" indent="-342900" algn="l">
+              <a:buFont typeface="Arial" panose="020B0604020202020204" pitchFamily="34" charset="0"/>
+              <a:buChar char="•"/>
+            </a:pPr>
+            <a:endParaRPr lang="en-US" dirty="0">
+              <a:solidFill>
+                <a:schemeClr val="tx1"/>
+              </a:solidFill>
+            </a:endParaRPr>
+          </a:p>
+          <a:p>
+            <a:pPr marL="342900" indent="-342900" algn="l">
+              <a:buFont typeface="Wingdings" panose="05000000000000000000" pitchFamily="2" charset="2"/>
+              <a:buChar char="Ø"/>
+            </a:pPr>
+            <a:r>
+              <a:rPr lang="en-US" dirty="0" smtClean="0">
+                <a:solidFill>
+                  <a:schemeClr val="tx1"/>
+                </a:solidFill>
+              </a:rPr>
+              <a:t>Use </a:t>
+            </a:r>
+            <a:r>
+              <a:rPr lang="en-US" dirty="0" err="1" smtClean="0">
+                <a:solidFill>
+                  <a:schemeClr val="tx1"/>
+                </a:solidFill>
+              </a:rPr>
+              <a:t>localStorage</a:t>
+            </a:r>
+            <a:r>
+              <a:rPr lang="en-US" dirty="0" smtClean="0">
+                <a:solidFill>
+                  <a:schemeClr val="tx1"/>
+                </a:solidFill>
+              </a:rPr>
+              <a:t> when available</a:t>
+            </a:r>
+          </a:p>
+          <a:p>
+            <a:pPr marL="342900" indent="-342900" algn="l">
+              <a:buFont typeface="Wingdings" panose="05000000000000000000" pitchFamily="2" charset="2"/>
+              <a:buChar char="Ø"/>
+            </a:pPr>
+            <a:r>
+              <a:rPr lang="en-US" dirty="0" smtClean="0">
+                <a:solidFill>
+                  <a:schemeClr val="tx1"/>
+                </a:solidFill>
+              </a:rPr>
+              <a:t>Fall back on </a:t>
+            </a:r>
+            <a:r>
+              <a:rPr lang="en-US" dirty="0" err="1" smtClean="0">
+                <a:solidFill>
+                  <a:schemeClr val="tx1"/>
+                </a:solidFill>
+              </a:rPr>
+              <a:t>userData</a:t>
+            </a:r>
+            <a:r>
+              <a:rPr lang="en-US" dirty="0" smtClean="0">
+                <a:solidFill>
+                  <a:schemeClr val="tx1"/>
+                </a:solidFill>
+              </a:rPr>
+              <a:t> in IE5-7</a:t>
+            </a:r>
+          </a:p>
+          <a:p>
+            <a:pPr marL="342900" indent="-342900" algn="l">
+              <a:buFont typeface="Wingdings" panose="05000000000000000000" pitchFamily="2" charset="2"/>
+              <a:buChar char="Ø"/>
+            </a:pPr>
+            <a:r>
+              <a:rPr lang="en-US" dirty="0" smtClean="0">
+                <a:solidFill>
+                  <a:schemeClr val="tx1"/>
+                </a:solidFill>
+              </a:rPr>
+              <a:t>Fall back on in-memory store if </a:t>
+            </a:r>
+            <a:r>
+              <a:rPr lang="en-US" dirty="0" smtClean="0">
+                <a:solidFill>
+                  <a:srgbClr val="FF0000"/>
+                </a:solidFill>
+              </a:rPr>
+              <a:t>none</a:t>
+            </a:r>
+            <a:r>
+              <a:rPr lang="en-US" dirty="0" smtClean="0">
+                <a:solidFill>
+                  <a:schemeClr val="tx1"/>
+                </a:solidFill>
+              </a:rPr>
+              <a:t> storage types available</a:t>
+            </a:r>
+            <a:endParaRPr lang="en-US" dirty="0" smtClean="0">
+              <a:solidFill>
+                <a:schemeClr val="tx1"/>
+              </a:solidFill>
+            </a:endParaRPr>
+          </a:p>
         </p:txBody>
       </p:sp>
     </p:spTree>
     <p:extLst>
       <p:ext uri="{BB962C8B-B14F-4D97-AF65-F5344CB8AC3E}">
-        <p14:creationId xmlns:p14="http://schemas.microsoft.com/office/powerpoint/2010/main" val="2753179042"/>
+        <p14:creationId xmlns:p14="http://schemas.microsoft.com/office/powerpoint/2010/main" val="4200300855"/>
       </p:ext>
     </p:extLst>
   </p:cSld>
@@ -17786,6 +18165,1258 @@
       </p:grpSpPr>
       <p:sp>
         <p:nvSpPr>
+          <p:cNvPr id="3" name="Date Placeholder 2"/>
+          <p:cNvSpPr>
+            <a:spLocks noGrp="1"/>
+          </p:cNvSpPr>
+          <p:nvPr>
+            <p:ph type="dt" sz="half" idx="10"/>
+          </p:nvPr>
+        </p:nvSpPr>
+        <p:spPr>
+          <a:xfrm>
+            <a:off x="0" y="6530996"/>
+            <a:ext cx="2133600" cy="365125"/>
+          </a:xfrm>
+        </p:spPr>
+        <p:txBody>
+          <a:bodyPr/>
+          <a:lstStyle/>
+          <a:p>
+            <a:fld id="{945310C2-C0B2-5241-BEC0-6819B2B3C035}" type="datetime2">
+              <a:rPr lang="en-US" smtClean="0">
+                <a:solidFill>
+                  <a:srgbClr val="FFFFFF"/>
+                </a:solidFill>
+              </a:rPr>
+              <a:pPr/>
+              <a:t>Thursday, April 02, 2015</a:t>
+            </a:fld>
+            <a:endParaRPr lang="en-US" dirty="0">
+              <a:solidFill>
+                <a:srgbClr val="FFFFFF"/>
+              </a:solidFill>
+            </a:endParaRPr>
+          </a:p>
+        </p:txBody>
+      </p:sp>
+      <p:sp>
+        <p:nvSpPr>
+          <p:cNvPr id="4" name="Footer Placeholder 3"/>
+          <p:cNvSpPr>
+            <a:spLocks noGrp="1"/>
+          </p:cNvSpPr>
+          <p:nvPr>
+            <p:ph type="ftr" sz="quarter" idx="11"/>
+          </p:nvPr>
+        </p:nvSpPr>
+        <p:spPr>
+          <a:xfrm>
+            <a:off x="3124200" y="6530996"/>
+            <a:ext cx="2895600" cy="365125"/>
+          </a:xfrm>
+        </p:spPr>
+        <p:txBody>
+          <a:bodyPr/>
+          <a:lstStyle/>
+          <a:p>
+            <a:pPr algn="l"/>
+            <a:r>
+              <a:rPr lang="en-US" smtClean="0">
+                <a:solidFill>
+                  <a:schemeClr val="bg1"/>
+                </a:solidFill>
+              </a:rPr>
+              <a:t>www.qsoftvietnam.com</a:t>
+            </a:r>
+            <a:endParaRPr lang="en-US" dirty="0">
+              <a:solidFill>
+                <a:schemeClr val="bg1"/>
+              </a:solidFill>
+            </a:endParaRPr>
+          </a:p>
+        </p:txBody>
+      </p:sp>
+      <p:sp>
+        <p:nvSpPr>
+          <p:cNvPr id="5" name="Slide Number Placeholder 4"/>
+          <p:cNvSpPr>
+            <a:spLocks noGrp="1"/>
+          </p:cNvSpPr>
+          <p:nvPr>
+            <p:ph type="sldNum" sz="quarter" idx="12"/>
+          </p:nvPr>
+        </p:nvSpPr>
+        <p:spPr>
+          <a:xfrm>
+            <a:off x="6853962" y="6530996"/>
+            <a:ext cx="2133600" cy="365125"/>
+          </a:xfrm>
+        </p:spPr>
+        <p:txBody>
+          <a:bodyPr/>
+          <a:lstStyle/>
+          <a:p>
+            <a:fld id="{FA84A37A-AFC2-4A01-80A1-FC20F2C0D5BB}" type="slidenum">
+              <a:rPr lang="en-US" smtClean="0">
+                <a:solidFill>
+                  <a:srgbClr val="FFFFFF"/>
+                </a:solidFill>
+              </a:rPr>
+              <a:pPr/>
+              <a:t>26</a:t>
+            </a:fld>
+            <a:endParaRPr lang="en-US" dirty="0">
+              <a:solidFill>
+                <a:srgbClr val="FFFFFF"/>
+              </a:solidFill>
+            </a:endParaRPr>
+          </a:p>
+        </p:txBody>
+      </p:sp>
+      <p:sp>
+        <p:nvSpPr>
+          <p:cNvPr id="7" name="Title 1"/>
+          <p:cNvSpPr txBox="1">
+            <a:spLocks/>
+          </p:cNvSpPr>
+          <p:nvPr/>
+        </p:nvSpPr>
+        <p:spPr bwMode="auto">
+          <a:xfrm>
+            <a:off x="267344" y="1018034"/>
+            <a:ext cx="8720218" cy="1143000"/>
+          </a:xfrm>
+          <a:prstGeom prst="rect">
+            <a:avLst/>
+          </a:prstGeom>
+          <a:noFill/>
+          <a:ln w="9525">
+            <a:noFill/>
+            <a:miter lim="800000"/>
+            <a:headEnd/>
+            <a:tailEnd/>
+          </a:ln>
+        </p:spPr>
+        <p:txBody>
+          <a:bodyPr vert="horz" wrap="square" lIns="91440" tIns="45720" rIns="91440" bIns="45720" numCol="1" anchor="ctr" anchorCtr="0" compatLnSpc="1">
+            <a:prstTxWarp prst="textNoShape">
+              <a:avLst/>
+            </a:prstTxWarp>
+          </a:bodyPr>
+          <a:lstStyle>
+            <a:lvl1pPr algn="ctr" rtl="0" eaLnBrk="1" fontAlgn="base" hangingPunct="1">
+              <a:spcBef>
+                <a:spcPct val="0"/>
+              </a:spcBef>
+              <a:spcAft>
+                <a:spcPct val="0"/>
+              </a:spcAft>
+              <a:defRPr sz="4400" kern="1200">
+                <a:solidFill>
+                  <a:schemeClr val="tx1"/>
+                </a:solidFill>
+                <a:latin typeface="+mj-lt"/>
+                <a:ea typeface="+mj-ea"/>
+                <a:cs typeface="+mj-cs"/>
+              </a:defRPr>
+            </a:lvl1pPr>
+            <a:lvl2pPr algn="ctr" rtl="0" eaLnBrk="1" fontAlgn="base" hangingPunct="1">
+              <a:spcBef>
+                <a:spcPct val="0"/>
+              </a:spcBef>
+              <a:spcAft>
+                <a:spcPct val="0"/>
+              </a:spcAft>
+              <a:defRPr sz="4400">
+                <a:solidFill>
+                  <a:schemeClr val="tx1"/>
+                </a:solidFill>
+                <a:latin typeface="Arial" charset="0"/>
+              </a:defRPr>
+            </a:lvl2pPr>
+            <a:lvl3pPr algn="ctr" rtl="0" eaLnBrk="1" fontAlgn="base" hangingPunct="1">
+              <a:spcBef>
+                <a:spcPct val="0"/>
+              </a:spcBef>
+              <a:spcAft>
+                <a:spcPct val="0"/>
+              </a:spcAft>
+              <a:defRPr sz="4400">
+                <a:solidFill>
+                  <a:schemeClr val="tx1"/>
+                </a:solidFill>
+                <a:latin typeface="Arial" charset="0"/>
+              </a:defRPr>
+            </a:lvl3pPr>
+            <a:lvl4pPr algn="ctr" rtl="0" eaLnBrk="1" fontAlgn="base" hangingPunct="1">
+              <a:spcBef>
+                <a:spcPct val="0"/>
+              </a:spcBef>
+              <a:spcAft>
+                <a:spcPct val="0"/>
+              </a:spcAft>
+              <a:defRPr sz="4400">
+                <a:solidFill>
+                  <a:schemeClr val="tx1"/>
+                </a:solidFill>
+                <a:latin typeface="Arial" charset="0"/>
+              </a:defRPr>
+            </a:lvl4pPr>
+            <a:lvl5pPr algn="ctr" rtl="0" eaLnBrk="1" fontAlgn="base" hangingPunct="1">
+              <a:spcBef>
+                <a:spcPct val="0"/>
+              </a:spcBef>
+              <a:spcAft>
+                <a:spcPct val="0"/>
+              </a:spcAft>
+              <a:defRPr sz="4400">
+                <a:solidFill>
+                  <a:schemeClr val="tx1"/>
+                </a:solidFill>
+                <a:latin typeface="Arial" charset="0"/>
+              </a:defRPr>
+            </a:lvl5pPr>
+            <a:lvl6pPr marL="457200" algn="ctr" rtl="0" eaLnBrk="1" fontAlgn="base" hangingPunct="1">
+              <a:spcBef>
+                <a:spcPct val="0"/>
+              </a:spcBef>
+              <a:spcAft>
+                <a:spcPct val="0"/>
+              </a:spcAft>
+              <a:defRPr sz="4400">
+                <a:solidFill>
+                  <a:schemeClr val="tx1"/>
+                </a:solidFill>
+                <a:latin typeface="Lucida Sans" pitchFamily="34" charset="0"/>
+              </a:defRPr>
+            </a:lvl6pPr>
+            <a:lvl7pPr marL="914400" algn="ctr" rtl="0" eaLnBrk="1" fontAlgn="base" hangingPunct="1">
+              <a:spcBef>
+                <a:spcPct val="0"/>
+              </a:spcBef>
+              <a:spcAft>
+                <a:spcPct val="0"/>
+              </a:spcAft>
+              <a:defRPr sz="4400">
+                <a:solidFill>
+                  <a:schemeClr val="tx1"/>
+                </a:solidFill>
+                <a:latin typeface="Lucida Sans" pitchFamily="34" charset="0"/>
+              </a:defRPr>
+            </a:lvl7pPr>
+            <a:lvl8pPr marL="1371600" algn="ctr" rtl="0" eaLnBrk="1" fontAlgn="base" hangingPunct="1">
+              <a:spcBef>
+                <a:spcPct val="0"/>
+              </a:spcBef>
+              <a:spcAft>
+                <a:spcPct val="0"/>
+              </a:spcAft>
+              <a:defRPr sz="4400">
+                <a:solidFill>
+                  <a:schemeClr val="tx1"/>
+                </a:solidFill>
+                <a:latin typeface="Lucida Sans" pitchFamily="34" charset="0"/>
+              </a:defRPr>
+            </a:lvl8pPr>
+            <a:lvl9pPr marL="1828800" algn="ctr" rtl="0" eaLnBrk="1" fontAlgn="base" hangingPunct="1">
+              <a:spcBef>
+                <a:spcPct val="0"/>
+              </a:spcBef>
+              <a:spcAft>
+                <a:spcPct val="0"/>
+              </a:spcAft>
+              <a:defRPr sz="4400">
+                <a:solidFill>
+                  <a:schemeClr val="tx1"/>
+                </a:solidFill>
+                <a:latin typeface="Lucida Sans" pitchFamily="34" charset="0"/>
+              </a:defRPr>
+            </a:lvl9pPr>
+          </a:lstStyle>
+          <a:p>
+            <a:r>
+              <a:rPr lang="en-US" sz="4000" dirty="0" smtClean="0">
+                <a:latin typeface="Constantia"/>
+                <a:cs typeface="Constantia"/>
+              </a:rPr>
+              <a:t>Old browser?</a:t>
+            </a:r>
+            <a:endParaRPr lang="en-US" sz="4000" dirty="0">
+              <a:latin typeface="Constantia"/>
+              <a:cs typeface="Constantia"/>
+            </a:endParaRPr>
+          </a:p>
+        </p:txBody>
+      </p:sp>
+      <p:sp>
+        <p:nvSpPr>
+          <p:cNvPr id="9" name="Content Placeholder 2"/>
+          <p:cNvSpPr txBox="1">
+            <a:spLocks/>
+          </p:cNvSpPr>
+          <p:nvPr/>
+        </p:nvSpPr>
+        <p:spPr bwMode="auto">
+          <a:xfrm>
+            <a:off x="457200" y="2161034"/>
+            <a:ext cx="8229600" cy="4369962"/>
+          </a:xfrm>
+          <a:prstGeom prst="rect">
+            <a:avLst/>
+          </a:prstGeom>
+          <a:noFill/>
+          <a:ln w="9525">
+            <a:noFill/>
+            <a:miter lim="800000"/>
+            <a:headEnd/>
+            <a:tailEnd/>
+          </a:ln>
+        </p:spPr>
+        <p:txBody>
+          <a:bodyPr vert="horz" wrap="square" lIns="91440" tIns="45720" rIns="91440" bIns="45720" numCol="1" anchor="t" anchorCtr="0" compatLnSpc="1">
+            <a:prstTxWarp prst="textNoShape">
+              <a:avLst/>
+            </a:prstTxWarp>
+          </a:bodyPr>
+          <a:lstStyle>
+            <a:lvl1pPr marL="0" indent="0" algn="ctr" rtl="0" eaLnBrk="1" fontAlgn="base" hangingPunct="1">
+              <a:spcBef>
+                <a:spcPct val="20000"/>
+              </a:spcBef>
+              <a:spcAft>
+                <a:spcPct val="0"/>
+              </a:spcAft>
+              <a:buFont typeface="Arial" charset="0"/>
+              <a:buNone/>
+              <a:defRPr sz="2400" kern="1200">
+                <a:solidFill>
+                  <a:schemeClr val="tx1">
+                    <a:tint val="75000"/>
+                  </a:schemeClr>
+                </a:solidFill>
+                <a:latin typeface="+mn-lt"/>
+                <a:ea typeface="+mn-ea"/>
+                <a:cs typeface="+mn-cs"/>
+              </a:defRPr>
+            </a:lvl1pPr>
+            <a:lvl2pPr marL="457200" indent="0" algn="ctr" rtl="0" eaLnBrk="1" fontAlgn="base" hangingPunct="1">
+              <a:spcBef>
+                <a:spcPct val="20000"/>
+              </a:spcBef>
+              <a:spcAft>
+                <a:spcPct val="0"/>
+              </a:spcAft>
+              <a:buFont typeface="Arial" charset="0"/>
+              <a:buNone/>
+              <a:defRPr sz="2000" kern="1200">
+                <a:solidFill>
+                  <a:schemeClr val="tx1">
+                    <a:tint val="75000"/>
+                  </a:schemeClr>
+                </a:solidFill>
+                <a:latin typeface="+mn-lt"/>
+                <a:ea typeface="+mn-ea"/>
+                <a:cs typeface="+mn-cs"/>
+              </a:defRPr>
+            </a:lvl2pPr>
+            <a:lvl3pPr marL="914400" indent="0" algn="ctr" rtl="0" eaLnBrk="1" fontAlgn="base" hangingPunct="1">
+              <a:spcBef>
+                <a:spcPct val="20000"/>
+              </a:spcBef>
+              <a:spcAft>
+                <a:spcPct val="0"/>
+              </a:spcAft>
+              <a:buFont typeface="Arial" charset="0"/>
+              <a:buNone/>
+              <a:defRPr kern="1200">
+                <a:solidFill>
+                  <a:schemeClr val="tx1">
+                    <a:tint val="75000"/>
+                  </a:schemeClr>
+                </a:solidFill>
+                <a:latin typeface="+mn-lt"/>
+                <a:ea typeface="+mn-ea"/>
+                <a:cs typeface="+mn-cs"/>
+              </a:defRPr>
+            </a:lvl3pPr>
+            <a:lvl4pPr marL="1371600" indent="0" algn="ctr" rtl="0" eaLnBrk="1" fontAlgn="base" hangingPunct="1">
+              <a:spcBef>
+                <a:spcPct val="20000"/>
+              </a:spcBef>
+              <a:spcAft>
+                <a:spcPct val="0"/>
+              </a:spcAft>
+              <a:buFont typeface="Arial" charset="0"/>
+              <a:buNone/>
+              <a:defRPr sz="1600" kern="1200">
+                <a:solidFill>
+                  <a:schemeClr val="tx1">
+                    <a:tint val="75000"/>
+                  </a:schemeClr>
+                </a:solidFill>
+                <a:latin typeface="+mn-lt"/>
+                <a:ea typeface="+mn-ea"/>
+                <a:cs typeface="+mn-cs"/>
+              </a:defRPr>
+            </a:lvl4pPr>
+            <a:lvl5pPr marL="1828800" indent="0" algn="ctr" rtl="0" eaLnBrk="1" fontAlgn="base" hangingPunct="1">
+              <a:spcBef>
+                <a:spcPct val="20000"/>
+              </a:spcBef>
+              <a:spcAft>
+                <a:spcPct val="0"/>
+              </a:spcAft>
+              <a:buFont typeface="Arial" charset="0"/>
+              <a:buNone/>
+              <a:defRPr sz="1600" kern="1200">
+                <a:solidFill>
+                  <a:schemeClr val="tx1">
+                    <a:tint val="75000"/>
+                  </a:schemeClr>
+                </a:solidFill>
+                <a:latin typeface="+mn-lt"/>
+                <a:ea typeface="+mn-ea"/>
+                <a:cs typeface="+mn-cs"/>
+              </a:defRPr>
+            </a:lvl5pPr>
+            <a:lvl6pPr marL="2286000" indent="0" algn="ctr" defTabSz="914400" rtl="0" eaLnBrk="1" latinLnBrk="0" hangingPunct="1">
+              <a:spcBef>
+                <a:spcPct val="20000"/>
+              </a:spcBef>
+              <a:buFont typeface="Arial" pitchFamily="34" charset="0"/>
+              <a:buNone/>
+              <a:defRPr sz="2000" kern="1200">
+                <a:solidFill>
+                  <a:schemeClr val="tx1">
+                    <a:tint val="75000"/>
+                  </a:schemeClr>
+                </a:solidFill>
+                <a:latin typeface="+mn-lt"/>
+                <a:ea typeface="+mn-ea"/>
+                <a:cs typeface="+mn-cs"/>
+              </a:defRPr>
+            </a:lvl6pPr>
+            <a:lvl7pPr marL="2743200" indent="0" algn="ctr" defTabSz="914400" rtl="0" eaLnBrk="1" latinLnBrk="0" hangingPunct="1">
+              <a:spcBef>
+                <a:spcPct val="20000"/>
+              </a:spcBef>
+              <a:buFont typeface="Arial" pitchFamily="34" charset="0"/>
+              <a:buNone/>
+              <a:defRPr sz="2000" kern="1200">
+                <a:solidFill>
+                  <a:schemeClr val="tx1">
+                    <a:tint val="75000"/>
+                  </a:schemeClr>
+                </a:solidFill>
+                <a:latin typeface="+mn-lt"/>
+                <a:ea typeface="+mn-ea"/>
+                <a:cs typeface="+mn-cs"/>
+              </a:defRPr>
+            </a:lvl7pPr>
+            <a:lvl8pPr marL="3200400" indent="0" algn="ctr" defTabSz="914400" rtl="0" eaLnBrk="1" latinLnBrk="0" hangingPunct="1">
+              <a:spcBef>
+                <a:spcPct val="20000"/>
+              </a:spcBef>
+              <a:buFont typeface="Arial" pitchFamily="34" charset="0"/>
+              <a:buNone/>
+              <a:defRPr sz="2000" kern="1200">
+                <a:solidFill>
+                  <a:schemeClr val="tx1">
+                    <a:tint val="75000"/>
+                  </a:schemeClr>
+                </a:solidFill>
+                <a:latin typeface="+mn-lt"/>
+                <a:ea typeface="+mn-ea"/>
+                <a:cs typeface="+mn-cs"/>
+              </a:defRPr>
+            </a:lvl8pPr>
+            <a:lvl9pPr marL="3657600" indent="0" algn="ctr" defTabSz="914400" rtl="0" eaLnBrk="1" latinLnBrk="0" hangingPunct="1">
+              <a:spcBef>
+                <a:spcPct val="20000"/>
+              </a:spcBef>
+              <a:buFont typeface="Arial" pitchFamily="34" charset="0"/>
+              <a:buNone/>
+              <a:defRPr sz="2000" kern="1200">
+                <a:solidFill>
+                  <a:schemeClr val="tx1">
+                    <a:tint val="75000"/>
+                  </a:schemeClr>
+                </a:solidFill>
+                <a:latin typeface="+mn-lt"/>
+                <a:ea typeface="+mn-ea"/>
+                <a:cs typeface="+mn-cs"/>
+              </a:defRPr>
+            </a:lvl9pPr>
+          </a:lstStyle>
+          <a:p>
+            <a:pPr marL="342900" indent="-342900" algn="l">
+              <a:buFont typeface="Arial" panose="020B0604020202020204" pitchFamily="34" charset="0"/>
+              <a:buChar char="•"/>
+            </a:pPr>
+            <a:r>
+              <a:rPr lang="en-US" dirty="0" smtClean="0">
+                <a:solidFill>
+                  <a:schemeClr val="tx1"/>
+                </a:solidFill>
+              </a:rPr>
+              <a:t>Example with </a:t>
+            </a:r>
+            <a:r>
+              <a:rPr lang="en-US" dirty="0" smtClean="0">
+                <a:solidFill>
+                  <a:schemeClr val="tx1"/>
+                </a:solidFill>
+                <a:hlinkClick r:id="rId2"/>
+              </a:rPr>
+              <a:t>store.js</a:t>
+            </a:r>
+            <a:endParaRPr lang="en-US" dirty="0" smtClean="0">
+              <a:solidFill>
+                <a:schemeClr val="tx1"/>
+              </a:solidFill>
+            </a:endParaRPr>
+          </a:p>
+        </p:txBody>
+      </p:sp>
+      <p:pic>
+        <p:nvPicPr>
+          <p:cNvPr id="2" name="Picture 1"/>
+          <p:cNvPicPr>
+            <a:picLocks noChangeAspect="1"/>
+          </p:cNvPicPr>
+          <p:nvPr/>
+        </p:nvPicPr>
+        <p:blipFill>
+          <a:blip r:embed="rId3">
+            <a:extLst>
+              <a:ext uri="{28A0092B-C50C-407E-A947-70E740481C1C}">
+                <a14:useLocalDpi xmlns:a14="http://schemas.microsoft.com/office/drawing/2010/main" val="0"/>
+              </a:ext>
+            </a:extLst>
+          </a:blip>
+          <a:stretch>
+            <a:fillRect/>
+          </a:stretch>
+        </p:blipFill>
+        <p:spPr>
+          <a:xfrm>
+            <a:off x="271272" y="2716293"/>
+            <a:ext cx="8717759" cy="3449577"/>
+          </a:xfrm>
+          <a:prstGeom prst="rect">
+            <a:avLst/>
+          </a:prstGeom>
+        </p:spPr>
+      </p:pic>
+    </p:spTree>
+    <p:extLst>
+      <p:ext uri="{BB962C8B-B14F-4D97-AF65-F5344CB8AC3E}">
+        <p14:creationId xmlns:p14="http://schemas.microsoft.com/office/powerpoint/2010/main" val="4216832381"/>
+      </p:ext>
+    </p:extLst>
+  </p:cSld>
+  <p:clrMapOvr>
+    <a:masterClrMapping/>
+  </p:clrMapOvr>
+  <mc:AlternateContent xmlns:mc="http://schemas.openxmlformats.org/markup-compatibility/2006" xmlns:p14="http://schemas.microsoft.com/office/powerpoint/2010/main">
+    <mc:Choice Requires="p14">
+      <p:transition p14:dur="100">
+        <p:cut/>
+      </p:transition>
+    </mc:Choice>
+    <mc:Fallback xmlns="">
+      <p:transition>
+        <p:cut/>
+      </p:transition>
+    </mc:Fallback>
+  </mc:AlternateContent>
+  <p:timing>
+    <p:tnLst>
+      <p:par>
+        <p:cTn id="1" dur="indefinite" restart="never" nodeType="tmRoot"/>
+      </p:par>
+    </p:tnLst>
+  </p:timing>
+</p:sld>
+</file>
+
+<file path=ppt/slides/slide27.xml><?xml version="1.0" encoding="utf-8"?>
+<p:sld xmlns:a="http://schemas.openxmlformats.org/drawingml/2006/main" xmlns:r="http://schemas.openxmlformats.org/officeDocument/2006/relationships" xmlns:p="http://schemas.openxmlformats.org/presentationml/2006/main">
+  <p:cSld>
+    <p:spTree>
+      <p:nvGrpSpPr>
+        <p:cNvPr id="1" name=""/>
+        <p:cNvGrpSpPr/>
+        <p:nvPr/>
+      </p:nvGrpSpPr>
+      <p:grpSpPr>
+        <a:xfrm>
+          <a:off x="0" y="0"/>
+          <a:ext cx="0" cy="0"/>
+          <a:chOff x="0" y="0"/>
+          <a:chExt cx="0" cy="0"/>
+        </a:xfrm>
+      </p:grpSpPr>
+      <p:sp>
+        <p:nvSpPr>
+          <p:cNvPr id="3" name="Date Placeholder 2"/>
+          <p:cNvSpPr>
+            <a:spLocks noGrp="1"/>
+          </p:cNvSpPr>
+          <p:nvPr>
+            <p:ph type="dt" sz="half" idx="10"/>
+          </p:nvPr>
+        </p:nvSpPr>
+        <p:spPr>
+          <a:xfrm>
+            <a:off x="0" y="6530996"/>
+            <a:ext cx="2133600" cy="365125"/>
+          </a:xfrm>
+        </p:spPr>
+        <p:txBody>
+          <a:bodyPr/>
+          <a:lstStyle/>
+          <a:p>
+            <a:fld id="{945310C2-C0B2-5241-BEC0-6819B2B3C035}" type="datetime2">
+              <a:rPr lang="en-US" smtClean="0">
+                <a:solidFill>
+                  <a:srgbClr val="FFFFFF"/>
+                </a:solidFill>
+              </a:rPr>
+              <a:pPr/>
+              <a:t>Friday, April 03, 2015</a:t>
+            </a:fld>
+            <a:endParaRPr lang="en-US" dirty="0">
+              <a:solidFill>
+                <a:srgbClr val="FFFFFF"/>
+              </a:solidFill>
+            </a:endParaRPr>
+          </a:p>
+        </p:txBody>
+      </p:sp>
+      <p:sp>
+        <p:nvSpPr>
+          <p:cNvPr id="4" name="Footer Placeholder 3"/>
+          <p:cNvSpPr>
+            <a:spLocks noGrp="1"/>
+          </p:cNvSpPr>
+          <p:nvPr>
+            <p:ph type="ftr" sz="quarter" idx="11"/>
+          </p:nvPr>
+        </p:nvSpPr>
+        <p:spPr>
+          <a:xfrm>
+            <a:off x="3124200" y="6530996"/>
+            <a:ext cx="2895600" cy="365125"/>
+          </a:xfrm>
+        </p:spPr>
+        <p:txBody>
+          <a:bodyPr/>
+          <a:lstStyle/>
+          <a:p>
+            <a:pPr algn="l"/>
+            <a:r>
+              <a:rPr lang="en-US" dirty="0" smtClean="0">
+                <a:solidFill>
+                  <a:schemeClr val="bg1"/>
+                </a:solidFill>
+              </a:rPr>
+              <a:t>www.qsoftvietnam.com</a:t>
+            </a:r>
+            <a:endParaRPr lang="en-US" dirty="0">
+              <a:solidFill>
+                <a:schemeClr val="bg1"/>
+              </a:solidFill>
+            </a:endParaRPr>
+          </a:p>
+        </p:txBody>
+      </p:sp>
+      <p:sp>
+        <p:nvSpPr>
+          <p:cNvPr id="5" name="Slide Number Placeholder 4"/>
+          <p:cNvSpPr>
+            <a:spLocks noGrp="1"/>
+          </p:cNvSpPr>
+          <p:nvPr>
+            <p:ph type="sldNum" sz="quarter" idx="12"/>
+          </p:nvPr>
+        </p:nvSpPr>
+        <p:spPr>
+          <a:xfrm>
+            <a:off x="6853962" y="6530996"/>
+            <a:ext cx="2133600" cy="365125"/>
+          </a:xfrm>
+        </p:spPr>
+        <p:txBody>
+          <a:bodyPr/>
+          <a:lstStyle/>
+          <a:p>
+            <a:fld id="{FA84A37A-AFC2-4A01-80A1-FC20F2C0D5BB}" type="slidenum">
+              <a:rPr lang="en-US" smtClean="0">
+                <a:solidFill>
+                  <a:srgbClr val="FFFFFF"/>
+                </a:solidFill>
+              </a:rPr>
+              <a:pPr/>
+              <a:t>27</a:t>
+            </a:fld>
+            <a:endParaRPr lang="en-US" dirty="0">
+              <a:solidFill>
+                <a:srgbClr val="FFFFFF"/>
+              </a:solidFill>
+            </a:endParaRPr>
+          </a:p>
+        </p:txBody>
+      </p:sp>
+      <p:sp>
+        <p:nvSpPr>
+          <p:cNvPr id="7" name="Title 1"/>
+          <p:cNvSpPr txBox="1">
+            <a:spLocks/>
+          </p:cNvSpPr>
+          <p:nvPr/>
+        </p:nvSpPr>
+        <p:spPr bwMode="auto">
+          <a:xfrm>
+            <a:off x="267344" y="1018034"/>
+            <a:ext cx="8720218" cy="1143000"/>
+          </a:xfrm>
+          <a:prstGeom prst="rect">
+            <a:avLst/>
+          </a:prstGeom>
+          <a:noFill/>
+          <a:ln w="9525">
+            <a:noFill/>
+            <a:miter lim="800000"/>
+            <a:headEnd/>
+            <a:tailEnd/>
+          </a:ln>
+        </p:spPr>
+        <p:txBody>
+          <a:bodyPr vert="horz" wrap="square" lIns="91440" tIns="45720" rIns="91440" bIns="45720" numCol="1" anchor="ctr" anchorCtr="0" compatLnSpc="1">
+            <a:prstTxWarp prst="textNoShape">
+              <a:avLst/>
+            </a:prstTxWarp>
+          </a:bodyPr>
+          <a:lstStyle>
+            <a:lvl1pPr algn="ctr" rtl="0" eaLnBrk="1" fontAlgn="base" hangingPunct="1">
+              <a:spcBef>
+                <a:spcPct val="0"/>
+              </a:spcBef>
+              <a:spcAft>
+                <a:spcPct val="0"/>
+              </a:spcAft>
+              <a:defRPr sz="4400" kern="1200">
+                <a:solidFill>
+                  <a:schemeClr val="tx1"/>
+                </a:solidFill>
+                <a:latin typeface="+mj-lt"/>
+                <a:ea typeface="+mj-ea"/>
+                <a:cs typeface="+mj-cs"/>
+              </a:defRPr>
+            </a:lvl1pPr>
+            <a:lvl2pPr algn="ctr" rtl="0" eaLnBrk="1" fontAlgn="base" hangingPunct="1">
+              <a:spcBef>
+                <a:spcPct val="0"/>
+              </a:spcBef>
+              <a:spcAft>
+                <a:spcPct val="0"/>
+              </a:spcAft>
+              <a:defRPr sz="4400">
+                <a:solidFill>
+                  <a:schemeClr val="tx1"/>
+                </a:solidFill>
+                <a:latin typeface="Arial" charset="0"/>
+              </a:defRPr>
+            </a:lvl2pPr>
+            <a:lvl3pPr algn="ctr" rtl="0" eaLnBrk="1" fontAlgn="base" hangingPunct="1">
+              <a:spcBef>
+                <a:spcPct val="0"/>
+              </a:spcBef>
+              <a:spcAft>
+                <a:spcPct val="0"/>
+              </a:spcAft>
+              <a:defRPr sz="4400">
+                <a:solidFill>
+                  <a:schemeClr val="tx1"/>
+                </a:solidFill>
+                <a:latin typeface="Arial" charset="0"/>
+              </a:defRPr>
+            </a:lvl3pPr>
+            <a:lvl4pPr algn="ctr" rtl="0" eaLnBrk="1" fontAlgn="base" hangingPunct="1">
+              <a:spcBef>
+                <a:spcPct val="0"/>
+              </a:spcBef>
+              <a:spcAft>
+                <a:spcPct val="0"/>
+              </a:spcAft>
+              <a:defRPr sz="4400">
+                <a:solidFill>
+                  <a:schemeClr val="tx1"/>
+                </a:solidFill>
+                <a:latin typeface="Arial" charset="0"/>
+              </a:defRPr>
+            </a:lvl4pPr>
+            <a:lvl5pPr algn="ctr" rtl="0" eaLnBrk="1" fontAlgn="base" hangingPunct="1">
+              <a:spcBef>
+                <a:spcPct val="0"/>
+              </a:spcBef>
+              <a:spcAft>
+                <a:spcPct val="0"/>
+              </a:spcAft>
+              <a:defRPr sz="4400">
+                <a:solidFill>
+                  <a:schemeClr val="tx1"/>
+                </a:solidFill>
+                <a:latin typeface="Arial" charset="0"/>
+              </a:defRPr>
+            </a:lvl5pPr>
+            <a:lvl6pPr marL="457200" algn="ctr" rtl="0" eaLnBrk="1" fontAlgn="base" hangingPunct="1">
+              <a:spcBef>
+                <a:spcPct val="0"/>
+              </a:spcBef>
+              <a:spcAft>
+                <a:spcPct val="0"/>
+              </a:spcAft>
+              <a:defRPr sz="4400">
+                <a:solidFill>
+                  <a:schemeClr val="tx1"/>
+                </a:solidFill>
+                <a:latin typeface="Lucida Sans" pitchFamily="34" charset="0"/>
+              </a:defRPr>
+            </a:lvl6pPr>
+            <a:lvl7pPr marL="914400" algn="ctr" rtl="0" eaLnBrk="1" fontAlgn="base" hangingPunct="1">
+              <a:spcBef>
+                <a:spcPct val="0"/>
+              </a:spcBef>
+              <a:spcAft>
+                <a:spcPct val="0"/>
+              </a:spcAft>
+              <a:defRPr sz="4400">
+                <a:solidFill>
+                  <a:schemeClr val="tx1"/>
+                </a:solidFill>
+                <a:latin typeface="Lucida Sans" pitchFamily="34" charset="0"/>
+              </a:defRPr>
+            </a:lvl7pPr>
+            <a:lvl8pPr marL="1371600" algn="ctr" rtl="0" eaLnBrk="1" fontAlgn="base" hangingPunct="1">
+              <a:spcBef>
+                <a:spcPct val="0"/>
+              </a:spcBef>
+              <a:spcAft>
+                <a:spcPct val="0"/>
+              </a:spcAft>
+              <a:defRPr sz="4400">
+                <a:solidFill>
+                  <a:schemeClr val="tx1"/>
+                </a:solidFill>
+                <a:latin typeface="Lucida Sans" pitchFamily="34" charset="0"/>
+              </a:defRPr>
+            </a:lvl8pPr>
+            <a:lvl9pPr marL="1828800" algn="ctr" rtl="0" eaLnBrk="1" fontAlgn="base" hangingPunct="1">
+              <a:spcBef>
+                <a:spcPct val="0"/>
+              </a:spcBef>
+              <a:spcAft>
+                <a:spcPct val="0"/>
+              </a:spcAft>
+              <a:defRPr sz="4400">
+                <a:solidFill>
+                  <a:schemeClr val="tx1"/>
+                </a:solidFill>
+                <a:latin typeface="Lucida Sans" pitchFamily="34" charset="0"/>
+              </a:defRPr>
+            </a:lvl9pPr>
+          </a:lstStyle>
+          <a:p>
+            <a:r>
+              <a:rPr lang="en-US" sz="4000" dirty="0" smtClean="0">
+                <a:latin typeface="Constantia"/>
+                <a:cs typeface="Constantia"/>
+              </a:rPr>
+              <a:t>Demo</a:t>
+            </a:r>
+            <a:endParaRPr lang="en-US" sz="4000" dirty="0">
+              <a:latin typeface="Constantia"/>
+              <a:cs typeface="Constantia"/>
+            </a:endParaRPr>
+          </a:p>
+        </p:txBody>
+      </p:sp>
+      <p:sp>
+        <p:nvSpPr>
+          <p:cNvPr id="9" name="Content Placeholder 2"/>
+          <p:cNvSpPr txBox="1">
+            <a:spLocks/>
+          </p:cNvSpPr>
+          <p:nvPr/>
+        </p:nvSpPr>
+        <p:spPr bwMode="auto">
+          <a:xfrm>
+            <a:off x="457200" y="2161034"/>
+            <a:ext cx="8229600" cy="4369962"/>
+          </a:xfrm>
+          <a:prstGeom prst="rect">
+            <a:avLst/>
+          </a:prstGeom>
+          <a:noFill/>
+          <a:ln w="9525">
+            <a:noFill/>
+            <a:miter lim="800000"/>
+            <a:headEnd/>
+            <a:tailEnd/>
+          </a:ln>
+        </p:spPr>
+        <p:txBody>
+          <a:bodyPr vert="horz" wrap="square" lIns="91440" tIns="45720" rIns="91440" bIns="45720" numCol="1" anchor="t" anchorCtr="0" compatLnSpc="1">
+            <a:prstTxWarp prst="textNoShape">
+              <a:avLst/>
+            </a:prstTxWarp>
+          </a:bodyPr>
+          <a:lstStyle>
+            <a:lvl1pPr marL="0" indent="0" algn="ctr" rtl="0" eaLnBrk="1" fontAlgn="base" hangingPunct="1">
+              <a:spcBef>
+                <a:spcPct val="20000"/>
+              </a:spcBef>
+              <a:spcAft>
+                <a:spcPct val="0"/>
+              </a:spcAft>
+              <a:buFont typeface="Arial" charset="0"/>
+              <a:buNone/>
+              <a:defRPr sz="2400" kern="1200">
+                <a:solidFill>
+                  <a:schemeClr val="tx1">
+                    <a:tint val="75000"/>
+                  </a:schemeClr>
+                </a:solidFill>
+                <a:latin typeface="+mn-lt"/>
+                <a:ea typeface="+mn-ea"/>
+                <a:cs typeface="+mn-cs"/>
+              </a:defRPr>
+            </a:lvl1pPr>
+            <a:lvl2pPr marL="457200" indent="0" algn="ctr" rtl="0" eaLnBrk="1" fontAlgn="base" hangingPunct="1">
+              <a:spcBef>
+                <a:spcPct val="20000"/>
+              </a:spcBef>
+              <a:spcAft>
+                <a:spcPct val="0"/>
+              </a:spcAft>
+              <a:buFont typeface="Arial" charset="0"/>
+              <a:buNone/>
+              <a:defRPr sz="2000" kern="1200">
+                <a:solidFill>
+                  <a:schemeClr val="tx1">
+                    <a:tint val="75000"/>
+                  </a:schemeClr>
+                </a:solidFill>
+                <a:latin typeface="+mn-lt"/>
+                <a:ea typeface="+mn-ea"/>
+                <a:cs typeface="+mn-cs"/>
+              </a:defRPr>
+            </a:lvl2pPr>
+            <a:lvl3pPr marL="914400" indent="0" algn="ctr" rtl="0" eaLnBrk="1" fontAlgn="base" hangingPunct="1">
+              <a:spcBef>
+                <a:spcPct val="20000"/>
+              </a:spcBef>
+              <a:spcAft>
+                <a:spcPct val="0"/>
+              </a:spcAft>
+              <a:buFont typeface="Arial" charset="0"/>
+              <a:buNone/>
+              <a:defRPr kern="1200">
+                <a:solidFill>
+                  <a:schemeClr val="tx1">
+                    <a:tint val="75000"/>
+                  </a:schemeClr>
+                </a:solidFill>
+                <a:latin typeface="+mn-lt"/>
+                <a:ea typeface="+mn-ea"/>
+                <a:cs typeface="+mn-cs"/>
+              </a:defRPr>
+            </a:lvl3pPr>
+            <a:lvl4pPr marL="1371600" indent="0" algn="ctr" rtl="0" eaLnBrk="1" fontAlgn="base" hangingPunct="1">
+              <a:spcBef>
+                <a:spcPct val="20000"/>
+              </a:spcBef>
+              <a:spcAft>
+                <a:spcPct val="0"/>
+              </a:spcAft>
+              <a:buFont typeface="Arial" charset="0"/>
+              <a:buNone/>
+              <a:defRPr sz="1600" kern="1200">
+                <a:solidFill>
+                  <a:schemeClr val="tx1">
+                    <a:tint val="75000"/>
+                  </a:schemeClr>
+                </a:solidFill>
+                <a:latin typeface="+mn-lt"/>
+                <a:ea typeface="+mn-ea"/>
+                <a:cs typeface="+mn-cs"/>
+              </a:defRPr>
+            </a:lvl4pPr>
+            <a:lvl5pPr marL="1828800" indent="0" algn="ctr" rtl="0" eaLnBrk="1" fontAlgn="base" hangingPunct="1">
+              <a:spcBef>
+                <a:spcPct val="20000"/>
+              </a:spcBef>
+              <a:spcAft>
+                <a:spcPct val="0"/>
+              </a:spcAft>
+              <a:buFont typeface="Arial" charset="0"/>
+              <a:buNone/>
+              <a:defRPr sz="1600" kern="1200">
+                <a:solidFill>
+                  <a:schemeClr val="tx1">
+                    <a:tint val="75000"/>
+                  </a:schemeClr>
+                </a:solidFill>
+                <a:latin typeface="+mn-lt"/>
+                <a:ea typeface="+mn-ea"/>
+                <a:cs typeface="+mn-cs"/>
+              </a:defRPr>
+            </a:lvl5pPr>
+            <a:lvl6pPr marL="2286000" indent="0" algn="ctr" defTabSz="914400" rtl="0" eaLnBrk="1" latinLnBrk="0" hangingPunct="1">
+              <a:spcBef>
+                <a:spcPct val="20000"/>
+              </a:spcBef>
+              <a:buFont typeface="Arial" pitchFamily="34" charset="0"/>
+              <a:buNone/>
+              <a:defRPr sz="2000" kern="1200">
+                <a:solidFill>
+                  <a:schemeClr val="tx1">
+                    <a:tint val="75000"/>
+                  </a:schemeClr>
+                </a:solidFill>
+                <a:latin typeface="+mn-lt"/>
+                <a:ea typeface="+mn-ea"/>
+                <a:cs typeface="+mn-cs"/>
+              </a:defRPr>
+            </a:lvl6pPr>
+            <a:lvl7pPr marL="2743200" indent="0" algn="ctr" defTabSz="914400" rtl="0" eaLnBrk="1" latinLnBrk="0" hangingPunct="1">
+              <a:spcBef>
+                <a:spcPct val="20000"/>
+              </a:spcBef>
+              <a:buFont typeface="Arial" pitchFamily="34" charset="0"/>
+              <a:buNone/>
+              <a:defRPr sz="2000" kern="1200">
+                <a:solidFill>
+                  <a:schemeClr val="tx1">
+                    <a:tint val="75000"/>
+                  </a:schemeClr>
+                </a:solidFill>
+                <a:latin typeface="+mn-lt"/>
+                <a:ea typeface="+mn-ea"/>
+                <a:cs typeface="+mn-cs"/>
+              </a:defRPr>
+            </a:lvl7pPr>
+            <a:lvl8pPr marL="3200400" indent="0" algn="ctr" defTabSz="914400" rtl="0" eaLnBrk="1" latinLnBrk="0" hangingPunct="1">
+              <a:spcBef>
+                <a:spcPct val="20000"/>
+              </a:spcBef>
+              <a:buFont typeface="Arial" pitchFamily="34" charset="0"/>
+              <a:buNone/>
+              <a:defRPr sz="2000" kern="1200">
+                <a:solidFill>
+                  <a:schemeClr val="tx1">
+                    <a:tint val="75000"/>
+                  </a:schemeClr>
+                </a:solidFill>
+                <a:latin typeface="+mn-lt"/>
+                <a:ea typeface="+mn-ea"/>
+                <a:cs typeface="+mn-cs"/>
+              </a:defRPr>
+            </a:lvl8pPr>
+            <a:lvl9pPr marL="3657600" indent="0" algn="ctr" defTabSz="914400" rtl="0" eaLnBrk="1" latinLnBrk="0" hangingPunct="1">
+              <a:spcBef>
+                <a:spcPct val="20000"/>
+              </a:spcBef>
+              <a:buFont typeface="Arial" pitchFamily="34" charset="0"/>
+              <a:buNone/>
+              <a:defRPr sz="2000" kern="1200">
+                <a:solidFill>
+                  <a:schemeClr val="tx1">
+                    <a:tint val="75000"/>
+                  </a:schemeClr>
+                </a:solidFill>
+                <a:latin typeface="+mn-lt"/>
+                <a:ea typeface="+mn-ea"/>
+                <a:cs typeface="+mn-cs"/>
+              </a:defRPr>
+            </a:lvl9pPr>
+          </a:lstStyle>
+          <a:p>
+            <a:pPr marL="342900" indent="-342900" algn="l">
+              <a:buFont typeface="Arial" panose="020B0604020202020204" pitchFamily="34" charset="0"/>
+              <a:buChar char="•"/>
+            </a:pPr>
+            <a:r>
+              <a:rPr lang="en-US" dirty="0" smtClean="0">
+                <a:solidFill>
+                  <a:schemeClr val="tx1"/>
+                </a:solidFill>
+                <a:hlinkClick r:id="rId3"/>
+              </a:rPr>
+              <a:t>save-storage.html</a:t>
+            </a:r>
+            <a:endParaRPr lang="en-US" dirty="0" smtClean="0">
+              <a:solidFill>
+                <a:schemeClr val="tx1"/>
+              </a:solidFill>
+            </a:endParaRPr>
+          </a:p>
+          <a:p>
+            <a:pPr marL="342900" indent="-342900" algn="l">
+              <a:buFont typeface="Arial" panose="020B0604020202020204" pitchFamily="34" charset="0"/>
+              <a:buChar char="•"/>
+            </a:pPr>
+            <a:r>
+              <a:rPr lang="en-US" dirty="0" smtClean="0">
+                <a:solidFill>
+                  <a:schemeClr val="tx1"/>
+                </a:solidFill>
+                <a:hlinkClick r:id="rId4"/>
+              </a:rPr>
+              <a:t>save-image.html</a:t>
+            </a:r>
+            <a:endParaRPr lang="en-US" dirty="0" smtClean="0">
+              <a:solidFill>
+                <a:schemeClr val="tx1"/>
+              </a:solidFill>
+            </a:endParaRPr>
+          </a:p>
+          <a:p>
+            <a:pPr marL="342900" indent="-342900" algn="l">
+              <a:buFont typeface="Arial" panose="020B0604020202020204" pitchFamily="34" charset="0"/>
+              <a:buChar char="•"/>
+            </a:pPr>
+            <a:r>
+              <a:rPr lang="en-US" dirty="0" smtClean="0">
+                <a:solidFill>
+                  <a:schemeClr val="tx1"/>
+                </a:solidFill>
+                <a:hlinkClick r:id="rId5"/>
+              </a:rPr>
+              <a:t>full-storage.html</a:t>
+            </a:r>
+            <a:endParaRPr lang="en-US" dirty="0" smtClean="0">
+              <a:solidFill>
+                <a:schemeClr val="tx1"/>
+              </a:solidFill>
+            </a:endParaRPr>
+          </a:p>
+          <a:p>
+            <a:pPr marL="342900" indent="-342900" algn="l">
+              <a:buFont typeface="Arial" panose="020B0604020202020204" pitchFamily="34" charset="0"/>
+              <a:buChar char="•"/>
+            </a:pPr>
+            <a:r>
+              <a:rPr lang="en-US" dirty="0" smtClean="0">
+                <a:solidFill>
+                  <a:schemeClr val="tx1"/>
+                </a:solidFill>
+                <a:hlinkClick r:id="rId6"/>
+              </a:rPr>
+              <a:t>online-offline.html</a:t>
+            </a:r>
+            <a:endParaRPr lang="en-US" dirty="0" smtClean="0">
+              <a:solidFill>
+                <a:schemeClr val="tx1"/>
+              </a:solidFill>
+            </a:endParaRPr>
+          </a:p>
+          <a:p>
+            <a:pPr marL="342900" indent="-342900" algn="l">
+              <a:buFont typeface="Arial" panose="020B0604020202020204" pitchFamily="34" charset="0"/>
+              <a:buChar char="•"/>
+            </a:pPr>
+            <a:r>
+              <a:rPr lang="en-US" dirty="0" smtClean="0">
+                <a:solidFill>
+                  <a:schemeClr val="tx1"/>
+                </a:solidFill>
+                <a:hlinkClick r:id="rId7"/>
+              </a:rPr>
+              <a:t>online-offline-status.html</a:t>
+            </a:r>
+            <a:endParaRPr lang="en-US" dirty="0" smtClean="0">
+              <a:solidFill>
+                <a:schemeClr val="tx1"/>
+              </a:solidFill>
+            </a:endParaRPr>
+          </a:p>
+          <a:p>
+            <a:pPr marL="342900" indent="-342900" algn="l">
+              <a:buFont typeface="Arial" panose="020B0604020202020204" pitchFamily="34" charset="0"/>
+              <a:buChar char="•"/>
+            </a:pPr>
+            <a:r>
+              <a:rPr lang="en-US" dirty="0" smtClean="0">
+                <a:solidFill>
+                  <a:schemeClr val="tx1"/>
+                </a:solidFill>
+                <a:hlinkClick r:id="rId8"/>
+              </a:rPr>
+              <a:t>old-browser.html</a:t>
+            </a:r>
+            <a:endParaRPr lang="en-US" dirty="0" smtClean="0">
+              <a:solidFill>
+                <a:schemeClr val="tx1"/>
+              </a:solidFill>
+            </a:endParaRPr>
+          </a:p>
+        </p:txBody>
+      </p:sp>
+    </p:spTree>
+    <p:extLst>
+      <p:ext uri="{BB962C8B-B14F-4D97-AF65-F5344CB8AC3E}">
+        <p14:creationId xmlns:p14="http://schemas.microsoft.com/office/powerpoint/2010/main" val="2753179042"/>
+      </p:ext>
+    </p:extLst>
+  </p:cSld>
+  <p:clrMapOvr>
+    <a:masterClrMapping/>
+  </p:clrMapOvr>
+  <mc:AlternateContent xmlns:mc="http://schemas.openxmlformats.org/markup-compatibility/2006" xmlns:p14="http://schemas.microsoft.com/office/powerpoint/2010/main">
+    <mc:Choice Requires="p14">
+      <p:transition p14:dur="100">
+        <p:cut/>
+      </p:transition>
+    </mc:Choice>
+    <mc:Fallback xmlns="">
+      <p:transition>
+        <p:cut/>
+      </p:transition>
+    </mc:Fallback>
+  </mc:AlternateContent>
+  <p:timing>
+    <p:tnLst>
+      <p:par>
+        <p:cTn id="1" dur="indefinite" restart="never" nodeType="tmRoot"/>
+      </p:par>
+    </p:tnLst>
+  </p:timing>
+</p:sld>
+</file>
+
+<file path=ppt/slides/slide28.xml><?xml version="1.0" encoding="utf-8"?>
+<p:sld xmlns:a="http://schemas.openxmlformats.org/drawingml/2006/main" xmlns:r="http://schemas.openxmlformats.org/officeDocument/2006/relationships" xmlns:p="http://schemas.openxmlformats.org/presentationml/2006/main">
+  <p:cSld>
+    <p:spTree>
+      <p:nvGrpSpPr>
+        <p:cNvPr id="1" name=""/>
+        <p:cNvGrpSpPr/>
+        <p:nvPr/>
+      </p:nvGrpSpPr>
+      <p:grpSpPr>
+        <a:xfrm>
+          <a:off x="0" y="0"/>
+          <a:ext cx="0" cy="0"/>
+          <a:chOff x="0" y="0"/>
+          <a:chExt cx="0" cy="0"/>
+        </a:xfrm>
+      </p:grpSpPr>
+      <p:sp>
+        <p:nvSpPr>
           <p:cNvPr id="2" name="Title 1"/>
           <p:cNvSpPr>
             <a:spLocks noGrp="1"/>
@@ -17927,7 +19558,7 @@
                 </a:solidFill>
               </a:rPr>
               <a:pPr/>
-              <a:t>26</a:t>
+              <a:t>28</a:t>
             </a:fld>
             <a:endParaRPr lang="en-US" dirty="0">
               <a:solidFill>

--- a/QSoftVietnam_SlideTemplate2014- Sonvq.pptx
+++ b/QSoftVietnam_SlideTemplate2014- Sonvq.pptx
@@ -239,7 +239,7 @@
             <a:fld id="{AEC239D8-9946-CA43-8D24-8F75F9EC746F}" type="datetimeFigureOut">
               <a:rPr lang="en-US" smtClean="0"/>
               <a:pPr/>
-              <a:t>01/04/2015</a:t>
+              <a:t>03/04/2015</a:t>
             </a:fld>
             <a:endParaRPr lang="en-US" dirty="0"/>
           </a:p>
@@ -407,7 +407,7 @@
             <a:fld id="{30D3C4F2-547F-4EAC-A4FB-1991884D518B}" type="datetimeFigureOut">
               <a:rPr lang="en-US" smtClean="0"/>
               <a:pPr/>
-              <a:t>01/04/2015</a:t>
+              <a:t>03/04/2015</a:t>
             </a:fld>
             <a:endParaRPr lang="en-US" dirty="0"/>
           </a:p>
@@ -2492,11 +2492,7 @@
             </a:pPr>
             <a:r>
               <a:rPr lang="en-US" sz="1200" dirty="0" smtClean="0"/>
-              <a:t>Cookies </a:t>
-            </a:r>
-            <a:r>
-              <a:rPr lang="en-US" sz="1200" dirty="0" smtClean="0"/>
-              <a:t>have been around since the early days of the web. They were originally intended to associate a little data with the user, though these days, most applications only store identifying information, and store the rest of the user's data on the server. Still, the fact that cookies can store some data does put them in the category of offline storage. However, the data capacity is extremely limited, as low as 20 cookies limited to 4KB each according to </a:t>
+              <a:t>Cookies have been around since the early days of the web. They were originally intended to associate a little data with the user, though these days, most applications only store identifying information, and store the rest of the user's data on the server. Still, the fact that cookies can store some data does put them in the category of offline storage. However, the data capacity is extremely limited, as low as 20 cookies limited to 4KB each according to </a:t>
             </a:r>
             <a:r>
               <a:rPr lang="en-US" sz="1200" u="sng" dirty="0" smtClean="0">
@@ -3485,7 +3481,7 @@
             <a:fld id="{BC3ED275-7153-994E-99D9-5909A673DFFD}" type="datetime2">
               <a:rPr lang="en-US" smtClean="0"/>
               <a:pPr/>
-              <a:t>Wednesday, April 01, 2015</a:t>
+              <a:t>Friday, April 03, 2015</a:t>
             </a:fld>
             <a:endParaRPr lang="en-US" dirty="0"/>
           </a:p>
@@ -3680,7 +3676,7 @@
             <a:fld id="{604E6C61-ACAA-C24F-8F8A-3369455B37E6}" type="datetime2">
               <a:rPr lang="en-US" smtClean="0"/>
               <a:pPr/>
-              <a:t>Wednesday, April 01, 2015</a:t>
+              <a:t>Friday, April 03, 2015</a:t>
             </a:fld>
             <a:endParaRPr lang="en-US" dirty="0"/>
           </a:p>
@@ -3885,7 +3881,7 @@
             <a:fld id="{6081A34F-7B18-5F4C-91E8-15A0B2DB6558}" type="datetime2">
               <a:rPr lang="en-US" smtClean="0"/>
               <a:pPr/>
-              <a:t>Wednesday, April 01, 2015</a:t>
+              <a:t>Friday, April 03, 2015</a:t>
             </a:fld>
             <a:endParaRPr lang="en-US" dirty="0"/>
           </a:p>
@@ -4090,7 +4086,7 @@
             <a:fld id="{C5608FE6-F300-CA4F-8754-F30BE5DB2C02}" type="datetime2">
               <a:rPr lang="en-US" smtClean="0"/>
               <a:pPr/>
-              <a:t>Wednesday, April 01, 2015</a:t>
+              <a:t>Friday, April 03, 2015</a:t>
             </a:fld>
             <a:endParaRPr lang="en-US" dirty="0"/>
           </a:p>
@@ -4361,7 +4357,7 @@
             <a:fld id="{35907637-DE80-574B-9387-2B6489C2DDA9}" type="datetime2">
               <a:rPr lang="en-US" smtClean="0"/>
               <a:pPr/>
-              <a:t>Wednesday, April 01, 2015</a:t>
+              <a:t>Friday, April 03, 2015</a:t>
             </a:fld>
             <a:endParaRPr lang="en-US" dirty="0"/>
           </a:p>
@@ -4679,7 +4675,7 @@
             <a:fld id="{B29FAD1F-AC8E-0749-90DA-216529CFB27D}" type="datetime2">
               <a:rPr lang="en-US" smtClean="0"/>
               <a:pPr/>
-              <a:t>Wednesday, April 01, 2015</a:t>
+              <a:t>Friday, April 03, 2015</a:t>
             </a:fld>
             <a:endParaRPr lang="en-US" dirty="0"/>
           </a:p>
@@ -5131,7 +5127,7 @@
             <a:fld id="{C14BE83E-0675-4D45-9588-77AC2712A327}" type="datetime2">
               <a:rPr lang="en-US" smtClean="0"/>
               <a:pPr/>
-              <a:t>Wednesday, April 01, 2015</a:t>
+              <a:t>Friday, April 03, 2015</a:t>
             </a:fld>
             <a:endParaRPr lang="en-US" dirty="0"/>
           </a:p>
@@ -5279,7 +5275,7 @@
             <a:fld id="{2A00E04D-79B7-6D41-BB08-435F493F6C30}" type="datetime2">
               <a:rPr lang="en-US" smtClean="0"/>
               <a:pPr/>
-              <a:t>Wednesday, April 01, 2015</a:t>
+              <a:t>Friday, April 03, 2015</a:t>
             </a:fld>
             <a:endParaRPr lang="en-US" dirty="0"/>
           </a:p>
@@ -5399,7 +5395,7 @@
             <a:fld id="{46027C3B-ABCB-0249-A4FA-2A37469F1C4E}" type="datetime2">
               <a:rPr lang="en-US" smtClean="0"/>
               <a:pPr/>
-              <a:t>Wednesday, April 01, 2015</a:t>
+              <a:t>Friday, April 03, 2015</a:t>
             </a:fld>
             <a:endParaRPr lang="en-US" dirty="0"/>
           </a:p>
@@ -5701,7 +5697,7 @@
             <a:fld id="{2EF7263A-B695-E045-B371-427CE3BBD559}" type="datetime2">
               <a:rPr lang="en-US" smtClean="0"/>
               <a:pPr/>
-              <a:t>Wednesday, April 01, 2015</a:t>
+              <a:t>Friday, April 03, 2015</a:t>
             </a:fld>
             <a:endParaRPr lang="en-US" dirty="0"/>
           </a:p>
@@ -5985,7 +5981,7 @@
             <a:fld id="{E88F21D5-8A27-D144-BD56-2E0DA25B6EEB}" type="datetime2">
               <a:rPr lang="en-US" smtClean="0"/>
               <a:pPr/>
-              <a:t>Wednesday, April 01, 2015</a:t>
+              <a:t>Friday, April 03, 2015</a:t>
             </a:fld>
             <a:endParaRPr lang="en-US" dirty="0"/>
           </a:p>
@@ -6251,7 +6247,7 @@
             <a:fld id="{3634E6B9-A6FC-5D46-BEFB-60D025A07933}" type="datetime2">
               <a:rPr lang="en-US" smtClean="0"/>
               <a:pPr/>
-              <a:t>Wednesday, April 01, 2015</a:t>
+              <a:t>Friday, April 03, 2015</a:t>
             </a:fld>
             <a:endParaRPr lang="en-US" dirty="0"/>
           </a:p>
@@ -6861,7 +6857,7 @@
                 </a:solidFill>
               </a:rPr>
               <a:pPr/>
-              <a:t>Wednesday, April 01, 2015</a:t>
+              <a:t>Friday, April 03, 2015</a:t>
             </a:fld>
             <a:endParaRPr lang="en-US" dirty="0">
               <a:solidFill>
@@ -7021,7 +7017,7 @@
                 </a:solidFill>
               </a:rPr>
               <a:pPr/>
-              <a:t>Wednesday, April 01, 2015</a:t>
+              <a:t>Friday, April 03, 2015</a:t>
             </a:fld>
             <a:endParaRPr lang="en-US" dirty="0">
               <a:solidFill>
@@ -7715,7 +7711,7 @@
                 </a:solidFill>
               </a:rPr>
               <a:pPr/>
-              <a:t>Wednesday, April 01, 2015</a:t>
+              <a:t>Friday, April 03, 2015</a:t>
             </a:fld>
             <a:endParaRPr lang="en-US" dirty="0">
               <a:solidFill>
@@ -9000,7 +8996,7 @@
                 </a:solidFill>
               </a:rPr>
               <a:pPr/>
-              <a:t>Wednesday, April 01, 2015</a:t>
+              <a:t>Friday, April 03, 2015</a:t>
             </a:fld>
             <a:endParaRPr lang="en-US" dirty="0">
               <a:solidFill>
@@ -9646,7 +9642,7 @@
                 </a:solidFill>
               </a:rPr>
               <a:pPr/>
-              <a:t>Wednesday, April 01, 2015</a:t>
+              <a:t>Friday, April 03, 2015</a:t>
             </a:fld>
             <a:endParaRPr lang="en-US" dirty="0">
               <a:solidFill>
@@ -10465,7 +10461,7 @@
                 </a:solidFill>
               </a:rPr>
               <a:pPr/>
-              <a:t>Wednesday, April 01, 2015</a:t>
+              <a:t>Friday, April 03, 2015</a:t>
             </a:fld>
             <a:endParaRPr lang="en-US" dirty="0">
               <a:solidFill>
@@ -10841,7 +10837,7 @@
                 </a:solidFill>
               </a:rPr>
               <a:pPr/>
-              <a:t>Wednesday, April 01, 2015</a:t>
+              <a:t>Friday, April 03, 2015</a:t>
             </a:fld>
             <a:endParaRPr lang="en-US" dirty="0">
               <a:solidFill>
@@ -11503,7 +11499,7 @@
                 </a:solidFill>
               </a:rPr>
               <a:pPr/>
-              <a:t>Wednesday, April 01, 2015</a:t>
+              <a:t>Friday, April 03, 2015</a:t>
             </a:fld>
             <a:endParaRPr lang="en-US" dirty="0">
               <a:solidFill>
@@ -11723,7 +11719,7 @@
                 </a:solidFill>
               </a:rPr>
               <a:pPr/>
-              <a:t>Wednesday, April 01, 2015</a:t>
+              <a:t>Friday, April 03, 2015</a:t>
             </a:fld>
             <a:endParaRPr lang="en-US" dirty="0">
               <a:solidFill>
@@ -12412,7 +12408,7 @@
                 </a:solidFill>
               </a:rPr>
               <a:pPr/>
-              <a:t>Wednesday, April 01, 2015</a:t>
+              <a:t>Friday, April 03, 2015</a:t>
             </a:fld>
             <a:endParaRPr lang="en-US" dirty="0">
               <a:solidFill>
@@ -12788,7 +12784,7 @@
                 </a:solidFill>
               </a:rPr>
               <a:pPr/>
-              <a:t>Wednesday, April 01, 2015</a:t>
+              <a:t>Friday, April 03, 2015</a:t>
             </a:fld>
             <a:endParaRPr lang="en-US" dirty="0">
               <a:solidFill>
@@ -13385,7 +13381,7 @@
                 </a:solidFill>
               </a:rPr>
               <a:pPr/>
-              <a:t>Wednesday, April 01, 2015</a:t>
+              <a:t>Friday, April 03, 2015</a:t>
             </a:fld>
             <a:endParaRPr lang="en-US" dirty="0">
               <a:solidFill>
@@ -13998,7 +13994,7 @@
                 </a:solidFill>
               </a:rPr>
               <a:pPr/>
-              <a:t>Wednesday, April 01, 2015</a:t>
+              <a:t>Friday, April 03, 2015</a:t>
             </a:fld>
             <a:endParaRPr lang="en-US" dirty="0">
               <a:solidFill>
@@ -14468,21 +14464,8 @@
                   <a:schemeClr val="tx1"/>
                 </a:solidFill>
               </a:rPr>
-              <a:t>Check browser </a:t>
-            </a:r>
-            <a:r>
-              <a:rPr lang="en-US" dirty="0" smtClean="0">
-                <a:solidFill>
-                  <a:schemeClr val="tx1"/>
-                </a:solidFill>
-              </a:rPr>
-              <a:t>online/offline</a:t>
-            </a:r>
-            <a:endParaRPr lang="en-US" dirty="0" smtClean="0">
-              <a:solidFill>
-                <a:schemeClr val="tx1"/>
-              </a:solidFill>
-            </a:endParaRPr>
+              <a:t>Check browser online/offline</a:t>
+            </a:r>
           </a:p>
           <a:p>
             <a:pPr marL="342900" indent="-342900" algn="l">
@@ -14873,7 +14856,7 @@
                 </a:solidFill>
               </a:rPr>
               <a:pPr/>
-              <a:t>Wednesday, April 01, 2015</a:t>
+              <a:t>Friday, April 03, 2015</a:t>
             </a:fld>
             <a:endParaRPr lang="en-US" dirty="0">
               <a:solidFill>
@@ -15549,7 +15532,7 @@
                 </a:solidFill>
               </a:rPr>
               <a:pPr/>
-              <a:t>Wednesday, April 01, 2015</a:t>
+              <a:t>Friday, April 03, 2015</a:t>
             </a:fld>
             <a:endParaRPr lang="en-US" dirty="0">
               <a:solidFill>
@@ -16083,11 +16066,6 @@
               </a:rPr>
               <a:t> in Chrome 41</a:t>
             </a:r>
-            <a:endParaRPr lang="en-US" dirty="0" smtClean="0">
-              <a:solidFill>
-                <a:schemeClr val="tx1"/>
-              </a:solidFill>
-            </a:endParaRPr>
           </a:p>
         </p:txBody>
       </p:sp>
@@ -16167,7 +16145,7 @@
                 </a:solidFill>
               </a:rPr>
               <a:pPr/>
-              <a:t>Wednesday, April 01, 2015</a:t>
+              <a:t>Friday, April 03, 2015</a:t>
             </a:fld>
             <a:endParaRPr lang="en-US" dirty="0">
               <a:solidFill>
@@ -16701,11 +16679,6 @@
               </a:rPr>
               <a:t> in Firefox 34</a:t>
             </a:r>
-            <a:endParaRPr lang="en-US" dirty="0" smtClean="0">
-              <a:solidFill>
-                <a:schemeClr val="tx1"/>
-              </a:solidFill>
-            </a:endParaRPr>
           </a:p>
         </p:txBody>
       </p:sp>
@@ -17054,7 +17027,7 @@
         </p:nvSpPr>
         <p:spPr bwMode="auto">
           <a:xfrm>
-            <a:off x="457200" y="2161034"/>
+            <a:off x="457200" y="2095050"/>
             <a:ext cx="8229600" cy="4369962"/>
           </a:xfrm>
           <a:prstGeom prst="rect">
@@ -17249,72 +17222,22 @@
               <a:buFont typeface="Arial" panose="020B0604020202020204" pitchFamily="34" charset="0"/>
               <a:buChar char="•"/>
             </a:pPr>
-            <a:endParaRPr lang="en-US" dirty="0" smtClean="0">
-              <a:solidFill>
-                <a:schemeClr val="tx1"/>
-              </a:solidFill>
-            </a:endParaRPr>
-          </a:p>
-          <a:p>
-            <a:pPr marL="342900" indent="-342900" algn="l">
-              <a:buFont typeface="Arial" panose="020B0604020202020204" pitchFamily="34" charset="0"/>
-              <a:buChar char="•"/>
-            </a:pPr>
-            <a:endParaRPr lang="en-US" dirty="0">
-              <a:solidFill>
-                <a:schemeClr val="tx1"/>
-              </a:solidFill>
-            </a:endParaRPr>
-          </a:p>
-          <a:p>
-            <a:pPr marL="342900" indent="-342900" algn="l">
-              <a:buFont typeface="Arial" panose="020B0604020202020204" pitchFamily="34" charset="0"/>
-              <a:buChar char="•"/>
-            </a:pPr>
-            <a:endParaRPr lang="en-US" dirty="0" smtClean="0">
-              <a:solidFill>
-                <a:schemeClr val="tx1"/>
-              </a:solidFill>
-            </a:endParaRPr>
-          </a:p>
-          <a:p>
-            <a:pPr marL="342900" indent="-342900" algn="l">
-              <a:buFont typeface="Arial" panose="020B0604020202020204" pitchFamily="34" charset="0"/>
-              <a:buChar char="•"/>
-            </a:pPr>
-            <a:endParaRPr lang="en-US" dirty="0">
-              <a:solidFill>
-                <a:schemeClr val="tx1"/>
-              </a:solidFill>
-            </a:endParaRPr>
-          </a:p>
-          <a:p>
-            <a:pPr marL="342900" indent="-342900" algn="l">
-              <a:buFont typeface="Arial" panose="020B0604020202020204" pitchFamily="34" charset="0"/>
-              <a:buChar char="•"/>
-            </a:pPr>
-            <a:endParaRPr lang="en-US" dirty="0" smtClean="0">
-              <a:solidFill>
-                <a:schemeClr val="tx1"/>
-              </a:solidFill>
-            </a:endParaRPr>
-          </a:p>
-          <a:p>
-            <a:pPr marL="342900" indent="-342900" algn="l">
-              <a:buFont typeface="Arial" panose="020B0604020202020204" pitchFamily="34" charset="0"/>
-              <a:buChar char="•"/>
-            </a:pPr>
-            <a:endParaRPr lang="en-US" dirty="0">
-              <a:solidFill>
-                <a:schemeClr val="tx1"/>
-              </a:solidFill>
-            </a:endParaRPr>
-          </a:p>
-          <a:p>
-            <a:pPr marL="342900" indent="-342900" algn="l">
-              <a:buFont typeface="Arial" panose="020B0604020202020204" pitchFamily="34" charset="0"/>
-              <a:buChar char="•"/>
-            </a:pPr>
+            <a:r>
+              <a:rPr lang="en-US" dirty="0" err="1">
+                <a:solidFill>
+                  <a:schemeClr val="tx1"/>
+                </a:solidFill>
+              </a:rPr>
+              <a:t>userData</a:t>
+            </a:r>
+            <a:r>
+              <a:rPr lang="en-US" dirty="0">
+                <a:solidFill>
+                  <a:schemeClr val="tx1"/>
+                </a:solidFill>
+              </a:rPr>
+              <a:t> in IE5-7</a:t>
+            </a:r>
             <a:endParaRPr lang="en-US" dirty="0">
               <a:solidFill>
                 <a:schemeClr val="tx1"/>
@@ -17345,7 +17268,7 @@
         </p:blipFill>
         <p:spPr>
           <a:xfrm>
-            <a:off x="216367" y="2273456"/>
+            <a:off x="216367" y="2763649"/>
             <a:ext cx="8760972" cy="3514602"/>
           </a:xfrm>
           <a:prstGeom prst="rect">
@@ -17429,7 +17352,7 @@
                 </a:solidFill>
               </a:rPr>
               <a:pPr/>
-              <a:t>Wednesday, April 01, 2015</a:t>
+              <a:t>Friday, April 03, 2015</a:t>
             </a:fld>
             <a:endParaRPr lang="en-US" dirty="0">
               <a:solidFill>
@@ -18106,11 +18029,6 @@
               </a:rPr>
               <a:t> storage types available</a:t>
             </a:r>
-            <a:endParaRPr lang="en-US" dirty="0" smtClean="0">
-              <a:solidFill>
-                <a:schemeClr val="tx1"/>
-              </a:solidFill>
-            </a:endParaRPr>
           </a:p>
         </p:txBody>
       </p:sp>
@@ -18190,7 +18108,7 @@
                 </a:solidFill>
               </a:rPr>
               <a:pPr/>
-              <a:t>Thursday, April 02, 2015</a:t>
+              <a:t>Friday, April 03, 2015</a:t>
             </a:fld>
             <a:endParaRPr lang="en-US" dirty="0">
               <a:solidFill>
@@ -19484,7 +19402,7 @@
                 </a:solidFill>
               </a:rPr>
               <a:pPr/>
-              <a:t>Wednesday, April 01, 2015</a:t>
+              <a:t>Friday, April 03, 2015</a:t>
             </a:fld>
             <a:endParaRPr lang="en-US" dirty="0">
               <a:solidFill>
@@ -19644,7 +19562,7 @@
                 </a:solidFill>
               </a:rPr>
               <a:pPr/>
-              <a:t>Wednesday, April 01, 2015</a:t>
+              <a:t>Friday, April 03, 2015</a:t>
             </a:fld>
             <a:endParaRPr lang="en-US" dirty="0">
               <a:solidFill>
@@ -20114,31 +20032,7 @@
                   <a:schemeClr val="tx1"/>
                 </a:solidFill>
               </a:rPr>
-              <a:t>Store </a:t>
-            </a:r>
-            <a:r>
-              <a:rPr lang="en-US" dirty="0" smtClean="0">
-                <a:solidFill>
-                  <a:schemeClr val="tx1"/>
-                </a:solidFill>
-              </a:rPr>
-              <a:t>settings &amp; </a:t>
-            </a:r>
-            <a:r>
-              <a:rPr lang="en-US" dirty="0" smtClean="0">
-                <a:solidFill>
-                  <a:schemeClr val="tx1"/>
-                </a:solidFill>
-              </a:rPr>
-              <a:t>identifying </a:t>
-            </a:r>
-            <a:r>
-              <a:rPr lang="en-US" dirty="0" smtClean="0">
-                <a:solidFill>
-                  <a:schemeClr val="tx1"/>
-                </a:solidFill>
-              </a:rPr>
-              <a:t>information</a:t>
+              <a:t>Store settings &amp; identifying information</a:t>
             </a:r>
             <a:endParaRPr lang="en-US" dirty="0">
               <a:solidFill>
@@ -20350,7 +20244,7 @@
                 </a:solidFill>
               </a:rPr>
               <a:pPr/>
-              <a:t>Wednesday, April 01, 2015</a:t>
+              <a:t>Friday, April 03, 2015</a:t>
             </a:fld>
             <a:endParaRPr lang="en-US" dirty="0">
               <a:solidFill>
@@ -21027,7 +20921,7 @@
                 </a:solidFill>
               </a:rPr>
               <a:pPr/>
-              <a:t>Wednesday, April 01, 2015</a:t>
+              <a:t>Friday, April 03, 2015</a:t>
             </a:fld>
             <a:endParaRPr lang="en-US" dirty="0">
               <a:solidFill>
@@ -21674,7 +21568,7 @@
                 </a:solidFill>
               </a:rPr>
               <a:pPr/>
-              <a:t>Wednesday, April 01, 2015</a:t>
+              <a:t>Friday, April 03, 2015</a:t>
             </a:fld>
             <a:endParaRPr lang="en-US" dirty="0">
               <a:solidFill>
@@ -23137,7 +23031,7 @@
                 </a:solidFill>
               </a:rPr>
               <a:pPr/>
-              <a:t>Wednesday, April 01, 2015</a:t>
+              <a:t>Friday, April 03, 2015</a:t>
             </a:fld>
             <a:endParaRPr lang="en-US" dirty="0">
               <a:solidFill>
@@ -23803,7 +23697,7 @@
                 </a:solidFill>
               </a:rPr>
               <a:pPr/>
-              <a:t>Wednesday, April 01, 2015</a:t>
+              <a:t>Friday, April 03, 2015</a:t>
             </a:fld>
             <a:endParaRPr lang="en-US" dirty="0">
               <a:solidFill>
@@ -24540,7 +24434,7 @@
                 </a:solidFill>
               </a:rPr>
               <a:pPr/>
-              <a:t>Wednesday, April 01, 2015</a:t>
+              <a:t>Friday, April 03, 2015</a:t>
             </a:fld>
             <a:endParaRPr lang="en-US" dirty="0">
               <a:solidFill>

--- a/QSoftVietnam_SlideTemplate2014- Sonvq.pptx
+++ b/QSoftVietnam_SlideTemplate2014- Sonvq.pptx
@@ -240,7 +240,7 @@
             <a:fld id="{AEC239D8-9946-CA43-8D24-8F75F9EC746F}" type="datetimeFigureOut">
               <a:rPr lang="en-US" smtClean="0"/>
               <a:pPr/>
-              <a:t>06/04/2015</a:t>
+              <a:t>08/04/2015</a:t>
             </a:fld>
             <a:endParaRPr lang="en-US" dirty="0"/>
           </a:p>
@@ -408,7 +408,7 @@
             <a:fld id="{30D3C4F2-547F-4EAC-A4FB-1991884D518B}" type="datetimeFigureOut">
               <a:rPr lang="en-US" smtClean="0"/>
               <a:pPr/>
-              <a:t>06/04/2015</a:t>
+              <a:t>08/04/2015</a:t>
             </a:fld>
             <a:endParaRPr lang="en-US" dirty="0"/>
           </a:p>
@@ -752,6 +752,49 @@
             </a:endParaRPr>
           </a:p>
           <a:p>
+            <a:r>
+              <a:rPr lang="en-US" dirty="0" smtClean="0"/>
+              <a:t>&lt;script&gt;</a:t>
+            </a:r>
+          </a:p>
+          <a:p>
+            <a:r>
+              <a:rPr lang="en-US" dirty="0" smtClean="0"/>
+              <a:t>	// Set cookie by </a:t>
+            </a:r>
+            <a:r>
+              <a:rPr lang="en-US" dirty="0" err="1" smtClean="0"/>
+              <a:t>javascript</a:t>
+            </a:r>
+            <a:endParaRPr lang="en-US" dirty="0" smtClean="0"/>
+          </a:p>
+          <a:p>
+            <a:r>
+              <a:rPr lang="en-US" dirty="0" smtClean="0"/>
+              <a:t>	</a:t>
+            </a:r>
+            <a:r>
+              <a:rPr lang="en-US" dirty="0" err="1" smtClean="0"/>
+              <a:t>document.cookie</a:t>
+            </a:r>
+            <a:r>
+              <a:rPr lang="en-US" dirty="0" smtClean="0"/>
+              <a:t> = "username=</a:t>
+            </a:r>
+            <a:r>
+              <a:rPr lang="en-US" dirty="0" err="1" smtClean="0"/>
+              <a:t>SonVQ</a:t>
+            </a:r>
+            <a:r>
+              <a:rPr lang="en-US" dirty="0" smtClean="0"/>
+              <a:t>; expires=Web, 18 Mar 2015 12:00:00 UTC; path=/";</a:t>
+            </a:r>
+          </a:p>
+          <a:p>
+            <a:r>
+              <a:rPr lang="en-US" dirty="0" smtClean="0"/>
+              <a:t>&lt;/script&gt;</a:t>
+            </a:r>
             <a:endParaRPr lang="en-US" dirty="0"/>
           </a:p>
         </p:txBody>
@@ -2322,6 +2365,527 @@
           <a:bodyPr/>
           <a:lstStyle/>
           <a:p>
+            <a:r>
+              <a:rPr lang="en-US" dirty="0" smtClean="0"/>
+              <a:t>&lt;script&gt;</a:t>
+            </a:r>
+          </a:p>
+          <a:p>
+            <a:r>
+              <a:rPr lang="en-US" dirty="0" smtClean="0"/>
+              <a:t>	</a:t>
+            </a:r>
+            <a:r>
+              <a:rPr lang="en-US" dirty="0" err="1" smtClean="0"/>
+              <a:t>var</a:t>
+            </a:r>
+            <a:r>
+              <a:rPr lang="en-US" dirty="0" smtClean="0"/>
+              <a:t> </a:t>
+            </a:r>
+            <a:r>
+              <a:rPr lang="en-US" dirty="0" err="1" smtClean="0"/>
+              <a:t>feedbackarea</a:t>
+            </a:r>
+            <a:r>
+              <a:rPr lang="en-US" dirty="0" smtClean="0"/>
+              <a:t> = </a:t>
+            </a:r>
+            <a:r>
+              <a:rPr lang="en-US" dirty="0" err="1" smtClean="0"/>
+              <a:t>document.getElementById</a:t>
+            </a:r>
+            <a:r>
+              <a:rPr lang="en-US" dirty="0" smtClean="0"/>
+              <a:t>("feedback")</a:t>
+            </a:r>
+          </a:p>
+          <a:p>
+            <a:r>
+              <a:rPr lang="en-US" dirty="0" smtClean="0"/>
+              <a:t>	if (</a:t>
+            </a:r>
+            <a:r>
+              <a:rPr lang="en-US" dirty="0" err="1" smtClean="0"/>
+              <a:t>feedbackarea.addBehavior</a:t>
+            </a:r>
+            <a:r>
+              <a:rPr lang="en-US" dirty="0" smtClean="0"/>
+              <a:t>){</a:t>
+            </a:r>
+          </a:p>
+          <a:p>
+            <a:r>
+              <a:rPr lang="en-US" dirty="0" smtClean="0"/>
+              <a:t>		</a:t>
+            </a:r>
+            <a:r>
+              <a:rPr lang="en-US" dirty="0" err="1" smtClean="0"/>
+              <a:t>feedbackarea.load</a:t>
+            </a:r>
+            <a:r>
+              <a:rPr lang="en-US" dirty="0" smtClean="0"/>
+              <a:t>("</a:t>
+            </a:r>
+            <a:r>
+              <a:rPr lang="en-US" dirty="0" err="1" smtClean="0"/>
+              <a:t>feedbackpersist</a:t>
+            </a:r>
+            <a:r>
+              <a:rPr lang="en-US" dirty="0" smtClean="0"/>
+              <a:t>") </a:t>
+            </a:r>
+          </a:p>
+          <a:p>
+            <a:r>
+              <a:rPr lang="en-US" dirty="0" smtClean="0"/>
+              <a:t>		if (</a:t>
+            </a:r>
+            <a:r>
+              <a:rPr lang="en-US" dirty="0" err="1" smtClean="0"/>
+              <a:t>feedbackarea.getAttribute</a:t>
+            </a:r>
+            <a:r>
+              <a:rPr lang="en-US" dirty="0" smtClean="0"/>
+              <a:t>("</a:t>
+            </a:r>
+            <a:r>
+              <a:rPr lang="en-US" dirty="0" err="1" smtClean="0"/>
+              <a:t>feedbackattribute</a:t>
+            </a:r>
+            <a:r>
+              <a:rPr lang="en-US" dirty="0" smtClean="0"/>
+              <a:t>")){ </a:t>
+            </a:r>
+          </a:p>
+          <a:p>
+            <a:r>
+              <a:rPr lang="en-US" dirty="0" smtClean="0"/>
+              <a:t>			</a:t>
+            </a:r>
+            <a:r>
+              <a:rPr lang="en-US" dirty="0" err="1" smtClean="0"/>
+              <a:t>feedbackarea.value</a:t>
+            </a:r>
+            <a:r>
+              <a:rPr lang="en-US" dirty="0" smtClean="0"/>
+              <a:t> = </a:t>
+            </a:r>
+            <a:r>
+              <a:rPr lang="en-US" dirty="0" err="1" smtClean="0"/>
+              <a:t>feedbackarea.getAttribute</a:t>
+            </a:r>
+            <a:r>
+              <a:rPr lang="en-US" dirty="0" smtClean="0"/>
+              <a:t>("</a:t>
+            </a:r>
+            <a:r>
+              <a:rPr lang="en-US" dirty="0" err="1" smtClean="0"/>
+              <a:t>feedbackattribute</a:t>
+            </a:r>
+            <a:r>
+              <a:rPr lang="en-US" dirty="0" smtClean="0"/>
+              <a:t>") </a:t>
+            </a:r>
+          </a:p>
+          <a:p>
+            <a:r>
+              <a:rPr lang="en-US" dirty="0" smtClean="0"/>
+              <a:t>		}</a:t>
+            </a:r>
+          </a:p>
+          <a:p>
+            <a:r>
+              <a:rPr lang="en-US" dirty="0" smtClean="0"/>
+              <a:t>		</a:t>
+            </a:r>
+            <a:r>
+              <a:rPr lang="en-US" dirty="0" err="1" smtClean="0"/>
+              <a:t>feedbackarea.onkeyup</a:t>
+            </a:r>
+            <a:r>
+              <a:rPr lang="en-US" dirty="0" smtClean="0"/>
+              <a:t> = function(e){</a:t>
+            </a:r>
+          </a:p>
+          <a:p>
+            <a:r>
+              <a:rPr lang="en-US" dirty="0" smtClean="0"/>
+              <a:t>			</a:t>
+            </a:r>
+            <a:r>
+              <a:rPr lang="en-US" dirty="0" err="1" smtClean="0"/>
+              <a:t>feedbackarea.setAttribute</a:t>
+            </a:r>
+            <a:r>
+              <a:rPr lang="en-US" dirty="0" smtClean="0"/>
+              <a:t>("</a:t>
+            </a:r>
+            <a:r>
+              <a:rPr lang="en-US" dirty="0" err="1" smtClean="0"/>
+              <a:t>feedbackattribute</a:t>
+            </a:r>
+            <a:r>
+              <a:rPr lang="en-US" dirty="0" smtClean="0"/>
+              <a:t>", </a:t>
+            </a:r>
+            <a:r>
+              <a:rPr lang="en-US" dirty="0" err="1" smtClean="0"/>
+              <a:t>this.value</a:t>
+            </a:r>
+            <a:r>
+              <a:rPr lang="en-US" dirty="0" smtClean="0"/>
+              <a:t>) </a:t>
+            </a:r>
+          </a:p>
+          <a:p>
+            <a:r>
+              <a:rPr lang="en-US" dirty="0" smtClean="0"/>
+              <a:t>			</a:t>
+            </a:r>
+            <a:r>
+              <a:rPr lang="en-US" dirty="0" err="1" smtClean="0"/>
+              <a:t>feedbackarea.save</a:t>
+            </a:r>
+            <a:r>
+              <a:rPr lang="en-US" dirty="0" smtClean="0"/>
+              <a:t>("</a:t>
+            </a:r>
+            <a:r>
+              <a:rPr lang="en-US" dirty="0" err="1" smtClean="0"/>
+              <a:t>feedbackpersist</a:t>
+            </a:r>
+            <a:r>
+              <a:rPr lang="en-US" dirty="0" smtClean="0"/>
+              <a:t>") </a:t>
+            </a:r>
+          </a:p>
+          <a:p>
+            <a:r>
+              <a:rPr lang="en-US" dirty="0" smtClean="0"/>
+              <a:t>		}</a:t>
+            </a:r>
+          </a:p>
+          <a:p>
+            <a:r>
+              <a:rPr lang="en-US" dirty="0" smtClean="0"/>
+              <a:t>	}</a:t>
+            </a:r>
+          </a:p>
+          <a:p>
+            <a:r>
+              <a:rPr lang="en-US" dirty="0" smtClean="0"/>
+              <a:t>&lt;/script&gt;</a:t>
+            </a:r>
+          </a:p>
+          <a:p>
+            <a:r>
+              <a:rPr lang="en-US" dirty="0" smtClean="0"/>
+              <a:t>&lt;</a:t>
+            </a:r>
+            <a:r>
+              <a:rPr lang="en-US" dirty="0" err="1" smtClean="0"/>
+              <a:t>textarea</a:t>
+            </a:r>
+            <a:r>
+              <a:rPr lang="en-US" dirty="0" smtClean="0"/>
+              <a:t> id="feedback" style="</a:t>
+            </a:r>
+            <a:r>
+              <a:rPr lang="en-US" dirty="0" err="1" smtClean="0"/>
+              <a:t>behavior:url</a:t>
+            </a:r>
+            <a:r>
+              <a:rPr lang="en-US" dirty="0" smtClean="0"/>
+              <a:t>('#</a:t>
+            </a:r>
+            <a:r>
+              <a:rPr lang="en-US" dirty="0" err="1" smtClean="0"/>
+              <a:t>default#userData</a:t>
+            </a:r>
+            <a:r>
+              <a:rPr lang="en-US" dirty="0" smtClean="0"/>
+              <a:t>')"&gt;&lt;/</a:t>
+            </a:r>
+            <a:r>
+              <a:rPr lang="en-US" dirty="0" err="1" smtClean="0"/>
+              <a:t>textarea</a:t>
+            </a:r>
+            <a:r>
+              <a:rPr lang="en-US" dirty="0" smtClean="0"/>
+              <a:t>&gt;</a:t>
+            </a:r>
+            <a:endParaRPr lang="en-US" dirty="0"/>
+          </a:p>
+        </p:txBody>
+      </p:sp>
+      <p:sp>
+        <p:nvSpPr>
+          <p:cNvPr id="4" name="Slide Number Placeholder 3"/>
+          <p:cNvSpPr>
+            <a:spLocks noGrp="1"/>
+          </p:cNvSpPr>
+          <p:nvPr>
+            <p:ph type="sldNum" sz="quarter" idx="10"/>
+          </p:nvPr>
+        </p:nvSpPr>
+        <p:spPr/>
+        <p:txBody>
+          <a:bodyPr/>
+          <a:lstStyle/>
+          <a:p>
+            <a:fld id="{35845946-0CF3-4C0F-AF5C-F563F65A0652}" type="slidenum">
+              <a:rPr lang="en-US" smtClean="0"/>
+              <a:pPr/>
+              <a:t>25</a:t>
+            </a:fld>
+            <a:endParaRPr lang="en-US" dirty="0"/>
+          </a:p>
+        </p:txBody>
+      </p:sp>
+    </p:spTree>
+    <p:extLst>
+      <p:ext uri="{BB962C8B-B14F-4D97-AF65-F5344CB8AC3E}">
+        <p14:creationId xmlns:p14="http://schemas.microsoft.com/office/powerpoint/2010/main" val="239887765"/>
+      </p:ext>
+    </p:extLst>
+  </p:cSld>
+  <p:clrMapOvr>
+    <a:masterClrMapping/>
+  </p:clrMapOvr>
+</p:notes>
+</file>
+
+<file path=ppt/notesSlides/notesSlide17.xml><?xml version="1.0" encoding="utf-8"?>
+<p:notes xmlns:a="http://schemas.openxmlformats.org/drawingml/2006/main" xmlns:r="http://schemas.openxmlformats.org/officeDocument/2006/relationships" xmlns:p="http://schemas.openxmlformats.org/presentationml/2006/main">
+  <p:cSld>
+    <p:spTree>
+      <p:nvGrpSpPr>
+        <p:cNvPr id="1" name=""/>
+        <p:cNvGrpSpPr/>
+        <p:nvPr/>
+      </p:nvGrpSpPr>
+      <p:grpSpPr>
+        <a:xfrm>
+          <a:off x="0" y="0"/>
+          <a:ext cx="0" cy="0"/>
+          <a:chOff x="0" y="0"/>
+          <a:chExt cx="0" cy="0"/>
+        </a:xfrm>
+      </p:grpSpPr>
+      <p:sp>
+        <p:nvSpPr>
+          <p:cNvPr id="2" name="Slide Image Placeholder 1"/>
+          <p:cNvSpPr>
+            <a:spLocks noGrp="1" noRot="1" noChangeAspect="1"/>
+          </p:cNvSpPr>
+          <p:nvPr>
+            <p:ph type="sldImg"/>
+          </p:nvPr>
+        </p:nvSpPr>
+        <p:spPr/>
+      </p:sp>
+      <p:sp>
+        <p:nvSpPr>
+          <p:cNvPr id="3" name="Notes Placeholder 2"/>
+          <p:cNvSpPr>
+            <a:spLocks noGrp="1"/>
+          </p:cNvSpPr>
+          <p:nvPr>
+            <p:ph type="body" idx="1"/>
+          </p:nvPr>
+        </p:nvSpPr>
+        <p:spPr/>
+        <p:txBody>
+          <a:bodyPr/>
+          <a:lstStyle/>
+          <a:p>
+            <a:r>
+              <a:rPr lang="en-US" dirty="0" smtClean="0"/>
+              <a:t>&lt;script&gt;</a:t>
+            </a:r>
+          </a:p>
+          <a:p>
+            <a:r>
+              <a:rPr lang="en-US" dirty="0" smtClean="0"/>
+              <a:t>// Store an object - store.js uses </a:t>
+            </a:r>
+            <a:r>
+              <a:rPr lang="en-US" dirty="0" err="1" smtClean="0"/>
+              <a:t>JSON.stringify</a:t>
+            </a:r>
+            <a:r>
+              <a:rPr lang="en-US" dirty="0" smtClean="0"/>
+              <a:t> under the hood</a:t>
+            </a:r>
+          </a:p>
+          <a:p>
+            <a:r>
+              <a:rPr lang="en-US" dirty="0" err="1" smtClean="0"/>
+              <a:t>store.set</a:t>
+            </a:r>
+            <a:r>
+              <a:rPr lang="en-US" dirty="0" smtClean="0"/>
+              <a:t>('user', { name : '</a:t>
+            </a:r>
+            <a:r>
+              <a:rPr lang="en-US" dirty="0" err="1" smtClean="0"/>
+              <a:t>sonvq</a:t>
+            </a:r>
+            <a:r>
+              <a:rPr lang="en-US" dirty="0" smtClean="0"/>
+              <a:t>', department: 'sd2' })</a:t>
+            </a:r>
+          </a:p>
+          <a:p>
+            <a:endParaRPr lang="en-US" dirty="0" smtClean="0"/>
+          </a:p>
+          <a:p>
+            <a:r>
+              <a:rPr lang="en-US" dirty="0" smtClean="0"/>
+              <a:t>// Get 'user'</a:t>
+            </a:r>
+          </a:p>
+          <a:p>
+            <a:r>
+              <a:rPr lang="en-US" dirty="0" err="1" smtClean="0"/>
+              <a:t>store.get</a:t>
+            </a:r>
+            <a:r>
+              <a:rPr lang="en-US" dirty="0" smtClean="0"/>
+              <a:t>('user')</a:t>
+            </a:r>
+          </a:p>
+          <a:p>
+            <a:endParaRPr lang="en-US" dirty="0" smtClean="0"/>
+          </a:p>
+          <a:p>
+            <a:r>
+              <a:rPr lang="en-US" dirty="0" smtClean="0"/>
+              <a:t>// Remove 'user'</a:t>
+            </a:r>
+          </a:p>
+          <a:p>
+            <a:r>
+              <a:rPr lang="en-US" dirty="0" err="1" smtClean="0"/>
+              <a:t>store.remove</a:t>
+            </a:r>
+            <a:r>
+              <a:rPr lang="en-US" dirty="0" smtClean="0"/>
+              <a:t>('user')</a:t>
+            </a:r>
+          </a:p>
+          <a:p>
+            <a:endParaRPr lang="en-US" dirty="0" smtClean="0"/>
+          </a:p>
+          <a:p>
+            <a:r>
+              <a:rPr lang="en-US" dirty="0" smtClean="0"/>
+              <a:t>// Clear all keys</a:t>
+            </a:r>
+          </a:p>
+          <a:p>
+            <a:r>
+              <a:rPr lang="en-US" dirty="0" err="1" smtClean="0"/>
+              <a:t>store.clear</a:t>
+            </a:r>
+            <a:r>
+              <a:rPr lang="en-US" dirty="0" smtClean="0"/>
+              <a:t>()</a:t>
+            </a:r>
+          </a:p>
+          <a:p>
+            <a:r>
+              <a:rPr lang="en-US" dirty="0" smtClean="0"/>
+              <a:t>&lt;/script&gt;</a:t>
+            </a:r>
+          </a:p>
+          <a:p>
+            <a:endParaRPr lang="en-US" dirty="0"/>
+          </a:p>
+        </p:txBody>
+      </p:sp>
+      <p:sp>
+        <p:nvSpPr>
+          <p:cNvPr id="4" name="Slide Number Placeholder 3"/>
+          <p:cNvSpPr>
+            <a:spLocks noGrp="1"/>
+          </p:cNvSpPr>
+          <p:nvPr>
+            <p:ph type="sldNum" sz="quarter" idx="10"/>
+          </p:nvPr>
+        </p:nvSpPr>
+        <p:spPr/>
+        <p:txBody>
+          <a:bodyPr/>
+          <a:lstStyle/>
+          <a:p>
+            <a:fld id="{35845946-0CF3-4C0F-AF5C-F563F65A0652}" type="slidenum">
+              <a:rPr lang="en-US" smtClean="0"/>
+              <a:pPr/>
+              <a:t>27</a:t>
+            </a:fld>
+            <a:endParaRPr lang="en-US" dirty="0"/>
+          </a:p>
+        </p:txBody>
+      </p:sp>
+    </p:spTree>
+    <p:extLst>
+      <p:ext uri="{BB962C8B-B14F-4D97-AF65-F5344CB8AC3E}">
+        <p14:creationId xmlns:p14="http://schemas.microsoft.com/office/powerpoint/2010/main" val="1828636056"/>
+      </p:ext>
+    </p:extLst>
+  </p:cSld>
+  <p:clrMapOvr>
+    <a:masterClrMapping/>
+  </p:clrMapOvr>
+</p:notes>
+</file>
+
+<file path=ppt/notesSlides/notesSlide18.xml><?xml version="1.0" encoding="utf-8"?>
+<p:notes xmlns:a="http://schemas.openxmlformats.org/drawingml/2006/main" xmlns:r="http://schemas.openxmlformats.org/officeDocument/2006/relationships" xmlns:p="http://schemas.openxmlformats.org/presentationml/2006/main">
+  <p:cSld>
+    <p:spTree>
+      <p:nvGrpSpPr>
+        <p:cNvPr id="1" name=""/>
+        <p:cNvGrpSpPr/>
+        <p:nvPr/>
+      </p:nvGrpSpPr>
+      <p:grpSpPr>
+        <a:xfrm>
+          <a:off x="0" y="0"/>
+          <a:ext cx="0" cy="0"/>
+          <a:chOff x="0" y="0"/>
+          <a:chExt cx="0" cy="0"/>
+        </a:xfrm>
+      </p:grpSpPr>
+      <p:sp>
+        <p:nvSpPr>
+          <p:cNvPr id="2" name="Slide Image Placeholder 1"/>
+          <p:cNvSpPr>
+            <a:spLocks noGrp="1" noRot="1" noChangeAspect="1"/>
+          </p:cNvSpPr>
+          <p:nvPr>
+            <p:ph type="sldImg"/>
+          </p:nvPr>
+        </p:nvSpPr>
+        <p:spPr/>
+      </p:sp>
+      <p:sp>
+        <p:nvSpPr>
+          <p:cNvPr id="3" name="Notes Placeholder 2"/>
+          <p:cNvSpPr>
+            <a:spLocks noGrp="1"/>
+          </p:cNvSpPr>
+          <p:nvPr>
+            <p:ph type="body" idx="1"/>
+          </p:nvPr>
+        </p:nvSpPr>
+        <p:spPr/>
+        <p:txBody>
+          <a:bodyPr/>
+          <a:lstStyle/>
+          <a:p>
             <a:pPr marL="0" marR="0" indent="0" algn="l" defTabSz="914400" rtl="0" eaLnBrk="1" fontAlgn="auto" latinLnBrk="0" hangingPunct="1">
               <a:lnSpc>
                 <a:spcPct val="100000"/>
@@ -3521,7 +4085,7 @@
             <a:fld id="{BC3ED275-7153-994E-99D9-5909A673DFFD}" type="datetime2">
               <a:rPr lang="en-US" smtClean="0"/>
               <a:pPr/>
-              <a:t>Monday, April 06, 2015</a:t>
+              <a:t>Wednesday, April 08, 2015</a:t>
             </a:fld>
             <a:endParaRPr lang="en-US" dirty="0"/>
           </a:p>
@@ -3716,7 +4280,7 @@
             <a:fld id="{604E6C61-ACAA-C24F-8F8A-3369455B37E6}" type="datetime2">
               <a:rPr lang="en-US" smtClean="0"/>
               <a:pPr/>
-              <a:t>Monday, April 06, 2015</a:t>
+              <a:t>Wednesday, April 08, 2015</a:t>
             </a:fld>
             <a:endParaRPr lang="en-US" dirty="0"/>
           </a:p>
@@ -3921,7 +4485,7 @@
             <a:fld id="{6081A34F-7B18-5F4C-91E8-15A0B2DB6558}" type="datetime2">
               <a:rPr lang="en-US" smtClean="0"/>
               <a:pPr/>
-              <a:t>Monday, April 06, 2015</a:t>
+              <a:t>Wednesday, April 08, 2015</a:t>
             </a:fld>
             <a:endParaRPr lang="en-US" dirty="0"/>
           </a:p>
@@ -4126,7 +4690,7 @@
             <a:fld id="{C5608FE6-F300-CA4F-8754-F30BE5DB2C02}" type="datetime2">
               <a:rPr lang="en-US" smtClean="0"/>
               <a:pPr/>
-              <a:t>Monday, April 06, 2015</a:t>
+              <a:t>Wednesday, April 08, 2015</a:t>
             </a:fld>
             <a:endParaRPr lang="en-US" dirty="0"/>
           </a:p>
@@ -4397,7 +4961,7 @@
             <a:fld id="{35907637-DE80-574B-9387-2B6489C2DDA9}" type="datetime2">
               <a:rPr lang="en-US" smtClean="0"/>
               <a:pPr/>
-              <a:t>Monday, April 06, 2015</a:t>
+              <a:t>Wednesday, April 08, 2015</a:t>
             </a:fld>
             <a:endParaRPr lang="en-US" dirty="0"/>
           </a:p>
@@ -4715,7 +5279,7 @@
             <a:fld id="{B29FAD1F-AC8E-0749-90DA-216529CFB27D}" type="datetime2">
               <a:rPr lang="en-US" smtClean="0"/>
               <a:pPr/>
-              <a:t>Monday, April 06, 2015</a:t>
+              <a:t>Wednesday, April 08, 2015</a:t>
             </a:fld>
             <a:endParaRPr lang="en-US" dirty="0"/>
           </a:p>
@@ -5167,7 +5731,7 @@
             <a:fld id="{C14BE83E-0675-4D45-9588-77AC2712A327}" type="datetime2">
               <a:rPr lang="en-US" smtClean="0"/>
               <a:pPr/>
-              <a:t>Monday, April 06, 2015</a:t>
+              <a:t>Wednesday, April 08, 2015</a:t>
             </a:fld>
             <a:endParaRPr lang="en-US" dirty="0"/>
           </a:p>
@@ -5315,7 +5879,7 @@
             <a:fld id="{2A00E04D-79B7-6D41-BB08-435F493F6C30}" type="datetime2">
               <a:rPr lang="en-US" smtClean="0"/>
               <a:pPr/>
-              <a:t>Monday, April 06, 2015</a:t>
+              <a:t>Wednesday, April 08, 2015</a:t>
             </a:fld>
             <a:endParaRPr lang="en-US" dirty="0"/>
           </a:p>
@@ -5435,7 +5999,7 @@
             <a:fld id="{46027C3B-ABCB-0249-A4FA-2A37469F1C4E}" type="datetime2">
               <a:rPr lang="en-US" smtClean="0"/>
               <a:pPr/>
-              <a:t>Monday, April 06, 2015</a:t>
+              <a:t>Wednesday, April 08, 2015</a:t>
             </a:fld>
             <a:endParaRPr lang="en-US" dirty="0"/>
           </a:p>
@@ -5737,7 +6301,7 @@
             <a:fld id="{2EF7263A-B695-E045-B371-427CE3BBD559}" type="datetime2">
               <a:rPr lang="en-US" smtClean="0"/>
               <a:pPr/>
-              <a:t>Monday, April 06, 2015</a:t>
+              <a:t>Wednesday, April 08, 2015</a:t>
             </a:fld>
             <a:endParaRPr lang="en-US" dirty="0"/>
           </a:p>
@@ -6021,7 +6585,7 @@
             <a:fld id="{E88F21D5-8A27-D144-BD56-2E0DA25B6EEB}" type="datetime2">
               <a:rPr lang="en-US" smtClean="0"/>
               <a:pPr/>
-              <a:t>Monday, April 06, 2015</a:t>
+              <a:t>Wednesday, April 08, 2015</a:t>
             </a:fld>
             <a:endParaRPr lang="en-US" dirty="0"/>
           </a:p>
@@ -6287,7 +6851,7 @@
             <a:fld id="{3634E6B9-A6FC-5D46-BEFB-60D025A07933}" type="datetime2">
               <a:rPr lang="en-US" smtClean="0"/>
               <a:pPr/>
-              <a:t>Monday, April 06, 2015</a:t>
+              <a:t>Wednesday, April 08, 2015</a:t>
             </a:fld>
             <a:endParaRPr lang="en-US" dirty="0"/>
           </a:p>
@@ -6832,7 +7396,7 @@
         </p:nvSpPr>
         <p:spPr>
           <a:xfrm>
-            <a:off x="685800" y="2464656"/>
+            <a:off x="685800" y="1823632"/>
             <a:ext cx="7772400" cy="1470025"/>
           </a:xfrm>
         </p:spPr>
@@ -6897,7 +7461,7 @@
                 </a:solidFill>
               </a:rPr>
               <a:pPr/>
-              <a:t>Monday, April 06, 2015</a:t>
+              <a:t>Wednesday, April 08, 2015</a:t>
             </a:fld>
             <a:endParaRPr lang="en-US" dirty="0">
               <a:solidFill>
@@ -6983,7 +7547,7 @@
       </p:sp>
       <p:pic>
         <p:nvPicPr>
-          <p:cNvPr id="6" name="Picture 5"/>
+          <p:cNvPr id="8" name="Picture 7"/>
           <p:cNvPicPr>
             <a:picLocks noChangeAspect="1"/>
           </p:cNvPicPr>
@@ -7003,8 +7567,8 @@
         </p:blipFill>
         <p:spPr>
           <a:xfrm>
-            <a:off x="213228" y="4346045"/>
-            <a:ext cx="8774334" cy="1253476"/>
+            <a:off x="279215" y="3896973"/>
+            <a:ext cx="8513355" cy="2268156"/>
           </a:xfrm>
           <a:prstGeom prst="rect">
             <a:avLst/>
@@ -7087,7 +7651,7 @@
                 </a:solidFill>
               </a:rPr>
               <a:pPr/>
-              <a:t>Monday, April 06, 2015</a:t>
+              <a:t>Wednesday, April 08, 2015</a:t>
             </a:fld>
             <a:endParaRPr lang="en-US" dirty="0">
               <a:solidFill>
@@ -7695,7 +8259,7 @@
                 </a:solidFill>
               </a:rPr>
               <a:pPr/>
-              <a:t>Monday, April 06, 2015</a:t>
+              <a:t>Wednesday, April 08, 2015</a:t>
             </a:fld>
             <a:endParaRPr lang="en-US" dirty="0">
               <a:solidFill>
@@ -8389,7 +8953,7 @@
                 </a:solidFill>
               </a:rPr>
               <a:pPr/>
-              <a:t>Monday, April 06, 2015</a:t>
+              <a:t>Wednesday, April 08, 2015</a:t>
             </a:fld>
             <a:endParaRPr lang="en-US" dirty="0">
               <a:solidFill>
@@ -9674,7 +10238,7 @@
                 </a:solidFill>
               </a:rPr>
               <a:pPr/>
-              <a:t>Monday, April 06, 2015</a:t>
+              <a:t>Wednesday, April 08, 2015</a:t>
             </a:fld>
             <a:endParaRPr lang="en-US" dirty="0">
               <a:solidFill>
@@ -10216,28 +10780,22 @@
       </p:sp>
       <p:pic>
         <p:nvPicPr>
-          <p:cNvPr id="2" name="Picture 1"/>
+          <p:cNvPr id="6" name="Picture 5"/>
           <p:cNvPicPr>
             <a:picLocks noChangeAspect="1"/>
           </p:cNvPicPr>
           <p:nvPr/>
         </p:nvPicPr>
         <p:blipFill>
-          <a:blip r:embed="rId2">
-            <a:extLst>
-              <a:ext uri="{28A0092B-C50C-407E-A947-70E740481C1C}">
-                <a14:useLocalDpi xmlns:a14="http://schemas.microsoft.com/office/drawing/2010/main" val="0"/>
-              </a:ext>
-            </a:extLst>
-          </a:blip>
+          <a:blip r:embed="rId2"/>
           <a:stretch>
             <a:fillRect/>
           </a:stretch>
         </p:blipFill>
         <p:spPr>
           <a:xfrm>
-            <a:off x="463746" y="3003307"/>
-            <a:ext cx="8223054" cy="2435959"/>
+            <a:off x="597286" y="2849393"/>
+            <a:ext cx="7698302" cy="3183762"/>
           </a:xfrm>
           <a:prstGeom prst="rect">
             <a:avLst/>
@@ -10320,7 +10878,7 @@
                 </a:solidFill>
               </a:rPr>
               <a:pPr/>
-              <a:t>Monday, April 06, 2015</a:t>
+              <a:t>Wednesday, April 08, 2015</a:t>
             </a:fld>
             <a:endParaRPr lang="en-US" dirty="0">
               <a:solidFill>
@@ -10945,28 +11503,22 @@
       </p:sp>
       <p:pic>
         <p:nvPicPr>
-          <p:cNvPr id="11" name="Picture 10"/>
+          <p:cNvPr id="2" name="Picture 1"/>
           <p:cNvPicPr>
             <a:picLocks noChangeAspect="1"/>
           </p:cNvPicPr>
           <p:nvPr/>
         </p:nvPicPr>
         <p:blipFill>
-          <a:blip r:embed="rId2" cstate="email">
-            <a:extLst>
-              <a:ext uri="{28A0092B-C50C-407E-A947-70E740481C1C}">
-                <a14:useLocalDpi xmlns:a14="http://schemas.microsoft.com/office/drawing/2010/main" val="0"/>
-              </a:ext>
-            </a:extLst>
-          </a:blip>
+          <a:blip r:embed="rId2"/>
           <a:stretch>
             <a:fillRect/>
           </a:stretch>
         </p:blipFill>
         <p:spPr>
           <a:xfrm>
-            <a:off x="2847799" y="4288532"/>
-            <a:ext cx="4709568" cy="708721"/>
+            <a:off x="2855421" y="2113904"/>
+            <a:ext cx="5005768" cy="701938"/>
           </a:xfrm>
           <a:prstGeom prst="rect">
             <a:avLst/>
@@ -10975,28 +11527,22 @@
       </p:pic>
       <p:pic>
         <p:nvPicPr>
-          <p:cNvPr id="12" name="Picture 11"/>
+          <p:cNvPr id="6" name="Picture 5"/>
           <p:cNvPicPr>
             <a:picLocks noChangeAspect="1"/>
           </p:cNvPicPr>
           <p:nvPr/>
         </p:nvPicPr>
         <p:blipFill>
-          <a:blip r:embed="rId3" cstate="email">
-            <a:extLst>
-              <a:ext uri="{28A0092B-C50C-407E-A947-70E740481C1C}">
-                <a14:useLocalDpi xmlns:a14="http://schemas.microsoft.com/office/drawing/2010/main" val="0"/>
-              </a:ext>
-            </a:extLst>
-          </a:blip>
+          <a:blip r:embed="rId3"/>
           <a:stretch>
             <a:fillRect/>
           </a:stretch>
         </p:blipFill>
         <p:spPr>
           <a:xfrm>
-            <a:off x="2855421" y="3194016"/>
-            <a:ext cx="4701947" cy="716342"/>
+            <a:off x="2867025" y="3205162"/>
+            <a:ext cx="4994164" cy="709141"/>
           </a:xfrm>
           <a:prstGeom prst="rect">
             <a:avLst/>
@@ -11005,28 +11551,22 @@
       </p:pic>
       <p:pic>
         <p:nvPicPr>
-          <p:cNvPr id="13" name="Picture 12"/>
+          <p:cNvPr id="8" name="Picture 7"/>
           <p:cNvPicPr>
             <a:picLocks noChangeAspect="1"/>
           </p:cNvPicPr>
           <p:nvPr/>
         </p:nvPicPr>
         <p:blipFill>
-          <a:blip r:embed="rId4" cstate="email">
-            <a:extLst>
-              <a:ext uri="{28A0092B-C50C-407E-A947-70E740481C1C}">
-                <a14:useLocalDpi xmlns:a14="http://schemas.microsoft.com/office/drawing/2010/main" val="0"/>
-              </a:ext>
-            </a:extLst>
-          </a:blip>
+          <a:blip r:embed="rId4"/>
           <a:stretch>
             <a:fillRect/>
           </a:stretch>
         </p:blipFill>
         <p:spPr>
           <a:xfrm>
-            <a:off x="2855421" y="2149979"/>
-            <a:ext cx="4701947" cy="708721"/>
+            <a:off x="2867025" y="4303623"/>
+            <a:ext cx="4994164" cy="624271"/>
           </a:xfrm>
           <a:prstGeom prst="rect">
             <a:avLst/>
@@ -11035,28 +11575,22 @@
       </p:pic>
       <p:pic>
         <p:nvPicPr>
-          <p:cNvPr id="14" name="Picture 13"/>
+          <p:cNvPr id="10" name="Picture 9"/>
           <p:cNvPicPr>
             <a:picLocks noChangeAspect="1"/>
           </p:cNvPicPr>
           <p:nvPr/>
         </p:nvPicPr>
         <p:blipFill>
-          <a:blip r:embed="rId5" cstate="email">
-            <a:extLst>
-              <a:ext uri="{28A0092B-C50C-407E-A947-70E740481C1C}">
-                <a14:useLocalDpi xmlns:a14="http://schemas.microsoft.com/office/drawing/2010/main" val="0"/>
-              </a:ext>
-            </a:extLst>
-          </a:blip>
+          <a:blip r:embed="rId5"/>
           <a:stretch>
             <a:fillRect/>
           </a:stretch>
         </p:blipFill>
         <p:spPr>
           <a:xfrm>
-            <a:off x="2855421" y="5375427"/>
-            <a:ext cx="4701947" cy="723963"/>
+            <a:off x="2867025" y="5384855"/>
+            <a:ext cx="4994164" cy="667154"/>
           </a:xfrm>
           <a:prstGeom prst="rect">
             <a:avLst/>
@@ -11139,7 +11673,7 @@
                 </a:solidFill>
               </a:rPr>
               <a:pPr/>
-              <a:t>Monday, April 06, 2015</a:t>
+              <a:t>Wednesday, April 08, 2015</a:t>
             </a:fld>
             <a:endParaRPr lang="en-US" dirty="0">
               <a:solidFill>
@@ -11515,7 +12049,7 @@
                 </a:solidFill>
               </a:rPr>
               <a:pPr/>
-              <a:t>Monday, April 06, 2015</a:t>
+              <a:t>Wednesday, April 08, 2015</a:t>
             </a:fld>
             <a:endParaRPr lang="en-US" dirty="0">
               <a:solidFill>
@@ -12073,14 +12607,14 @@
       </p:sp>
       <p:pic>
         <p:nvPicPr>
-          <p:cNvPr id="6" name="Picture 5"/>
+          <p:cNvPr id="2" name="Picture 1"/>
           <p:cNvPicPr>
             <a:picLocks noChangeAspect="1"/>
           </p:cNvPicPr>
           <p:nvPr/>
         </p:nvPicPr>
         <p:blipFill>
-          <a:blip r:embed="rId3" cstate="email">
+          <a:blip r:embed="rId3">
             <a:extLst>
               <a:ext uri="{28A0092B-C50C-407E-A947-70E740481C1C}">
                 <a14:useLocalDpi xmlns:a14="http://schemas.microsoft.com/office/drawing/2010/main" val="0"/>
@@ -12093,8 +12627,8 @@
         </p:blipFill>
         <p:spPr>
           <a:xfrm>
-            <a:off x="267344" y="3208875"/>
-            <a:ext cx="8720218" cy="2560329"/>
+            <a:off x="267344" y="3519958"/>
+            <a:ext cx="8663970" cy="2296379"/>
           </a:xfrm>
           <a:prstGeom prst="rect">
             <a:avLst/>
@@ -12177,7 +12711,7 @@
                 </a:solidFill>
               </a:rPr>
               <a:pPr/>
-              <a:t>Monday, April 06, 2015</a:t>
+              <a:t>Wednesday, April 08, 2015</a:t>
             </a:fld>
             <a:endParaRPr lang="en-US" dirty="0">
               <a:solidFill>
@@ -12397,7 +12931,7 @@
                 </a:solidFill>
               </a:rPr>
               <a:pPr/>
-              <a:t>Monday, April 06, 2015</a:t>
+              <a:t>Wednesday, April 08, 2015</a:t>
             </a:fld>
             <a:endParaRPr lang="en-US" dirty="0">
               <a:solidFill>
@@ -12930,9 +13464,9 @@
       </p:sp>
       <p:pic>
         <p:nvPicPr>
-          <p:cNvPr id="1026" name="Picture 2" descr="C:\Users\quangson\Desktop\Capture.PNG"/>
+          <p:cNvPr id="2" name="Picture 1"/>
           <p:cNvPicPr>
-            <a:picLocks noChangeAspect="1" noChangeArrowheads="1"/>
+            <a:picLocks noChangeAspect="1"/>
           </p:cNvPicPr>
           <p:nvPr/>
         </p:nvPicPr>
@@ -12944,36 +13478,25 @@
               </a:ext>
             </a:extLst>
           </a:blip>
-          <a:srcRect/>
           <a:stretch>
             <a:fillRect/>
           </a:stretch>
         </p:blipFill>
-        <p:spPr bwMode="auto">
+        <p:spPr>
           <a:xfrm>
-            <a:off x="457200" y="2738433"/>
-            <a:ext cx="8415338" cy="1197689"/>
+            <a:off x="457200" y="4294103"/>
+            <a:ext cx="8425585" cy="1946440"/>
           </a:xfrm>
           <a:prstGeom prst="rect">
             <a:avLst/>
           </a:prstGeom>
-          <a:noFill/>
-          <a:extLst>
-            <a:ext uri="{909E8E84-426E-40DD-AFC4-6F175D3DCCD1}">
-              <a14:hiddenFill xmlns:a14="http://schemas.microsoft.com/office/drawing/2010/main">
-                <a:solidFill>
-                  <a:srgbClr val="FFFFFF"/>
-                </a:solidFill>
-              </a14:hiddenFill>
-            </a:ext>
-          </a:extLst>
         </p:spPr>
       </p:pic>
       <p:pic>
         <p:nvPicPr>
-          <p:cNvPr id="1027" name="Picture 3" descr="C:\Users\quangson\Desktop\Capture1.PNG"/>
+          <p:cNvPr id="6" name="Picture 5"/>
           <p:cNvPicPr>
-            <a:picLocks noChangeAspect="1" noChangeArrowheads="1"/>
+            <a:picLocks noChangeAspect="1"/>
           </p:cNvPicPr>
           <p:nvPr/>
         </p:nvPicPr>
@@ -12985,29 +13508,18 @@
               </a:ext>
             </a:extLst>
           </a:blip>
-          <a:srcRect/>
           <a:stretch>
             <a:fillRect/>
           </a:stretch>
         </p:blipFill>
-        <p:spPr bwMode="auto">
+        <p:spPr>
           <a:xfrm>
-            <a:off x="457200" y="4133849"/>
-            <a:ext cx="8415338" cy="2038351"/>
+            <a:off x="457200" y="2729943"/>
+            <a:ext cx="8419456" cy="1097340"/>
           </a:xfrm>
           <a:prstGeom prst="rect">
             <a:avLst/>
           </a:prstGeom>
-          <a:noFill/>
-          <a:extLst>
-            <a:ext uri="{909E8E84-426E-40DD-AFC4-6F175D3DCCD1}">
-              <a14:hiddenFill xmlns:a14="http://schemas.microsoft.com/office/drawing/2010/main">
-                <a:solidFill>
-                  <a:srgbClr val="FFFFFF"/>
-                </a:solidFill>
-              </a14:hiddenFill>
-            </a:ext>
-          </a:extLst>
         </p:spPr>
       </p:pic>
     </p:spTree>
@@ -13086,7 +13598,7 @@
                 </a:solidFill>
               </a:rPr>
               <a:pPr/>
-              <a:t>Monday, April 06, 2015</a:t>
+              <a:t>Wednesday, April 08, 2015</a:t>
             </a:fld>
             <a:endParaRPr lang="en-US" dirty="0">
               <a:solidFill>
@@ -13462,7 +13974,7 @@
                 </a:solidFill>
               </a:rPr>
               <a:pPr/>
-              <a:t>Monday, April 06, 2015</a:t>
+              <a:t>Wednesday, April 08, 2015</a:t>
             </a:fld>
             <a:endParaRPr lang="en-US" dirty="0">
               <a:solidFill>
@@ -14055,7 +14567,7 @@
                 </a:solidFill>
               </a:rPr>
               <a:pPr/>
-              <a:t>Monday, April 06, 2015</a:t>
+              <a:t>Wednesday, April 08, 2015</a:t>
             </a:fld>
             <a:endParaRPr lang="en-US" dirty="0">
               <a:solidFill>
@@ -14548,14 +15060,14 @@
       </p:sp>
       <p:pic>
         <p:nvPicPr>
-          <p:cNvPr id="6" name="Picture 5"/>
+          <p:cNvPr id="2" name="Picture 1"/>
           <p:cNvPicPr>
             <a:picLocks noChangeAspect="1"/>
           </p:cNvPicPr>
           <p:nvPr/>
         </p:nvPicPr>
         <p:blipFill>
-          <a:blip r:embed="rId3" cstate="email">
+          <a:blip r:embed="rId3">
             <a:extLst>
               <a:ext uri="{28A0092B-C50C-407E-A947-70E740481C1C}">
                 <a14:useLocalDpi xmlns:a14="http://schemas.microsoft.com/office/drawing/2010/main" val="0"/>
@@ -14568,8 +15080,8 @@
         </p:blipFill>
         <p:spPr>
           <a:xfrm>
-            <a:off x="300569" y="2932358"/>
-            <a:ext cx="8522919" cy="3072515"/>
+            <a:off x="267344" y="2999668"/>
+            <a:ext cx="8612707" cy="2948645"/>
           </a:xfrm>
           <a:prstGeom prst="rect">
             <a:avLst/>
@@ -14652,7 +15164,7 @@
                 </a:solidFill>
               </a:rPr>
               <a:pPr/>
-              <a:t>Monday, April 06, 2015</a:t>
+              <a:t>Wednesday, April 08, 2015</a:t>
             </a:fld>
             <a:endParaRPr lang="en-US" dirty="0">
               <a:solidFill>
@@ -15514,7 +16026,7 @@
                 </a:solidFill>
               </a:rPr>
               <a:pPr/>
-              <a:t>Monday, April 06, 2015</a:t>
+              <a:t>Wednesday, April 08, 2015</a:t>
             </a:fld>
             <a:endParaRPr lang="en-US" dirty="0">
               <a:solidFill>
@@ -16190,7 +16702,7 @@
                 </a:solidFill>
               </a:rPr>
               <a:pPr/>
-              <a:t>Monday, April 06, 2015</a:t>
+              <a:t>Wednesday, April 08, 2015</a:t>
             </a:fld>
             <a:endParaRPr lang="en-US" dirty="0">
               <a:solidFill>
@@ -16803,7 +17315,7 @@
                 </a:solidFill>
               </a:rPr>
               <a:pPr/>
-              <a:t>Monday, April 06, 2015</a:t>
+              <a:t>Wednesday, April 08, 2015</a:t>
             </a:fld>
             <a:endParaRPr lang="en-US" dirty="0">
               <a:solidFill>
@@ -17416,7 +17928,7 @@
                 </a:solidFill>
               </a:rPr>
               <a:pPr/>
-              <a:t>Monday, April 06, 2015</a:t>
+              <a:t>Wednesday, April 08, 2015</a:t>
             </a:fld>
             <a:endParaRPr lang="en-US" dirty="0">
               <a:solidFill>
@@ -17901,14 +18413,14 @@
       </p:sp>
       <p:pic>
         <p:nvPicPr>
-          <p:cNvPr id="2" name="Picture 1"/>
+          <p:cNvPr id="6" name="Picture 5"/>
           <p:cNvPicPr>
             <a:picLocks noChangeAspect="1"/>
           </p:cNvPicPr>
           <p:nvPr/>
         </p:nvPicPr>
         <p:blipFill>
-          <a:blip r:embed="rId2">
+          <a:blip r:embed="rId3">
             <a:extLst>
               <a:ext uri="{28A0092B-C50C-407E-A947-70E740481C1C}">
                 <a14:useLocalDpi xmlns:a14="http://schemas.microsoft.com/office/drawing/2010/main" val="0"/>
@@ -17921,8 +18433,8 @@
         </p:blipFill>
         <p:spPr>
           <a:xfrm>
-            <a:off x="216367" y="2763649"/>
-            <a:ext cx="8760972" cy="3514602"/>
+            <a:off x="191929" y="2578527"/>
+            <a:ext cx="8819587" cy="3577176"/>
           </a:xfrm>
           <a:prstGeom prst="rect">
             <a:avLst/>
@@ -18005,7 +18517,7 @@
                 </a:solidFill>
               </a:rPr>
               <a:pPr/>
-              <a:t>Monday, April 06, 2015</a:t>
+              <a:t>Wednesday, April 08, 2015</a:t>
             </a:fld>
             <a:endParaRPr lang="en-US" dirty="0">
               <a:solidFill>
@@ -18761,7 +19273,7 @@
                 </a:solidFill>
               </a:rPr>
               <a:pPr/>
-              <a:t>Monday, April 06, 2015</a:t>
+              <a:t>Wednesday, April 08, 2015</a:t>
             </a:fld>
             <a:endParaRPr lang="en-US" dirty="0">
               <a:solidFill>
@@ -19238,7 +19750,7 @@
                 <a:solidFill>
                   <a:schemeClr val="tx1"/>
                 </a:solidFill>
-                <a:hlinkClick r:id="rId2"/>
+                <a:hlinkClick r:id="rId3"/>
               </a:rPr>
               <a:t>store.js</a:t>
             </a:r>
@@ -19252,14 +19764,14 @@
       </p:sp>
       <p:pic>
         <p:nvPicPr>
-          <p:cNvPr id="2" name="Picture 1"/>
+          <p:cNvPr id="6" name="Picture 5"/>
           <p:cNvPicPr>
             <a:picLocks noChangeAspect="1"/>
           </p:cNvPicPr>
           <p:nvPr/>
         </p:nvPicPr>
         <p:blipFill>
-          <a:blip r:embed="rId3">
+          <a:blip r:embed="rId4">
             <a:extLst>
               <a:ext uri="{28A0092B-C50C-407E-A947-70E740481C1C}">
                 <a14:useLocalDpi xmlns:a14="http://schemas.microsoft.com/office/drawing/2010/main" val="0"/>
@@ -19272,8 +19784,8 @@
         </p:blipFill>
         <p:spPr>
           <a:xfrm>
-            <a:off x="271272" y="2716293"/>
-            <a:ext cx="8717759" cy="3449577"/>
+            <a:off x="457200" y="2673785"/>
+            <a:ext cx="8151175" cy="3698735"/>
           </a:xfrm>
           <a:prstGeom prst="rect">
             <a:avLst/>
@@ -19356,7 +19868,7 @@
                 </a:solidFill>
               </a:rPr>
               <a:pPr/>
-              <a:t>Tuesday, April 07, 2015</a:t>
+              <a:t>Wednesday, April 08, 2015</a:t>
             </a:fld>
             <a:endParaRPr lang="en-US" dirty="0">
               <a:solidFill>
@@ -20055,7 +20567,7 @@
                 </a:solidFill>
               </a:rPr>
               <a:pPr/>
-              <a:t>Monday, April 06, 2015</a:t>
+              <a:t>Wednesday, April 08, 2015</a:t>
             </a:fld>
             <a:endParaRPr lang="en-US" dirty="0">
               <a:solidFill>
@@ -20215,7 +20727,7 @@
                 </a:solidFill>
               </a:rPr>
               <a:pPr/>
-              <a:t>Monday, April 06, 2015</a:t>
+              <a:t>Wednesday, April 08, 2015</a:t>
             </a:fld>
             <a:endParaRPr lang="en-US" dirty="0">
               <a:solidFill>
@@ -20724,28 +21236,22 @@
       </p:sp>
       <p:pic>
         <p:nvPicPr>
-          <p:cNvPr id="2" name="Picture 1"/>
+          <p:cNvPr id="6" name="Picture 5"/>
           <p:cNvPicPr>
             <a:picLocks noChangeAspect="1"/>
           </p:cNvPicPr>
           <p:nvPr/>
         </p:nvPicPr>
         <p:blipFill>
-          <a:blip r:embed="rId3">
-            <a:extLst>
-              <a:ext uri="{28A0092B-C50C-407E-A947-70E740481C1C}">
-                <a14:useLocalDpi xmlns:a14="http://schemas.microsoft.com/office/drawing/2010/main" val="0"/>
-              </a:ext>
-            </a:extLst>
-          </a:blip>
+          <a:blip r:embed="rId3"/>
           <a:stretch>
             <a:fillRect/>
           </a:stretch>
         </p:blipFill>
         <p:spPr>
           <a:xfrm>
-            <a:off x="267343" y="3669049"/>
-            <a:ext cx="8650414" cy="799255"/>
+            <a:off x="156437" y="4036693"/>
+            <a:ext cx="8761319" cy="1485473"/>
           </a:xfrm>
           <a:prstGeom prst="rect">
             <a:avLst/>
@@ -20828,7 +21334,7 @@
                 </a:solidFill>
               </a:rPr>
               <a:pPr/>
-              <a:t>Monday, April 06, 2015</a:t>
+              <a:t>Wednesday, April 08, 2015</a:t>
             </a:fld>
             <a:endParaRPr lang="en-US" dirty="0">
               <a:solidFill>
@@ -21510,7 +22016,7 @@
                 </a:solidFill>
               </a:rPr>
               <a:pPr/>
-              <a:t>Monday, April 06, 2015</a:t>
+              <a:t>Wednesday, April 08, 2015</a:t>
             </a:fld>
             <a:endParaRPr lang="en-US" dirty="0">
               <a:solidFill>
@@ -22187,7 +22693,7 @@
                 </a:solidFill>
               </a:rPr>
               <a:pPr/>
-              <a:t>Monday, April 06, 2015</a:t>
+              <a:t>Wednesday, April 08, 2015</a:t>
             </a:fld>
             <a:endParaRPr lang="en-US" dirty="0">
               <a:solidFill>
@@ -22834,7 +23340,7 @@
                 </a:solidFill>
               </a:rPr>
               <a:pPr/>
-              <a:t>Monday, April 06, 2015</a:t>
+              <a:t>Wednesday, April 08, 2015</a:t>
             </a:fld>
             <a:endParaRPr lang="en-US" dirty="0">
               <a:solidFill>
@@ -24297,7 +24803,7 @@
                 </a:solidFill>
               </a:rPr>
               <a:pPr/>
-              <a:t>Monday, April 06, 2015</a:t>
+              <a:t>Wednesday, April 08, 2015</a:t>
             </a:fld>
             <a:endParaRPr lang="en-US" dirty="0">
               <a:solidFill>
@@ -24963,7 +25469,7 @@
                 </a:solidFill>
               </a:rPr>
               <a:pPr/>
-              <a:t>Monday, April 06, 2015</a:t>
+              <a:t>Wednesday, April 08, 2015</a:t>
             </a:fld>
             <a:endParaRPr lang="en-US" dirty="0">
               <a:solidFill>

--- a/QSoftVietnam_SlideTemplate2014- Sonvq.pptx
+++ b/QSoftVietnam_SlideTemplate2014- Sonvq.pptx
@@ -21234,30 +21234,63 @@
           </a:p>
         </p:txBody>
       </p:sp>
-      <p:pic>
-        <p:nvPicPr>
-          <p:cNvPr id="6" name="Picture 5"/>
-          <p:cNvPicPr>
-            <a:picLocks noChangeAspect="1"/>
-          </p:cNvPicPr>
-          <p:nvPr/>
-        </p:nvPicPr>
-        <p:blipFill>
-          <a:blip r:embed="rId3"/>
-          <a:stretch>
-            <a:fillRect/>
-          </a:stretch>
-        </p:blipFill>
-        <p:spPr>
-          <a:xfrm>
-            <a:off x="156437" y="4036693"/>
-            <a:ext cx="8761319" cy="1485473"/>
-          </a:xfrm>
-          <a:prstGeom prst="rect">
-            <a:avLst/>
-          </a:prstGeom>
-        </p:spPr>
-      </p:pic>
+      <p:graphicFrame>
+        <p:nvGraphicFramePr>
+          <p:cNvPr id="2" name="Object 1"/>
+          <p:cNvGraphicFramePr>
+            <a:graphicFrameLocks noChangeAspect="1"/>
+          </p:cNvGraphicFramePr>
+          <p:nvPr>
+            <p:extLst>
+              <p:ext uri="{D42A27DB-BD31-4B8C-83A1-F6EECF244321}">
+                <p14:modId xmlns:p14="http://schemas.microsoft.com/office/powerpoint/2010/main" val="1231223805"/>
+              </p:ext>
+            </p:extLst>
+          </p:nvPr>
+        </p:nvGraphicFramePr>
+        <p:xfrm>
+          <a:off x="156437" y="4036692"/>
+          <a:ext cx="8776972" cy="1485475"/>
+        </p:xfrm>
+        <a:graphic>
+          <a:graphicData uri="http://schemas.openxmlformats.org/presentationml/2006/ole">
+            <mc:AlternateContent xmlns:mc="http://schemas.openxmlformats.org/markup-compatibility/2006">
+              <mc:Choice xmlns:v="urn:schemas-microsoft-com:vml" Requires="v">
+                <p:oleObj spid="_x0000_s1028" name="Bitmap Image" r:id="rId4" imgW="5943600" imgH="861120" progId="Paint.Picture">
+                  <p:embed/>
+                </p:oleObj>
+              </mc:Choice>
+              <mc:Fallback>
+                <p:oleObj name="Bitmap Image" r:id="rId4" imgW="5943600" imgH="861120" progId="Paint.Picture">
+                  <p:embed/>
+                  <p:pic>
+                    <p:nvPicPr>
+                      <p:cNvPr id="0" name=""/>
+                      <p:cNvPicPr/>
+                      <p:nvPr/>
+                    </p:nvPicPr>
+                    <p:blipFill>
+                      <a:blip r:embed="rId5"/>
+                      <a:stretch>
+                        <a:fillRect/>
+                      </a:stretch>
+                    </p:blipFill>
+                    <p:spPr>
+                      <a:xfrm>
+                        <a:off x="156437" y="4036692"/>
+                        <a:ext cx="8776972" cy="1485475"/>
+                      </a:xfrm>
+                      <a:prstGeom prst="rect">
+                        <a:avLst/>
+                      </a:prstGeom>
+                    </p:spPr>
+                  </p:pic>
+                </p:oleObj>
+              </mc:Fallback>
+            </mc:AlternateContent>
+          </a:graphicData>
+        </a:graphic>
+      </p:graphicFrame>
     </p:spTree>
     <p:extLst>
       <p:ext uri="{BB962C8B-B14F-4D97-AF65-F5344CB8AC3E}">
